--- a/Documentation/Group Presentation.pptx
+++ b/Documentation/Group Presentation.pptx
@@ -11,23 +11,45 @@
     <p:sldId id="259" r:id="rId5"/>
     <p:sldId id="260" r:id="rId6"/>
     <p:sldId id="261" r:id="rId7"/>
-    <p:sldId id="262" r:id="rId8"/>
-    <p:sldId id="263" r:id="rId9"/>
-    <p:sldId id="264" r:id="rId10"/>
-    <p:sldId id="265" r:id="rId11"/>
-    <p:sldId id="267" r:id="rId12"/>
-    <p:sldId id="266" r:id="rId13"/>
-    <p:sldId id="268" r:id="rId14"/>
-    <p:sldId id="269" r:id="rId15"/>
-    <p:sldId id="270" r:id="rId16"/>
-    <p:sldId id="271" r:id="rId17"/>
-    <p:sldId id="272" r:id="rId18"/>
-    <p:sldId id="273" r:id="rId19"/>
-    <p:sldId id="274" r:id="rId20"/>
-    <p:sldId id="275" r:id="rId21"/>
-    <p:sldId id="276" r:id="rId22"/>
-    <p:sldId id="277" r:id="rId23"/>
-    <p:sldId id="278" r:id="rId24"/>
+    <p:sldId id="294" r:id="rId8"/>
+    <p:sldId id="286" r:id="rId9"/>
+    <p:sldId id="295" r:id="rId10"/>
+    <p:sldId id="287" r:id="rId11"/>
+    <p:sldId id="288" r:id="rId12"/>
+    <p:sldId id="262" r:id="rId13"/>
+    <p:sldId id="296" r:id="rId14"/>
+    <p:sldId id="289" r:id="rId15"/>
+    <p:sldId id="263" r:id="rId16"/>
+    <p:sldId id="297" r:id="rId17"/>
+    <p:sldId id="290" r:id="rId18"/>
+    <p:sldId id="264" r:id="rId19"/>
+    <p:sldId id="298" r:id="rId20"/>
+    <p:sldId id="291" r:id="rId21"/>
+    <p:sldId id="265" r:id="rId22"/>
+    <p:sldId id="299" r:id="rId23"/>
+    <p:sldId id="292" r:id="rId24"/>
+    <p:sldId id="267" r:id="rId25"/>
+    <p:sldId id="300" r:id="rId26"/>
+    <p:sldId id="293" r:id="rId27"/>
+    <p:sldId id="266" r:id="rId28"/>
+    <p:sldId id="268" r:id="rId29"/>
+    <p:sldId id="279" r:id="rId30"/>
+    <p:sldId id="280" r:id="rId31"/>
+    <p:sldId id="281" r:id="rId32"/>
+    <p:sldId id="282" r:id="rId33"/>
+    <p:sldId id="269" r:id="rId34"/>
+    <p:sldId id="283" r:id="rId35"/>
+    <p:sldId id="284" r:id="rId36"/>
+    <p:sldId id="285" r:id="rId37"/>
+    <p:sldId id="270" r:id="rId38"/>
+    <p:sldId id="271" r:id="rId39"/>
+    <p:sldId id="272" r:id="rId40"/>
+    <p:sldId id="273" r:id="rId41"/>
+    <p:sldId id="274" r:id="rId42"/>
+    <p:sldId id="275" r:id="rId43"/>
+    <p:sldId id="276" r:id="rId44"/>
+    <p:sldId id="277" r:id="rId45"/>
+    <p:sldId id="278" r:id="rId46"/>
   </p:sldIdLst>
   <p:sldSz cx="12192000" cy="6858000"/>
   <p:notesSz cx="6858000" cy="9144000"/>
@@ -126,6 +148,11 @@
       </a:defRPr>
     </a:lvl9pPr>
   </p:defaultTextStyle>
+  <p:extLst>
+    <p:ext uri="{EFAFB233-063F-42B5-8137-9DF3F51BA10A}">
+      <p15:sldGuideLst xmlns:p15="http://schemas.microsoft.com/office/powerpoint/2012/main"/>
+    </p:ext>
+  </p:extLst>
 </p:presentation>
 </file>
 
@@ -179,7 +206,7 @@
           <a:noFill/>
           <a:extLst>
             <a:ext uri="{909E8E84-426E-40dd-AFC4-6F175D3DCCD1}">
-              <a14:hiddenFill xmlns:a14="http://schemas.microsoft.com/office/drawing/2010/main" xmlns="">
+              <a14:hiddenFill xmlns="" xmlns:a14="http://schemas.microsoft.com/office/drawing/2010/main">
                 <a:solidFill>
                   <a:srgbClr val="FFFFFF"/>
                 </a:solidFill>
@@ -239,7 +266,7 @@
             </a:ln>
             <a:extLst>
               <a:ext uri="{91240B29-F687-4f45-9708-019B960494DF}">
-                <a14:hiddenLine xmlns:a14="http://schemas.microsoft.com/office/drawing/2010/main" xmlns="" w="9525">
+                <a14:hiddenLine xmlns="" xmlns:a14="http://schemas.microsoft.com/office/drawing/2010/main" w="9525">
                   <a:solidFill>
                     <a:srgbClr val="000000"/>
                   </a:solidFill>
@@ -329,7 +356,7 @@
             </a:ln>
             <a:extLst>
               <a:ext uri="{91240B29-F687-4f45-9708-019B960494DF}">
-                <a14:hiddenLine xmlns:a14="http://schemas.microsoft.com/office/drawing/2010/main" xmlns="" w="9525">
+                <a14:hiddenLine xmlns="" xmlns:a14="http://schemas.microsoft.com/office/drawing/2010/main" w="9525">
                   <a:solidFill>
                     <a:srgbClr val="000000"/>
                   </a:solidFill>
@@ -419,7 +446,7 @@
             </a:ln>
             <a:extLst>
               <a:ext uri="{91240B29-F687-4f45-9708-019B960494DF}">
-                <a14:hiddenLine xmlns:a14="http://schemas.microsoft.com/office/drawing/2010/main" xmlns="" w="9525">
+                <a14:hiddenLine xmlns="" xmlns:a14="http://schemas.microsoft.com/office/drawing/2010/main" w="9525">
                   <a:solidFill>
                     <a:srgbClr val="000000"/>
                   </a:solidFill>
@@ -453,7 +480,7 @@
             </a:ln>
             <a:extLst>
               <a:ext uri="{91240B29-F687-4f45-9708-019B960494DF}">
-                <a14:hiddenLine xmlns:a14="http://schemas.microsoft.com/office/drawing/2010/main" xmlns="" w="9525">
+                <a14:hiddenLine xmlns="" xmlns:a14="http://schemas.microsoft.com/office/drawing/2010/main" w="9525">
                   <a:solidFill>
                     <a:srgbClr val="000000"/>
                   </a:solidFill>
@@ -543,7 +570,7 @@
             </a:ln>
             <a:extLst>
               <a:ext uri="{91240B29-F687-4f45-9708-019B960494DF}">
-                <a14:hiddenLine xmlns:a14="http://schemas.microsoft.com/office/drawing/2010/main" xmlns="" w="9525">
+                <a14:hiddenLine xmlns="" xmlns:a14="http://schemas.microsoft.com/office/drawing/2010/main" w="9525">
                   <a:solidFill>
                     <a:srgbClr val="000000"/>
                   </a:solidFill>
@@ -605,7 +632,7 @@
             </a:ln>
             <a:extLst>
               <a:ext uri="{91240B29-F687-4f45-9708-019B960494DF}">
-                <a14:hiddenLine xmlns:a14="http://schemas.microsoft.com/office/drawing/2010/main" xmlns="" w="9525">
+                <a14:hiddenLine xmlns="" xmlns:a14="http://schemas.microsoft.com/office/drawing/2010/main" w="9525">
                   <a:solidFill>
                     <a:srgbClr val="000000"/>
                   </a:solidFill>
@@ -667,7 +694,7 @@
             </a:ln>
             <a:extLst>
               <a:ext uri="{91240B29-F687-4f45-9708-019B960494DF}">
-                <a14:hiddenLine xmlns:a14="http://schemas.microsoft.com/office/drawing/2010/main" xmlns="" w="9525">
+                <a14:hiddenLine xmlns="" xmlns:a14="http://schemas.microsoft.com/office/drawing/2010/main" w="9525">
                   <a:solidFill>
                     <a:srgbClr val="000000"/>
                   </a:solidFill>
@@ -757,7 +784,7 @@
             </a:ln>
             <a:extLst>
               <a:ext uri="{91240B29-F687-4f45-9708-019B960494DF}">
-                <a14:hiddenLine xmlns:a14="http://schemas.microsoft.com/office/drawing/2010/main" xmlns="" w="9525">
+                <a14:hiddenLine xmlns="" xmlns:a14="http://schemas.microsoft.com/office/drawing/2010/main" w="9525">
                   <a:solidFill>
                     <a:srgbClr val="000000"/>
                   </a:solidFill>
@@ -819,7 +846,7 @@
             </a:ln>
             <a:extLst>
               <a:ext uri="{91240B29-F687-4f45-9708-019B960494DF}">
-                <a14:hiddenLine xmlns:a14="http://schemas.microsoft.com/office/drawing/2010/main" xmlns="" w="9525">
+                <a14:hiddenLine xmlns="" xmlns:a14="http://schemas.microsoft.com/office/drawing/2010/main" w="9525">
                   <a:solidFill>
                     <a:srgbClr val="000000"/>
                   </a:solidFill>
@@ -881,7 +908,7 @@
             </a:ln>
             <a:extLst>
               <a:ext uri="{91240B29-F687-4f45-9708-019B960494DF}">
-                <a14:hiddenLine xmlns:a14="http://schemas.microsoft.com/office/drawing/2010/main" xmlns="" w="9525">
+                <a14:hiddenLine xmlns="" xmlns:a14="http://schemas.microsoft.com/office/drawing/2010/main" w="9525">
                   <a:solidFill>
                     <a:srgbClr val="000000"/>
                   </a:solidFill>
@@ -971,7 +998,7 @@
             </a:ln>
             <a:extLst>
               <a:ext uri="{91240B29-F687-4f45-9708-019B960494DF}">
-                <a14:hiddenLine xmlns:a14="http://schemas.microsoft.com/office/drawing/2010/main" xmlns="" w="9525">
+                <a14:hiddenLine xmlns="" xmlns:a14="http://schemas.microsoft.com/office/drawing/2010/main" w="9525">
                   <a:solidFill>
                     <a:srgbClr val="000000"/>
                   </a:solidFill>
@@ -1061,7 +1088,7 @@
             </a:ln>
             <a:extLst>
               <a:ext uri="{91240B29-F687-4f45-9708-019B960494DF}">
-                <a14:hiddenLine xmlns:a14="http://schemas.microsoft.com/office/drawing/2010/main" xmlns="" w="9525">
+                <a14:hiddenLine xmlns="" xmlns:a14="http://schemas.microsoft.com/office/drawing/2010/main" w="9525">
                   <a:solidFill>
                     <a:srgbClr val="000000"/>
                   </a:solidFill>
@@ -1123,7 +1150,7 @@
             </a:ln>
             <a:extLst>
               <a:ext uri="{91240B29-F687-4f45-9708-019B960494DF}">
-                <a14:hiddenLine xmlns:a14="http://schemas.microsoft.com/office/drawing/2010/main" xmlns="" w="9525">
+                <a14:hiddenLine xmlns="" xmlns:a14="http://schemas.microsoft.com/office/drawing/2010/main" w="9525">
                   <a:solidFill>
                     <a:srgbClr val="000000"/>
                   </a:solidFill>
@@ -1233,7 +1260,7 @@
             </a:ln>
             <a:extLst>
               <a:ext uri="{91240B29-F687-4f45-9708-019B960494DF}">
-                <a14:hiddenLine xmlns:a14="http://schemas.microsoft.com/office/drawing/2010/main" xmlns="" w="9525">
+                <a14:hiddenLine xmlns="" xmlns:a14="http://schemas.microsoft.com/office/drawing/2010/main" w="9525">
                   <a:solidFill>
                     <a:srgbClr val="000000"/>
                   </a:solidFill>
@@ -1295,7 +1322,7 @@
             </a:ln>
             <a:extLst>
               <a:ext uri="{91240B29-F687-4f45-9708-019B960494DF}">
-                <a14:hiddenLine xmlns:a14="http://schemas.microsoft.com/office/drawing/2010/main" xmlns="" w="9525">
+                <a14:hiddenLine xmlns="" xmlns:a14="http://schemas.microsoft.com/office/drawing/2010/main" w="9525">
                   <a:solidFill>
                     <a:srgbClr val="000000"/>
                   </a:solidFill>
@@ -1385,7 +1412,7 @@
             </a:ln>
             <a:extLst>
               <a:ext uri="{91240B29-F687-4f45-9708-019B960494DF}">
-                <a14:hiddenLine xmlns:a14="http://schemas.microsoft.com/office/drawing/2010/main" xmlns="" w="9525">
+                <a14:hiddenLine xmlns="" xmlns:a14="http://schemas.microsoft.com/office/drawing/2010/main" w="9525">
                   <a:solidFill>
                     <a:srgbClr val="000000"/>
                   </a:solidFill>
@@ -1475,7 +1502,7 @@
             </a:ln>
             <a:extLst>
               <a:ext uri="{91240B29-F687-4f45-9708-019B960494DF}">
-                <a14:hiddenLine xmlns:a14="http://schemas.microsoft.com/office/drawing/2010/main" xmlns="" w="9525">
+                <a14:hiddenLine xmlns="" xmlns:a14="http://schemas.microsoft.com/office/drawing/2010/main" w="9525">
                   <a:solidFill>
                     <a:srgbClr val="000000"/>
                   </a:solidFill>
@@ -1537,7 +1564,7 @@
             </a:ln>
             <a:extLst>
               <a:ext uri="{91240B29-F687-4f45-9708-019B960494DF}">
-                <a14:hiddenLine xmlns:a14="http://schemas.microsoft.com/office/drawing/2010/main" xmlns="" w="9525">
+                <a14:hiddenLine xmlns="" xmlns:a14="http://schemas.microsoft.com/office/drawing/2010/main" w="9525">
                   <a:solidFill>
                     <a:srgbClr val="000000"/>
                   </a:solidFill>
@@ -1627,7 +1654,7 @@
             </a:ln>
             <a:extLst>
               <a:ext uri="{91240B29-F687-4f45-9708-019B960494DF}">
-                <a14:hiddenLine xmlns:a14="http://schemas.microsoft.com/office/drawing/2010/main" xmlns="" w="9525">
+                <a14:hiddenLine xmlns="" xmlns:a14="http://schemas.microsoft.com/office/drawing/2010/main" w="9525">
                   <a:solidFill>
                     <a:srgbClr val="000000"/>
                   </a:solidFill>
@@ -1717,7 +1744,7 @@
             </a:ln>
             <a:extLst>
               <a:ext uri="{91240B29-F687-4f45-9708-019B960494DF}">
-                <a14:hiddenLine xmlns:a14="http://schemas.microsoft.com/office/drawing/2010/main" xmlns="" w="9525">
+                <a14:hiddenLine xmlns="" xmlns:a14="http://schemas.microsoft.com/office/drawing/2010/main" w="9525">
                   <a:solidFill>
                     <a:srgbClr val="000000"/>
                   </a:solidFill>
@@ -1773,7 +1800,7 @@
             </a:ln>
             <a:extLst>
               <a:ext uri="{91240B29-F687-4f45-9708-019B960494DF}">
-                <a14:hiddenLine xmlns:a14="http://schemas.microsoft.com/office/drawing/2010/main" xmlns="" w="9525">
+                <a14:hiddenLine xmlns="" xmlns:a14="http://schemas.microsoft.com/office/drawing/2010/main" w="9525">
                   <a:solidFill>
                     <a:srgbClr val="000000"/>
                   </a:solidFill>
@@ -1863,7 +1890,7 @@
             </a:ln>
             <a:extLst>
               <a:ext uri="{91240B29-F687-4f45-9708-019B960494DF}">
-                <a14:hiddenLine xmlns:a14="http://schemas.microsoft.com/office/drawing/2010/main" xmlns="" w="9525">
+                <a14:hiddenLine xmlns="" xmlns:a14="http://schemas.microsoft.com/office/drawing/2010/main" w="9525">
                   <a:solidFill>
                     <a:srgbClr val="000000"/>
                   </a:solidFill>
@@ -1919,7 +1946,7 @@
             </a:ln>
             <a:extLst>
               <a:ext uri="{91240B29-F687-4f45-9708-019B960494DF}">
-                <a14:hiddenLine xmlns:a14="http://schemas.microsoft.com/office/drawing/2010/main" xmlns="" w="9525">
+                <a14:hiddenLine xmlns="" xmlns:a14="http://schemas.microsoft.com/office/drawing/2010/main" w="9525">
                   <a:solidFill>
                     <a:srgbClr val="000000"/>
                   </a:solidFill>
@@ -2009,7 +2036,7 @@
             </a:ln>
             <a:extLst>
               <a:ext uri="{91240B29-F687-4f45-9708-019B960494DF}">
-                <a14:hiddenLine xmlns:a14="http://schemas.microsoft.com/office/drawing/2010/main" xmlns="" w="9525">
+                <a14:hiddenLine xmlns="" xmlns:a14="http://schemas.microsoft.com/office/drawing/2010/main" w="9525">
                   <a:solidFill>
                     <a:srgbClr val="000000"/>
                   </a:solidFill>
@@ -2077,7 +2104,7 @@
             </a:ln>
             <a:extLst>
               <a:ext uri="{91240B29-F687-4f45-9708-019B960494DF}">
-                <a14:hiddenLine xmlns:a14="http://schemas.microsoft.com/office/drawing/2010/main" xmlns="" w="9525">
+                <a14:hiddenLine xmlns="" xmlns:a14="http://schemas.microsoft.com/office/drawing/2010/main" w="9525">
                   <a:solidFill>
                     <a:srgbClr val="000000"/>
                   </a:solidFill>
@@ -2167,7 +2194,7 @@
             </a:ln>
             <a:extLst>
               <a:ext uri="{91240B29-F687-4f45-9708-019B960494DF}">
-                <a14:hiddenLine xmlns:a14="http://schemas.microsoft.com/office/drawing/2010/main" xmlns="" w="9525">
+                <a14:hiddenLine xmlns="" xmlns:a14="http://schemas.microsoft.com/office/drawing/2010/main" w="9525">
                   <a:solidFill>
                     <a:srgbClr val="000000"/>
                   </a:solidFill>
@@ -2235,7 +2262,7 @@
             </a:ln>
             <a:extLst>
               <a:ext uri="{91240B29-F687-4f45-9708-019B960494DF}">
-                <a14:hiddenLine xmlns:a14="http://schemas.microsoft.com/office/drawing/2010/main" xmlns="" w="9525">
+                <a14:hiddenLine xmlns="" xmlns:a14="http://schemas.microsoft.com/office/drawing/2010/main" w="9525">
                   <a:solidFill>
                     <a:srgbClr val="000000"/>
                   </a:solidFill>
@@ -2325,7 +2352,7 @@
             </a:ln>
             <a:extLst>
               <a:ext uri="{91240B29-F687-4f45-9708-019B960494DF}">
-                <a14:hiddenLine xmlns:a14="http://schemas.microsoft.com/office/drawing/2010/main" xmlns="" w="9525">
+                <a14:hiddenLine xmlns="" xmlns:a14="http://schemas.microsoft.com/office/drawing/2010/main" w="9525">
                   <a:solidFill>
                     <a:srgbClr val="000000"/>
                   </a:solidFill>
@@ -2359,7 +2386,7 @@
             </a:ln>
             <a:extLst>
               <a:ext uri="{91240B29-F687-4f45-9708-019B960494DF}">
-                <a14:hiddenLine xmlns:a14="http://schemas.microsoft.com/office/drawing/2010/main" xmlns="" w="9525">
+                <a14:hiddenLine xmlns="" xmlns:a14="http://schemas.microsoft.com/office/drawing/2010/main" w="9525">
                   <a:solidFill>
                     <a:srgbClr val="000000"/>
                   </a:solidFill>
@@ -2449,7 +2476,7 @@
             </a:ln>
             <a:extLst>
               <a:ext uri="{91240B29-F687-4f45-9708-019B960494DF}">
-                <a14:hiddenLine xmlns:a14="http://schemas.microsoft.com/office/drawing/2010/main" xmlns="" w="9525">
+                <a14:hiddenLine xmlns="" xmlns:a14="http://schemas.microsoft.com/office/drawing/2010/main" w="9525">
                   <a:solidFill>
                     <a:srgbClr val="000000"/>
                   </a:solidFill>
@@ -2511,7 +2538,7 @@
             </a:ln>
             <a:extLst>
               <a:ext uri="{91240B29-F687-4f45-9708-019B960494DF}">
-                <a14:hiddenLine xmlns:a14="http://schemas.microsoft.com/office/drawing/2010/main" xmlns="" w="9525">
+                <a14:hiddenLine xmlns="" xmlns:a14="http://schemas.microsoft.com/office/drawing/2010/main" w="9525">
                   <a:solidFill>
                     <a:srgbClr val="000000"/>
                   </a:solidFill>
@@ -2573,7 +2600,7 @@
             </a:ln>
             <a:extLst>
               <a:ext uri="{91240B29-F687-4f45-9708-019B960494DF}">
-                <a14:hiddenLine xmlns:a14="http://schemas.microsoft.com/office/drawing/2010/main" xmlns="" w="9525">
+                <a14:hiddenLine xmlns="" xmlns:a14="http://schemas.microsoft.com/office/drawing/2010/main" w="9525">
                   <a:solidFill>
                     <a:srgbClr val="000000"/>
                   </a:solidFill>
@@ -2663,7 +2690,7 @@
             </a:ln>
             <a:extLst>
               <a:ext uri="{91240B29-F687-4f45-9708-019B960494DF}">
-                <a14:hiddenLine xmlns:a14="http://schemas.microsoft.com/office/drawing/2010/main" xmlns="" w="9525">
+                <a14:hiddenLine xmlns="" xmlns:a14="http://schemas.microsoft.com/office/drawing/2010/main" w="9525">
                   <a:solidFill>
                     <a:srgbClr val="000000"/>
                   </a:solidFill>
@@ -2731,7 +2758,7 @@
             </a:ln>
             <a:extLst>
               <a:ext uri="{91240B29-F687-4f45-9708-019B960494DF}">
-                <a14:hiddenLine xmlns:a14="http://schemas.microsoft.com/office/drawing/2010/main" xmlns="" w="9525">
+                <a14:hiddenLine xmlns="" xmlns:a14="http://schemas.microsoft.com/office/drawing/2010/main" w="9525">
                   <a:solidFill>
                     <a:srgbClr val="000000"/>
                   </a:solidFill>
@@ -2793,7 +2820,7 @@
             </a:ln>
             <a:extLst>
               <a:ext uri="{91240B29-F687-4f45-9708-019B960494DF}">
-                <a14:hiddenLine xmlns:a14="http://schemas.microsoft.com/office/drawing/2010/main" xmlns="" w="9525">
+                <a14:hiddenLine xmlns="" xmlns:a14="http://schemas.microsoft.com/office/drawing/2010/main" w="9525">
                   <a:solidFill>
                     <a:srgbClr val="000000"/>
                   </a:solidFill>
@@ -2883,7 +2910,7 @@
             </a:ln>
             <a:extLst>
               <a:ext uri="{91240B29-F687-4f45-9708-019B960494DF}">
-                <a14:hiddenLine xmlns:a14="http://schemas.microsoft.com/office/drawing/2010/main" xmlns="" w="9525">
+                <a14:hiddenLine xmlns="" xmlns:a14="http://schemas.microsoft.com/office/drawing/2010/main" w="9525">
                   <a:solidFill>
                     <a:srgbClr val="000000"/>
                   </a:solidFill>
@@ -2945,7 +2972,7 @@
             </a:ln>
             <a:extLst>
               <a:ext uri="{91240B29-F687-4f45-9708-019B960494DF}">
-                <a14:hiddenLine xmlns:a14="http://schemas.microsoft.com/office/drawing/2010/main" xmlns="" w="9525">
+                <a14:hiddenLine xmlns="" xmlns:a14="http://schemas.microsoft.com/office/drawing/2010/main" w="9525">
                   <a:solidFill>
                     <a:srgbClr val="000000"/>
                   </a:solidFill>
@@ -3035,7 +3062,7 @@
             </a:ln>
             <a:extLst>
               <a:ext uri="{91240B29-F687-4f45-9708-019B960494DF}">
-                <a14:hiddenLine xmlns:a14="http://schemas.microsoft.com/office/drawing/2010/main" xmlns="" w="9525">
+                <a14:hiddenLine xmlns="" xmlns:a14="http://schemas.microsoft.com/office/drawing/2010/main" w="9525">
                   <a:solidFill>
                     <a:srgbClr val="000000"/>
                   </a:solidFill>
@@ -3097,7 +3124,7 @@
             </a:ln>
             <a:extLst>
               <a:ext uri="{91240B29-F687-4f45-9708-019B960494DF}">
-                <a14:hiddenLine xmlns:a14="http://schemas.microsoft.com/office/drawing/2010/main" xmlns="" w="9525">
+                <a14:hiddenLine xmlns="" xmlns:a14="http://schemas.microsoft.com/office/drawing/2010/main" w="9525">
                   <a:solidFill>
                     <a:srgbClr val="000000"/>
                   </a:solidFill>
@@ -3187,7 +3214,7 @@
             </a:ln>
             <a:extLst>
               <a:ext uri="{91240B29-F687-4f45-9708-019B960494DF}">
-                <a14:hiddenLine xmlns:a14="http://schemas.microsoft.com/office/drawing/2010/main" xmlns="" w="9525">
+                <a14:hiddenLine xmlns="" xmlns:a14="http://schemas.microsoft.com/office/drawing/2010/main" w="9525">
                   <a:solidFill>
                     <a:srgbClr val="000000"/>
                   </a:solidFill>
@@ -3221,7 +3248,7 @@
             </a:ln>
             <a:extLst>
               <a:ext uri="{91240B29-F687-4f45-9708-019B960494DF}">
-                <a14:hiddenLine xmlns:a14="http://schemas.microsoft.com/office/drawing/2010/main" xmlns="" w="9525">
+                <a14:hiddenLine xmlns="" xmlns:a14="http://schemas.microsoft.com/office/drawing/2010/main" w="9525">
                   <a:solidFill>
                     <a:srgbClr val="000000"/>
                   </a:solidFill>
@@ -3286,7 +3313,7 @@
             </a:ln>
             <a:extLst>
               <a:ext uri="{91240B29-F687-4f45-9708-019B960494DF}">
-                <a14:hiddenLine xmlns:a14="http://schemas.microsoft.com/office/drawing/2010/main" xmlns="" w="9525">
+                <a14:hiddenLine xmlns="" xmlns:a14="http://schemas.microsoft.com/office/drawing/2010/main" w="9525">
                   <a:solidFill>
                     <a:srgbClr val="000000"/>
                   </a:solidFill>
@@ -3376,7 +3403,7 @@
             </a:ln>
             <a:extLst>
               <a:ext uri="{91240B29-F687-4f45-9708-019B960494DF}">
-                <a14:hiddenLine xmlns:a14="http://schemas.microsoft.com/office/drawing/2010/main" xmlns="" w="9525">
+                <a14:hiddenLine xmlns="" xmlns:a14="http://schemas.microsoft.com/office/drawing/2010/main" w="9525">
                   <a:solidFill>
                     <a:srgbClr val="000000"/>
                   </a:solidFill>
@@ -3438,7 +3465,7 @@
             </a:ln>
             <a:extLst>
               <a:ext uri="{91240B29-F687-4f45-9708-019B960494DF}">
-                <a14:hiddenLine xmlns:a14="http://schemas.microsoft.com/office/drawing/2010/main" xmlns="" w="9525">
+                <a14:hiddenLine xmlns="" xmlns:a14="http://schemas.microsoft.com/office/drawing/2010/main" w="9525">
                   <a:solidFill>
                     <a:srgbClr val="000000"/>
                   </a:solidFill>
@@ -3528,7 +3555,7 @@
             </a:ln>
             <a:extLst>
               <a:ext uri="{91240B29-F687-4f45-9708-019B960494DF}">
-                <a14:hiddenLine xmlns:a14="http://schemas.microsoft.com/office/drawing/2010/main" xmlns="" w="9525">
+                <a14:hiddenLine xmlns="" xmlns:a14="http://schemas.microsoft.com/office/drawing/2010/main" w="9525">
                   <a:solidFill>
                     <a:srgbClr val="000000"/>
                   </a:solidFill>
@@ -3618,7 +3645,7 @@
             </a:ln>
             <a:extLst>
               <a:ext uri="{91240B29-F687-4f45-9708-019B960494DF}">
-                <a14:hiddenLine xmlns:a14="http://schemas.microsoft.com/office/drawing/2010/main" xmlns="" w="9525">
+                <a14:hiddenLine xmlns="" xmlns:a14="http://schemas.microsoft.com/office/drawing/2010/main" w="9525">
                   <a:solidFill>
                     <a:srgbClr val="000000"/>
                   </a:solidFill>
@@ -3683,7 +3710,7 @@
             </a:ln>
             <a:extLst>
               <a:ext uri="{91240B29-F687-4f45-9708-019B960494DF}">
-                <a14:hiddenLine xmlns:a14="http://schemas.microsoft.com/office/drawing/2010/main" xmlns="" w="9525">
+                <a14:hiddenLine xmlns="" xmlns:a14="http://schemas.microsoft.com/office/drawing/2010/main" w="9525">
                   <a:solidFill>
                     <a:srgbClr val="000000"/>
                   </a:solidFill>
@@ -3745,7 +3772,7 @@
             </a:ln>
             <a:extLst>
               <a:ext uri="{91240B29-F687-4f45-9708-019B960494DF}">
-                <a14:hiddenLine xmlns:a14="http://schemas.microsoft.com/office/drawing/2010/main" xmlns="" w="9525">
+                <a14:hiddenLine xmlns="" xmlns:a14="http://schemas.microsoft.com/office/drawing/2010/main" w="9525">
                   <a:solidFill>
                     <a:srgbClr val="000000"/>
                   </a:solidFill>
@@ -3835,7 +3862,7 @@
             </a:ln>
             <a:extLst>
               <a:ext uri="{91240B29-F687-4f45-9708-019B960494DF}">
-                <a14:hiddenLine xmlns:a14="http://schemas.microsoft.com/office/drawing/2010/main" xmlns="" w="9525">
+                <a14:hiddenLine xmlns="" xmlns:a14="http://schemas.microsoft.com/office/drawing/2010/main" w="9525">
                   <a:solidFill>
                     <a:srgbClr val="000000"/>
                   </a:solidFill>
@@ -3925,7 +3952,7 @@
             </a:ln>
             <a:extLst>
               <a:ext uri="{91240B29-F687-4f45-9708-019B960494DF}">
-                <a14:hiddenLine xmlns:a14="http://schemas.microsoft.com/office/drawing/2010/main" xmlns="" w="9525">
+                <a14:hiddenLine xmlns="" xmlns:a14="http://schemas.microsoft.com/office/drawing/2010/main" w="9525">
                   <a:solidFill>
                     <a:srgbClr val="000000"/>
                   </a:solidFill>
@@ -3987,7 +4014,7 @@
             </a:ln>
             <a:extLst>
               <a:ext uri="{91240B29-F687-4f45-9708-019B960494DF}">
-                <a14:hiddenLine xmlns:a14="http://schemas.microsoft.com/office/drawing/2010/main" xmlns="" w="9525">
+                <a14:hiddenLine xmlns="" xmlns:a14="http://schemas.microsoft.com/office/drawing/2010/main" w="9525">
                   <a:solidFill>
                     <a:srgbClr val="000000"/>
                   </a:solidFill>
@@ -4107,7 +4134,7 @@
             </a:ln>
             <a:extLst>
               <a:ext uri="{91240B29-F687-4f45-9708-019B960494DF}">
-                <a14:hiddenLine xmlns:a14="http://schemas.microsoft.com/office/drawing/2010/main" xmlns="" w="9525">
+                <a14:hiddenLine xmlns="" xmlns:a14="http://schemas.microsoft.com/office/drawing/2010/main" w="9525">
                   <a:solidFill>
                     <a:srgbClr val="000000"/>
                   </a:solidFill>
@@ -4175,7 +4202,7 @@
             </a:ln>
             <a:extLst>
               <a:ext uri="{91240B29-F687-4f45-9708-019B960494DF}">
-                <a14:hiddenLine xmlns:a14="http://schemas.microsoft.com/office/drawing/2010/main" xmlns="" w="9525">
+                <a14:hiddenLine xmlns="" xmlns:a14="http://schemas.microsoft.com/office/drawing/2010/main" w="9525">
                   <a:solidFill>
                     <a:srgbClr val="000000"/>
                   </a:solidFill>
@@ -4265,7 +4292,7 @@
             </a:ln>
             <a:extLst>
               <a:ext uri="{91240B29-F687-4f45-9708-019B960494DF}">
-                <a14:hiddenLine xmlns:a14="http://schemas.microsoft.com/office/drawing/2010/main" xmlns="" w="9525">
+                <a14:hiddenLine xmlns="" xmlns:a14="http://schemas.microsoft.com/office/drawing/2010/main" w="9525">
                   <a:solidFill>
                     <a:srgbClr val="000000"/>
                   </a:solidFill>
@@ -4405,7 +4432,7 @@
           <a:p>
             <a:fld id="{74C0AE68-507A-4458-A99E-1EA2B8245E23}" type="datetimeFigureOut">
               <a:rPr lang="en-AG" smtClean="0"/>
-              <a:t>27/04/2020</a:t>
+              <a:t>04/28/2020</a:t>
             </a:fld>
             <a:endParaRPr lang="en-AG"/>
           </a:p>
@@ -4672,7 +4699,7 @@
           <a:p>
             <a:fld id="{74C0AE68-507A-4458-A99E-1EA2B8245E23}" type="datetimeFigureOut">
               <a:rPr lang="en-AG" smtClean="0"/>
-              <a:t>27/04/2020</a:t>
+              <a:t>04/28/2020</a:t>
             </a:fld>
             <a:endParaRPr lang="en-AG"/>
           </a:p>
@@ -4868,7 +4895,7 @@
           <a:p>
             <a:fld id="{74C0AE68-507A-4458-A99E-1EA2B8245E23}" type="datetimeFigureOut">
               <a:rPr lang="en-AG" smtClean="0"/>
-              <a:t>27/04/2020</a:t>
+              <a:t>04/28/2020</a:t>
             </a:fld>
             <a:endParaRPr lang="en-AG"/>
           </a:p>
@@ -5131,7 +5158,7 @@
           <a:p>
             <a:fld id="{74C0AE68-507A-4458-A99E-1EA2B8245E23}" type="datetimeFigureOut">
               <a:rPr lang="en-AG" smtClean="0"/>
-              <a:t>27/04/2020</a:t>
+              <a:t>04/28/2020</a:t>
             </a:fld>
             <a:endParaRPr lang="en-AG"/>
           </a:p>
@@ -5565,7 +5592,7 @@
           <a:p>
             <a:fld id="{74C0AE68-507A-4458-A99E-1EA2B8245E23}" type="datetimeFigureOut">
               <a:rPr lang="en-AG" smtClean="0"/>
-              <a:t>27/04/2020</a:t>
+              <a:t>04/28/2020</a:t>
             </a:fld>
             <a:endParaRPr lang="en-AG"/>
           </a:p>
@@ -6111,7 +6138,7 @@
           <a:p>
             <a:fld id="{74C0AE68-507A-4458-A99E-1EA2B8245E23}" type="datetimeFigureOut">
               <a:rPr lang="en-AG" smtClean="0"/>
-              <a:t>27/04/2020</a:t>
+              <a:t>04/28/2020</a:t>
             </a:fld>
             <a:endParaRPr lang="en-AG"/>
           </a:p>
@@ -6831,7 +6858,7 @@
           <a:p>
             <a:fld id="{74C0AE68-507A-4458-A99E-1EA2B8245E23}" type="datetimeFigureOut">
               <a:rPr lang="en-AG" smtClean="0"/>
-              <a:t>27/04/2020</a:t>
+              <a:t>04/28/2020</a:t>
             </a:fld>
             <a:endParaRPr lang="en-AG"/>
           </a:p>
@@ -7001,7 +7028,7 @@
           <a:p>
             <a:fld id="{74C0AE68-507A-4458-A99E-1EA2B8245E23}" type="datetimeFigureOut">
               <a:rPr lang="en-AG" smtClean="0"/>
-              <a:t>27/04/2020</a:t>
+              <a:t>04/28/2020</a:t>
             </a:fld>
             <a:endParaRPr lang="en-AG"/>
           </a:p>
@@ -7181,7 +7208,7 @@
           <a:p>
             <a:fld id="{74C0AE68-507A-4458-A99E-1EA2B8245E23}" type="datetimeFigureOut">
               <a:rPr lang="en-AG" smtClean="0"/>
-              <a:t>27/04/2020</a:t>
+              <a:t>04/28/2020</a:t>
             </a:fld>
             <a:endParaRPr lang="en-AG"/>
           </a:p>
@@ -7351,7 +7378,7 @@
           <a:p>
             <a:fld id="{74C0AE68-507A-4458-A99E-1EA2B8245E23}" type="datetimeFigureOut">
               <a:rPr lang="en-AG" smtClean="0"/>
-              <a:t>27/04/2020</a:t>
+              <a:t>04/28/2020</a:t>
             </a:fld>
             <a:endParaRPr lang="en-AG"/>
           </a:p>
@@ -7601,7 +7628,7 @@
           <a:p>
             <a:fld id="{74C0AE68-507A-4458-A99E-1EA2B8245E23}" type="datetimeFigureOut">
               <a:rPr lang="en-AG" smtClean="0"/>
-              <a:t>27/04/2020</a:t>
+              <a:t>04/28/2020</a:t>
             </a:fld>
             <a:endParaRPr lang="en-AG"/>
           </a:p>
@@ -7833,7 +7860,7 @@
           <a:p>
             <a:fld id="{74C0AE68-507A-4458-A99E-1EA2B8245E23}" type="datetimeFigureOut">
               <a:rPr lang="en-AG" smtClean="0"/>
-              <a:t>27/04/2020</a:t>
+              <a:t>04/28/2020</a:t>
             </a:fld>
             <a:endParaRPr lang="en-AG"/>
           </a:p>
@@ -8214,7 +8241,7 @@
           <a:p>
             <a:fld id="{74C0AE68-507A-4458-A99E-1EA2B8245E23}" type="datetimeFigureOut">
               <a:rPr lang="en-AG" smtClean="0"/>
-              <a:t>27/04/2020</a:t>
+              <a:t>04/28/2020</a:t>
             </a:fld>
             <a:endParaRPr lang="en-AG"/>
           </a:p>
@@ -8332,7 +8359,7 @@
           <a:p>
             <a:fld id="{74C0AE68-507A-4458-A99E-1EA2B8245E23}" type="datetimeFigureOut">
               <a:rPr lang="en-AG" smtClean="0"/>
-              <a:t>27/04/2020</a:t>
+              <a:t>04/28/2020</a:t>
             </a:fld>
             <a:endParaRPr lang="en-AG"/>
           </a:p>
@@ -8427,7 +8454,7 @@
           <a:p>
             <a:fld id="{74C0AE68-507A-4458-A99E-1EA2B8245E23}" type="datetimeFigureOut">
               <a:rPr lang="en-AG" smtClean="0"/>
-              <a:t>27/04/2020</a:t>
+              <a:t>04/28/2020</a:t>
             </a:fld>
             <a:endParaRPr lang="en-AG"/>
           </a:p>
@@ -8676,7 +8703,7 @@
           <a:p>
             <a:fld id="{74C0AE68-507A-4458-A99E-1EA2B8245E23}" type="datetimeFigureOut">
               <a:rPr lang="en-AG" smtClean="0"/>
-              <a:t>27/04/2020</a:t>
+              <a:t>04/28/2020</a:t>
             </a:fld>
             <a:endParaRPr lang="en-AG"/>
           </a:p>
@@ -8956,7 +8983,7 @@
           <a:p>
             <a:fld id="{74C0AE68-507A-4458-A99E-1EA2B8245E23}" type="datetimeFigureOut">
               <a:rPr lang="en-AG" smtClean="0"/>
-              <a:t>27/04/2020</a:t>
+              <a:t>04/28/2020</a:t>
             </a:fld>
             <a:endParaRPr lang="en-AG"/>
           </a:p>
@@ -9072,7 +9099,7 @@
           <a:noFill/>
           <a:extLst>
             <a:ext uri="{909E8E84-426E-40dd-AFC4-6F175D3DCCD1}">
-              <a14:hiddenFill xmlns:a14="http://schemas.microsoft.com/office/drawing/2010/main" xmlns="">
+              <a14:hiddenFill xmlns="" xmlns:a14="http://schemas.microsoft.com/office/drawing/2010/main">
                 <a:solidFill>
                   <a:srgbClr val="FFFFFF"/>
                 </a:solidFill>
@@ -9146,7 +9173,7 @@
               </a:ln>
               <a:extLst>
                 <a:ext uri="{91240B29-F687-4f45-9708-019B960494DF}">
-                  <a14:hiddenLine xmlns:a14="http://schemas.microsoft.com/office/drawing/2010/main" xmlns="" w="9525">
+                  <a14:hiddenLine xmlns="" xmlns:a14="http://schemas.microsoft.com/office/drawing/2010/main" w="9525">
                     <a:solidFill>
                       <a:srgbClr val="000000"/>
                     </a:solidFill>
@@ -9236,7 +9263,7 @@
               </a:ln>
               <a:extLst>
                 <a:ext uri="{91240B29-F687-4f45-9708-019B960494DF}">
-                  <a14:hiddenLine xmlns:a14="http://schemas.microsoft.com/office/drawing/2010/main" xmlns="" w="9525">
+                  <a14:hiddenLine xmlns="" xmlns:a14="http://schemas.microsoft.com/office/drawing/2010/main" w="9525">
                     <a:solidFill>
                       <a:srgbClr val="000000"/>
                     </a:solidFill>
@@ -9326,7 +9353,7 @@
               </a:ln>
               <a:extLst>
                 <a:ext uri="{91240B29-F687-4f45-9708-019B960494DF}">
-                  <a14:hiddenLine xmlns:a14="http://schemas.microsoft.com/office/drawing/2010/main" xmlns="" w="9525">
+                  <a14:hiddenLine xmlns="" xmlns:a14="http://schemas.microsoft.com/office/drawing/2010/main" w="9525">
                     <a:solidFill>
                       <a:srgbClr val="000000"/>
                     </a:solidFill>
@@ -9388,7 +9415,7 @@
               </a:ln>
               <a:extLst>
                 <a:ext uri="{91240B29-F687-4f45-9708-019B960494DF}">
-                  <a14:hiddenLine xmlns:a14="http://schemas.microsoft.com/office/drawing/2010/main" xmlns="" w="9525">
+                  <a14:hiddenLine xmlns="" xmlns:a14="http://schemas.microsoft.com/office/drawing/2010/main" w="9525">
                     <a:solidFill>
                       <a:srgbClr val="000000"/>
                     </a:solidFill>
@@ -9478,7 +9505,7 @@
               </a:ln>
               <a:extLst>
                 <a:ext uri="{91240B29-F687-4f45-9708-019B960494DF}">
-                  <a14:hiddenLine xmlns:a14="http://schemas.microsoft.com/office/drawing/2010/main" xmlns="" w="9525">
+                  <a14:hiddenLine xmlns="" xmlns:a14="http://schemas.microsoft.com/office/drawing/2010/main" w="9525">
                     <a:solidFill>
                       <a:srgbClr val="000000"/>
                     </a:solidFill>
@@ -9540,7 +9567,7 @@
               </a:ln>
               <a:extLst>
                 <a:ext uri="{91240B29-F687-4f45-9708-019B960494DF}">
-                  <a14:hiddenLine xmlns:a14="http://schemas.microsoft.com/office/drawing/2010/main" xmlns="" w="9525">
+                  <a14:hiddenLine xmlns="" xmlns:a14="http://schemas.microsoft.com/office/drawing/2010/main" w="9525">
                     <a:solidFill>
                       <a:srgbClr val="000000"/>
                     </a:solidFill>
@@ -9602,7 +9629,7 @@
               </a:ln>
               <a:extLst>
                 <a:ext uri="{91240B29-F687-4f45-9708-019B960494DF}">
-                  <a14:hiddenLine xmlns:a14="http://schemas.microsoft.com/office/drawing/2010/main" xmlns="" w="9525">
+                  <a14:hiddenLine xmlns="" xmlns:a14="http://schemas.microsoft.com/office/drawing/2010/main" w="9525">
                     <a:solidFill>
                       <a:srgbClr val="000000"/>
                     </a:solidFill>
@@ -9692,7 +9719,7 @@
               </a:ln>
               <a:extLst>
                 <a:ext uri="{91240B29-F687-4f45-9708-019B960494DF}">
-                  <a14:hiddenLine xmlns:a14="http://schemas.microsoft.com/office/drawing/2010/main" xmlns="" w="9525">
+                  <a14:hiddenLine xmlns="" xmlns:a14="http://schemas.microsoft.com/office/drawing/2010/main" w="9525">
                     <a:solidFill>
                       <a:srgbClr val="000000"/>
                     </a:solidFill>
@@ -9782,7 +9809,7 @@
               </a:ln>
               <a:extLst>
                 <a:ext uri="{91240B29-F687-4f45-9708-019B960494DF}">
-                  <a14:hiddenLine xmlns:a14="http://schemas.microsoft.com/office/drawing/2010/main" xmlns="" w="9525">
+                  <a14:hiddenLine xmlns="" xmlns:a14="http://schemas.microsoft.com/office/drawing/2010/main" w="9525">
                     <a:solidFill>
                       <a:srgbClr val="000000"/>
                     </a:solidFill>
@@ -9844,7 +9871,7 @@
               </a:ln>
               <a:extLst>
                 <a:ext uri="{91240B29-F687-4f45-9708-019B960494DF}">
-                  <a14:hiddenLine xmlns:a14="http://schemas.microsoft.com/office/drawing/2010/main" xmlns="" w="9525">
+                  <a14:hiddenLine xmlns="" xmlns:a14="http://schemas.microsoft.com/office/drawing/2010/main" w="9525">
                     <a:solidFill>
                       <a:srgbClr val="000000"/>
                     </a:solidFill>
@@ -9954,7 +9981,7 @@
               </a:ln>
               <a:extLst>
                 <a:ext uri="{91240B29-F687-4f45-9708-019B960494DF}">
-                  <a14:hiddenLine xmlns:a14="http://schemas.microsoft.com/office/drawing/2010/main" xmlns="" w="9525">
+                  <a14:hiddenLine xmlns="" xmlns:a14="http://schemas.microsoft.com/office/drawing/2010/main" w="9525">
                     <a:solidFill>
                       <a:srgbClr val="000000"/>
                     </a:solidFill>
@@ -10038,7 +10065,7 @@
               </a:ln>
               <a:extLst>
                 <a:ext uri="{91240B29-F687-4f45-9708-019B960494DF}">
-                  <a14:hiddenLine xmlns:a14="http://schemas.microsoft.com/office/drawing/2010/main" xmlns="" w="9525">
+                  <a14:hiddenLine xmlns="" xmlns:a14="http://schemas.microsoft.com/office/drawing/2010/main" w="9525">
                     <a:solidFill>
                       <a:srgbClr val="000000"/>
                     </a:solidFill>
@@ -10100,7 +10127,7 @@
               </a:ln>
               <a:extLst>
                 <a:ext uri="{91240B29-F687-4f45-9708-019B960494DF}">
-                  <a14:hiddenLine xmlns:a14="http://schemas.microsoft.com/office/drawing/2010/main" xmlns="" w="9525">
+                  <a14:hiddenLine xmlns="" xmlns:a14="http://schemas.microsoft.com/office/drawing/2010/main" w="9525">
                     <a:solidFill>
                       <a:srgbClr val="000000"/>
                     </a:solidFill>
@@ -10162,7 +10189,7 @@
               </a:ln>
               <a:extLst>
                 <a:ext uri="{91240B29-F687-4f45-9708-019B960494DF}">
-                  <a14:hiddenLine xmlns:a14="http://schemas.microsoft.com/office/drawing/2010/main" xmlns="" w="9525">
+                  <a14:hiddenLine xmlns="" xmlns:a14="http://schemas.microsoft.com/office/drawing/2010/main" w="9525">
                     <a:solidFill>
                       <a:srgbClr val="000000"/>
                     </a:solidFill>
@@ -10252,7 +10279,7 @@
               </a:ln>
               <a:extLst>
                 <a:ext uri="{91240B29-F687-4f45-9708-019B960494DF}">
-                  <a14:hiddenLine xmlns:a14="http://schemas.microsoft.com/office/drawing/2010/main" xmlns="" w="9525">
+                  <a14:hiddenLine xmlns="" xmlns:a14="http://schemas.microsoft.com/office/drawing/2010/main" w="9525">
                     <a:solidFill>
                       <a:srgbClr val="000000"/>
                     </a:solidFill>
@@ -10286,7 +10313,7 @@
               </a:ln>
               <a:extLst>
                 <a:ext uri="{91240B29-F687-4f45-9708-019B960494DF}">
-                  <a14:hiddenLine xmlns:a14="http://schemas.microsoft.com/office/drawing/2010/main" xmlns="" w="9525">
+                  <a14:hiddenLine xmlns="" xmlns:a14="http://schemas.microsoft.com/office/drawing/2010/main" w="9525">
                     <a:solidFill>
                       <a:srgbClr val="000000"/>
                     </a:solidFill>
@@ -10351,7 +10378,7 @@
               </a:ln>
               <a:extLst>
                 <a:ext uri="{91240B29-F687-4f45-9708-019B960494DF}">
-                  <a14:hiddenLine xmlns:a14="http://schemas.microsoft.com/office/drawing/2010/main" xmlns="" w="9525">
+                  <a14:hiddenLine xmlns="" xmlns:a14="http://schemas.microsoft.com/office/drawing/2010/main" w="9525">
                     <a:solidFill>
                       <a:srgbClr val="000000"/>
                     </a:solidFill>
@@ -10441,7 +10468,7 @@
               </a:ln>
               <a:extLst>
                 <a:ext uri="{91240B29-F687-4f45-9708-019B960494DF}">
-                  <a14:hiddenLine xmlns:a14="http://schemas.microsoft.com/office/drawing/2010/main" xmlns="" w="9525">
+                  <a14:hiddenLine xmlns="" xmlns:a14="http://schemas.microsoft.com/office/drawing/2010/main" w="9525">
                     <a:solidFill>
                       <a:srgbClr val="000000"/>
                     </a:solidFill>
@@ -10503,7 +10530,7 @@
               </a:ln>
               <a:extLst>
                 <a:ext uri="{91240B29-F687-4f45-9708-019B960494DF}">
-                  <a14:hiddenLine xmlns:a14="http://schemas.microsoft.com/office/drawing/2010/main" xmlns="" w="9525">
+                  <a14:hiddenLine xmlns="" xmlns:a14="http://schemas.microsoft.com/office/drawing/2010/main" w="9525">
                     <a:solidFill>
                       <a:srgbClr val="000000"/>
                     </a:solidFill>
@@ -10593,7 +10620,7 @@
               </a:ln>
               <a:extLst>
                 <a:ext uri="{91240B29-F687-4f45-9708-019B960494DF}">
-                  <a14:hiddenLine xmlns:a14="http://schemas.microsoft.com/office/drawing/2010/main" xmlns="" w="9525">
+                  <a14:hiddenLine xmlns="" xmlns:a14="http://schemas.microsoft.com/office/drawing/2010/main" w="9525">
                     <a:solidFill>
                       <a:srgbClr val="000000"/>
                     </a:solidFill>
@@ -10658,7 +10685,7 @@
               </a:ln>
               <a:extLst>
                 <a:ext uri="{91240B29-F687-4f45-9708-019B960494DF}">
-                  <a14:hiddenLine xmlns:a14="http://schemas.microsoft.com/office/drawing/2010/main" xmlns="" w="9525">
+                  <a14:hiddenLine xmlns="" xmlns:a14="http://schemas.microsoft.com/office/drawing/2010/main" w="9525">
                     <a:solidFill>
                       <a:srgbClr val="000000"/>
                     </a:solidFill>
@@ -10720,7 +10747,7 @@
               </a:ln>
               <a:extLst>
                 <a:ext uri="{91240B29-F687-4f45-9708-019B960494DF}">
-                  <a14:hiddenLine xmlns:a14="http://schemas.microsoft.com/office/drawing/2010/main" xmlns="" w="9525">
+                  <a14:hiddenLine xmlns="" xmlns:a14="http://schemas.microsoft.com/office/drawing/2010/main" w="9525">
                     <a:solidFill>
                       <a:srgbClr val="000000"/>
                     </a:solidFill>
@@ -10810,7 +10837,7 @@
               </a:ln>
               <a:extLst>
                 <a:ext uri="{91240B29-F687-4f45-9708-019B960494DF}">
-                  <a14:hiddenLine xmlns:a14="http://schemas.microsoft.com/office/drawing/2010/main" xmlns="" w="9525">
+                  <a14:hiddenLine xmlns="" xmlns:a14="http://schemas.microsoft.com/office/drawing/2010/main" w="9525">
                     <a:solidFill>
                       <a:srgbClr val="000000"/>
                     </a:solidFill>
@@ -10900,7 +10927,7 @@
               </a:ln>
               <a:extLst>
                 <a:ext uri="{91240B29-F687-4f45-9708-019B960494DF}">
-                  <a14:hiddenLine xmlns:a14="http://schemas.microsoft.com/office/drawing/2010/main" xmlns="" w="9525">
+                  <a14:hiddenLine xmlns="" xmlns:a14="http://schemas.microsoft.com/office/drawing/2010/main" w="9525">
                     <a:solidFill>
                       <a:srgbClr val="000000"/>
                     </a:solidFill>
@@ -10965,7 +10992,7 @@
               </a:ln>
               <a:extLst>
                 <a:ext uri="{91240B29-F687-4f45-9708-019B960494DF}">
-                  <a14:hiddenLine xmlns:a14="http://schemas.microsoft.com/office/drawing/2010/main" xmlns="" w="9525">
+                  <a14:hiddenLine xmlns="" xmlns:a14="http://schemas.microsoft.com/office/drawing/2010/main" w="9525">
                     <a:solidFill>
                       <a:srgbClr val="000000"/>
                     </a:solidFill>
@@ -11085,7 +11112,7 @@
               </a:ln>
               <a:extLst>
                 <a:ext uri="{91240B29-F687-4f45-9708-019B960494DF}">
-                  <a14:hiddenLine xmlns:a14="http://schemas.microsoft.com/office/drawing/2010/main" xmlns="" w="9525">
+                  <a14:hiddenLine xmlns="" xmlns:a14="http://schemas.microsoft.com/office/drawing/2010/main" w="9525">
                     <a:solidFill>
                       <a:srgbClr val="000000"/>
                     </a:solidFill>
@@ -11183,7 +11210,7 @@
               </a:ln>
               <a:extLst>
                 <a:ext uri="{91240B29-F687-4f45-9708-019B960494DF}">
-                  <a14:hiddenLine xmlns:a14="http://schemas.microsoft.com/office/drawing/2010/main" xmlns="" w="9525">
+                  <a14:hiddenLine xmlns="" xmlns:a14="http://schemas.microsoft.com/office/drawing/2010/main" w="9525">
                     <a:solidFill>
                       <a:srgbClr val="000000"/>
                     </a:solidFill>
@@ -11298,7 +11325,7 @@
               </a:ln>
               <a:extLst>
                 <a:ext uri="{91240B29-F687-4f45-9708-019B960494DF}">
-                  <a14:hiddenLine xmlns:a14="http://schemas.microsoft.com/office/drawing/2010/main" xmlns="" w="9525">
+                  <a14:hiddenLine xmlns="" xmlns:a14="http://schemas.microsoft.com/office/drawing/2010/main" w="9525">
                     <a:solidFill>
                       <a:srgbClr val="000000"/>
                     </a:solidFill>
@@ -11388,7 +11415,7 @@
               </a:ln>
               <a:extLst>
                 <a:ext uri="{91240B29-F687-4f45-9708-019B960494DF}">
-                  <a14:hiddenLine xmlns:a14="http://schemas.microsoft.com/office/drawing/2010/main" xmlns="" w="9525">
+                  <a14:hiddenLine xmlns="" xmlns:a14="http://schemas.microsoft.com/office/drawing/2010/main" w="9525">
                     <a:solidFill>
                       <a:srgbClr val="000000"/>
                     </a:solidFill>
@@ -11453,7 +11480,7 @@
               </a:ln>
               <a:extLst>
                 <a:ext uri="{91240B29-F687-4f45-9708-019B960494DF}">
-                  <a14:hiddenLine xmlns:a14="http://schemas.microsoft.com/office/drawing/2010/main" xmlns="" w="9525">
+                  <a14:hiddenLine xmlns="" xmlns:a14="http://schemas.microsoft.com/office/drawing/2010/main" w="9525">
                     <a:solidFill>
                       <a:srgbClr val="000000"/>
                     </a:solidFill>
@@ -11543,7 +11570,7 @@
               </a:ln>
               <a:extLst>
                 <a:ext uri="{91240B29-F687-4f45-9708-019B960494DF}">
-                  <a14:hiddenLine xmlns:a14="http://schemas.microsoft.com/office/drawing/2010/main" xmlns="" w="9525">
+                  <a14:hiddenLine xmlns="" xmlns:a14="http://schemas.microsoft.com/office/drawing/2010/main" w="9525">
                     <a:solidFill>
                       <a:srgbClr val="000000"/>
                     </a:solidFill>
@@ -11611,7 +11638,7 @@
               </a:ln>
               <a:extLst>
                 <a:ext uri="{91240B29-F687-4f45-9708-019B960494DF}">
-                  <a14:hiddenLine xmlns:a14="http://schemas.microsoft.com/office/drawing/2010/main" xmlns="" w="9525">
+                  <a14:hiddenLine xmlns="" xmlns:a14="http://schemas.microsoft.com/office/drawing/2010/main" w="9525">
                     <a:solidFill>
                       <a:srgbClr val="000000"/>
                     </a:solidFill>
@@ -11701,7 +11728,7 @@
               </a:ln>
               <a:extLst>
                 <a:ext uri="{91240B29-F687-4f45-9708-019B960494DF}">
-                  <a14:hiddenLine xmlns:a14="http://schemas.microsoft.com/office/drawing/2010/main" xmlns="" w="9525">
+                  <a14:hiddenLine xmlns="" xmlns:a14="http://schemas.microsoft.com/office/drawing/2010/main" w="9525">
                     <a:solidFill>
                       <a:srgbClr val="000000"/>
                     </a:solidFill>
@@ -11769,7 +11796,7 @@
               </a:ln>
               <a:extLst>
                 <a:ext uri="{91240B29-F687-4f45-9708-019B960494DF}">
-                  <a14:hiddenLine xmlns:a14="http://schemas.microsoft.com/office/drawing/2010/main" xmlns="" w="9525">
+                  <a14:hiddenLine xmlns="" xmlns:a14="http://schemas.microsoft.com/office/drawing/2010/main" w="9525">
                     <a:solidFill>
                       <a:srgbClr val="000000"/>
                     </a:solidFill>
@@ -11859,7 +11886,7 @@
               </a:ln>
               <a:extLst>
                 <a:ext uri="{91240B29-F687-4f45-9708-019B960494DF}">
-                  <a14:hiddenLine xmlns:a14="http://schemas.microsoft.com/office/drawing/2010/main" xmlns="" w="9525">
+                  <a14:hiddenLine xmlns="" xmlns:a14="http://schemas.microsoft.com/office/drawing/2010/main" w="9525">
                     <a:solidFill>
                       <a:srgbClr val="000000"/>
                     </a:solidFill>
@@ -11893,7 +11920,7 @@
               </a:ln>
               <a:extLst>
                 <a:ext uri="{91240B29-F687-4f45-9708-019B960494DF}">
-                  <a14:hiddenLine xmlns:a14="http://schemas.microsoft.com/office/drawing/2010/main" xmlns="" w="9525">
+                  <a14:hiddenLine xmlns="" xmlns:a14="http://schemas.microsoft.com/office/drawing/2010/main" w="9525">
                     <a:solidFill>
                       <a:srgbClr val="000000"/>
                     </a:solidFill>
@@ -12033,7 +12060,7 @@
           <a:p>
             <a:fld id="{74C0AE68-507A-4458-A99E-1EA2B8245E23}" type="datetimeFigureOut">
               <a:rPr lang="en-AG" smtClean="0"/>
-              <a:t>27/04/2020</a:t>
+              <a:t>04/28/2020</a:t>
             </a:fld>
             <a:endParaRPr lang="en-AG"/>
           </a:p>
@@ -12574,87 +12601,57 @@
           <a:p>
             <a:r>
               <a:rPr lang="en-US" b="1" dirty="0"/>
-              <a:t>Unit Testing Case cont’d</a:t>
+              <a:t>Unit Testing </a:t>
+            </a:r>
+            <a:r>
+              <a:rPr lang="en-US" b="1" dirty="0" smtClean="0"/>
+              <a:t>Cases cont’d - BVA</a:t>
             </a:r>
             <a:endParaRPr lang="en-AG" b="1" dirty="0"/>
           </a:p>
         </p:txBody>
       </p:sp>
-      <p:sp>
-        <p:nvSpPr>
-          <p:cNvPr id="5" name="Content Placeholder 4">
-            <a:extLst>
-              <a:ext uri="{FF2B5EF4-FFF2-40B4-BE49-F238E27FC236}">
-                <a16:creationId xmlns:a16="http://schemas.microsoft.com/office/drawing/2014/main" id="{E010789A-025A-4A46-840A-0008B0871DF4}"/>
-              </a:ext>
-            </a:extLst>
-          </p:cNvPr>
-          <p:cNvSpPr>
-            <a:spLocks noGrp="1"/>
-          </p:cNvSpPr>
-          <p:nvPr>
-            <p:ph idx="1"/>
-          </p:nvPr>
-        </p:nvSpPr>
+      <p:pic>
+        <p:nvPicPr>
+          <p:cNvPr id="5" name="Picture 4"/>
+          <p:cNvPicPr>
+            <a:picLocks noChangeAspect="1"/>
+          </p:cNvPicPr>
+          <p:nvPr/>
+        </p:nvPicPr>
+        <p:blipFill>
+          <a:blip r:embed="rId2"/>
+          <a:stretch>
+            <a:fillRect/>
+          </a:stretch>
+        </p:blipFill>
         <p:spPr>
           <a:xfrm>
-            <a:off x="1141412" y="1478570"/>
-            <a:ext cx="9905999" cy="5156692"/>
+            <a:off x="1141413" y="1086126"/>
+            <a:ext cx="8423001" cy="5686425"/>
           </a:xfrm>
+          <a:prstGeom prst="rect">
+            <a:avLst/>
+          </a:prstGeom>
         </p:spPr>
-        <p:txBody>
-          <a:bodyPr/>
-          <a:lstStyle/>
-          <a:p>
-            <a:r>
-              <a:rPr lang="en-US" dirty="0"/>
-              <a:t>Test Scenario 5</a:t>
-            </a:r>
-          </a:p>
-          <a:p>
-            <a:r>
-              <a:rPr lang="en-US" dirty="0"/>
-              <a:t>This scenario consisted of a series of test cases to confirm that the unit function that checks if an Access Control List and User Log Table have been created or not. In case where neither table was created, the function does so. ECP was used to derive the following test cases.</a:t>
-            </a:r>
-          </a:p>
-          <a:p>
-            <a:pPr lvl="1"/>
-            <a:r>
-              <a:rPr lang="en-US" dirty="0"/>
-              <a:t>Scenario 5-1 was to confirm that the unit function would recognize that both tables had already been created. No message displayed so the tables were already in place.</a:t>
-            </a:r>
-          </a:p>
-          <a:p>
-            <a:pPr lvl="1"/>
-            <a:r>
-              <a:rPr lang="en-US" dirty="0"/>
-              <a:t>Scenario 5-2 was to confirm that the unit function would recognize the lack of either table and then create both of them. The function notified that the tables were created, thus the test was successful.</a:t>
-            </a:r>
-          </a:p>
-          <a:p>
-            <a:pPr marL="457200" lvl="1" indent="0">
-              <a:buNone/>
-            </a:pPr>
-            <a:endParaRPr lang="en-US" dirty="0"/>
-          </a:p>
-          <a:p>
-            <a:pPr marL="0" indent="0">
-              <a:buNone/>
-            </a:pPr>
-            <a:endParaRPr lang="en-AG" dirty="0"/>
-          </a:p>
-        </p:txBody>
-      </p:sp>
+      </p:pic>
     </p:spTree>
     <p:extLst>
       <p:ext uri="{BB962C8B-B14F-4D97-AF65-F5344CB8AC3E}">
-        <p14:creationId xmlns:p14="http://schemas.microsoft.com/office/powerpoint/2010/main" val="809969374"/>
+        <p14:creationId xmlns:p14="http://schemas.microsoft.com/office/powerpoint/2010/main" val="2781860239"/>
       </p:ext>
     </p:extLst>
   </p:cSld>
   <p:clrMapOvr>
     <a:masterClrMapping/>
   </p:clrMapOvr>
+  <p:timing>
+    <p:tnLst>
+      <p:par>
+        <p:cTn id="1" dur="indefinite" restart="never" nodeType="tmRoot"/>
+      </p:par>
+    </p:tnLst>
+  </p:timing>
 </p:sld>
 </file>
 
@@ -12703,87 +12700,57 @@
           <a:p>
             <a:r>
               <a:rPr lang="en-US" b="1" dirty="0"/>
-              <a:t>Unit Testing Case cont’d</a:t>
+              <a:t>Unit Testing </a:t>
+            </a:r>
+            <a:r>
+              <a:rPr lang="en-US" b="1" dirty="0" smtClean="0"/>
+              <a:t>Cases cont’d - BVA</a:t>
             </a:r>
             <a:endParaRPr lang="en-AG" b="1" dirty="0"/>
           </a:p>
         </p:txBody>
       </p:sp>
-      <p:sp>
-        <p:nvSpPr>
-          <p:cNvPr id="5" name="Content Placeholder 4">
-            <a:extLst>
-              <a:ext uri="{FF2B5EF4-FFF2-40B4-BE49-F238E27FC236}">
-                <a16:creationId xmlns:a16="http://schemas.microsoft.com/office/drawing/2014/main" id="{E010789A-025A-4A46-840A-0008B0871DF4}"/>
-              </a:ext>
-            </a:extLst>
-          </p:cNvPr>
-          <p:cNvSpPr>
-            <a:spLocks noGrp="1"/>
-          </p:cNvSpPr>
-          <p:nvPr>
-            <p:ph idx="1"/>
-          </p:nvPr>
-        </p:nvSpPr>
+      <p:pic>
+        <p:nvPicPr>
+          <p:cNvPr id="3" name="Picture 2"/>
+          <p:cNvPicPr>
+            <a:picLocks noChangeAspect="1"/>
+          </p:cNvPicPr>
+          <p:nvPr/>
+        </p:nvPicPr>
+        <p:blipFill>
+          <a:blip r:embed="rId2"/>
+          <a:stretch>
+            <a:fillRect/>
+          </a:stretch>
+        </p:blipFill>
         <p:spPr>
           <a:xfrm>
-            <a:off x="1141412" y="1478570"/>
-            <a:ext cx="9905999" cy="5156692"/>
+            <a:off x="1141413" y="1478570"/>
+            <a:ext cx="8537221" cy="3724051"/>
           </a:xfrm>
+          <a:prstGeom prst="rect">
+            <a:avLst/>
+          </a:prstGeom>
         </p:spPr>
-        <p:txBody>
-          <a:bodyPr/>
-          <a:lstStyle/>
-          <a:p>
-            <a:r>
-              <a:rPr lang="en-US" dirty="0"/>
-              <a:t>Test Scenario 6</a:t>
-            </a:r>
-          </a:p>
-          <a:p>
-            <a:r>
-              <a:rPr lang="en-US" dirty="0"/>
-              <a:t>This scenario consisted of a series of test cases to confirm that the unit function that checks if a Frequently Answered Questions (FAQs) table had been created or not. If not, the function does so. ECP was used to derive the following test cases.</a:t>
-            </a:r>
-          </a:p>
-          <a:p>
-            <a:pPr lvl="1"/>
-            <a:r>
-              <a:rPr lang="en-US" dirty="0"/>
-              <a:t>Scenario 6-1 was to confirm that the unit function would recognize the FAQs table had already been created. No message displayed so the FAQ table was already in place.</a:t>
-            </a:r>
-          </a:p>
-          <a:p>
-            <a:pPr lvl="1"/>
-            <a:r>
-              <a:rPr lang="en-US" dirty="0"/>
-              <a:t>Scenario 6-2 was to confirm that the unit function would recognize the lack of the FAQs table and then create the table. The function notified that the table was created, thus the test was successful.</a:t>
-            </a:r>
-          </a:p>
-          <a:p>
-            <a:pPr marL="457200" lvl="1" indent="0">
-              <a:buNone/>
-            </a:pPr>
-            <a:endParaRPr lang="en-US" dirty="0"/>
-          </a:p>
-          <a:p>
-            <a:pPr marL="0" indent="0">
-              <a:buNone/>
-            </a:pPr>
-            <a:endParaRPr lang="en-AG" dirty="0"/>
-          </a:p>
-        </p:txBody>
-      </p:sp>
+      </p:pic>
     </p:spTree>
     <p:extLst>
       <p:ext uri="{BB962C8B-B14F-4D97-AF65-F5344CB8AC3E}">
-        <p14:creationId xmlns:p14="http://schemas.microsoft.com/office/powerpoint/2010/main" val="3544035211"/>
+        <p14:creationId xmlns:p14="http://schemas.microsoft.com/office/powerpoint/2010/main" val="1361622435"/>
       </p:ext>
     </p:extLst>
   </p:cSld>
   <p:clrMapOvr>
     <a:masterClrMapping/>
   </p:clrMapOvr>
+  <p:timing>
+    <p:tnLst>
+      <p:par>
+        <p:cTn id="1" dur="indefinite" restart="never" nodeType="tmRoot"/>
+      </p:par>
+    </p:tnLst>
+  </p:timing>
 </p:sld>
 </file>
 
@@ -12832,7 +12799,15 @@
           <a:p>
             <a:r>
               <a:rPr lang="en-US" b="1" dirty="0"/>
-              <a:t>Integration testing cases</a:t>
+              <a:t>Unit Testing </a:t>
+            </a:r>
+            <a:r>
+              <a:rPr lang="en-US" b="1" dirty="0" smtClean="0"/>
+              <a:t>Cases </a:t>
+            </a:r>
+            <a:r>
+              <a:rPr lang="en-US" b="1" dirty="0"/>
+              <a:t>cont’d</a:t>
             </a:r>
             <a:endParaRPr lang="en-AG" b="1" dirty="0"/>
           </a:p>
@@ -12866,29 +12841,28 @@
           <a:p>
             <a:r>
               <a:rPr lang="en-US" dirty="0"/>
-              <a:t>The following series of test cases were used to analyze each of the main functionality our web application. </a:t>
-            </a:r>
-            <a:r>
-              <a:rPr lang="en-029" dirty="0"/>
-              <a:t>The three main functionalities are Login process for a Guest, the Login process for an Admin staff member and updating the FAQ table.</a:t>
+              <a:t>Test Scenario 2</a:t>
             </a:r>
           </a:p>
           <a:p>
             <a:r>
               <a:rPr lang="en-US" dirty="0"/>
-              <a:t> Scenario 1-1 and Scenario 1-2 tested the integration between the Database Check Unit Function and the User Access List/User Log unit function during both successful and unsuccessful Admin login attempts.  These goals were fulfilled  using invalid and valid credentials where the user would be prompted to enter valid credentials and be allowed passage to the Admin Homepage respectively. </a:t>
-            </a:r>
-          </a:p>
-          <a:p>
-            <a:pPr marL="457200" lvl="1" indent="0">
-              <a:buNone/>
-            </a:pPr>
-            <a:endParaRPr lang="en-US" dirty="0"/>
-          </a:p>
-          <a:p>
-            <a:pPr marL="0" indent="0">
-              <a:buNone/>
-            </a:pPr>
+              <a:t>This scenario consisted of a series of test cases to confirm that the unit function would only allow a successful login when receiving valid credentials for Admin Name and Password. ECP were used to derive test cases as BVA would not be suitable for Boolean expressions.</a:t>
+            </a:r>
+          </a:p>
+          <a:p>
+            <a:pPr lvl="1"/>
+            <a:r>
+              <a:rPr lang="en-US" dirty="0"/>
+              <a:t>Scenario 2-1 was to confirm the functionality that would allow successful access after receiving a valid Admin Name and Password. After the data was entered, the function successfully executed to completion.</a:t>
+            </a:r>
+          </a:p>
+          <a:p>
+            <a:pPr lvl="1"/>
+            <a:r>
+              <a:rPr lang="en-US" dirty="0"/>
+              <a:t>Scenario 2-2 was to confirm the functionality that would not allow successful access after receiving an invalid Admin Name and Password. After the data was entered, the function did not allow access to the Admin side of the system.</a:t>
+            </a:r>
             <a:endParaRPr lang="en-AG" dirty="0"/>
           </a:p>
         </p:txBody>
@@ -12896,13 +12870,20 @@
     </p:spTree>
     <p:extLst>
       <p:ext uri="{BB962C8B-B14F-4D97-AF65-F5344CB8AC3E}">
-        <p14:creationId xmlns:p14="http://schemas.microsoft.com/office/powerpoint/2010/main" val="3245951715"/>
+        <p14:creationId xmlns:p14="http://schemas.microsoft.com/office/powerpoint/2010/main" val="1858301655"/>
       </p:ext>
     </p:extLst>
   </p:cSld>
   <p:clrMapOvr>
     <a:masterClrMapping/>
   </p:clrMapOvr>
+  <p:timing>
+    <p:tnLst>
+      <p:par>
+        <p:cTn id="1" dur="indefinite" restart="never" nodeType="tmRoot"/>
+      </p:par>
+    </p:tnLst>
+  </p:timing>
 </p:sld>
 </file>
 
@@ -12928,6 +12909,2263 @@
           <p:cNvPr id="2" name="Title 1">
             <a:extLst>
               <a:ext uri="{FF2B5EF4-FFF2-40B4-BE49-F238E27FC236}">
+                <a16:creationId xmlns:a16="http://schemas.microsoft.com/office/drawing/2014/main" id="{C0FE1455-275F-4991-8CA8-03B2A744C941}"/>
+              </a:ext>
+            </a:extLst>
+          </p:cNvPr>
+          <p:cNvSpPr>
+            <a:spLocks noGrp="1"/>
+          </p:cNvSpPr>
+          <p:nvPr>
+            <p:ph type="title"/>
+          </p:nvPr>
+        </p:nvSpPr>
+        <p:spPr>
+          <a:xfrm>
+            <a:off x="1141413" y="0"/>
+            <a:ext cx="9905998" cy="1478570"/>
+          </a:xfrm>
+        </p:spPr>
+        <p:txBody>
+          <a:bodyPr/>
+          <a:lstStyle/>
+          <a:p>
+            <a:r>
+              <a:rPr lang="en-US" b="1" dirty="0"/>
+              <a:t>Unit testing </a:t>
+            </a:r>
+            <a:r>
+              <a:rPr lang="en-US" b="1" dirty="0" smtClean="0"/>
+              <a:t>Cases CONT’D</a:t>
+            </a:r>
+            <a:endParaRPr lang="en-AG" b="1" dirty="0"/>
+          </a:p>
+        </p:txBody>
+      </p:sp>
+      <p:sp>
+        <p:nvSpPr>
+          <p:cNvPr id="3" name="Content Placeholder 2">
+            <a:extLst>
+              <a:ext uri="{FF2B5EF4-FFF2-40B4-BE49-F238E27FC236}">
+                <a16:creationId xmlns:a16="http://schemas.microsoft.com/office/drawing/2014/main" id="{82DD6939-EFDC-4BC4-A07A-4EEF62D7EAFD}"/>
+              </a:ext>
+            </a:extLst>
+          </p:cNvPr>
+          <p:cNvSpPr>
+            <a:spLocks noGrp="1"/>
+          </p:cNvSpPr>
+          <p:nvPr>
+            <p:ph idx="1"/>
+          </p:nvPr>
+        </p:nvSpPr>
+        <p:spPr>
+          <a:xfrm>
+            <a:off x="1141412" y="1219200"/>
+            <a:ext cx="9905999" cy="5322277"/>
+          </a:xfrm>
+        </p:spPr>
+        <p:txBody>
+          <a:bodyPr/>
+          <a:lstStyle/>
+          <a:p>
+            <a:r>
+              <a:rPr lang="en-US" b="1" dirty="0"/>
+              <a:t>Test Scenario </a:t>
+            </a:r>
+            <a:r>
+              <a:rPr lang="en-US" b="1" dirty="0"/>
+              <a:t>2</a:t>
+            </a:r>
+            <a:endParaRPr lang="en-US" b="1" dirty="0"/>
+          </a:p>
+          <a:p>
+            <a:endParaRPr lang="en-029" i="1" dirty="0" smtClean="0"/>
+          </a:p>
+          <a:p>
+            <a:pPr marL="0" indent="0">
+              <a:buNone/>
+            </a:pPr>
+            <a:r>
+              <a:rPr lang="en-029" i="1" dirty="0" smtClean="0"/>
+              <a:t>	</a:t>
+            </a:r>
+            <a:r>
+              <a:rPr lang="en-029" i="1" dirty="0"/>
+              <a:t>Let A = Admin Name and P = Password</a:t>
+            </a:r>
+            <a:endParaRPr lang="en-GB" dirty="0"/>
+          </a:p>
+          <a:p>
+            <a:pPr marL="0" indent="0">
+              <a:buNone/>
+            </a:pPr>
+            <a:r>
+              <a:rPr lang="en-029" dirty="0"/>
+              <a:t> </a:t>
+            </a:r>
+            <a:endParaRPr lang="en-GB" dirty="0"/>
+          </a:p>
+          <a:p>
+            <a:r>
+              <a:rPr lang="en-029" b="1" u="sng" dirty="0"/>
+              <a:t>Equivalence Class Partitioning</a:t>
+            </a:r>
+            <a:endParaRPr lang="en-GB" b="1" dirty="0"/>
+          </a:p>
+          <a:p>
+            <a:pPr marL="0" indent="0">
+              <a:buNone/>
+            </a:pPr>
+            <a:r>
+              <a:rPr lang="en-029" dirty="0"/>
+              <a:t>  </a:t>
+            </a:r>
+            <a:endParaRPr lang="en-GB" dirty="0"/>
+          </a:p>
+          <a:p>
+            <a:pPr marL="0" indent="0">
+              <a:buNone/>
+            </a:pPr>
+            <a:r>
+              <a:rPr lang="en-029" dirty="0" smtClean="0"/>
+              <a:t>	A </a:t>
+            </a:r>
+            <a:r>
+              <a:rPr lang="en-029" dirty="0"/>
+              <a:t>= Valid, P = Valid satisfies A = Valid and P = Valid</a:t>
+            </a:r>
+            <a:endParaRPr lang="en-GB" dirty="0"/>
+          </a:p>
+          <a:p>
+            <a:pPr marL="0" indent="0">
+              <a:buNone/>
+            </a:pPr>
+            <a:r>
+              <a:rPr lang="en-029" dirty="0" smtClean="0"/>
+              <a:t>	A </a:t>
+            </a:r>
+            <a:r>
+              <a:rPr lang="en-029" dirty="0"/>
+              <a:t>= Invalid, P = Invalid satisfies A = Invalid and P = Invalid</a:t>
+            </a:r>
+            <a:endParaRPr lang="en-GB" dirty="0"/>
+          </a:p>
+        </p:txBody>
+      </p:sp>
+    </p:spTree>
+    <p:extLst>
+      <p:ext uri="{BB962C8B-B14F-4D97-AF65-F5344CB8AC3E}">
+        <p14:creationId xmlns:p14="http://schemas.microsoft.com/office/powerpoint/2010/main" val="3277736135"/>
+      </p:ext>
+    </p:extLst>
+  </p:cSld>
+  <p:clrMapOvr>
+    <a:masterClrMapping/>
+  </p:clrMapOvr>
+  <p:timing>
+    <p:tnLst>
+      <p:par>
+        <p:cTn id="1" dur="indefinite" restart="never" nodeType="tmRoot"/>
+      </p:par>
+    </p:tnLst>
+  </p:timing>
+</p:sld>
+</file>
+
+<file path=ppt/slides/slide14.xml><?xml version="1.0" encoding="utf-8"?>
+<p:sld xmlns:a="http://schemas.openxmlformats.org/drawingml/2006/main" xmlns:r="http://schemas.openxmlformats.org/officeDocument/2006/relationships" xmlns:p="http://schemas.openxmlformats.org/presentationml/2006/main">
+  <p:cSld>
+    <p:spTree>
+      <p:nvGrpSpPr>
+        <p:cNvPr id="1" name=""/>
+        <p:cNvGrpSpPr/>
+        <p:nvPr/>
+      </p:nvGrpSpPr>
+      <p:grpSpPr>
+        <a:xfrm>
+          <a:off x="0" y="0"/>
+          <a:ext cx="0" cy="0"/>
+          <a:chOff x="0" y="0"/>
+          <a:chExt cx="0" cy="0"/>
+        </a:xfrm>
+      </p:grpSpPr>
+      <p:sp>
+        <p:nvSpPr>
+          <p:cNvPr id="2" name="Title 1">
+            <a:extLst>
+              <a:ext uri="{FF2B5EF4-FFF2-40B4-BE49-F238E27FC236}">
+                <a16:creationId xmlns:a16="http://schemas.microsoft.com/office/drawing/2014/main" id="{7B3113F1-D987-49EB-AA12-15592D4489D6}"/>
+              </a:ext>
+            </a:extLst>
+          </p:cNvPr>
+          <p:cNvSpPr>
+            <a:spLocks noGrp="1"/>
+          </p:cNvSpPr>
+          <p:nvPr>
+            <p:ph type="title"/>
+          </p:nvPr>
+        </p:nvSpPr>
+        <p:spPr>
+          <a:xfrm>
+            <a:off x="1141413" y="0"/>
+            <a:ext cx="9905998" cy="1478570"/>
+          </a:xfrm>
+        </p:spPr>
+        <p:txBody>
+          <a:bodyPr/>
+          <a:lstStyle/>
+          <a:p>
+            <a:r>
+              <a:rPr lang="en-US" b="1" dirty="0"/>
+              <a:t>Unit Testing </a:t>
+            </a:r>
+            <a:r>
+              <a:rPr lang="en-US" b="1" dirty="0" smtClean="0"/>
+              <a:t>Cases cont’d - ECP</a:t>
+            </a:r>
+            <a:endParaRPr lang="en-AG" b="1" dirty="0"/>
+          </a:p>
+        </p:txBody>
+      </p:sp>
+      <p:pic>
+        <p:nvPicPr>
+          <p:cNvPr id="4" name="Picture 3"/>
+          <p:cNvPicPr>
+            <a:picLocks noChangeAspect="1"/>
+          </p:cNvPicPr>
+          <p:nvPr/>
+        </p:nvPicPr>
+        <p:blipFill>
+          <a:blip r:embed="rId2"/>
+          <a:stretch>
+            <a:fillRect/>
+          </a:stretch>
+        </p:blipFill>
+        <p:spPr>
+          <a:xfrm>
+            <a:off x="1241698" y="1573102"/>
+            <a:ext cx="8515949" cy="3125021"/>
+          </a:xfrm>
+          <a:prstGeom prst="rect">
+            <a:avLst/>
+          </a:prstGeom>
+        </p:spPr>
+      </p:pic>
+    </p:spTree>
+    <p:extLst>
+      <p:ext uri="{BB962C8B-B14F-4D97-AF65-F5344CB8AC3E}">
+        <p14:creationId xmlns:p14="http://schemas.microsoft.com/office/powerpoint/2010/main" val="870395515"/>
+      </p:ext>
+    </p:extLst>
+  </p:cSld>
+  <p:clrMapOvr>
+    <a:masterClrMapping/>
+  </p:clrMapOvr>
+  <p:timing>
+    <p:tnLst>
+      <p:par>
+        <p:cTn id="1" dur="indefinite" restart="never" nodeType="tmRoot"/>
+      </p:par>
+    </p:tnLst>
+  </p:timing>
+</p:sld>
+</file>
+
+<file path=ppt/slides/slide15.xml><?xml version="1.0" encoding="utf-8"?>
+<p:sld xmlns:a="http://schemas.openxmlformats.org/drawingml/2006/main" xmlns:r="http://schemas.openxmlformats.org/officeDocument/2006/relationships" xmlns:p="http://schemas.openxmlformats.org/presentationml/2006/main">
+  <p:cSld>
+    <p:spTree>
+      <p:nvGrpSpPr>
+        <p:cNvPr id="1" name=""/>
+        <p:cNvGrpSpPr/>
+        <p:nvPr/>
+      </p:nvGrpSpPr>
+      <p:grpSpPr>
+        <a:xfrm>
+          <a:off x="0" y="0"/>
+          <a:ext cx="0" cy="0"/>
+          <a:chOff x="0" y="0"/>
+          <a:chExt cx="0" cy="0"/>
+        </a:xfrm>
+      </p:grpSpPr>
+      <p:sp>
+        <p:nvSpPr>
+          <p:cNvPr id="2" name="Title 1">
+            <a:extLst>
+              <a:ext uri="{FF2B5EF4-FFF2-40B4-BE49-F238E27FC236}">
+                <a16:creationId xmlns:a16="http://schemas.microsoft.com/office/drawing/2014/main" id="{7B3113F1-D987-49EB-AA12-15592D4489D6}"/>
+              </a:ext>
+            </a:extLst>
+          </p:cNvPr>
+          <p:cNvSpPr>
+            <a:spLocks noGrp="1"/>
+          </p:cNvSpPr>
+          <p:nvPr>
+            <p:ph type="title"/>
+          </p:nvPr>
+        </p:nvSpPr>
+        <p:spPr>
+          <a:xfrm>
+            <a:off x="1141413" y="0"/>
+            <a:ext cx="9905998" cy="1478570"/>
+          </a:xfrm>
+        </p:spPr>
+        <p:txBody>
+          <a:bodyPr/>
+          <a:lstStyle/>
+          <a:p>
+            <a:r>
+              <a:rPr lang="en-US" b="1" dirty="0"/>
+              <a:t>Unit Testing </a:t>
+            </a:r>
+            <a:r>
+              <a:rPr lang="en-US" b="1" dirty="0" smtClean="0"/>
+              <a:t>Cases </a:t>
+            </a:r>
+            <a:r>
+              <a:rPr lang="en-US" b="1" dirty="0"/>
+              <a:t>cont’d</a:t>
+            </a:r>
+            <a:endParaRPr lang="en-AG" b="1" dirty="0"/>
+          </a:p>
+        </p:txBody>
+      </p:sp>
+      <p:sp>
+        <p:nvSpPr>
+          <p:cNvPr id="5" name="Content Placeholder 4">
+            <a:extLst>
+              <a:ext uri="{FF2B5EF4-FFF2-40B4-BE49-F238E27FC236}">
+                <a16:creationId xmlns:a16="http://schemas.microsoft.com/office/drawing/2014/main" id="{E010789A-025A-4A46-840A-0008B0871DF4}"/>
+              </a:ext>
+            </a:extLst>
+          </p:cNvPr>
+          <p:cNvSpPr>
+            <a:spLocks noGrp="1"/>
+          </p:cNvSpPr>
+          <p:nvPr>
+            <p:ph idx="1"/>
+          </p:nvPr>
+        </p:nvSpPr>
+        <p:spPr>
+          <a:xfrm>
+            <a:off x="1141412" y="1478570"/>
+            <a:ext cx="9905999" cy="5156692"/>
+          </a:xfrm>
+        </p:spPr>
+        <p:txBody>
+          <a:bodyPr/>
+          <a:lstStyle/>
+          <a:p>
+            <a:r>
+              <a:rPr lang="en-US" dirty="0"/>
+              <a:t>Test Scenario 3</a:t>
+            </a:r>
+          </a:p>
+          <a:p>
+            <a:r>
+              <a:rPr lang="en-US" dirty="0"/>
+              <a:t>This scenario consisted of a series of test cases to confirm that the unit function would only allow a successful login when receiving valid credentials for Guest ID and Password. ECP were used to derive test cases as BVA would not be suitable for Boolean expressions.</a:t>
+            </a:r>
+          </a:p>
+          <a:p>
+            <a:pPr lvl="1"/>
+            <a:r>
+              <a:rPr lang="en-US" dirty="0"/>
+              <a:t>Scenario 3-1 was to confirm the functionality that would allow successful access after receiving a valid Guest ID and Password. After the data was entered, the function successfully executed to completion.</a:t>
+            </a:r>
+          </a:p>
+          <a:p>
+            <a:pPr lvl="1"/>
+            <a:r>
+              <a:rPr lang="en-US" dirty="0"/>
+              <a:t>Scenario 3-2 was to confirm the functionality that would not allow successful access after receiving an invalid Guest ID and Password. After the data was entered, the function did not allow access to the Admin side of the system.</a:t>
+            </a:r>
+            <a:endParaRPr lang="en-AG" dirty="0"/>
+          </a:p>
+        </p:txBody>
+      </p:sp>
+    </p:spTree>
+    <p:extLst>
+      <p:ext uri="{BB962C8B-B14F-4D97-AF65-F5344CB8AC3E}">
+        <p14:creationId xmlns:p14="http://schemas.microsoft.com/office/powerpoint/2010/main" val="2214475552"/>
+      </p:ext>
+    </p:extLst>
+  </p:cSld>
+  <p:clrMapOvr>
+    <a:masterClrMapping/>
+  </p:clrMapOvr>
+  <p:timing>
+    <p:tnLst>
+      <p:par>
+        <p:cTn id="1" dur="indefinite" restart="never" nodeType="tmRoot"/>
+      </p:par>
+    </p:tnLst>
+  </p:timing>
+</p:sld>
+</file>
+
+<file path=ppt/slides/slide16.xml><?xml version="1.0" encoding="utf-8"?>
+<p:sld xmlns:a="http://schemas.openxmlformats.org/drawingml/2006/main" xmlns:r="http://schemas.openxmlformats.org/officeDocument/2006/relationships" xmlns:p="http://schemas.openxmlformats.org/presentationml/2006/main">
+  <p:cSld>
+    <p:spTree>
+      <p:nvGrpSpPr>
+        <p:cNvPr id="1" name=""/>
+        <p:cNvGrpSpPr/>
+        <p:nvPr/>
+      </p:nvGrpSpPr>
+      <p:grpSpPr>
+        <a:xfrm>
+          <a:off x="0" y="0"/>
+          <a:ext cx="0" cy="0"/>
+          <a:chOff x="0" y="0"/>
+          <a:chExt cx="0" cy="0"/>
+        </a:xfrm>
+      </p:grpSpPr>
+      <p:sp>
+        <p:nvSpPr>
+          <p:cNvPr id="2" name="Title 1">
+            <a:extLst>
+              <a:ext uri="{FF2B5EF4-FFF2-40B4-BE49-F238E27FC236}">
+                <a16:creationId xmlns:a16="http://schemas.microsoft.com/office/drawing/2014/main" id="{C0FE1455-275F-4991-8CA8-03B2A744C941}"/>
+              </a:ext>
+            </a:extLst>
+          </p:cNvPr>
+          <p:cNvSpPr>
+            <a:spLocks noGrp="1"/>
+          </p:cNvSpPr>
+          <p:nvPr>
+            <p:ph type="title"/>
+          </p:nvPr>
+        </p:nvSpPr>
+        <p:spPr>
+          <a:xfrm>
+            <a:off x="1141413" y="0"/>
+            <a:ext cx="9905998" cy="1478570"/>
+          </a:xfrm>
+        </p:spPr>
+        <p:txBody>
+          <a:bodyPr/>
+          <a:lstStyle/>
+          <a:p>
+            <a:r>
+              <a:rPr lang="en-US" b="1" dirty="0"/>
+              <a:t>Unit testing </a:t>
+            </a:r>
+            <a:r>
+              <a:rPr lang="en-US" b="1" dirty="0" smtClean="0"/>
+              <a:t>Cases CONT’D</a:t>
+            </a:r>
+            <a:endParaRPr lang="en-AG" b="1" dirty="0"/>
+          </a:p>
+        </p:txBody>
+      </p:sp>
+      <p:sp>
+        <p:nvSpPr>
+          <p:cNvPr id="3" name="Content Placeholder 2">
+            <a:extLst>
+              <a:ext uri="{FF2B5EF4-FFF2-40B4-BE49-F238E27FC236}">
+                <a16:creationId xmlns:a16="http://schemas.microsoft.com/office/drawing/2014/main" id="{82DD6939-EFDC-4BC4-A07A-4EEF62D7EAFD}"/>
+              </a:ext>
+            </a:extLst>
+          </p:cNvPr>
+          <p:cNvSpPr>
+            <a:spLocks noGrp="1"/>
+          </p:cNvSpPr>
+          <p:nvPr>
+            <p:ph idx="1"/>
+          </p:nvPr>
+        </p:nvSpPr>
+        <p:spPr>
+          <a:xfrm>
+            <a:off x="1141412" y="1219200"/>
+            <a:ext cx="9905999" cy="5322277"/>
+          </a:xfrm>
+        </p:spPr>
+        <p:txBody>
+          <a:bodyPr/>
+          <a:lstStyle/>
+          <a:p>
+            <a:r>
+              <a:rPr lang="en-US" b="1" dirty="0"/>
+              <a:t>Test Scenario </a:t>
+            </a:r>
+            <a:r>
+              <a:rPr lang="en-US" b="1" dirty="0" smtClean="0"/>
+              <a:t>3</a:t>
+            </a:r>
+            <a:endParaRPr lang="en-US" b="1" dirty="0"/>
+          </a:p>
+          <a:p>
+            <a:endParaRPr lang="en-029" i="1" dirty="0" smtClean="0"/>
+          </a:p>
+          <a:p>
+            <a:pPr marL="0" indent="0">
+              <a:buNone/>
+            </a:pPr>
+            <a:r>
+              <a:rPr lang="en-029" i="1" dirty="0" smtClean="0"/>
+              <a:t>	</a:t>
+            </a:r>
+            <a:r>
+              <a:rPr lang="en-029" i="1" dirty="0"/>
+              <a:t>Let </a:t>
+            </a:r>
+            <a:r>
+              <a:rPr lang="en-029" i="1" dirty="0" smtClean="0"/>
+              <a:t>G = </a:t>
+            </a:r>
+            <a:r>
+              <a:rPr lang="en-029" i="1" dirty="0"/>
+              <a:t>Guess ID and P = Password</a:t>
+            </a:r>
+            <a:endParaRPr lang="en-GB" dirty="0"/>
+          </a:p>
+          <a:p>
+            <a:pPr marL="0" indent="0">
+              <a:buNone/>
+            </a:pPr>
+            <a:r>
+              <a:rPr lang="en-029" dirty="0"/>
+              <a:t> </a:t>
+            </a:r>
+            <a:endParaRPr lang="en-GB" dirty="0"/>
+          </a:p>
+          <a:p>
+            <a:r>
+              <a:rPr lang="en-029" b="1" u="sng" dirty="0"/>
+              <a:t>Equivalence Class Partitioning</a:t>
+            </a:r>
+            <a:endParaRPr lang="en-GB" b="1" dirty="0"/>
+          </a:p>
+          <a:p>
+            <a:pPr marL="0" indent="0">
+              <a:buNone/>
+            </a:pPr>
+            <a:r>
+              <a:rPr lang="en-029" dirty="0"/>
+              <a:t> </a:t>
+            </a:r>
+            <a:endParaRPr lang="en-GB" dirty="0"/>
+          </a:p>
+          <a:p>
+            <a:pPr marL="0" indent="0">
+              <a:buNone/>
+            </a:pPr>
+            <a:r>
+              <a:rPr lang="en-029" dirty="0" smtClean="0"/>
+              <a:t>	G </a:t>
+            </a:r>
+            <a:r>
+              <a:rPr lang="en-029" dirty="0"/>
+              <a:t>= Valid, P = Valid satisfies G = Valid and P = Valid</a:t>
+            </a:r>
+            <a:endParaRPr lang="en-GB" dirty="0"/>
+          </a:p>
+          <a:p>
+            <a:pPr marL="0" indent="0">
+              <a:buNone/>
+            </a:pPr>
+            <a:r>
+              <a:rPr lang="en-029" dirty="0" smtClean="0"/>
+              <a:t>	G </a:t>
+            </a:r>
+            <a:r>
+              <a:rPr lang="en-029" dirty="0"/>
+              <a:t>= Invalid, P = Invalid satisfies G = Invalid and P = Invalid</a:t>
+            </a:r>
+            <a:endParaRPr lang="en-GB" dirty="0"/>
+          </a:p>
+        </p:txBody>
+      </p:sp>
+    </p:spTree>
+    <p:extLst>
+      <p:ext uri="{BB962C8B-B14F-4D97-AF65-F5344CB8AC3E}">
+        <p14:creationId xmlns:p14="http://schemas.microsoft.com/office/powerpoint/2010/main" val="967079217"/>
+      </p:ext>
+    </p:extLst>
+  </p:cSld>
+  <p:clrMapOvr>
+    <a:masterClrMapping/>
+  </p:clrMapOvr>
+  <p:timing>
+    <p:tnLst>
+      <p:par>
+        <p:cTn id="1" dur="indefinite" restart="never" nodeType="tmRoot"/>
+      </p:par>
+    </p:tnLst>
+  </p:timing>
+</p:sld>
+</file>
+
+<file path=ppt/slides/slide17.xml><?xml version="1.0" encoding="utf-8"?>
+<p:sld xmlns:a="http://schemas.openxmlformats.org/drawingml/2006/main" xmlns:r="http://schemas.openxmlformats.org/officeDocument/2006/relationships" xmlns:p="http://schemas.openxmlformats.org/presentationml/2006/main">
+  <p:cSld>
+    <p:spTree>
+      <p:nvGrpSpPr>
+        <p:cNvPr id="1" name=""/>
+        <p:cNvGrpSpPr/>
+        <p:nvPr/>
+      </p:nvGrpSpPr>
+      <p:grpSpPr>
+        <a:xfrm>
+          <a:off x="0" y="0"/>
+          <a:ext cx="0" cy="0"/>
+          <a:chOff x="0" y="0"/>
+          <a:chExt cx="0" cy="0"/>
+        </a:xfrm>
+      </p:grpSpPr>
+      <p:sp>
+        <p:nvSpPr>
+          <p:cNvPr id="2" name="Title 1">
+            <a:extLst>
+              <a:ext uri="{FF2B5EF4-FFF2-40B4-BE49-F238E27FC236}">
+                <a16:creationId xmlns:a16="http://schemas.microsoft.com/office/drawing/2014/main" id="{7B3113F1-D987-49EB-AA12-15592D4489D6}"/>
+              </a:ext>
+            </a:extLst>
+          </p:cNvPr>
+          <p:cNvSpPr>
+            <a:spLocks noGrp="1"/>
+          </p:cNvSpPr>
+          <p:nvPr>
+            <p:ph type="title"/>
+          </p:nvPr>
+        </p:nvSpPr>
+        <p:spPr>
+          <a:xfrm>
+            <a:off x="1141413" y="0"/>
+            <a:ext cx="9905998" cy="1478570"/>
+          </a:xfrm>
+        </p:spPr>
+        <p:txBody>
+          <a:bodyPr/>
+          <a:lstStyle/>
+          <a:p>
+            <a:r>
+              <a:rPr lang="en-US" b="1" dirty="0"/>
+              <a:t>Unit Testing </a:t>
+            </a:r>
+            <a:r>
+              <a:rPr lang="en-US" b="1" dirty="0" smtClean="0"/>
+              <a:t>Cases cont’d - ECP</a:t>
+            </a:r>
+            <a:endParaRPr lang="en-AG" b="1" dirty="0"/>
+          </a:p>
+        </p:txBody>
+      </p:sp>
+      <p:pic>
+        <p:nvPicPr>
+          <p:cNvPr id="3" name="Picture 2"/>
+          <p:cNvPicPr>
+            <a:picLocks noChangeAspect="1"/>
+          </p:cNvPicPr>
+          <p:nvPr/>
+        </p:nvPicPr>
+        <p:blipFill>
+          <a:blip r:embed="rId2"/>
+          <a:stretch>
+            <a:fillRect/>
+          </a:stretch>
+        </p:blipFill>
+        <p:spPr>
+          <a:xfrm>
+            <a:off x="1141413" y="1478570"/>
+            <a:ext cx="8704954" cy="2725568"/>
+          </a:xfrm>
+          <a:prstGeom prst="rect">
+            <a:avLst/>
+          </a:prstGeom>
+        </p:spPr>
+      </p:pic>
+    </p:spTree>
+    <p:extLst>
+      <p:ext uri="{BB962C8B-B14F-4D97-AF65-F5344CB8AC3E}">
+        <p14:creationId xmlns:p14="http://schemas.microsoft.com/office/powerpoint/2010/main" val="3825852065"/>
+      </p:ext>
+    </p:extLst>
+  </p:cSld>
+  <p:clrMapOvr>
+    <a:masterClrMapping/>
+  </p:clrMapOvr>
+  <p:timing>
+    <p:tnLst>
+      <p:par>
+        <p:cTn id="1" dur="indefinite" restart="never" nodeType="tmRoot"/>
+      </p:par>
+    </p:tnLst>
+  </p:timing>
+</p:sld>
+</file>
+
+<file path=ppt/slides/slide18.xml><?xml version="1.0" encoding="utf-8"?>
+<p:sld xmlns:a="http://schemas.openxmlformats.org/drawingml/2006/main" xmlns:r="http://schemas.openxmlformats.org/officeDocument/2006/relationships" xmlns:p="http://schemas.openxmlformats.org/presentationml/2006/main">
+  <p:cSld>
+    <p:spTree>
+      <p:nvGrpSpPr>
+        <p:cNvPr id="1" name=""/>
+        <p:cNvGrpSpPr/>
+        <p:nvPr/>
+      </p:nvGrpSpPr>
+      <p:grpSpPr>
+        <a:xfrm>
+          <a:off x="0" y="0"/>
+          <a:ext cx="0" cy="0"/>
+          <a:chOff x="0" y="0"/>
+          <a:chExt cx="0" cy="0"/>
+        </a:xfrm>
+      </p:grpSpPr>
+      <p:sp>
+        <p:nvSpPr>
+          <p:cNvPr id="2" name="Title 1">
+            <a:extLst>
+              <a:ext uri="{FF2B5EF4-FFF2-40B4-BE49-F238E27FC236}">
+                <a16:creationId xmlns:a16="http://schemas.microsoft.com/office/drawing/2014/main" id="{7B3113F1-D987-49EB-AA12-15592D4489D6}"/>
+              </a:ext>
+            </a:extLst>
+          </p:cNvPr>
+          <p:cNvSpPr>
+            <a:spLocks noGrp="1"/>
+          </p:cNvSpPr>
+          <p:nvPr>
+            <p:ph type="title"/>
+          </p:nvPr>
+        </p:nvSpPr>
+        <p:spPr>
+          <a:xfrm>
+            <a:off x="1141413" y="0"/>
+            <a:ext cx="9905998" cy="1478570"/>
+          </a:xfrm>
+        </p:spPr>
+        <p:txBody>
+          <a:bodyPr/>
+          <a:lstStyle/>
+          <a:p>
+            <a:r>
+              <a:rPr lang="en-US" b="1" dirty="0"/>
+              <a:t>Unit Testing </a:t>
+            </a:r>
+            <a:r>
+              <a:rPr lang="en-US" b="1" dirty="0" smtClean="0"/>
+              <a:t>Cases </a:t>
+            </a:r>
+            <a:r>
+              <a:rPr lang="en-US" b="1" dirty="0"/>
+              <a:t>cont’d</a:t>
+            </a:r>
+            <a:endParaRPr lang="en-AG" b="1" dirty="0"/>
+          </a:p>
+        </p:txBody>
+      </p:sp>
+      <p:sp>
+        <p:nvSpPr>
+          <p:cNvPr id="5" name="Content Placeholder 4">
+            <a:extLst>
+              <a:ext uri="{FF2B5EF4-FFF2-40B4-BE49-F238E27FC236}">
+                <a16:creationId xmlns:a16="http://schemas.microsoft.com/office/drawing/2014/main" id="{E010789A-025A-4A46-840A-0008B0871DF4}"/>
+              </a:ext>
+            </a:extLst>
+          </p:cNvPr>
+          <p:cNvSpPr>
+            <a:spLocks noGrp="1"/>
+          </p:cNvSpPr>
+          <p:nvPr>
+            <p:ph idx="1"/>
+          </p:nvPr>
+        </p:nvSpPr>
+        <p:spPr>
+          <a:xfrm>
+            <a:off x="1141412" y="1478570"/>
+            <a:ext cx="9905999" cy="5156692"/>
+          </a:xfrm>
+        </p:spPr>
+        <p:txBody>
+          <a:bodyPr/>
+          <a:lstStyle/>
+          <a:p>
+            <a:r>
+              <a:rPr lang="en-US" dirty="0"/>
+              <a:t>Test Scenario 4</a:t>
+            </a:r>
+          </a:p>
+          <a:p>
+            <a:r>
+              <a:rPr lang="en-US" dirty="0"/>
+              <a:t>This scenario consisted of a series of test cases to confirm that the unit function that checks if a MySQL database has been created or not. In case there is not one, it is then created. ECP was used to derive the following test cases.</a:t>
+            </a:r>
+          </a:p>
+          <a:p>
+            <a:pPr lvl="1"/>
+            <a:r>
+              <a:rPr lang="en-US" dirty="0"/>
+              <a:t>Scenario 4-1 was to confirm that the unit function would recognize that a database had already been created. No message displayed so the database was already in place.</a:t>
+            </a:r>
+          </a:p>
+          <a:p>
+            <a:pPr lvl="1"/>
+            <a:r>
+              <a:rPr lang="en-US" dirty="0"/>
+              <a:t>Scenario 4-2 was to confirm that the unit function would recognize the lack of a database and then create one. The function notified that a database was created, thus the test was successful.</a:t>
+            </a:r>
+          </a:p>
+          <a:p>
+            <a:pPr marL="457200" lvl="1" indent="0">
+              <a:buNone/>
+            </a:pPr>
+            <a:endParaRPr lang="en-US" dirty="0"/>
+          </a:p>
+          <a:p>
+            <a:pPr marL="0" indent="0">
+              <a:buNone/>
+            </a:pPr>
+            <a:endParaRPr lang="en-AG" dirty="0"/>
+          </a:p>
+        </p:txBody>
+      </p:sp>
+    </p:spTree>
+    <p:extLst>
+      <p:ext uri="{BB962C8B-B14F-4D97-AF65-F5344CB8AC3E}">
+        <p14:creationId xmlns:p14="http://schemas.microsoft.com/office/powerpoint/2010/main" val="2161752337"/>
+      </p:ext>
+    </p:extLst>
+  </p:cSld>
+  <p:clrMapOvr>
+    <a:masterClrMapping/>
+  </p:clrMapOvr>
+</p:sld>
+</file>
+
+<file path=ppt/slides/slide19.xml><?xml version="1.0" encoding="utf-8"?>
+<p:sld xmlns:a="http://schemas.openxmlformats.org/drawingml/2006/main" xmlns:r="http://schemas.openxmlformats.org/officeDocument/2006/relationships" xmlns:p="http://schemas.openxmlformats.org/presentationml/2006/main">
+  <p:cSld>
+    <p:spTree>
+      <p:nvGrpSpPr>
+        <p:cNvPr id="1" name=""/>
+        <p:cNvGrpSpPr/>
+        <p:nvPr/>
+      </p:nvGrpSpPr>
+      <p:grpSpPr>
+        <a:xfrm>
+          <a:off x="0" y="0"/>
+          <a:ext cx="0" cy="0"/>
+          <a:chOff x="0" y="0"/>
+          <a:chExt cx="0" cy="0"/>
+        </a:xfrm>
+      </p:grpSpPr>
+      <p:sp>
+        <p:nvSpPr>
+          <p:cNvPr id="2" name="Title 1">
+            <a:extLst>
+              <a:ext uri="{FF2B5EF4-FFF2-40B4-BE49-F238E27FC236}">
+                <a16:creationId xmlns:a16="http://schemas.microsoft.com/office/drawing/2014/main" id="{C0FE1455-275F-4991-8CA8-03B2A744C941}"/>
+              </a:ext>
+            </a:extLst>
+          </p:cNvPr>
+          <p:cNvSpPr>
+            <a:spLocks noGrp="1"/>
+          </p:cNvSpPr>
+          <p:nvPr>
+            <p:ph type="title"/>
+          </p:nvPr>
+        </p:nvSpPr>
+        <p:spPr>
+          <a:xfrm>
+            <a:off x="1141413" y="0"/>
+            <a:ext cx="9905998" cy="1478570"/>
+          </a:xfrm>
+        </p:spPr>
+        <p:txBody>
+          <a:bodyPr/>
+          <a:lstStyle/>
+          <a:p>
+            <a:r>
+              <a:rPr lang="en-US" b="1" dirty="0"/>
+              <a:t>Unit testing </a:t>
+            </a:r>
+            <a:r>
+              <a:rPr lang="en-US" b="1" dirty="0" smtClean="0"/>
+              <a:t>Cases CONT’D</a:t>
+            </a:r>
+            <a:endParaRPr lang="en-AG" b="1" dirty="0"/>
+          </a:p>
+        </p:txBody>
+      </p:sp>
+      <p:sp>
+        <p:nvSpPr>
+          <p:cNvPr id="3" name="Content Placeholder 2">
+            <a:extLst>
+              <a:ext uri="{FF2B5EF4-FFF2-40B4-BE49-F238E27FC236}">
+                <a16:creationId xmlns:a16="http://schemas.microsoft.com/office/drawing/2014/main" id="{82DD6939-EFDC-4BC4-A07A-4EEF62D7EAFD}"/>
+              </a:ext>
+            </a:extLst>
+          </p:cNvPr>
+          <p:cNvSpPr>
+            <a:spLocks noGrp="1"/>
+          </p:cNvSpPr>
+          <p:nvPr>
+            <p:ph idx="1"/>
+          </p:nvPr>
+        </p:nvSpPr>
+        <p:spPr>
+          <a:xfrm>
+            <a:off x="1141412" y="1219200"/>
+            <a:ext cx="9905999" cy="5322277"/>
+          </a:xfrm>
+        </p:spPr>
+        <p:txBody>
+          <a:bodyPr/>
+          <a:lstStyle/>
+          <a:p>
+            <a:r>
+              <a:rPr lang="en-US" b="1" dirty="0"/>
+              <a:t>Test Scenario </a:t>
+            </a:r>
+            <a:r>
+              <a:rPr lang="en-US" b="1" dirty="0"/>
+              <a:t>4</a:t>
+            </a:r>
+            <a:endParaRPr lang="en-US" b="1" dirty="0"/>
+          </a:p>
+          <a:p>
+            <a:endParaRPr lang="en-029" i="1" dirty="0" smtClean="0"/>
+          </a:p>
+          <a:p>
+            <a:pPr marL="0" indent="0">
+              <a:buNone/>
+            </a:pPr>
+            <a:r>
+              <a:rPr lang="en-029" i="1" dirty="0" smtClean="0"/>
+              <a:t>	</a:t>
+            </a:r>
+            <a:r>
+              <a:rPr lang="en-029" i="1" dirty="0"/>
+              <a:t>Let D = Database</a:t>
+            </a:r>
+            <a:endParaRPr lang="en-GB" dirty="0"/>
+          </a:p>
+          <a:p>
+            <a:pPr marL="0" indent="0">
+              <a:buNone/>
+            </a:pPr>
+            <a:r>
+              <a:rPr lang="en-029" dirty="0"/>
+              <a:t> </a:t>
+            </a:r>
+            <a:endParaRPr lang="en-GB" dirty="0"/>
+          </a:p>
+          <a:p>
+            <a:r>
+              <a:rPr lang="en-029" b="1" u="sng" dirty="0"/>
+              <a:t>Equivalence Class Partitioning</a:t>
+            </a:r>
+            <a:endParaRPr lang="en-GB" b="1" dirty="0"/>
+          </a:p>
+          <a:p>
+            <a:pPr marL="0" indent="0">
+              <a:buNone/>
+            </a:pPr>
+            <a:r>
+              <a:rPr lang="en-029" dirty="0"/>
+              <a:t> </a:t>
+            </a:r>
+            <a:endParaRPr lang="en-GB" dirty="0"/>
+          </a:p>
+          <a:p>
+            <a:pPr marL="0" indent="0">
+              <a:buNone/>
+            </a:pPr>
+            <a:r>
+              <a:rPr lang="en-029" dirty="0" smtClean="0"/>
+              <a:t>	D </a:t>
+            </a:r>
+            <a:r>
+              <a:rPr lang="en-029" dirty="0"/>
+              <a:t>= Created </a:t>
+            </a:r>
+            <a:endParaRPr lang="en-GB" dirty="0"/>
+          </a:p>
+          <a:p>
+            <a:pPr marL="0" indent="0">
+              <a:buNone/>
+            </a:pPr>
+            <a:r>
+              <a:rPr lang="en-029" dirty="0" smtClean="0"/>
+              <a:t>	D </a:t>
+            </a:r>
+            <a:r>
+              <a:rPr lang="en-029" dirty="0"/>
+              <a:t>= Not Created</a:t>
+            </a:r>
+            <a:endParaRPr lang="en-GB" dirty="0"/>
+          </a:p>
+        </p:txBody>
+      </p:sp>
+    </p:spTree>
+    <p:extLst>
+      <p:ext uri="{BB962C8B-B14F-4D97-AF65-F5344CB8AC3E}">
+        <p14:creationId xmlns:p14="http://schemas.microsoft.com/office/powerpoint/2010/main" val="1811760524"/>
+      </p:ext>
+    </p:extLst>
+  </p:cSld>
+  <p:clrMapOvr>
+    <a:masterClrMapping/>
+  </p:clrMapOvr>
+  <p:timing>
+    <p:tnLst>
+      <p:par>
+        <p:cTn id="1" dur="indefinite" restart="never" nodeType="tmRoot"/>
+      </p:par>
+    </p:tnLst>
+  </p:timing>
+</p:sld>
+</file>
+
+<file path=ppt/slides/slide2.xml><?xml version="1.0" encoding="utf-8"?>
+<p:sld xmlns:a="http://schemas.openxmlformats.org/drawingml/2006/main" xmlns:r="http://schemas.openxmlformats.org/officeDocument/2006/relationships" xmlns:p="http://schemas.openxmlformats.org/presentationml/2006/main">
+  <p:cSld>
+    <p:spTree>
+      <p:nvGrpSpPr>
+        <p:cNvPr id="1" name=""/>
+        <p:cNvGrpSpPr/>
+        <p:nvPr/>
+      </p:nvGrpSpPr>
+      <p:grpSpPr>
+        <a:xfrm>
+          <a:off x="0" y="0"/>
+          <a:ext cx="0" cy="0"/>
+          <a:chOff x="0" y="0"/>
+          <a:chExt cx="0" cy="0"/>
+        </a:xfrm>
+      </p:grpSpPr>
+      <p:sp>
+        <p:nvSpPr>
+          <p:cNvPr id="2" name="Title 1">
+            <a:extLst>
+              <a:ext uri="{FF2B5EF4-FFF2-40B4-BE49-F238E27FC236}">
+                <a16:creationId xmlns:a16="http://schemas.microsoft.com/office/drawing/2014/main" id="{F155582D-CE7F-42EF-96A3-C48EAD3FAEB6}"/>
+              </a:ext>
+            </a:extLst>
+          </p:cNvPr>
+          <p:cNvSpPr>
+            <a:spLocks noGrp="1"/>
+          </p:cNvSpPr>
+          <p:nvPr>
+            <p:ph type="title"/>
+          </p:nvPr>
+        </p:nvSpPr>
+        <p:spPr/>
+        <p:txBody>
+          <a:bodyPr>
+            <a:normAutofit/>
+          </a:bodyPr>
+          <a:lstStyle/>
+          <a:p>
+            <a:r>
+              <a:rPr lang="en-US" b="1" dirty="0"/>
+              <a:t>Group Members / Development Team</a:t>
+            </a:r>
+            <a:endParaRPr lang="en-AG" b="1" dirty="0"/>
+          </a:p>
+        </p:txBody>
+      </p:sp>
+      <p:sp>
+        <p:nvSpPr>
+          <p:cNvPr id="3" name="Content Placeholder 2">
+            <a:extLst>
+              <a:ext uri="{FF2B5EF4-FFF2-40B4-BE49-F238E27FC236}">
+                <a16:creationId xmlns:a16="http://schemas.microsoft.com/office/drawing/2014/main" id="{CF3C68EF-39F8-42BD-9D3A-345D48259E9D}"/>
+              </a:ext>
+            </a:extLst>
+          </p:cNvPr>
+          <p:cNvSpPr>
+            <a:spLocks noGrp="1"/>
+          </p:cNvSpPr>
+          <p:nvPr>
+            <p:ph idx="1"/>
+          </p:nvPr>
+        </p:nvSpPr>
+        <p:spPr/>
+        <p:txBody>
+          <a:bodyPr/>
+          <a:lstStyle/>
+          <a:p>
+            <a:r>
+              <a:rPr lang="en-029" dirty="0" smtClean="0"/>
+              <a:t>Beaumont Hackett – </a:t>
+            </a:r>
+            <a:r>
+              <a:rPr lang="en-029" dirty="0" smtClean="0"/>
+              <a:t>Team Leader / </a:t>
+            </a:r>
+            <a:r>
+              <a:rPr lang="en-029" dirty="0" smtClean="0"/>
+              <a:t>Front-end Developer</a:t>
+            </a:r>
+          </a:p>
+          <a:p>
+            <a:r>
+              <a:rPr lang="en-029" dirty="0" smtClean="0"/>
+              <a:t>Tabari Rudder-Fields – Lead Backend Developer</a:t>
+            </a:r>
+          </a:p>
+          <a:p>
+            <a:r>
+              <a:rPr lang="en-029" dirty="0" smtClean="0"/>
+              <a:t>Daniel Braithwait</a:t>
+            </a:r>
+            <a:r>
+              <a:rPr lang="en-029" dirty="0" smtClean="0"/>
+              <a:t>e – Tester / Backend Developer</a:t>
+            </a:r>
+          </a:p>
+          <a:p>
+            <a:r>
+              <a:rPr lang="en-029" dirty="0" smtClean="0"/>
+              <a:t>William Brace – Researcher / Documenter</a:t>
+            </a:r>
+          </a:p>
+          <a:p>
+            <a:r>
+              <a:rPr lang="en-029" dirty="0" smtClean="0"/>
+              <a:t>Bradley Harris – Researcher / Documenter</a:t>
+            </a:r>
+            <a:endParaRPr lang="en-AG" dirty="0"/>
+          </a:p>
+        </p:txBody>
+      </p:sp>
+    </p:spTree>
+    <p:extLst>
+      <p:ext uri="{BB962C8B-B14F-4D97-AF65-F5344CB8AC3E}">
+        <p14:creationId xmlns:p14="http://schemas.microsoft.com/office/powerpoint/2010/main" val="589152783"/>
+      </p:ext>
+    </p:extLst>
+  </p:cSld>
+  <p:clrMapOvr>
+    <a:masterClrMapping/>
+  </p:clrMapOvr>
+</p:sld>
+</file>
+
+<file path=ppt/slides/slide20.xml><?xml version="1.0" encoding="utf-8"?>
+<p:sld xmlns:a="http://schemas.openxmlformats.org/drawingml/2006/main" xmlns:r="http://schemas.openxmlformats.org/officeDocument/2006/relationships" xmlns:p="http://schemas.openxmlformats.org/presentationml/2006/main">
+  <p:cSld>
+    <p:spTree>
+      <p:nvGrpSpPr>
+        <p:cNvPr id="1" name=""/>
+        <p:cNvGrpSpPr/>
+        <p:nvPr/>
+      </p:nvGrpSpPr>
+      <p:grpSpPr>
+        <a:xfrm>
+          <a:off x="0" y="0"/>
+          <a:ext cx="0" cy="0"/>
+          <a:chOff x="0" y="0"/>
+          <a:chExt cx="0" cy="0"/>
+        </a:xfrm>
+      </p:grpSpPr>
+      <p:sp>
+        <p:nvSpPr>
+          <p:cNvPr id="2" name="Title 1">
+            <a:extLst>
+              <a:ext uri="{FF2B5EF4-FFF2-40B4-BE49-F238E27FC236}">
+                <a16:creationId xmlns:a16="http://schemas.microsoft.com/office/drawing/2014/main" id="{7B3113F1-D987-49EB-AA12-15592D4489D6}"/>
+              </a:ext>
+            </a:extLst>
+          </p:cNvPr>
+          <p:cNvSpPr>
+            <a:spLocks noGrp="1"/>
+          </p:cNvSpPr>
+          <p:nvPr>
+            <p:ph type="title"/>
+          </p:nvPr>
+        </p:nvSpPr>
+        <p:spPr>
+          <a:xfrm>
+            <a:off x="1141413" y="0"/>
+            <a:ext cx="9905998" cy="1478570"/>
+          </a:xfrm>
+        </p:spPr>
+        <p:txBody>
+          <a:bodyPr/>
+          <a:lstStyle/>
+          <a:p>
+            <a:r>
+              <a:rPr lang="en-US" b="1" dirty="0"/>
+              <a:t>Unit Testing </a:t>
+            </a:r>
+            <a:r>
+              <a:rPr lang="en-US" b="1" dirty="0" smtClean="0"/>
+              <a:t>Cases cont’d - ECP</a:t>
+            </a:r>
+            <a:endParaRPr lang="en-AG" b="1" dirty="0"/>
+          </a:p>
+        </p:txBody>
+      </p:sp>
+      <p:pic>
+        <p:nvPicPr>
+          <p:cNvPr id="4" name="Picture 3"/>
+          <p:cNvPicPr>
+            <a:picLocks noChangeAspect="1"/>
+          </p:cNvPicPr>
+          <p:nvPr/>
+        </p:nvPicPr>
+        <p:blipFill>
+          <a:blip r:embed="rId2"/>
+          <a:stretch>
+            <a:fillRect/>
+          </a:stretch>
+        </p:blipFill>
+        <p:spPr>
+          <a:xfrm>
+            <a:off x="1141413" y="1663754"/>
+            <a:ext cx="8816951" cy="2288136"/>
+          </a:xfrm>
+          <a:prstGeom prst="rect">
+            <a:avLst/>
+          </a:prstGeom>
+        </p:spPr>
+      </p:pic>
+    </p:spTree>
+    <p:extLst>
+      <p:ext uri="{BB962C8B-B14F-4D97-AF65-F5344CB8AC3E}">
+        <p14:creationId xmlns:p14="http://schemas.microsoft.com/office/powerpoint/2010/main" val="1331012844"/>
+      </p:ext>
+    </p:extLst>
+  </p:cSld>
+  <p:clrMapOvr>
+    <a:masterClrMapping/>
+  </p:clrMapOvr>
+  <p:timing>
+    <p:tnLst>
+      <p:par>
+        <p:cTn id="1" dur="indefinite" restart="never" nodeType="tmRoot"/>
+      </p:par>
+    </p:tnLst>
+  </p:timing>
+</p:sld>
+</file>
+
+<file path=ppt/slides/slide21.xml><?xml version="1.0" encoding="utf-8"?>
+<p:sld xmlns:a="http://schemas.openxmlformats.org/drawingml/2006/main" xmlns:r="http://schemas.openxmlformats.org/officeDocument/2006/relationships" xmlns:p="http://schemas.openxmlformats.org/presentationml/2006/main">
+  <p:cSld>
+    <p:spTree>
+      <p:nvGrpSpPr>
+        <p:cNvPr id="1" name=""/>
+        <p:cNvGrpSpPr/>
+        <p:nvPr/>
+      </p:nvGrpSpPr>
+      <p:grpSpPr>
+        <a:xfrm>
+          <a:off x="0" y="0"/>
+          <a:ext cx="0" cy="0"/>
+          <a:chOff x="0" y="0"/>
+          <a:chExt cx="0" cy="0"/>
+        </a:xfrm>
+      </p:grpSpPr>
+      <p:sp>
+        <p:nvSpPr>
+          <p:cNvPr id="2" name="Title 1">
+            <a:extLst>
+              <a:ext uri="{FF2B5EF4-FFF2-40B4-BE49-F238E27FC236}">
+                <a16:creationId xmlns:a16="http://schemas.microsoft.com/office/drawing/2014/main" id="{7B3113F1-D987-49EB-AA12-15592D4489D6}"/>
+              </a:ext>
+            </a:extLst>
+          </p:cNvPr>
+          <p:cNvSpPr>
+            <a:spLocks noGrp="1"/>
+          </p:cNvSpPr>
+          <p:nvPr>
+            <p:ph type="title"/>
+          </p:nvPr>
+        </p:nvSpPr>
+        <p:spPr>
+          <a:xfrm>
+            <a:off x="1141413" y="0"/>
+            <a:ext cx="9905998" cy="1478570"/>
+          </a:xfrm>
+        </p:spPr>
+        <p:txBody>
+          <a:bodyPr/>
+          <a:lstStyle/>
+          <a:p>
+            <a:r>
+              <a:rPr lang="en-US" b="1" dirty="0"/>
+              <a:t>Unit Testing </a:t>
+            </a:r>
+            <a:r>
+              <a:rPr lang="en-US" b="1" dirty="0" smtClean="0"/>
+              <a:t>Cases </a:t>
+            </a:r>
+            <a:r>
+              <a:rPr lang="en-US" b="1" dirty="0"/>
+              <a:t>cont’d</a:t>
+            </a:r>
+            <a:endParaRPr lang="en-AG" b="1" dirty="0"/>
+          </a:p>
+        </p:txBody>
+      </p:sp>
+      <p:sp>
+        <p:nvSpPr>
+          <p:cNvPr id="5" name="Content Placeholder 4">
+            <a:extLst>
+              <a:ext uri="{FF2B5EF4-FFF2-40B4-BE49-F238E27FC236}">
+                <a16:creationId xmlns:a16="http://schemas.microsoft.com/office/drawing/2014/main" id="{E010789A-025A-4A46-840A-0008B0871DF4}"/>
+              </a:ext>
+            </a:extLst>
+          </p:cNvPr>
+          <p:cNvSpPr>
+            <a:spLocks noGrp="1"/>
+          </p:cNvSpPr>
+          <p:nvPr>
+            <p:ph idx="1"/>
+          </p:nvPr>
+        </p:nvSpPr>
+        <p:spPr>
+          <a:xfrm>
+            <a:off x="1141412" y="1478570"/>
+            <a:ext cx="9905999" cy="5156692"/>
+          </a:xfrm>
+        </p:spPr>
+        <p:txBody>
+          <a:bodyPr/>
+          <a:lstStyle/>
+          <a:p>
+            <a:r>
+              <a:rPr lang="en-US" dirty="0"/>
+              <a:t>Test Scenario 5</a:t>
+            </a:r>
+          </a:p>
+          <a:p>
+            <a:r>
+              <a:rPr lang="en-US" dirty="0"/>
+              <a:t>This scenario consisted of a series of test cases to confirm that the unit function that checks if an Access Control List and User Log Table have been created or not. In case where neither table was created, the function does so. ECP was used to derive the following test cases.</a:t>
+            </a:r>
+          </a:p>
+          <a:p>
+            <a:pPr lvl="1"/>
+            <a:r>
+              <a:rPr lang="en-US" dirty="0"/>
+              <a:t>Scenario 5-1 was to confirm that the unit function would recognize that both tables had already been created. No message displayed so the tables were already in place.</a:t>
+            </a:r>
+          </a:p>
+          <a:p>
+            <a:pPr lvl="1"/>
+            <a:r>
+              <a:rPr lang="en-US" dirty="0"/>
+              <a:t>Scenario 5-2 was to confirm that the unit function would recognize the lack of either table and then create both of them. The function notified that the tables were created, thus the test was successful.</a:t>
+            </a:r>
+          </a:p>
+          <a:p>
+            <a:pPr marL="457200" lvl="1" indent="0">
+              <a:buNone/>
+            </a:pPr>
+            <a:endParaRPr lang="en-US" dirty="0"/>
+          </a:p>
+          <a:p>
+            <a:pPr marL="0" indent="0">
+              <a:buNone/>
+            </a:pPr>
+            <a:endParaRPr lang="en-AG" dirty="0"/>
+          </a:p>
+        </p:txBody>
+      </p:sp>
+    </p:spTree>
+    <p:extLst>
+      <p:ext uri="{BB962C8B-B14F-4D97-AF65-F5344CB8AC3E}">
+        <p14:creationId xmlns:p14="http://schemas.microsoft.com/office/powerpoint/2010/main" val="809969374"/>
+      </p:ext>
+    </p:extLst>
+  </p:cSld>
+  <p:clrMapOvr>
+    <a:masterClrMapping/>
+  </p:clrMapOvr>
+</p:sld>
+</file>
+
+<file path=ppt/slides/slide22.xml><?xml version="1.0" encoding="utf-8"?>
+<p:sld xmlns:a="http://schemas.openxmlformats.org/drawingml/2006/main" xmlns:r="http://schemas.openxmlformats.org/officeDocument/2006/relationships" xmlns:p="http://schemas.openxmlformats.org/presentationml/2006/main">
+  <p:cSld>
+    <p:spTree>
+      <p:nvGrpSpPr>
+        <p:cNvPr id="1" name=""/>
+        <p:cNvGrpSpPr/>
+        <p:nvPr/>
+      </p:nvGrpSpPr>
+      <p:grpSpPr>
+        <a:xfrm>
+          <a:off x="0" y="0"/>
+          <a:ext cx="0" cy="0"/>
+          <a:chOff x="0" y="0"/>
+          <a:chExt cx="0" cy="0"/>
+        </a:xfrm>
+      </p:grpSpPr>
+      <p:sp>
+        <p:nvSpPr>
+          <p:cNvPr id="2" name="Title 1">
+            <a:extLst>
+              <a:ext uri="{FF2B5EF4-FFF2-40B4-BE49-F238E27FC236}">
+                <a16:creationId xmlns:a16="http://schemas.microsoft.com/office/drawing/2014/main" id="{C0FE1455-275F-4991-8CA8-03B2A744C941}"/>
+              </a:ext>
+            </a:extLst>
+          </p:cNvPr>
+          <p:cNvSpPr>
+            <a:spLocks noGrp="1"/>
+          </p:cNvSpPr>
+          <p:nvPr>
+            <p:ph type="title"/>
+          </p:nvPr>
+        </p:nvSpPr>
+        <p:spPr>
+          <a:xfrm>
+            <a:off x="1141413" y="0"/>
+            <a:ext cx="9905998" cy="1478570"/>
+          </a:xfrm>
+        </p:spPr>
+        <p:txBody>
+          <a:bodyPr/>
+          <a:lstStyle/>
+          <a:p>
+            <a:r>
+              <a:rPr lang="en-US" b="1" dirty="0"/>
+              <a:t>Unit testing </a:t>
+            </a:r>
+            <a:r>
+              <a:rPr lang="en-US" b="1" dirty="0" smtClean="0"/>
+              <a:t>Cases CONT’D</a:t>
+            </a:r>
+            <a:endParaRPr lang="en-AG" b="1" dirty="0"/>
+          </a:p>
+        </p:txBody>
+      </p:sp>
+      <p:sp>
+        <p:nvSpPr>
+          <p:cNvPr id="3" name="Content Placeholder 2">
+            <a:extLst>
+              <a:ext uri="{FF2B5EF4-FFF2-40B4-BE49-F238E27FC236}">
+                <a16:creationId xmlns:a16="http://schemas.microsoft.com/office/drawing/2014/main" id="{82DD6939-EFDC-4BC4-A07A-4EEF62D7EAFD}"/>
+              </a:ext>
+            </a:extLst>
+          </p:cNvPr>
+          <p:cNvSpPr>
+            <a:spLocks noGrp="1"/>
+          </p:cNvSpPr>
+          <p:nvPr>
+            <p:ph idx="1"/>
+          </p:nvPr>
+        </p:nvSpPr>
+        <p:spPr>
+          <a:xfrm>
+            <a:off x="1141412" y="1219200"/>
+            <a:ext cx="9905999" cy="5322277"/>
+          </a:xfrm>
+        </p:spPr>
+        <p:txBody>
+          <a:bodyPr/>
+          <a:lstStyle/>
+          <a:p>
+            <a:r>
+              <a:rPr lang="en-US" b="1" dirty="0"/>
+              <a:t>Test Scenario </a:t>
+            </a:r>
+            <a:r>
+              <a:rPr lang="en-US" b="1" dirty="0" smtClean="0"/>
+              <a:t>5</a:t>
+            </a:r>
+            <a:endParaRPr lang="en-US" b="1" dirty="0"/>
+          </a:p>
+          <a:p>
+            <a:endParaRPr lang="en-029" i="1" dirty="0" smtClean="0"/>
+          </a:p>
+          <a:p>
+            <a:pPr marL="0" indent="0">
+              <a:buNone/>
+            </a:pPr>
+            <a:r>
+              <a:rPr lang="en-029" i="1" dirty="0" smtClean="0"/>
+              <a:t>	</a:t>
+            </a:r>
+            <a:r>
+              <a:rPr lang="en-029" i="1" dirty="0"/>
+              <a:t>Let A = Access Control List and L = User Logs Table</a:t>
+            </a:r>
+            <a:endParaRPr lang="en-GB" dirty="0"/>
+          </a:p>
+          <a:p>
+            <a:pPr marL="0" indent="0">
+              <a:buNone/>
+            </a:pPr>
+            <a:r>
+              <a:rPr lang="en-029" dirty="0"/>
+              <a:t> </a:t>
+            </a:r>
+            <a:endParaRPr lang="en-GB" dirty="0"/>
+          </a:p>
+          <a:p>
+            <a:r>
+              <a:rPr lang="en-029" b="1" u="sng" dirty="0"/>
+              <a:t>Equivalence Class Partitioning</a:t>
+            </a:r>
+            <a:endParaRPr lang="en-GB" b="1" dirty="0"/>
+          </a:p>
+          <a:p>
+            <a:pPr marL="0" indent="0">
+              <a:buNone/>
+            </a:pPr>
+            <a:r>
+              <a:rPr lang="en-029" dirty="0"/>
+              <a:t> </a:t>
+            </a:r>
+            <a:endParaRPr lang="en-GB" dirty="0"/>
+          </a:p>
+          <a:p>
+            <a:pPr marL="0" indent="0">
+              <a:buNone/>
+            </a:pPr>
+            <a:r>
+              <a:rPr lang="en-029" dirty="0" smtClean="0"/>
+              <a:t>	A </a:t>
+            </a:r>
+            <a:r>
+              <a:rPr lang="en-029" dirty="0"/>
+              <a:t>= Created, L = Created satisfies A = Created and L = Created</a:t>
+            </a:r>
+            <a:endParaRPr lang="en-GB" dirty="0"/>
+          </a:p>
+          <a:p>
+            <a:pPr marL="0" indent="0">
+              <a:buNone/>
+            </a:pPr>
+            <a:r>
+              <a:rPr lang="en-029" dirty="0" smtClean="0"/>
+              <a:t>	G </a:t>
+            </a:r>
+            <a:r>
+              <a:rPr lang="en-029" dirty="0"/>
+              <a:t>= Not Created, L=Not Created satisfies A = Not Created and </a:t>
+            </a:r>
+            <a:endParaRPr lang="en-029" dirty="0" smtClean="0"/>
+          </a:p>
+          <a:p>
+            <a:pPr marL="0" indent="0">
+              <a:buNone/>
+            </a:pPr>
+            <a:r>
+              <a:rPr lang="en-029" dirty="0"/>
+              <a:t>	</a:t>
+            </a:r>
+            <a:r>
+              <a:rPr lang="en-029" dirty="0" smtClean="0"/>
+              <a:t>							L </a:t>
+            </a:r>
+            <a:r>
+              <a:rPr lang="en-029" dirty="0"/>
+              <a:t>= </a:t>
+            </a:r>
+            <a:r>
+              <a:rPr lang="en-029" dirty="0" smtClean="0"/>
+              <a:t>Not </a:t>
+            </a:r>
+            <a:r>
+              <a:rPr lang="en-029" dirty="0"/>
+              <a:t>Created</a:t>
+            </a:r>
+            <a:endParaRPr lang="en-GB" dirty="0"/>
+          </a:p>
+        </p:txBody>
+      </p:sp>
+    </p:spTree>
+    <p:extLst>
+      <p:ext uri="{BB962C8B-B14F-4D97-AF65-F5344CB8AC3E}">
+        <p14:creationId xmlns:p14="http://schemas.microsoft.com/office/powerpoint/2010/main" val="1873399689"/>
+      </p:ext>
+    </p:extLst>
+  </p:cSld>
+  <p:clrMapOvr>
+    <a:masterClrMapping/>
+  </p:clrMapOvr>
+  <p:timing>
+    <p:tnLst>
+      <p:par>
+        <p:cTn id="1" dur="indefinite" restart="never" nodeType="tmRoot"/>
+      </p:par>
+    </p:tnLst>
+  </p:timing>
+</p:sld>
+</file>
+
+<file path=ppt/slides/slide23.xml><?xml version="1.0" encoding="utf-8"?>
+<p:sld xmlns:a="http://schemas.openxmlformats.org/drawingml/2006/main" xmlns:r="http://schemas.openxmlformats.org/officeDocument/2006/relationships" xmlns:p="http://schemas.openxmlformats.org/presentationml/2006/main">
+  <p:cSld>
+    <p:spTree>
+      <p:nvGrpSpPr>
+        <p:cNvPr id="1" name=""/>
+        <p:cNvGrpSpPr/>
+        <p:nvPr/>
+      </p:nvGrpSpPr>
+      <p:grpSpPr>
+        <a:xfrm>
+          <a:off x="0" y="0"/>
+          <a:ext cx="0" cy="0"/>
+          <a:chOff x="0" y="0"/>
+          <a:chExt cx="0" cy="0"/>
+        </a:xfrm>
+      </p:grpSpPr>
+      <p:sp>
+        <p:nvSpPr>
+          <p:cNvPr id="2" name="Title 1">
+            <a:extLst>
+              <a:ext uri="{FF2B5EF4-FFF2-40B4-BE49-F238E27FC236}">
+                <a16:creationId xmlns:a16="http://schemas.microsoft.com/office/drawing/2014/main" id="{7B3113F1-D987-49EB-AA12-15592D4489D6}"/>
+              </a:ext>
+            </a:extLst>
+          </p:cNvPr>
+          <p:cNvSpPr>
+            <a:spLocks noGrp="1"/>
+          </p:cNvSpPr>
+          <p:nvPr>
+            <p:ph type="title"/>
+          </p:nvPr>
+        </p:nvSpPr>
+        <p:spPr>
+          <a:xfrm>
+            <a:off x="1141413" y="0"/>
+            <a:ext cx="9905998" cy="1478570"/>
+          </a:xfrm>
+        </p:spPr>
+        <p:txBody>
+          <a:bodyPr/>
+          <a:lstStyle/>
+          <a:p>
+            <a:r>
+              <a:rPr lang="en-US" b="1" dirty="0"/>
+              <a:t>Unit Testing </a:t>
+            </a:r>
+            <a:r>
+              <a:rPr lang="en-US" b="1" dirty="0" smtClean="0"/>
+              <a:t>Cases cont’d - ECP</a:t>
+            </a:r>
+            <a:endParaRPr lang="en-AG" b="1" dirty="0"/>
+          </a:p>
+        </p:txBody>
+      </p:sp>
+      <p:pic>
+        <p:nvPicPr>
+          <p:cNvPr id="3" name="Picture 2"/>
+          <p:cNvPicPr>
+            <a:picLocks noChangeAspect="1"/>
+          </p:cNvPicPr>
+          <p:nvPr/>
+        </p:nvPicPr>
+        <p:blipFill>
+          <a:blip r:embed="rId2"/>
+          <a:stretch>
+            <a:fillRect/>
+          </a:stretch>
+        </p:blipFill>
+        <p:spPr>
+          <a:xfrm>
+            <a:off x="1141413" y="1478570"/>
+            <a:ext cx="8768233" cy="2694037"/>
+          </a:xfrm>
+          <a:prstGeom prst="rect">
+            <a:avLst/>
+          </a:prstGeom>
+        </p:spPr>
+      </p:pic>
+    </p:spTree>
+    <p:extLst>
+      <p:ext uri="{BB962C8B-B14F-4D97-AF65-F5344CB8AC3E}">
+        <p14:creationId xmlns:p14="http://schemas.microsoft.com/office/powerpoint/2010/main" val="3714654738"/>
+      </p:ext>
+    </p:extLst>
+  </p:cSld>
+  <p:clrMapOvr>
+    <a:masterClrMapping/>
+  </p:clrMapOvr>
+  <p:timing>
+    <p:tnLst>
+      <p:par>
+        <p:cTn id="1" dur="indefinite" restart="never" nodeType="tmRoot"/>
+      </p:par>
+    </p:tnLst>
+  </p:timing>
+</p:sld>
+</file>
+
+<file path=ppt/slides/slide24.xml><?xml version="1.0" encoding="utf-8"?>
+<p:sld xmlns:a="http://schemas.openxmlformats.org/drawingml/2006/main" xmlns:r="http://schemas.openxmlformats.org/officeDocument/2006/relationships" xmlns:p="http://schemas.openxmlformats.org/presentationml/2006/main">
+  <p:cSld>
+    <p:spTree>
+      <p:nvGrpSpPr>
+        <p:cNvPr id="1" name=""/>
+        <p:cNvGrpSpPr/>
+        <p:nvPr/>
+      </p:nvGrpSpPr>
+      <p:grpSpPr>
+        <a:xfrm>
+          <a:off x="0" y="0"/>
+          <a:ext cx="0" cy="0"/>
+          <a:chOff x="0" y="0"/>
+          <a:chExt cx="0" cy="0"/>
+        </a:xfrm>
+      </p:grpSpPr>
+      <p:sp>
+        <p:nvSpPr>
+          <p:cNvPr id="2" name="Title 1">
+            <a:extLst>
+              <a:ext uri="{FF2B5EF4-FFF2-40B4-BE49-F238E27FC236}">
+                <a16:creationId xmlns:a16="http://schemas.microsoft.com/office/drawing/2014/main" id="{7B3113F1-D987-49EB-AA12-15592D4489D6}"/>
+              </a:ext>
+            </a:extLst>
+          </p:cNvPr>
+          <p:cNvSpPr>
+            <a:spLocks noGrp="1"/>
+          </p:cNvSpPr>
+          <p:nvPr>
+            <p:ph type="title"/>
+          </p:nvPr>
+        </p:nvSpPr>
+        <p:spPr>
+          <a:xfrm>
+            <a:off x="1141413" y="0"/>
+            <a:ext cx="9905998" cy="1478570"/>
+          </a:xfrm>
+        </p:spPr>
+        <p:txBody>
+          <a:bodyPr/>
+          <a:lstStyle/>
+          <a:p>
+            <a:r>
+              <a:rPr lang="en-US" b="1" dirty="0"/>
+              <a:t>Unit Testing </a:t>
+            </a:r>
+            <a:r>
+              <a:rPr lang="en-US" b="1" dirty="0" smtClean="0"/>
+              <a:t>Cases </a:t>
+            </a:r>
+            <a:r>
+              <a:rPr lang="en-US" b="1" dirty="0"/>
+              <a:t>cont’d</a:t>
+            </a:r>
+            <a:endParaRPr lang="en-AG" b="1" dirty="0"/>
+          </a:p>
+        </p:txBody>
+      </p:sp>
+      <p:sp>
+        <p:nvSpPr>
+          <p:cNvPr id="5" name="Content Placeholder 4">
+            <a:extLst>
+              <a:ext uri="{FF2B5EF4-FFF2-40B4-BE49-F238E27FC236}">
+                <a16:creationId xmlns:a16="http://schemas.microsoft.com/office/drawing/2014/main" id="{E010789A-025A-4A46-840A-0008B0871DF4}"/>
+              </a:ext>
+            </a:extLst>
+          </p:cNvPr>
+          <p:cNvSpPr>
+            <a:spLocks noGrp="1"/>
+          </p:cNvSpPr>
+          <p:nvPr>
+            <p:ph idx="1"/>
+          </p:nvPr>
+        </p:nvSpPr>
+        <p:spPr>
+          <a:xfrm>
+            <a:off x="1141412" y="1478570"/>
+            <a:ext cx="9905999" cy="5156692"/>
+          </a:xfrm>
+        </p:spPr>
+        <p:txBody>
+          <a:bodyPr/>
+          <a:lstStyle/>
+          <a:p>
+            <a:r>
+              <a:rPr lang="en-US" dirty="0"/>
+              <a:t>Test Scenario 6</a:t>
+            </a:r>
+          </a:p>
+          <a:p>
+            <a:r>
+              <a:rPr lang="en-US" dirty="0"/>
+              <a:t>This scenario consisted of a series of test cases to confirm that the unit function that checks if a Frequently Answered Questions (FAQs) table had been created or not. If not, the function does so. ECP was used to derive the following test cases.</a:t>
+            </a:r>
+          </a:p>
+          <a:p>
+            <a:pPr lvl="1"/>
+            <a:r>
+              <a:rPr lang="en-US" dirty="0"/>
+              <a:t>Scenario 6-1 was to confirm that the unit function would recognize the FAQs table had already been created. No message displayed so the FAQ table was already in place.</a:t>
+            </a:r>
+          </a:p>
+          <a:p>
+            <a:pPr lvl="1"/>
+            <a:r>
+              <a:rPr lang="en-US" dirty="0"/>
+              <a:t>Scenario 6-2 was to confirm that the unit function would recognize the lack of the FAQs table and then create the table. The function notified that the table was created, thus the test was successful.</a:t>
+            </a:r>
+          </a:p>
+          <a:p>
+            <a:pPr marL="457200" lvl="1" indent="0">
+              <a:buNone/>
+            </a:pPr>
+            <a:endParaRPr lang="en-US" dirty="0"/>
+          </a:p>
+          <a:p>
+            <a:pPr marL="0" indent="0">
+              <a:buNone/>
+            </a:pPr>
+            <a:endParaRPr lang="en-AG" dirty="0"/>
+          </a:p>
+        </p:txBody>
+      </p:sp>
+    </p:spTree>
+    <p:extLst>
+      <p:ext uri="{BB962C8B-B14F-4D97-AF65-F5344CB8AC3E}">
+        <p14:creationId xmlns:p14="http://schemas.microsoft.com/office/powerpoint/2010/main" val="3544035211"/>
+      </p:ext>
+    </p:extLst>
+  </p:cSld>
+  <p:clrMapOvr>
+    <a:masterClrMapping/>
+  </p:clrMapOvr>
+  <p:timing>
+    <p:tnLst>
+      <p:par>
+        <p:cTn id="1" dur="indefinite" restart="never" nodeType="tmRoot"/>
+      </p:par>
+    </p:tnLst>
+  </p:timing>
+</p:sld>
+</file>
+
+<file path=ppt/slides/slide25.xml><?xml version="1.0" encoding="utf-8"?>
+<p:sld xmlns:a="http://schemas.openxmlformats.org/drawingml/2006/main" xmlns:r="http://schemas.openxmlformats.org/officeDocument/2006/relationships" xmlns:p="http://schemas.openxmlformats.org/presentationml/2006/main">
+  <p:cSld>
+    <p:spTree>
+      <p:nvGrpSpPr>
+        <p:cNvPr id="1" name=""/>
+        <p:cNvGrpSpPr/>
+        <p:nvPr/>
+      </p:nvGrpSpPr>
+      <p:grpSpPr>
+        <a:xfrm>
+          <a:off x="0" y="0"/>
+          <a:ext cx="0" cy="0"/>
+          <a:chOff x="0" y="0"/>
+          <a:chExt cx="0" cy="0"/>
+        </a:xfrm>
+      </p:grpSpPr>
+      <p:sp>
+        <p:nvSpPr>
+          <p:cNvPr id="2" name="Title 1">
+            <a:extLst>
+              <a:ext uri="{FF2B5EF4-FFF2-40B4-BE49-F238E27FC236}">
+                <a16:creationId xmlns:a16="http://schemas.microsoft.com/office/drawing/2014/main" id="{C0FE1455-275F-4991-8CA8-03B2A744C941}"/>
+              </a:ext>
+            </a:extLst>
+          </p:cNvPr>
+          <p:cNvSpPr>
+            <a:spLocks noGrp="1"/>
+          </p:cNvSpPr>
+          <p:nvPr>
+            <p:ph type="title"/>
+          </p:nvPr>
+        </p:nvSpPr>
+        <p:spPr>
+          <a:xfrm>
+            <a:off x="1141413" y="0"/>
+            <a:ext cx="9905998" cy="1478570"/>
+          </a:xfrm>
+        </p:spPr>
+        <p:txBody>
+          <a:bodyPr/>
+          <a:lstStyle/>
+          <a:p>
+            <a:r>
+              <a:rPr lang="en-US" b="1" dirty="0"/>
+              <a:t>Unit testing </a:t>
+            </a:r>
+            <a:r>
+              <a:rPr lang="en-US" b="1" dirty="0" smtClean="0"/>
+              <a:t>Cases CONT’D</a:t>
+            </a:r>
+            <a:endParaRPr lang="en-AG" b="1" dirty="0"/>
+          </a:p>
+        </p:txBody>
+      </p:sp>
+      <p:sp>
+        <p:nvSpPr>
+          <p:cNvPr id="3" name="Content Placeholder 2">
+            <a:extLst>
+              <a:ext uri="{FF2B5EF4-FFF2-40B4-BE49-F238E27FC236}">
+                <a16:creationId xmlns:a16="http://schemas.microsoft.com/office/drawing/2014/main" id="{82DD6939-EFDC-4BC4-A07A-4EEF62D7EAFD}"/>
+              </a:ext>
+            </a:extLst>
+          </p:cNvPr>
+          <p:cNvSpPr>
+            <a:spLocks noGrp="1"/>
+          </p:cNvSpPr>
+          <p:nvPr>
+            <p:ph idx="1"/>
+          </p:nvPr>
+        </p:nvSpPr>
+        <p:spPr>
+          <a:xfrm>
+            <a:off x="1141412" y="1219200"/>
+            <a:ext cx="9905999" cy="5322277"/>
+          </a:xfrm>
+        </p:spPr>
+        <p:txBody>
+          <a:bodyPr/>
+          <a:lstStyle/>
+          <a:p>
+            <a:r>
+              <a:rPr lang="en-US" b="1" dirty="0"/>
+              <a:t>Test Scenario </a:t>
+            </a:r>
+            <a:r>
+              <a:rPr lang="en-US" b="1" dirty="0"/>
+              <a:t>6</a:t>
+            </a:r>
+            <a:endParaRPr lang="en-US" b="1" dirty="0"/>
+          </a:p>
+          <a:p>
+            <a:endParaRPr lang="en-029" i="1" dirty="0" smtClean="0"/>
+          </a:p>
+          <a:p>
+            <a:pPr marL="0" indent="0">
+              <a:buNone/>
+            </a:pPr>
+            <a:r>
+              <a:rPr lang="en-029" i="1" dirty="0" smtClean="0"/>
+              <a:t>	</a:t>
+            </a:r>
+            <a:r>
+              <a:rPr lang="en-029" i="1" dirty="0"/>
+              <a:t>Let F = FAQ Table</a:t>
+            </a:r>
+            <a:endParaRPr lang="en-GB" dirty="0"/>
+          </a:p>
+          <a:p>
+            <a:pPr marL="0" indent="0">
+              <a:buNone/>
+            </a:pPr>
+            <a:r>
+              <a:rPr lang="en-029" dirty="0"/>
+              <a:t> </a:t>
+            </a:r>
+            <a:endParaRPr lang="en-GB" dirty="0"/>
+          </a:p>
+          <a:p>
+            <a:r>
+              <a:rPr lang="en-029" b="1" u="sng" dirty="0"/>
+              <a:t>Equivalence Class Partitioning</a:t>
+            </a:r>
+            <a:endParaRPr lang="en-GB" b="1" dirty="0"/>
+          </a:p>
+          <a:p>
+            <a:pPr marL="0" indent="0">
+              <a:buNone/>
+            </a:pPr>
+            <a:r>
+              <a:rPr lang="en-029" dirty="0"/>
+              <a:t> </a:t>
+            </a:r>
+            <a:endParaRPr lang="en-GB" dirty="0"/>
+          </a:p>
+          <a:p>
+            <a:pPr marL="0" indent="0">
+              <a:buNone/>
+            </a:pPr>
+            <a:r>
+              <a:rPr lang="en-029" dirty="0" smtClean="0"/>
+              <a:t>	F </a:t>
+            </a:r>
+            <a:r>
+              <a:rPr lang="en-029" dirty="0"/>
+              <a:t>= Created</a:t>
+            </a:r>
+            <a:endParaRPr lang="en-GB" dirty="0"/>
+          </a:p>
+          <a:p>
+            <a:pPr marL="0" indent="0">
+              <a:buNone/>
+            </a:pPr>
+            <a:r>
+              <a:rPr lang="en-029" dirty="0" smtClean="0"/>
+              <a:t>	F </a:t>
+            </a:r>
+            <a:r>
+              <a:rPr lang="en-029" dirty="0"/>
+              <a:t>= Not Created</a:t>
+            </a:r>
+            <a:endParaRPr lang="en-GB" dirty="0"/>
+          </a:p>
+        </p:txBody>
+      </p:sp>
+    </p:spTree>
+    <p:extLst>
+      <p:ext uri="{BB962C8B-B14F-4D97-AF65-F5344CB8AC3E}">
+        <p14:creationId xmlns:p14="http://schemas.microsoft.com/office/powerpoint/2010/main" val="3255740894"/>
+      </p:ext>
+    </p:extLst>
+  </p:cSld>
+  <p:clrMapOvr>
+    <a:masterClrMapping/>
+  </p:clrMapOvr>
+  <p:timing>
+    <p:tnLst>
+      <p:par>
+        <p:cTn id="1" dur="indefinite" restart="never" nodeType="tmRoot"/>
+      </p:par>
+    </p:tnLst>
+  </p:timing>
+</p:sld>
+</file>
+
+<file path=ppt/slides/slide26.xml><?xml version="1.0" encoding="utf-8"?>
+<p:sld xmlns:a="http://schemas.openxmlformats.org/drawingml/2006/main" xmlns:r="http://schemas.openxmlformats.org/officeDocument/2006/relationships" xmlns:p="http://schemas.openxmlformats.org/presentationml/2006/main">
+  <p:cSld>
+    <p:spTree>
+      <p:nvGrpSpPr>
+        <p:cNvPr id="1" name=""/>
+        <p:cNvGrpSpPr/>
+        <p:nvPr/>
+      </p:nvGrpSpPr>
+      <p:grpSpPr>
+        <a:xfrm>
+          <a:off x="0" y="0"/>
+          <a:ext cx="0" cy="0"/>
+          <a:chOff x="0" y="0"/>
+          <a:chExt cx="0" cy="0"/>
+        </a:xfrm>
+      </p:grpSpPr>
+      <p:sp>
+        <p:nvSpPr>
+          <p:cNvPr id="2" name="Title 1">
+            <a:extLst>
+              <a:ext uri="{FF2B5EF4-FFF2-40B4-BE49-F238E27FC236}">
+                <a16:creationId xmlns:a16="http://schemas.microsoft.com/office/drawing/2014/main" id="{7B3113F1-D987-49EB-AA12-15592D4489D6}"/>
+              </a:ext>
+            </a:extLst>
+          </p:cNvPr>
+          <p:cNvSpPr>
+            <a:spLocks noGrp="1"/>
+          </p:cNvSpPr>
+          <p:nvPr>
+            <p:ph type="title"/>
+          </p:nvPr>
+        </p:nvSpPr>
+        <p:spPr>
+          <a:xfrm>
+            <a:off x="1141413" y="0"/>
+            <a:ext cx="9905998" cy="1478570"/>
+          </a:xfrm>
+        </p:spPr>
+        <p:txBody>
+          <a:bodyPr/>
+          <a:lstStyle/>
+          <a:p>
+            <a:r>
+              <a:rPr lang="en-US" b="1" dirty="0"/>
+              <a:t>Unit Testing Case </a:t>
+            </a:r>
+            <a:r>
+              <a:rPr lang="en-US" b="1" dirty="0" smtClean="0"/>
+              <a:t>cont’d - ECP</a:t>
+            </a:r>
+            <a:endParaRPr lang="en-AG" b="1" dirty="0"/>
+          </a:p>
+        </p:txBody>
+      </p:sp>
+      <p:pic>
+        <p:nvPicPr>
+          <p:cNvPr id="4" name="Picture 3"/>
+          <p:cNvPicPr>
+            <a:picLocks noChangeAspect="1"/>
+          </p:cNvPicPr>
+          <p:nvPr/>
+        </p:nvPicPr>
+        <p:blipFill>
+          <a:blip r:embed="rId2"/>
+          <a:stretch>
+            <a:fillRect/>
+          </a:stretch>
+        </p:blipFill>
+        <p:spPr>
+          <a:xfrm>
+            <a:off x="1141413" y="1478570"/>
+            <a:ext cx="8778443" cy="2263113"/>
+          </a:xfrm>
+          <a:prstGeom prst="rect">
+            <a:avLst/>
+          </a:prstGeom>
+        </p:spPr>
+      </p:pic>
+    </p:spTree>
+    <p:extLst>
+      <p:ext uri="{BB962C8B-B14F-4D97-AF65-F5344CB8AC3E}">
+        <p14:creationId xmlns:p14="http://schemas.microsoft.com/office/powerpoint/2010/main" val="2402123029"/>
+      </p:ext>
+    </p:extLst>
+  </p:cSld>
+  <p:clrMapOvr>
+    <a:masterClrMapping/>
+  </p:clrMapOvr>
+  <p:timing>
+    <p:tnLst>
+      <p:par>
+        <p:cTn id="1" dur="indefinite" restart="never" nodeType="tmRoot"/>
+      </p:par>
+    </p:tnLst>
+  </p:timing>
+</p:sld>
+</file>
+
+<file path=ppt/slides/slide27.xml><?xml version="1.0" encoding="utf-8"?>
+<p:sld xmlns:a="http://schemas.openxmlformats.org/drawingml/2006/main" xmlns:r="http://schemas.openxmlformats.org/officeDocument/2006/relationships" xmlns:p="http://schemas.openxmlformats.org/presentationml/2006/main">
+  <p:cSld>
+    <p:spTree>
+      <p:nvGrpSpPr>
+        <p:cNvPr id="1" name=""/>
+        <p:cNvGrpSpPr/>
+        <p:nvPr/>
+      </p:nvGrpSpPr>
+      <p:grpSpPr>
+        <a:xfrm>
+          <a:off x="0" y="0"/>
+          <a:ext cx="0" cy="0"/>
+          <a:chOff x="0" y="0"/>
+          <a:chExt cx="0" cy="0"/>
+        </a:xfrm>
+      </p:grpSpPr>
+      <p:sp>
+        <p:nvSpPr>
+          <p:cNvPr id="2" name="Title 1">
+            <a:extLst>
+              <a:ext uri="{FF2B5EF4-FFF2-40B4-BE49-F238E27FC236}">
+                <a16:creationId xmlns:a16="http://schemas.microsoft.com/office/drawing/2014/main" id="{7B3113F1-D987-49EB-AA12-15592D4489D6}"/>
+              </a:ext>
+            </a:extLst>
+          </p:cNvPr>
+          <p:cNvSpPr>
+            <a:spLocks noGrp="1"/>
+          </p:cNvSpPr>
+          <p:nvPr>
+            <p:ph type="title"/>
+          </p:nvPr>
+        </p:nvSpPr>
+        <p:spPr>
+          <a:xfrm>
+            <a:off x="1141413" y="0"/>
+            <a:ext cx="9905998" cy="1478570"/>
+          </a:xfrm>
+        </p:spPr>
+        <p:txBody>
+          <a:bodyPr/>
+          <a:lstStyle/>
+          <a:p>
+            <a:r>
+              <a:rPr lang="en-US" b="1" dirty="0"/>
+              <a:t>Integration testing cases</a:t>
+            </a:r>
+            <a:endParaRPr lang="en-AG" b="1" dirty="0"/>
+          </a:p>
+        </p:txBody>
+      </p:sp>
+      <p:sp>
+        <p:nvSpPr>
+          <p:cNvPr id="5" name="Content Placeholder 4">
+            <a:extLst>
+              <a:ext uri="{FF2B5EF4-FFF2-40B4-BE49-F238E27FC236}">
+                <a16:creationId xmlns:a16="http://schemas.microsoft.com/office/drawing/2014/main" id="{E010789A-025A-4A46-840A-0008B0871DF4}"/>
+              </a:ext>
+            </a:extLst>
+          </p:cNvPr>
+          <p:cNvSpPr>
+            <a:spLocks noGrp="1"/>
+          </p:cNvSpPr>
+          <p:nvPr>
+            <p:ph idx="1"/>
+          </p:nvPr>
+        </p:nvSpPr>
+        <p:spPr>
+          <a:xfrm>
+            <a:off x="1141412" y="1478570"/>
+            <a:ext cx="9905999" cy="5156692"/>
+          </a:xfrm>
+        </p:spPr>
+        <p:txBody>
+          <a:bodyPr/>
+          <a:lstStyle/>
+          <a:p>
+            <a:r>
+              <a:rPr lang="en-US" dirty="0"/>
+              <a:t>The following series of test cases were used to analyze each of the main functionality our web application. </a:t>
+            </a:r>
+            <a:r>
+              <a:rPr lang="en-029" dirty="0"/>
+              <a:t>The three main functionalities are Login process for a Guest, the Login process for an Admin staff member and updating the FAQ table.</a:t>
+            </a:r>
+          </a:p>
+          <a:p>
+            <a:r>
+              <a:rPr lang="en-US" dirty="0"/>
+              <a:t> Scenario 1-1 and Scenario 1-2 tested the integration between the Database Check Unit Function and the User Access List/User Log unit function during both successful and unsuccessful Admin login attempts.  These goals were fulfilled  using invalid and valid credentials where the user would be prompted to enter valid credentials and be allowed passage to the Admin Homepage respectively. </a:t>
+            </a:r>
+          </a:p>
+          <a:p>
+            <a:pPr marL="457200" lvl="1" indent="0">
+              <a:buNone/>
+            </a:pPr>
+            <a:endParaRPr lang="en-US" dirty="0"/>
+          </a:p>
+          <a:p>
+            <a:pPr marL="0" indent="0">
+              <a:buNone/>
+            </a:pPr>
+            <a:endParaRPr lang="en-AG" dirty="0"/>
+          </a:p>
+        </p:txBody>
+      </p:sp>
+    </p:spTree>
+    <p:extLst>
+      <p:ext uri="{BB962C8B-B14F-4D97-AF65-F5344CB8AC3E}">
+        <p14:creationId xmlns:p14="http://schemas.microsoft.com/office/powerpoint/2010/main" val="3245951715"/>
+      </p:ext>
+    </p:extLst>
+  </p:cSld>
+  <p:clrMapOvr>
+    <a:masterClrMapping/>
+  </p:clrMapOvr>
+  <p:timing>
+    <p:tnLst>
+      <p:par>
+        <p:cTn id="1" dur="indefinite" restart="never" nodeType="tmRoot"/>
+      </p:par>
+    </p:tnLst>
+  </p:timing>
+</p:sld>
+</file>
+
+<file path=ppt/slides/slide28.xml><?xml version="1.0" encoding="utf-8"?>
+<p:sld xmlns:a="http://schemas.openxmlformats.org/drawingml/2006/main" xmlns:r="http://schemas.openxmlformats.org/officeDocument/2006/relationships" xmlns:p="http://schemas.openxmlformats.org/presentationml/2006/main">
+  <p:cSld>
+    <p:spTree>
+      <p:nvGrpSpPr>
+        <p:cNvPr id="1" name=""/>
+        <p:cNvGrpSpPr/>
+        <p:nvPr/>
+      </p:nvGrpSpPr>
+      <p:grpSpPr>
+        <a:xfrm>
+          <a:off x="0" y="0"/>
+          <a:ext cx="0" cy="0"/>
+          <a:chOff x="0" y="0"/>
+          <a:chExt cx="0" cy="0"/>
+        </a:xfrm>
+      </p:grpSpPr>
+      <p:sp>
+        <p:nvSpPr>
+          <p:cNvPr id="2" name="Title 1">
+            <a:extLst>
+              <a:ext uri="{FF2B5EF4-FFF2-40B4-BE49-F238E27FC236}">
                 <a16:creationId xmlns:a16="http://schemas.microsoft.com/office/drawing/2014/main" id="{7B3113F1-D987-49EB-AA12-15592D4489D6}"/>
               </a:ext>
             </a:extLst>
@@ -13032,10 +15270,713 @@
   <p:clrMapOvr>
     <a:masterClrMapping/>
   </p:clrMapOvr>
+  <p:timing>
+    <p:tnLst>
+      <p:par>
+        <p:cTn id="1" dur="indefinite" restart="never" nodeType="tmRoot"/>
+      </p:par>
+    </p:tnLst>
+  </p:timing>
 </p:sld>
 </file>
 
-<file path=ppt/slides/slide14.xml><?xml version="1.0" encoding="utf-8"?>
+<file path=ppt/slides/slide29.xml><?xml version="1.0" encoding="utf-8"?>
+<p:sld xmlns:a="http://schemas.openxmlformats.org/drawingml/2006/main" xmlns:r="http://schemas.openxmlformats.org/officeDocument/2006/relationships" xmlns:p="http://schemas.openxmlformats.org/presentationml/2006/main">
+  <p:cSld>
+    <p:spTree>
+      <p:nvGrpSpPr>
+        <p:cNvPr id="1" name=""/>
+        <p:cNvGrpSpPr/>
+        <p:nvPr/>
+      </p:nvGrpSpPr>
+      <p:grpSpPr>
+        <a:xfrm>
+          <a:off x="0" y="0"/>
+          <a:ext cx="0" cy="0"/>
+          <a:chOff x="0" y="0"/>
+          <a:chExt cx="0" cy="0"/>
+        </a:xfrm>
+      </p:grpSpPr>
+      <p:sp>
+        <p:nvSpPr>
+          <p:cNvPr id="2" name="Title 1">
+            <a:extLst>
+              <a:ext uri="{FF2B5EF4-FFF2-40B4-BE49-F238E27FC236}">
+                <a16:creationId xmlns:a16="http://schemas.microsoft.com/office/drawing/2014/main" id="{7B3113F1-D987-49EB-AA12-15592D4489D6}"/>
+              </a:ext>
+            </a:extLst>
+          </p:cNvPr>
+          <p:cNvSpPr>
+            <a:spLocks noGrp="1"/>
+          </p:cNvSpPr>
+          <p:nvPr>
+            <p:ph type="title"/>
+          </p:nvPr>
+        </p:nvSpPr>
+        <p:spPr>
+          <a:xfrm>
+            <a:off x="1141413" y="0"/>
+            <a:ext cx="9905998" cy="1478570"/>
+          </a:xfrm>
+        </p:spPr>
+        <p:txBody>
+          <a:bodyPr/>
+          <a:lstStyle/>
+          <a:p>
+            <a:r>
+              <a:rPr lang="en-US" b="1" dirty="0"/>
+              <a:t>Integration testing cases </a:t>
+            </a:r>
+            <a:r>
+              <a:rPr lang="en-US" b="1" dirty="0" err="1"/>
+              <a:t>CONt’d</a:t>
+            </a:r>
+            <a:endParaRPr lang="en-AG" b="1" dirty="0"/>
+          </a:p>
+        </p:txBody>
+      </p:sp>
+      <p:sp>
+        <p:nvSpPr>
+          <p:cNvPr id="5" name="Content Placeholder 4">
+            <a:extLst>
+              <a:ext uri="{FF2B5EF4-FFF2-40B4-BE49-F238E27FC236}">
+                <a16:creationId xmlns:a16="http://schemas.microsoft.com/office/drawing/2014/main" id="{E010789A-025A-4A46-840A-0008B0871DF4}"/>
+              </a:ext>
+            </a:extLst>
+          </p:cNvPr>
+          <p:cNvSpPr>
+            <a:spLocks noGrp="1"/>
+          </p:cNvSpPr>
+          <p:nvPr>
+            <p:ph idx="1"/>
+          </p:nvPr>
+        </p:nvSpPr>
+        <p:spPr>
+          <a:xfrm>
+            <a:off x="1141412" y="1478570"/>
+            <a:ext cx="9905999" cy="5156692"/>
+          </a:xfrm>
+        </p:spPr>
+        <p:txBody>
+          <a:bodyPr>
+            <a:normAutofit/>
+          </a:bodyPr>
+          <a:lstStyle/>
+          <a:p>
+            <a:pPr marL="0" indent="0">
+              <a:buNone/>
+            </a:pPr>
+            <a:r>
+              <a:rPr lang="en-US" dirty="0" smtClean="0"/>
+              <a:t> </a:t>
+            </a:r>
+            <a:endParaRPr lang="en-US" dirty="0"/>
+          </a:p>
+          <a:p>
+            <a:pPr marL="457200" lvl="1" indent="0">
+              <a:buNone/>
+            </a:pPr>
+            <a:endParaRPr lang="en-US" dirty="0"/>
+          </a:p>
+          <a:p>
+            <a:pPr marL="0" indent="0">
+              <a:buNone/>
+            </a:pPr>
+            <a:endParaRPr lang="en-AG" dirty="0"/>
+          </a:p>
+        </p:txBody>
+      </p:sp>
+      <p:pic>
+        <p:nvPicPr>
+          <p:cNvPr id="4" name="Picture 3"/>
+          <p:cNvPicPr>
+            <a:picLocks noChangeAspect="1"/>
+          </p:cNvPicPr>
+          <p:nvPr/>
+        </p:nvPicPr>
+        <p:blipFill>
+          <a:blip r:embed="rId2"/>
+          <a:stretch>
+            <a:fillRect/>
+          </a:stretch>
+        </p:blipFill>
+        <p:spPr>
+          <a:xfrm>
+            <a:off x="1008993" y="1170425"/>
+            <a:ext cx="9732579" cy="5361692"/>
+          </a:xfrm>
+          <a:prstGeom prst="rect">
+            <a:avLst/>
+          </a:prstGeom>
+        </p:spPr>
+      </p:pic>
+    </p:spTree>
+    <p:extLst>
+      <p:ext uri="{BB962C8B-B14F-4D97-AF65-F5344CB8AC3E}">
+        <p14:creationId xmlns:p14="http://schemas.microsoft.com/office/powerpoint/2010/main" val="3103300820"/>
+      </p:ext>
+    </p:extLst>
+  </p:cSld>
+  <p:clrMapOvr>
+    <a:masterClrMapping/>
+  </p:clrMapOvr>
+  <p:timing>
+    <p:tnLst>
+      <p:par>
+        <p:cTn id="1" dur="indefinite" restart="never" nodeType="tmRoot"/>
+      </p:par>
+    </p:tnLst>
+  </p:timing>
+</p:sld>
+</file>
+
+<file path=ppt/slides/slide3.xml><?xml version="1.0" encoding="utf-8"?>
+<p:sld xmlns:a="http://schemas.openxmlformats.org/drawingml/2006/main" xmlns:r="http://schemas.openxmlformats.org/officeDocument/2006/relationships" xmlns:p="http://schemas.openxmlformats.org/presentationml/2006/main">
+  <p:cSld>
+    <p:spTree>
+      <p:nvGrpSpPr>
+        <p:cNvPr id="1" name=""/>
+        <p:cNvGrpSpPr/>
+        <p:nvPr/>
+      </p:nvGrpSpPr>
+      <p:grpSpPr>
+        <a:xfrm>
+          <a:off x="0" y="0"/>
+          <a:ext cx="0" cy="0"/>
+          <a:chOff x="0" y="0"/>
+          <a:chExt cx="0" cy="0"/>
+        </a:xfrm>
+      </p:grpSpPr>
+      <p:sp>
+        <p:nvSpPr>
+          <p:cNvPr id="2" name="Title 1">
+            <a:extLst>
+              <a:ext uri="{FF2B5EF4-FFF2-40B4-BE49-F238E27FC236}">
+                <a16:creationId xmlns:a16="http://schemas.microsoft.com/office/drawing/2014/main" id="{8F9146A7-DDE7-4E78-9AC9-91D04D071F01}"/>
+              </a:ext>
+            </a:extLst>
+          </p:cNvPr>
+          <p:cNvSpPr>
+            <a:spLocks noGrp="1"/>
+          </p:cNvSpPr>
+          <p:nvPr>
+            <p:ph type="title"/>
+          </p:nvPr>
+        </p:nvSpPr>
+        <p:spPr>
+          <a:xfrm>
+            <a:off x="1097280" y="286603"/>
+            <a:ext cx="10058400" cy="885705"/>
+          </a:xfrm>
+        </p:spPr>
+        <p:txBody>
+          <a:bodyPr>
+            <a:normAutofit/>
+          </a:bodyPr>
+          <a:lstStyle/>
+          <a:p>
+            <a:r>
+              <a:rPr lang="en-US" b="1" dirty="0"/>
+              <a:t>Introduction</a:t>
+            </a:r>
+            <a:endParaRPr lang="en-AG" b="1" dirty="0"/>
+          </a:p>
+        </p:txBody>
+      </p:sp>
+      <p:sp>
+        <p:nvSpPr>
+          <p:cNvPr id="3" name="Content Placeholder 2">
+            <a:extLst>
+              <a:ext uri="{FF2B5EF4-FFF2-40B4-BE49-F238E27FC236}">
+                <a16:creationId xmlns:a16="http://schemas.microsoft.com/office/drawing/2014/main" id="{605F46F7-3530-43DC-BE29-7F986283E4D0}"/>
+              </a:ext>
+            </a:extLst>
+          </p:cNvPr>
+          <p:cNvSpPr>
+            <a:spLocks noGrp="1"/>
+          </p:cNvSpPr>
+          <p:nvPr>
+            <p:ph idx="1"/>
+          </p:nvPr>
+        </p:nvSpPr>
+        <p:spPr>
+          <a:xfrm>
+            <a:off x="1097280" y="1236134"/>
+            <a:ext cx="10058400" cy="5070881"/>
+          </a:xfrm>
+        </p:spPr>
+        <p:txBody>
+          <a:bodyPr/>
+          <a:lstStyle/>
+          <a:p>
+            <a:endParaRPr lang="en-AG" dirty="0"/>
+          </a:p>
+        </p:txBody>
+      </p:sp>
+    </p:spTree>
+    <p:extLst>
+      <p:ext uri="{BB962C8B-B14F-4D97-AF65-F5344CB8AC3E}">
+        <p14:creationId xmlns:p14="http://schemas.microsoft.com/office/powerpoint/2010/main" val="2625953170"/>
+      </p:ext>
+    </p:extLst>
+  </p:cSld>
+  <p:clrMapOvr>
+    <a:masterClrMapping/>
+  </p:clrMapOvr>
+</p:sld>
+</file>
+
+<file path=ppt/slides/slide30.xml><?xml version="1.0" encoding="utf-8"?>
+<p:sld xmlns:a="http://schemas.openxmlformats.org/drawingml/2006/main" xmlns:r="http://schemas.openxmlformats.org/officeDocument/2006/relationships" xmlns:p="http://schemas.openxmlformats.org/presentationml/2006/main">
+  <p:cSld>
+    <p:spTree>
+      <p:nvGrpSpPr>
+        <p:cNvPr id="1" name=""/>
+        <p:cNvGrpSpPr/>
+        <p:nvPr/>
+      </p:nvGrpSpPr>
+      <p:grpSpPr>
+        <a:xfrm>
+          <a:off x="0" y="0"/>
+          <a:ext cx="0" cy="0"/>
+          <a:chOff x="0" y="0"/>
+          <a:chExt cx="0" cy="0"/>
+        </a:xfrm>
+      </p:grpSpPr>
+      <p:sp>
+        <p:nvSpPr>
+          <p:cNvPr id="2" name="Title 1">
+            <a:extLst>
+              <a:ext uri="{FF2B5EF4-FFF2-40B4-BE49-F238E27FC236}">
+                <a16:creationId xmlns:a16="http://schemas.microsoft.com/office/drawing/2014/main" id="{7B3113F1-D987-49EB-AA12-15592D4489D6}"/>
+              </a:ext>
+            </a:extLst>
+          </p:cNvPr>
+          <p:cNvSpPr>
+            <a:spLocks noGrp="1"/>
+          </p:cNvSpPr>
+          <p:nvPr>
+            <p:ph type="title"/>
+          </p:nvPr>
+        </p:nvSpPr>
+        <p:spPr>
+          <a:xfrm>
+            <a:off x="1141413" y="0"/>
+            <a:ext cx="9905998" cy="1478570"/>
+          </a:xfrm>
+        </p:spPr>
+        <p:txBody>
+          <a:bodyPr/>
+          <a:lstStyle/>
+          <a:p>
+            <a:r>
+              <a:rPr lang="en-US" b="1" dirty="0"/>
+              <a:t>Integration testing cases </a:t>
+            </a:r>
+            <a:r>
+              <a:rPr lang="en-US" b="1" dirty="0" err="1"/>
+              <a:t>CONt’d</a:t>
+            </a:r>
+            <a:endParaRPr lang="en-AG" b="1" dirty="0"/>
+          </a:p>
+        </p:txBody>
+      </p:sp>
+      <p:sp>
+        <p:nvSpPr>
+          <p:cNvPr id="5" name="Content Placeholder 4">
+            <a:extLst>
+              <a:ext uri="{FF2B5EF4-FFF2-40B4-BE49-F238E27FC236}">
+                <a16:creationId xmlns:a16="http://schemas.microsoft.com/office/drawing/2014/main" id="{E010789A-025A-4A46-840A-0008B0871DF4}"/>
+              </a:ext>
+            </a:extLst>
+          </p:cNvPr>
+          <p:cNvSpPr>
+            <a:spLocks noGrp="1"/>
+          </p:cNvSpPr>
+          <p:nvPr>
+            <p:ph idx="1"/>
+          </p:nvPr>
+        </p:nvSpPr>
+        <p:spPr>
+          <a:xfrm>
+            <a:off x="1141412" y="1478570"/>
+            <a:ext cx="9905999" cy="5156692"/>
+          </a:xfrm>
+        </p:spPr>
+        <p:txBody>
+          <a:bodyPr>
+            <a:normAutofit/>
+          </a:bodyPr>
+          <a:lstStyle/>
+          <a:p>
+            <a:pPr marL="0" indent="0">
+              <a:buNone/>
+            </a:pPr>
+            <a:r>
+              <a:rPr lang="en-US" dirty="0" smtClean="0"/>
+              <a:t> </a:t>
+            </a:r>
+            <a:endParaRPr lang="en-US" dirty="0"/>
+          </a:p>
+          <a:p>
+            <a:pPr marL="457200" lvl="1" indent="0">
+              <a:buNone/>
+            </a:pPr>
+            <a:endParaRPr lang="en-US" dirty="0"/>
+          </a:p>
+          <a:p>
+            <a:pPr marL="0" indent="0">
+              <a:buNone/>
+            </a:pPr>
+            <a:endParaRPr lang="en-AG" dirty="0"/>
+          </a:p>
+        </p:txBody>
+      </p:sp>
+      <p:pic>
+        <p:nvPicPr>
+          <p:cNvPr id="3" name="Picture 2"/>
+          <p:cNvPicPr>
+            <a:picLocks noChangeAspect="1"/>
+          </p:cNvPicPr>
+          <p:nvPr/>
+        </p:nvPicPr>
+        <p:blipFill>
+          <a:blip r:embed="rId2"/>
+          <a:stretch>
+            <a:fillRect/>
+          </a:stretch>
+        </p:blipFill>
+        <p:spPr>
+          <a:xfrm>
+            <a:off x="977462" y="1289323"/>
+            <a:ext cx="9869214" cy="5016884"/>
+          </a:xfrm>
+          <a:prstGeom prst="rect">
+            <a:avLst/>
+          </a:prstGeom>
+        </p:spPr>
+      </p:pic>
+    </p:spTree>
+    <p:extLst>
+      <p:ext uri="{BB962C8B-B14F-4D97-AF65-F5344CB8AC3E}">
+        <p14:creationId xmlns:p14="http://schemas.microsoft.com/office/powerpoint/2010/main" val="1560430361"/>
+      </p:ext>
+    </p:extLst>
+  </p:cSld>
+  <p:clrMapOvr>
+    <a:masterClrMapping/>
+  </p:clrMapOvr>
+  <p:timing>
+    <p:tnLst>
+      <p:par>
+        <p:cTn id="1" dur="indefinite" restart="never" nodeType="tmRoot"/>
+      </p:par>
+    </p:tnLst>
+  </p:timing>
+</p:sld>
+</file>
+
+<file path=ppt/slides/slide31.xml><?xml version="1.0" encoding="utf-8"?>
+<p:sld xmlns:a="http://schemas.openxmlformats.org/drawingml/2006/main" xmlns:r="http://schemas.openxmlformats.org/officeDocument/2006/relationships" xmlns:p="http://schemas.openxmlformats.org/presentationml/2006/main">
+  <p:cSld>
+    <p:spTree>
+      <p:nvGrpSpPr>
+        <p:cNvPr id="1" name=""/>
+        <p:cNvGrpSpPr/>
+        <p:nvPr/>
+      </p:nvGrpSpPr>
+      <p:grpSpPr>
+        <a:xfrm>
+          <a:off x="0" y="0"/>
+          <a:ext cx="0" cy="0"/>
+          <a:chOff x="0" y="0"/>
+          <a:chExt cx="0" cy="0"/>
+        </a:xfrm>
+      </p:grpSpPr>
+      <p:sp>
+        <p:nvSpPr>
+          <p:cNvPr id="2" name="Title 1">
+            <a:extLst>
+              <a:ext uri="{FF2B5EF4-FFF2-40B4-BE49-F238E27FC236}">
+                <a16:creationId xmlns:a16="http://schemas.microsoft.com/office/drawing/2014/main" id="{7B3113F1-D987-49EB-AA12-15592D4489D6}"/>
+              </a:ext>
+            </a:extLst>
+          </p:cNvPr>
+          <p:cNvSpPr>
+            <a:spLocks noGrp="1"/>
+          </p:cNvSpPr>
+          <p:nvPr>
+            <p:ph type="title"/>
+          </p:nvPr>
+        </p:nvSpPr>
+        <p:spPr>
+          <a:xfrm>
+            <a:off x="1141413" y="0"/>
+            <a:ext cx="9905998" cy="1478570"/>
+          </a:xfrm>
+        </p:spPr>
+        <p:txBody>
+          <a:bodyPr/>
+          <a:lstStyle/>
+          <a:p>
+            <a:r>
+              <a:rPr lang="en-US" b="1" dirty="0"/>
+              <a:t>Integration testing cases </a:t>
+            </a:r>
+            <a:r>
+              <a:rPr lang="en-US" b="1" dirty="0" err="1"/>
+              <a:t>CONt’d</a:t>
+            </a:r>
+            <a:endParaRPr lang="en-AG" b="1" dirty="0"/>
+          </a:p>
+        </p:txBody>
+      </p:sp>
+      <p:sp>
+        <p:nvSpPr>
+          <p:cNvPr id="5" name="Content Placeholder 4">
+            <a:extLst>
+              <a:ext uri="{FF2B5EF4-FFF2-40B4-BE49-F238E27FC236}">
+                <a16:creationId xmlns:a16="http://schemas.microsoft.com/office/drawing/2014/main" id="{E010789A-025A-4A46-840A-0008B0871DF4}"/>
+              </a:ext>
+            </a:extLst>
+          </p:cNvPr>
+          <p:cNvSpPr>
+            <a:spLocks noGrp="1"/>
+          </p:cNvSpPr>
+          <p:nvPr>
+            <p:ph idx="1"/>
+          </p:nvPr>
+        </p:nvSpPr>
+        <p:spPr>
+          <a:xfrm>
+            <a:off x="1141412" y="1478570"/>
+            <a:ext cx="9905999" cy="5156692"/>
+          </a:xfrm>
+        </p:spPr>
+        <p:txBody>
+          <a:bodyPr>
+            <a:normAutofit/>
+          </a:bodyPr>
+          <a:lstStyle/>
+          <a:p>
+            <a:pPr marL="0" indent="0">
+              <a:buNone/>
+            </a:pPr>
+            <a:r>
+              <a:rPr lang="en-US" dirty="0" smtClean="0"/>
+              <a:t> </a:t>
+            </a:r>
+            <a:endParaRPr lang="en-US" dirty="0"/>
+          </a:p>
+          <a:p>
+            <a:pPr marL="457200" lvl="1" indent="0">
+              <a:buNone/>
+            </a:pPr>
+            <a:endParaRPr lang="en-US" dirty="0"/>
+          </a:p>
+          <a:p>
+            <a:pPr marL="0" indent="0">
+              <a:buNone/>
+            </a:pPr>
+            <a:endParaRPr lang="en-AG" dirty="0"/>
+          </a:p>
+        </p:txBody>
+      </p:sp>
+      <p:pic>
+        <p:nvPicPr>
+          <p:cNvPr id="7" name="Picture 6"/>
+          <p:cNvPicPr>
+            <a:picLocks noChangeAspect="1"/>
+          </p:cNvPicPr>
+          <p:nvPr/>
+        </p:nvPicPr>
+        <p:blipFill>
+          <a:blip r:embed="rId2"/>
+          <a:stretch>
+            <a:fillRect/>
+          </a:stretch>
+        </p:blipFill>
+        <p:spPr>
+          <a:xfrm>
+            <a:off x="1375377" y="1121157"/>
+            <a:ext cx="8725064" cy="5387885"/>
+          </a:xfrm>
+          <a:prstGeom prst="rect">
+            <a:avLst/>
+          </a:prstGeom>
+        </p:spPr>
+      </p:pic>
+    </p:spTree>
+    <p:extLst>
+      <p:ext uri="{BB962C8B-B14F-4D97-AF65-F5344CB8AC3E}">
+        <p14:creationId xmlns:p14="http://schemas.microsoft.com/office/powerpoint/2010/main" val="3329226478"/>
+      </p:ext>
+    </p:extLst>
+  </p:cSld>
+  <p:clrMapOvr>
+    <a:masterClrMapping/>
+  </p:clrMapOvr>
+  <p:timing>
+    <p:tnLst>
+      <p:par>
+        <p:cTn id="1" dur="indefinite" restart="never" nodeType="tmRoot"/>
+      </p:par>
+    </p:tnLst>
+  </p:timing>
+</p:sld>
+</file>
+
+<file path=ppt/slides/slide32.xml><?xml version="1.0" encoding="utf-8"?>
+<p:sld xmlns:a="http://schemas.openxmlformats.org/drawingml/2006/main" xmlns:r="http://schemas.openxmlformats.org/officeDocument/2006/relationships" xmlns:p="http://schemas.openxmlformats.org/presentationml/2006/main">
+  <p:cSld>
+    <p:spTree>
+      <p:nvGrpSpPr>
+        <p:cNvPr id="1" name=""/>
+        <p:cNvGrpSpPr/>
+        <p:nvPr/>
+      </p:nvGrpSpPr>
+      <p:grpSpPr>
+        <a:xfrm>
+          <a:off x="0" y="0"/>
+          <a:ext cx="0" cy="0"/>
+          <a:chOff x="0" y="0"/>
+          <a:chExt cx="0" cy="0"/>
+        </a:xfrm>
+      </p:grpSpPr>
+      <p:sp>
+        <p:nvSpPr>
+          <p:cNvPr id="2" name="Title 1">
+            <a:extLst>
+              <a:ext uri="{FF2B5EF4-FFF2-40B4-BE49-F238E27FC236}">
+                <a16:creationId xmlns:a16="http://schemas.microsoft.com/office/drawing/2014/main" id="{7B3113F1-D987-49EB-AA12-15592D4489D6}"/>
+              </a:ext>
+            </a:extLst>
+          </p:cNvPr>
+          <p:cNvSpPr>
+            <a:spLocks noGrp="1"/>
+          </p:cNvSpPr>
+          <p:nvPr>
+            <p:ph type="title"/>
+          </p:nvPr>
+        </p:nvSpPr>
+        <p:spPr>
+          <a:xfrm>
+            <a:off x="1141413" y="0"/>
+            <a:ext cx="9905998" cy="1478570"/>
+          </a:xfrm>
+        </p:spPr>
+        <p:txBody>
+          <a:bodyPr/>
+          <a:lstStyle/>
+          <a:p>
+            <a:r>
+              <a:rPr lang="en-US" b="1" dirty="0"/>
+              <a:t>Integration testing cases </a:t>
+            </a:r>
+            <a:r>
+              <a:rPr lang="en-US" b="1" dirty="0" err="1"/>
+              <a:t>CONt’d</a:t>
+            </a:r>
+            <a:endParaRPr lang="en-AG" b="1" dirty="0"/>
+          </a:p>
+        </p:txBody>
+      </p:sp>
+      <p:sp>
+        <p:nvSpPr>
+          <p:cNvPr id="5" name="Content Placeholder 4">
+            <a:extLst>
+              <a:ext uri="{FF2B5EF4-FFF2-40B4-BE49-F238E27FC236}">
+                <a16:creationId xmlns:a16="http://schemas.microsoft.com/office/drawing/2014/main" id="{E010789A-025A-4A46-840A-0008B0871DF4}"/>
+              </a:ext>
+            </a:extLst>
+          </p:cNvPr>
+          <p:cNvSpPr>
+            <a:spLocks noGrp="1"/>
+          </p:cNvSpPr>
+          <p:nvPr>
+            <p:ph idx="1"/>
+          </p:nvPr>
+        </p:nvSpPr>
+        <p:spPr>
+          <a:xfrm>
+            <a:off x="1141412" y="1478570"/>
+            <a:ext cx="9905999" cy="5156692"/>
+          </a:xfrm>
+        </p:spPr>
+        <p:txBody>
+          <a:bodyPr>
+            <a:normAutofit/>
+          </a:bodyPr>
+          <a:lstStyle/>
+          <a:p>
+            <a:pPr marL="0" indent="0">
+              <a:buNone/>
+            </a:pPr>
+            <a:r>
+              <a:rPr lang="en-US" dirty="0" smtClean="0"/>
+              <a:t> </a:t>
+            </a:r>
+            <a:endParaRPr lang="en-US" dirty="0"/>
+          </a:p>
+          <a:p>
+            <a:pPr marL="457200" lvl="1" indent="0">
+              <a:buNone/>
+            </a:pPr>
+            <a:endParaRPr lang="en-US" dirty="0"/>
+          </a:p>
+          <a:p>
+            <a:pPr marL="0" indent="0">
+              <a:buNone/>
+            </a:pPr>
+            <a:endParaRPr lang="en-AG" dirty="0"/>
+          </a:p>
+        </p:txBody>
+      </p:sp>
+      <p:pic>
+        <p:nvPicPr>
+          <p:cNvPr id="6" name="Picture 5"/>
+          <p:cNvPicPr>
+            <a:picLocks noChangeAspect="1"/>
+          </p:cNvPicPr>
+          <p:nvPr/>
+        </p:nvPicPr>
+        <p:blipFill>
+          <a:blip r:embed="rId2"/>
+          <a:stretch>
+            <a:fillRect/>
+          </a:stretch>
+        </p:blipFill>
+        <p:spPr>
+          <a:xfrm>
+            <a:off x="1254179" y="1599827"/>
+            <a:ext cx="8858531" cy="2898601"/>
+          </a:xfrm>
+          <a:prstGeom prst="rect">
+            <a:avLst/>
+          </a:prstGeom>
+        </p:spPr>
+      </p:pic>
+    </p:spTree>
+    <p:extLst>
+      <p:ext uri="{BB962C8B-B14F-4D97-AF65-F5344CB8AC3E}">
+        <p14:creationId xmlns:p14="http://schemas.microsoft.com/office/powerpoint/2010/main" val="3484573760"/>
+      </p:ext>
+    </p:extLst>
+  </p:cSld>
+  <p:clrMapOvr>
+    <a:masterClrMapping/>
+  </p:clrMapOvr>
+  <p:timing>
+    <p:tnLst>
+      <p:par>
+        <p:cTn id="1" dur="indefinite" restart="never" nodeType="tmRoot"/>
+      </p:par>
+    </p:tnLst>
+  </p:timing>
+</p:sld>
+</file>
+
+<file path=ppt/slides/slide33.xml><?xml version="1.0" encoding="utf-8"?>
 <p:sld xmlns:a="http://schemas.openxmlformats.org/drawingml/2006/main" xmlns:r="http://schemas.openxmlformats.org/officeDocument/2006/relationships" xmlns:p="http://schemas.openxmlformats.org/presentationml/2006/main">
   <p:cSld>
     <p:spTree>
@@ -13177,10 +16118,17 @@
   <p:clrMapOvr>
     <a:masterClrMapping/>
   </p:clrMapOvr>
+  <p:timing>
+    <p:tnLst>
+      <p:par>
+        <p:cTn id="1" dur="indefinite" restart="never" nodeType="tmRoot"/>
+      </p:par>
+    </p:tnLst>
+  </p:timing>
 </p:sld>
 </file>
 
-<file path=ppt/slides/slide15.xml><?xml version="1.0" encoding="utf-8"?>
+<file path=ppt/slides/slide34.xml><?xml version="1.0" encoding="utf-8"?>
 <p:sld xmlns:a="http://schemas.openxmlformats.org/drawingml/2006/main" xmlns:r="http://schemas.openxmlformats.org/officeDocument/2006/relationships" xmlns:p="http://schemas.openxmlformats.org/presentationml/2006/main">
   <p:cSld>
     <p:spTree>
@@ -13202,7 +16150,7 @@
           <p:cNvPr id="2" name="Title 1">
             <a:extLst>
               <a:ext uri="{FF2B5EF4-FFF2-40B4-BE49-F238E27FC236}">
-                <a16:creationId xmlns:a16="http://schemas.microsoft.com/office/drawing/2014/main" id="{81305665-984E-49A3-93E7-FD430C95A8DE}"/>
+                <a16:creationId xmlns:a16="http://schemas.microsoft.com/office/drawing/2014/main" id="{7B3113F1-D987-49EB-AA12-15592D4489D6}"/>
               </a:ext>
             </a:extLst>
           </p:cNvPr>
@@ -13225,7 +16173,7 @@
           <a:p>
             <a:r>
               <a:rPr lang="en-US" b="1" dirty="0"/>
-              <a:t>Development process model</a:t>
+              <a:t>ALPHA Testing cases</a:t>
             </a:r>
             <a:endParaRPr lang="en-AG" b="1" dirty="0"/>
           </a:p>
@@ -13233,10 +16181,10 @@
       </p:sp>
       <p:sp>
         <p:nvSpPr>
-          <p:cNvPr id="3" name="Content Placeholder 2">
+          <p:cNvPr id="5" name="Content Placeholder 4">
             <a:extLst>
               <a:ext uri="{FF2B5EF4-FFF2-40B4-BE49-F238E27FC236}">
-                <a16:creationId xmlns:a16="http://schemas.microsoft.com/office/drawing/2014/main" id="{09675C3E-EBA3-4064-B9E8-A2BAC721E1E1}"/>
+                <a16:creationId xmlns:a16="http://schemas.microsoft.com/office/drawing/2014/main" id="{E010789A-025A-4A46-840A-0008B0871DF4}"/>
               </a:ext>
             </a:extLst>
           </p:cNvPr>
@@ -13250,40 +16198,79 @@
         <p:spPr>
           <a:xfrm>
             <a:off x="1141412" y="1478570"/>
-            <a:ext cx="9905999" cy="5086353"/>
+            <a:ext cx="9905999" cy="5156692"/>
           </a:xfrm>
         </p:spPr>
         <p:txBody>
-          <a:bodyPr/>
+          <a:bodyPr>
+            <a:normAutofit/>
+          </a:bodyPr>
           <a:lstStyle/>
           <a:p>
-            <a:r>
-              <a:rPr lang="en-US" dirty="0"/>
-              <a:t>Our team choose to use the Rapid Application Development (RAD) model to tackle the requirements of this Assignment. This model favors rapid developments of smaller projects, making it ideal for our project whereas the Spiral Process Model would be better suited for larger projects.</a:t>
-            </a:r>
-          </a:p>
-          <a:p>
-            <a:r>
-              <a:rPr lang="en-US" dirty="0"/>
-              <a:t>RAD allowed us to have flexibility during the design and implementation process where we able to make quick changes to allow the application to continuously adapt to the requirements of the assignment. </a:t>
-            </a:r>
-          </a:p>
-        </p:txBody>
-      </p:sp>
+            <a:pPr marL="457200" lvl="1" indent="0">
+              <a:buNone/>
+            </a:pPr>
+            <a:endParaRPr lang="en-US" dirty="0"/>
+          </a:p>
+          <a:p>
+            <a:pPr marL="457200" lvl="1" indent="0">
+              <a:buNone/>
+            </a:pPr>
+            <a:endParaRPr lang="en-US" dirty="0"/>
+          </a:p>
+          <a:p>
+            <a:pPr marL="0" indent="0">
+              <a:buNone/>
+            </a:pPr>
+            <a:endParaRPr lang="en-AG" dirty="0"/>
+          </a:p>
+        </p:txBody>
+      </p:sp>
+      <p:pic>
+        <p:nvPicPr>
+          <p:cNvPr id="4" name="Picture 3"/>
+          <p:cNvPicPr>
+            <a:picLocks noChangeAspect="1"/>
+          </p:cNvPicPr>
+          <p:nvPr/>
+        </p:nvPicPr>
+        <p:blipFill>
+          <a:blip r:embed="rId2"/>
+          <a:stretch>
+            <a:fillRect/>
+          </a:stretch>
+        </p:blipFill>
+        <p:spPr>
+          <a:xfrm>
+            <a:off x="1141411" y="1273557"/>
+            <a:ext cx="8864437" cy="5053671"/>
+          </a:xfrm>
+          <a:prstGeom prst="rect">
+            <a:avLst/>
+          </a:prstGeom>
+        </p:spPr>
+      </p:pic>
     </p:spTree>
     <p:extLst>
       <p:ext uri="{BB962C8B-B14F-4D97-AF65-F5344CB8AC3E}">
-        <p14:creationId xmlns:p14="http://schemas.microsoft.com/office/powerpoint/2010/main" val="621138330"/>
+        <p14:creationId xmlns:p14="http://schemas.microsoft.com/office/powerpoint/2010/main" val="221612294"/>
       </p:ext>
     </p:extLst>
   </p:cSld>
   <p:clrMapOvr>
     <a:masterClrMapping/>
   </p:clrMapOvr>
+  <p:timing>
+    <p:tnLst>
+      <p:par>
+        <p:cTn id="1" dur="indefinite" restart="never" nodeType="tmRoot"/>
+      </p:par>
+    </p:tnLst>
+  </p:timing>
 </p:sld>
 </file>
 
-<file path=ppt/slides/slide16.xml><?xml version="1.0" encoding="utf-8"?>
+<file path=ppt/slides/slide35.xml><?xml version="1.0" encoding="utf-8"?>
 <p:sld xmlns:a="http://schemas.openxmlformats.org/drawingml/2006/main" xmlns:r="http://schemas.openxmlformats.org/officeDocument/2006/relationships" xmlns:p="http://schemas.openxmlformats.org/presentationml/2006/main">
   <p:cSld>
     <p:spTree>
@@ -13305,7 +16292,7 @@
           <p:cNvPr id="2" name="Title 1">
             <a:extLst>
               <a:ext uri="{FF2B5EF4-FFF2-40B4-BE49-F238E27FC236}">
-                <a16:creationId xmlns:a16="http://schemas.microsoft.com/office/drawing/2014/main" id="{81305665-984E-49A3-93E7-FD430C95A8DE}"/>
+                <a16:creationId xmlns:a16="http://schemas.microsoft.com/office/drawing/2014/main" id="{7B3113F1-D987-49EB-AA12-15592D4489D6}"/>
               </a:ext>
             </a:extLst>
           </p:cNvPr>
@@ -13328,7 +16315,7 @@
           <a:p>
             <a:r>
               <a:rPr lang="en-US" b="1" dirty="0"/>
-              <a:t>Development process model CONT’D</a:t>
+              <a:t>ALPHA Testing cases</a:t>
             </a:r>
             <a:endParaRPr lang="en-AG" b="1" dirty="0"/>
           </a:p>
@@ -13336,10 +16323,10 @@
       </p:sp>
       <p:sp>
         <p:nvSpPr>
-          <p:cNvPr id="3" name="Content Placeholder 2">
+          <p:cNvPr id="5" name="Content Placeholder 4">
             <a:extLst>
               <a:ext uri="{FF2B5EF4-FFF2-40B4-BE49-F238E27FC236}">
-                <a16:creationId xmlns:a16="http://schemas.microsoft.com/office/drawing/2014/main" id="{09675C3E-EBA3-4064-B9E8-A2BAC721E1E1}"/>
+                <a16:creationId xmlns:a16="http://schemas.microsoft.com/office/drawing/2014/main" id="{E010789A-025A-4A46-840A-0008B0871DF4}"/>
               </a:ext>
             </a:extLst>
           </p:cNvPr>
@@ -13353,42 +16340,79 @@
         <p:spPr>
           <a:xfrm>
             <a:off x="1141412" y="1478570"/>
-            <a:ext cx="9905999" cy="5086353"/>
+            <a:ext cx="9905999" cy="5156692"/>
           </a:xfrm>
         </p:spPr>
         <p:txBody>
-          <a:bodyPr/>
+          <a:bodyPr>
+            <a:normAutofit/>
+          </a:bodyPr>
           <a:lstStyle/>
           <a:p>
-            <a:r>
-              <a:rPr lang="en-US" dirty="0"/>
-              <a:t>Since this project was on a short deadline RAD was an even more attractive choice. Without the restrictions of the Spiral Model we had a prototype up and working within a few days and we were able to introduce more features and increase the user friendliness with each major update.</a:t>
-            </a:r>
+            <a:pPr marL="457200" lvl="1" indent="0">
+              <a:buNone/>
+            </a:pPr>
+            <a:endParaRPr lang="en-US" dirty="0"/>
+          </a:p>
+          <a:p>
+            <a:pPr marL="457200" lvl="1" indent="0">
+              <a:buNone/>
+            </a:pPr>
+            <a:endParaRPr lang="en-US" dirty="0"/>
+          </a:p>
+          <a:p>
+            <a:pPr marL="0" indent="0">
+              <a:buNone/>
+            </a:pPr>
             <a:endParaRPr lang="en-AG" dirty="0"/>
           </a:p>
-          <a:p>
-            <a:r>
-              <a:rPr lang="en-US" dirty="0"/>
-              <a:t>Another reason we chose RAD was it allowed us to easily and quickly have a visual aspect of the requirements needed. This visualization allowed us to identify flaws easier, resulting in less flaws that needed to be addressed with each prototype cycle.</a:t>
-            </a:r>
-            <a:endParaRPr lang="en-AG" dirty="0"/>
-          </a:p>
-        </p:txBody>
-      </p:sp>
+        </p:txBody>
+      </p:sp>
+      <p:pic>
+        <p:nvPicPr>
+          <p:cNvPr id="3" name="Picture 2"/>
+          <p:cNvPicPr>
+            <a:picLocks noChangeAspect="1"/>
+          </p:cNvPicPr>
+          <p:nvPr/>
+        </p:nvPicPr>
+        <p:blipFill>
+          <a:blip r:embed="rId2"/>
+          <a:stretch>
+            <a:fillRect/>
+          </a:stretch>
+        </p:blipFill>
+        <p:spPr>
+          <a:xfrm>
+            <a:off x="1291294" y="1057275"/>
+            <a:ext cx="8201025" cy="5679856"/>
+          </a:xfrm>
+          <a:prstGeom prst="rect">
+            <a:avLst/>
+          </a:prstGeom>
+        </p:spPr>
+      </p:pic>
     </p:spTree>
     <p:extLst>
       <p:ext uri="{BB962C8B-B14F-4D97-AF65-F5344CB8AC3E}">
-        <p14:creationId xmlns:p14="http://schemas.microsoft.com/office/powerpoint/2010/main" val="655366433"/>
+        <p14:creationId xmlns:p14="http://schemas.microsoft.com/office/powerpoint/2010/main" val="4136764930"/>
       </p:ext>
     </p:extLst>
   </p:cSld>
   <p:clrMapOvr>
     <a:masterClrMapping/>
   </p:clrMapOvr>
+  <p:timing>
+    <p:tnLst>
+      <p:par>
+        <p:cTn id="1" dur="indefinite" restart="never" nodeType="tmRoot"/>
+      </p:par>
+    </p:tnLst>
+  </p:timing>
 </p:sld>
 </file>
 
-<file path=ppt/slides/slide17.xml><?xml version="1.0" encoding="utf-8"?>
+<file path=ppt/slides/slide36.xml><?xml version="1.0" encoding="utf-8"?>
 <p:sld xmlns:a="http://schemas.openxmlformats.org/drawingml/2006/main" xmlns:r="http://schemas.openxmlformats.org/officeDocument/2006/relationships" xmlns:p="http://schemas.openxmlformats.org/presentationml/2006/main">
   <p:cSld>
     <p:spTree>
@@ -13410,7 +16434,7 @@
           <p:cNvPr id="2" name="Title 1">
             <a:extLst>
               <a:ext uri="{FF2B5EF4-FFF2-40B4-BE49-F238E27FC236}">
-                <a16:creationId xmlns:a16="http://schemas.microsoft.com/office/drawing/2014/main" id="{81305665-984E-49A3-93E7-FD430C95A8DE}"/>
+                <a16:creationId xmlns:a16="http://schemas.microsoft.com/office/drawing/2014/main" id="{7B3113F1-D987-49EB-AA12-15592D4489D6}"/>
               </a:ext>
             </a:extLst>
           </p:cNvPr>
@@ -13433,7 +16457,7 @@
           <a:p>
             <a:r>
               <a:rPr lang="en-US" b="1" dirty="0"/>
-              <a:t>RAD Development phases</a:t>
+              <a:t>ALPHA Testing cases</a:t>
             </a:r>
             <a:endParaRPr lang="en-AG" b="1" dirty="0"/>
           </a:p>
@@ -13441,10 +16465,10 @@
       </p:sp>
       <p:sp>
         <p:nvSpPr>
-          <p:cNvPr id="3" name="Content Placeholder 2">
+          <p:cNvPr id="5" name="Content Placeholder 4">
             <a:extLst>
               <a:ext uri="{FF2B5EF4-FFF2-40B4-BE49-F238E27FC236}">
-                <a16:creationId xmlns:a16="http://schemas.microsoft.com/office/drawing/2014/main" id="{09675C3E-EBA3-4064-B9E8-A2BAC721E1E1}"/>
+                <a16:creationId xmlns:a16="http://schemas.microsoft.com/office/drawing/2014/main" id="{E010789A-025A-4A46-840A-0008B0871DF4}"/>
               </a:ext>
             </a:extLst>
           </p:cNvPr>
@@ -13458,49 +16482,103 @@
         <p:spPr>
           <a:xfrm>
             <a:off x="1141412" y="1478570"/>
-            <a:ext cx="9905999" cy="5086353"/>
+            <a:ext cx="9905999" cy="5156692"/>
           </a:xfrm>
         </p:spPr>
         <p:txBody>
-          <a:bodyPr/>
+          <a:bodyPr>
+            <a:normAutofit/>
+          </a:bodyPr>
           <a:lstStyle/>
           <a:p>
-            <a:r>
-              <a:rPr lang="en-US" b="1" dirty="0"/>
-              <a:t>Requirements Planning (Definition Stage): </a:t>
-            </a:r>
-            <a:r>
-              <a:rPr lang="en-US" dirty="0"/>
-              <a:t>The first task was to analyze the requirements and develop a business model for this project. We identified what was vital and necessary information and put heavy focus on that. We continued to analyze the other requirements, ensuring every member of the team had a clear understanding of them.</a:t>
-            </a:r>
-          </a:p>
-          <a:p>
-            <a:r>
-              <a:rPr lang="en-US" b="1" dirty="0"/>
-              <a:t>User Design (Design Stage</a:t>
-            </a:r>
-            <a:r>
-              <a:rPr lang="en-US" dirty="0"/>
-              <a:t>): This stage had the team taking the defined requirements and transforming them into a visual display. Since realistically we were not able to meet with clients for this project, we all at some stage took on the roll as a client by sharing ideas and insights about ways to continuously improve the design. The main focus was on usability, mobile responsiveness and accuracy to requirements.</a:t>
-            </a:r>
+            <a:pPr marL="457200" lvl="1" indent="0">
+              <a:buNone/>
+            </a:pPr>
+            <a:endParaRPr lang="en-US" dirty="0"/>
+          </a:p>
+          <a:p>
+            <a:pPr marL="457200" lvl="1" indent="0">
+              <a:buNone/>
+            </a:pPr>
+            <a:endParaRPr lang="en-US" dirty="0"/>
+          </a:p>
+          <a:p>
+            <a:pPr marL="0" indent="0">
+              <a:buNone/>
+            </a:pPr>
             <a:endParaRPr lang="en-AG" dirty="0"/>
           </a:p>
         </p:txBody>
       </p:sp>
+      <p:pic>
+        <p:nvPicPr>
+          <p:cNvPr id="6" name="Picture 5"/>
+          <p:cNvPicPr>
+            <a:picLocks noChangeAspect="1"/>
+          </p:cNvPicPr>
+          <p:nvPr/>
+        </p:nvPicPr>
+        <p:blipFill>
+          <a:blip r:embed="rId2"/>
+          <a:stretch>
+            <a:fillRect/>
+          </a:stretch>
+        </p:blipFill>
+        <p:spPr>
+          <a:xfrm>
+            <a:off x="1544856" y="1478569"/>
+            <a:ext cx="2659282" cy="4641367"/>
+          </a:xfrm>
+          <a:prstGeom prst="rect">
+            <a:avLst/>
+          </a:prstGeom>
+        </p:spPr>
+      </p:pic>
+      <p:pic>
+        <p:nvPicPr>
+          <p:cNvPr id="7" name="Picture 6"/>
+          <p:cNvPicPr>
+            <a:picLocks noChangeAspect="1"/>
+          </p:cNvPicPr>
+          <p:nvPr/>
+        </p:nvPicPr>
+        <p:blipFill>
+          <a:blip r:embed="rId3"/>
+          <a:stretch>
+            <a:fillRect/>
+          </a:stretch>
+        </p:blipFill>
+        <p:spPr>
+          <a:xfrm>
+            <a:off x="5229825" y="1631836"/>
+            <a:ext cx="3346617" cy="4488100"/>
+          </a:xfrm>
+          <a:prstGeom prst="rect">
+            <a:avLst/>
+          </a:prstGeom>
+        </p:spPr>
+      </p:pic>
     </p:spTree>
     <p:extLst>
       <p:ext uri="{BB962C8B-B14F-4D97-AF65-F5344CB8AC3E}">
-        <p14:creationId xmlns:p14="http://schemas.microsoft.com/office/powerpoint/2010/main" val="3274715582"/>
+        <p14:creationId xmlns:p14="http://schemas.microsoft.com/office/powerpoint/2010/main" val="2051869119"/>
       </p:ext>
     </p:extLst>
   </p:cSld>
   <p:clrMapOvr>
     <a:masterClrMapping/>
   </p:clrMapOvr>
+  <p:timing>
+    <p:tnLst>
+      <p:par>
+        <p:cTn id="1" dur="indefinite" restart="never" nodeType="tmRoot"/>
+      </p:par>
+    </p:tnLst>
+  </p:timing>
 </p:sld>
 </file>
 
-<file path=ppt/slides/slide18.xml><?xml version="1.0" encoding="utf-8"?>
+<file path=ppt/slides/slide37.xml><?xml version="1.0" encoding="utf-8"?>
 <p:sld xmlns:a="http://schemas.openxmlformats.org/drawingml/2006/main" xmlns:r="http://schemas.openxmlformats.org/officeDocument/2006/relationships" xmlns:p="http://schemas.openxmlformats.org/presentationml/2006/main">
   <p:cSld>
     <p:spTree>
@@ -13545,11 +16623,7 @@
           <a:p>
             <a:r>
               <a:rPr lang="en-US" b="1" dirty="0"/>
-              <a:t>RAD Development phases </a:t>
-            </a:r>
-            <a:r>
-              <a:rPr lang="en-US" b="1" dirty="0" err="1"/>
-              <a:t>CONt’d</a:t>
+              <a:t>Development process model</a:t>
             </a:r>
             <a:endParaRPr lang="en-AG" b="1" dirty="0"/>
           </a:p>
@@ -13582,46 +16656,39 @@
           <a:lstStyle/>
           <a:p>
             <a:r>
-              <a:rPr lang="en-US" b="1" dirty="0"/>
-              <a:t>Rapid Construction (Development Stage): </a:t>
-            </a:r>
-            <a:r>
               <a:rPr lang="en-US" dirty="0"/>
-              <a:t>This stage had the team take the web app prototype and transform it into a working model. Although at this stage changes were still possible, the iterative design phase made it possible to quickly and smoothly finalize the development of this application. This is the phase where testing took place.</a:t>
-            </a:r>
-          </a:p>
-          <a:p>
-            <a:r>
-              <a:rPr lang="en-US" b="1" dirty="0"/>
-              <a:t>Implementation (Deployment Stage</a:t>
-            </a:r>
+              <a:t>Our team choose to use the Rapid Application Development (RAD) model to tackle the requirements of this Assignment. This model favors rapid developments of smaller projects, making it ideal for our project whereas the Spiral Process Model would be better suited for larger projects.</a:t>
+            </a:r>
+          </a:p>
+          <a:p>
             <a:r>
               <a:rPr lang="en-US" dirty="0"/>
-              <a:t>): The final tests and checks were done to confirm full functionality before launching the web application fully. Upon completion we had a fully functional application that could use node.js to satisfy the requirements of the assignment.</a:t>
-            </a:r>
-          </a:p>
-          <a:p>
-            <a:pPr marL="0" indent="0">
-              <a:buNone/>
-            </a:pPr>
-            <a:endParaRPr lang="en-AG" dirty="0"/>
+              <a:t>RAD allowed us to have flexibility during the design and implementation process where we able to make quick changes to allow the application to continuously adapt to the requirements of the assignment. </a:t>
+            </a:r>
           </a:p>
         </p:txBody>
       </p:sp>
     </p:spTree>
     <p:extLst>
       <p:ext uri="{BB962C8B-B14F-4D97-AF65-F5344CB8AC3E}">
-        <p14:creationId xmlns:p14="http://schemas.microsoft.com/office/powerpoint/2010/main" val="627253"/>
+        <p14:creationId xmlns:p14="http://schemas.microsoft.com/office/powerpoint/2010/main" val="621138330"/>
       </p:ext>
     </p:extLst>
   </p:cSld>
   <p:clrMapOvr>
     <a:masterClrMapping/>
   </p:clrMapOvr>
+  <p:timing>
+    <p:tnLst>
+      <p:par>
+        <p:cTn id="1" dur="indefinite" restart="never" nodeType="tmRoot"/>
+      </p:par>
+    </p:tnLst>
+  </p:timing>
 </p:sld>
 </file>
 
-<file path=ppt/slides/slide19.xml><?xml version="1.0" encoding="utf-8"?>
+<file path=ppt/slides/slide38.xml><?xml version="1.0" encoding="utf-8"?>
 <p:sld xmlns:a="http://schemas.openxmlformats.org/drawingml/2006/main" xmlns:r="http://schemas.openxmlformats.org/officeDocument/2006/relationships" xmlns:p="http://schemas.openxmlformats.org/presentationml/2006/main">
   <p:cSld>
     <p:spTree>
@@ -13643,7 +16710,7 @@
           <p:cNvPr id="2" name="Title 1">
             <a:extLst>
               <a:ext uri="{FF2B5EF4-FFF2-40B4-BE49-F238E27FC236}">
-                <a16:creationId xmlns:a16="http://schemas.microsoft.com/office/drawing/2014/main" id="{52D1DAA7-73D9-40A9-BD19-E25714E7CB7D}"/>
+                <a16:creationId xmlns:a16="http://schemas.microsoft.com/office/drawing/2014/main" id="{81305665-984E-49A3-93E7-FD430C95A8DE}"/>
               </a:ext>
             </a:extLst>
           </p:cNvPr>
@@ -13666,13 +16733,9 @@
           <a:p>
             <a:r>
               <a:rPr lang="en-US" b="1" dirty="0"/>
-              <a:t>Maintenance</a:t>
-            </a:r>
-            <a:r>
-              <a:rPr lang="en-US" dirty="0"/>
-              <a:t> </a:t>
-            </a:r>
-            <a:endParaRPr lang="en-AG" dirty="0"/>
+              <a:t>Development process model CONT’D</a:t>
+            </a:r>
+            <a:endParaRPr lang="en-AG" b="1" dirty="0"/>
           </a:p>
         </p:txBody>
       </p:sp>
@@ -13681,7 +16744,7 @@
           <p:cNvPr id="3" name="Content Placeholder 2">
             <a:extLst>
               <a:ext uri="{FF2B5EF4-FFF2-40B4-BE49-F238E27FC236}">
-                <a16:creationId xmlns:a16="http://schemas.microsoft.com/office/drawing/2014/main" id="{7C1CD4D6-D333-4BE1-A30F-D3D1D654C14F}"/>
+                <a16:creationId xmlns:a16="http://schemas.microsoft.com/office/drawing/2014/main" id="{09675C3E-EBA3-4064-B9E8-A2BAC721E1E1}"/>
               </a:ext>
             </a:extLst>
           </p:cNvPr>
@@ -13695,30 +16758,23 @@
         <p:spPr>
           <a:xfrm>
             <a:off x="1141412" y="1478570"/>
-            <a:ext cx="9905999" cy="5062907"/>
+            <a:ext cx="9905999" cy="5086353"/>
           </a:xfrm>
         </p:spPr>
         <p:txBody>
-          <a:bodyPr>
-            <a:normAutofit lnSpcReduction="10000"/>
-          </a:bodyPr>
+          <a:bodyPr/>
           <a:lstStyle/>
           <a:p>
             <a:r>
               <a:rPr lang="en-US" dirty="0"/>
-              <a:t>One the main concerns of the development team after the application is fully launched is the subject of maintaining the application. In this case, maintenance would be keeping the application up to date and tuned to the ever changing world of technology and environment it is operating in.</a:t>
-            </a:r>
+              <a:t>Since this project was on a short deadline RAD was an even more attractive choice. Without the restrictions of the Spiral Model we had a prototype up and working within a few days and we were able to introduce more features and increase the user friendliness with each major update.</a:t>
+            </a:r>
+            <a:endParaRPr lang="en-AG" dirty="0"/>
           </a:p>
           <a:p>
             <a:r>
               <a:rPr lang="en-US" dirty="0"/>
-              <a:t>We are concerning ourselves with Adaptive Maintenance of the application to allow it to adapt to the web application landscape which is in a constant state of flux.  We will be taking the proper measures to ensure it goes as smoothly as possible.</a:t>
-            </a:r>
-          </a:p>
-          <a:p>
-            <a:r>
-              <a:rPr lang="en-US" dirty="0"/>
-              <a:t>A likely cause of maintenance would be future versions of web browsers which may prove incompatible with our application. The app would have to be modified to work with these new web browsers BEFORE they are released.</a:t>
+              <a:t>Another reason we chose RAD was it allowed us to easily and quickly have a visual aspect of the requirements needed. This visualization allowed us to identify flaws easier, resulting in less flaws that needed to be addressed with each prototype cycle.</a:t>
             </a:r>
             <a:endParaRPr lang="en-AG" dirty="0"/>
           </a:p>
@@ -13727,7 +16783,7 @@
     </p:spTree>
     <p:extLst>
       <p:ext uri="{BB962C8B-B14F-4D97-AF65-F5344CB8AC3E}">
-        <p14:creationId xmlns:p14="http://schemas.microsoft.com/office/powerpoint/2010/main" val="1674456262"/>
+        <p14:creationId xmlns:p14="http://schemas.microsoft.com/office/powerpoint/2010/main" val="655366433"/>
       </p:ext>
     </p:extLst>
   </p:cSld>
@@ -13737,7 +16793,7 @@
 </p:sld>
 </file>
 
-<file path=ppt/slides/slide2.xml><?xml version="1.0" encoding="utf-8"?>
+<file path=ppt/slides/slide39.xml><?xml version="1.0" encoding="utf-8"?>
 <p:sld xmlns:a="http://schemas.openxmlformats.org/drawingml/2006/main" xmlns:r="http://schemas.openxmlformats.org/officeDocument/2006/relationships" xmlns:p="http://schemas.openxmlformats.org/presentationml/2006/main">
   <p:cSld>
     <p:spTree>
@@ -13759,93 +16815,7 @@
           <p:cNvPr id="2" name="Title 1">
             <a:extLst>
               <a:ext uri="{FF2B5EF4-FFF2-40B4-BE49-F238E27FC236}">
-                <a16:creationId xmlns:a16="http://schemas.microsoft.com/office/drawing/2014/main" id="{F155582D-CE7F-42EF-96A3-C48EAD3FAEB6}"/>
-              </a:ext>
-            </a:extLst>
-          </p:cNvPr>
-          <p:cNvSpPr>
-            <a:spLocks noGrp="1"/>
-          </p:cNvSpPr>
-          <p:nvPr>
-            <p:ph type="title"/>
-          </p:nvPr>
-        </p:nvSpPr>
-        <p:spPr/>
-        <p:txBody>
-          <a:bodyPr>
-            <a:normAutofit/>
-          </a:bodyPr>
-          <a:lstStyle/>
-          <a:p>
-            <a:r>
-              <a:rPr lang="en-US" b="1"/>
-              <a:t>Group Members / Development Team</a:t>
-            </a:r>
-            <a:endParaRPr lang="en-AG" b="1" dirty="0"/>
-          </a:p>
-        </p:txBody>
-      </p:sp>
-      <p:sp>
-        <p:nvSpPr>
-          <p:cNvPr id="3" name="Content Placeholder 2">
-            <a:extLst>
-              <a:ext uri="{FF2B5EF4-FFF2-40B4-BE49-F238E27FC236}">
-                <a16:creationId xmlns:a16="http://schemas.microsoft.com/office/drawing/2014/main" id="{CF3C68EF-39F8-42BD-9D3A-345D48259E9D}"/>
-              </a:ext>
-            </a:extLst>
-          </p:cNvPr>
-          <p:cNvSpPr>
-            <a:spLocks noGrp="1"/>
-          </p:cNvSpPr>
-          <p:nvPr>
-            <p:ph idx="1"/>
-          </p:nvPr>
-        </p:nvSpPr>
-        <p:spPr/>
-        <p:txBody>
-          <a:bodyPr/>
-          <a:lstStyle/>
-          <a:p>
-            <a:endParaRPr lang="en-AG" dirty="0"/>
-          </a:p>
-        </p:txBody>
-      </p:sp>
-    </p:spTree>
-    <p:extLst>
-      <p:ext uri="{BB962C8B-B14F-4D97-AF65-F5344CB8AC3E}">
-        <p14:creationId xmlns:p14="http://schemas.microsoft.com/office/powerpoint/2010/main" val="589152783"/>
-      </p:ext>
-    </p:extLst>
-  </p:cSld>
-  <p:clrMapOvr>
-    <a:masterClrMapping/>
-  </p:clrMapOvr>
-</p:sld>
-</file>
-
-<file path=ppt/slides/slide20.xml><?xml version="1.0" encoding="utf-8"?>
-<p:sld xmlns:a="http://schemas.openxmlformats.org/drawingml/2006/main" xmlns:r="http://schemas.openxmlformats.org/officeDocument/2006/relationships" xmlns:p="http://schemas.openxmlformats.org/presentationml/2006/main">
-  <p:cSld>
-    <p:spTree>
-      <p:nvGrpSpPr>
-        <p:cNvPr id="1" name=""/>
-        <p:cNvGrpSpPr/>
-        <p:nvPr/>
-      </p:nvGrpSpPr>
-      <p:grpSpPr>
-        <a:xfrm>
-          <a:off x="0" y="0"/>
-          <a:ext cx="0" cy="0"/>
-          <a:chOff x="0" y="0"/>
-          <a:chExt cx="0" cy="0"/>
-        </a:xfrm>
-      </p:grpSpPr>
-      <p:sp>
-        <p:nvSpPr>
-          <p:cNvPr id="2" name="Title 1">
-            <a:extLst>
-              <a:ext uri="{FF2B5EF4-FFF2-40B4-BE49-F238E27FC236}">
-                <a16:creationId xmlns:a16="http://schemas.microsoft.com/office/drawing/2014/main" id="{E729E739-738A-410B-A2DD-2260C1E2128F}"/>
+                <a16:creationId xmlns:a16="http://schemas.microsoft.com/office/drawing/2014/main" id="{81305665-984E-49A3-93E7-FD430C95A8DE}"/>
               </a:ext>
             </a:extLst>
           </p:cNvPr>
@@ -13868,7 +16838,7 @@
           <a:p>
             <a:r>
               <a:rPr lang="en-US" b="1" dirty="0"/>
-              <a:t>Software quality recommendations</a:t>
+              <a:t>RAD Development phases</a:t>
             </a:r>
             <a:endParaRPr lang="en-AG" b="1" dirty="0"/>
           </a:p>
@@ -13879,7 +16849,7 @@
           <p:cNvPr id="3" name="Content Placeholder 2">
             <a:extLst>
               <a:ext uri="{FF2B5EF4-FFF2-40B4-BE49-F238E27FC236}">
-                <a16:creationId xmlns:a16="http://schemas.microsoft.com/office/drawing/2014/main" id="{E99F5A44-6FC7-43FA-BA9A-E85E12D9A94C}"/>
+                <a16:creationId xmlns:a16="http://schemas.microsoft.com/office/drawing/2014/main" id="{09675C3E-EBA3-4064-B9E8-A2BAC721E1E1}"/>
               </a:ext>
             </a:extLst>
           </p:cNvPr>
@@ -13893,7 +16863,7 @@
         <p:spPr>
           <a:xfrm>
             <a:off x="1141412" y="1478570"/>
-            <a:ext cx="9905999" cy="5062907"/>
+            <a:ext cx="9905999" cy="5086353"/>
           </a:xfrm>
         </p:spPr>
         <p:txBody>
@@ -13901,23 +16871,23 @@
           <a:lstStyle/>
           <a:p>
             <a:r>
+              <a:rPr lang="en-US" b="1" dirty="0"/>
+              <a:t>Requirements Planning (Definition Stage): </a:t>
+            </a:r>
+            <a:r>
               <a:rPr lang="en-US" dirty="0"/>
-              <a:t>Software Quality is an extremely important principle whose processes must be applied at many stages during the development cycle, including maintenance.</a:t>
-            </a:r>
-          </a:p>
-          <a:p>
+              <a:t>The first task was to analyze the requirements and develop a business model for this project. We identified what was vital and necessary information and put heavy focus on that. We continued to analyze the other requirements, ensuring every member of the team had a clear understanding of them.</a:t>
+            </a:r>
+          </a:p>
+          <a:p>
+            <a:r>
+              <a:rPr lang="en-US" b="1" dirty="0"/>
+              <a:t>User Design (Design Stage</a:t>
+            </a:r>
             <a:r>
               <a:rPr lang="en-US" dirty="0"/>
-              <a:t>Software Quality Management (SQM) processes serve the role of ensuring quality by having many different processes, some of which will directly find defects while others show where further evaluation may be needed. </a:t>
-            </a:r>
-          </a:p>
-          <a:p>
-            <a:r>
-              <a:rPr lang="en-US" dirty="0"/>
-              <a:t>SQM processes include those for quality assurance, verification, validation, reviews and auditing.</a:t>
-            </a:r>
-          </a:p>
-          <a:p>
+              <a:t>): This stage had the team taking the defined requirements and transforming them into a visual display. Since realistically we were not able to meet with clients for this project, we all at some stage took on the roll as a client by sharing ideas and insights about ways to continuously improve the design. The main focus was on usability, mobile responsiveness and accuracy to requirements.</a:t>
+            </a:r>
             <a:endParaRPr lang="en-AG" dirty="0"/>
           </a:p>
         </p:txBody>
@@ -13925,426 +16895,7 @@
     </p:spTree>
     <p:extLst>
       <p:ext uri="{BB962C8B-B14F-4D97-AF65-F5344CB8AC3E}">
-        <p14:creationId xmlns:p14="http://schemas.microsoft.com/office/powerpoint/2010/main" val="766595211"/>
-      </p:ext>
-    </p:extLst>
-  </p:cSld>
-  <p:clrMapOvr>
-    <a:masterClrMapping/>
-  </p:clrMapOvr>
-</p:sld>
-</file>
-
-<file path=ppt/slides/slide21.xml><?xml version="1.0" encoding="utf-8"?>
-<p:sld xmlns:a="http://schemas.openxmlformats.org/drawingml/2006/main" xmlns:r="http://schemas.openxmlformats.org/officeDocument/2006/relationships" xmlns:p="http://schemas.openxmlformats.org/presentationml/2006/main">
-  <p:cSld>
-    <p:spTree>
-      <p:nvGrpSpPr>
-        <p:cNvPr id="1" name=""/>
-        <p:cNvGrpSpPr/>
-        <p:nvPr/>
-      </p:nvGrpSpPr>
-      <p:grpSpPr>
-        <a:xfrm>
-          <a:off x="0" y="0"/>
-          <a:ext cx="0" cy="0"/>
-          <a:chOff x="0" y="0"/>
-          <a:chExt cx="0" cy="0"/>
-        </a:xfrm>
-      </p:grpSpPr>
-      <p:sp>
-        <p:nvSpPr>
-          <p:cNvPr id="2" name="Title 1">
-            <a:extLst>
-              <a:ext uri="{FF2B5EF4-FFF2-40B4-BE49-F238E27FC236}">
-                <a16:creationId xmlns:a16="http://schemas.microsoft.com/office/drawing/2014/main" id="{E729E739-738A-410B-A2DD-2260C1E2128F}"/>
-              </a:ext>
-            </a:extLst>
-          </p:cNvPr>
-          <p:cNvSpPr>
-            <a:spLocks noGrp="1"/>
-          </p:cNvSpPr>
-          <p:nvPr>
-            <p:ph type="title"/>
-          </p:nvPr>
-        </p:nvSpPr>
-        <p:spPr>
-          <a:xfrm>
-            <a:off x="562708" y="0"/>
-            <a:ext cx="10484703" cy="1478570"/>
-          </a:xfrm>
-        </p:spPr>
-        <p:txBody>
-          <a:bodyPr/>
-          <a:lstStyle/>
-          <a:p>
-            <a:r>
-              <a:rPr lang="en-US" b="1" dirty="0"/>
-              <a:t>Software quality recommendations cont’d</a:t>
-            </a:r>
-            <a:endParaRPr lang="en-AG" b="1" dirty="0"/>
-          </a:p>
-        </p:txBody>
-      </p:sp>
-      <p:sp>
-        <p:nvSpPr>
-          <p:cNvPr id="3" name="Content Placeholder 2">
-            <a:extLst>
-              <a:ext uri="{FF2B5EF4-FFF2-40B4-BE49-F238E27FC236}">
-                <a16:creationId xmlns:a16="http://schemas.microsoft.com/office/drawing/2014/main" id="{E99F5A44-6FC7-43FA-BA9A-E85E12D9A94C}"/>
-              </a:ext>
-            </a:extLst>
-          </p:cNvPr>
-          <p:cNvSpPr>
-            <a:spLocks noGrp="1"/>
-          </p:cNvSpPr>
-          <p:nvPr>
-            <p:ph idx="1"/>
-          </p:nvPr>
-        </p:nvSpPr>
-        <p:spPr>
-          <a:xfrm>
-            <a:off x="1141412" y="1478570"/>
-            <a:ext cx="9905999" cy="5062907"/>
-          </a:xfrm>
-        </p:spPr>
-        <p:txBody>
-          <a:bodyPr/>
-          <a:lstStyle/>
-          <a:p>
-            <a:r>
-              <a:rPr lang="en-US" dirty="0"/>
-              <a:t>The 1</a:t>
-            </a:r>
-            <a:r>
-              <a:rPr lang="en-US" baseline="30000" dirty="0"/>
-              <a:t>st</a:t>
-            </a:r>
-            <a:r>
-              <a:rPr lang="en-US" dirty="0"/>
-              <a:t> SQM is the quality assurance process. This process creates a plan which details the quality requirements and specific techniques that will be used to achieve them such as cost and resource management, scheduling and overall management.</a:t>
-            </a:r>
-          </a:p>
-          <a:p>
-            <a:r>
-              <a:rPr lang="en-US" dirty="0"/>
-              <a:t>The 2</a:t>
-            </a:r>
-            <a:r>
-              <a:rPr lang="en-US" baseline="30000" dirty="0"/>
-              <a:t>nd</a:t>
-            </a:r>
-            <a:r>
-              <a:rPr lang="en-US" dirty="0"/>
-              <a:t> SQM is Verification and Validation (V&amp;V). These include activities which address the software product quality directly and uses testing techniques to flush out any defects that need to be addressed. </a:t>
-            </a:r>
-            <a:r>
-              <a:rPr lang="en-GB" dirty="0"/>
-              <a:t>They are methods to ensure the software product meets the requirements created (verification) and checks to see whether the product built to match these requirements actually fulfils its intended purpose (validation). </a:t>
-            </a:r>
-            <a:endParaRPr lang="en-US" dirty="0"/>
-          </a:p>
-          <a:p>
-            <a:endParaRPr lang="en-AG" dirty="0"/>
-          </a:p>
-        </p:txBody>
-      </p:sp>
-    </p:spTree>
-    <p:extLst>
-      <p:ext uri="{BB962C8B-B14F-4D97-AF65-F5344CB8AC3E}">
-        <p14:creationId xmlns:p14="http://schemas.microsoft.com/office/powerpoint/2010/main" val="695502553"/>
-      </p:ext>
-    </p:extLst>
-  </p:cSld>
-  <p:clrMapOvr>
-    <a:masterClrMapping/>
-  </p:clrMapOvr>
-</p:sld>
-</file>
-
-<file path=ppt/slides/slide22.xml><?xml version="1.0" encoding="utf-8"?>
-<p:sld xmlns:a="http://schemas.openxmlformats.org/drawingml/2006/main" xmlns:r="http://schemas.openxmlformats.org/officeDocument/2006/relationships" xmlns:p="http://schemas.openxmlformats.org/presentationml/2006/main">
-  <p:cSld>
-    <p:spTree>
-      <p:nvGrpSpPr>
-        <p:cNvPr id="1" name=""/>
-        <p:cNvGrpSpPr/>
-        <p:nvPr/>
-      </p:nvGrpSpPr>
-      <p:grpSpPr>
-        <a:xfrm>
-          <a:off x="0" y="0"/>
-          <a:ext cx="0" cy="0"/>
-          <a:chOff x="0" y="0"/>
-          <a:chExt cx="0" cy="0"/>
-        </a:xfrm>
-      </p:grpSpPr>
-      <p:sp>
-        <p:nvSpPr>
-          <p:cNvPr id="2" name="Title 1">
-            <a:extLst>
-              <a:ext uri="{FF2B5EF4-FFF2-40B4-BE49-F238E27FC236}">
-                <a16:creationId xmlns:a16="http://schemas.microsoft.com/office/drawing/2014/main" id="{E729E739-738A-410B-A2DD-2260C1E2128F}"/>
-              </a:ext>
-            </a:extLst>
-          </p:cNvPr>
-          <p:cNvSpPr>
-            <a:spLocks noGrp="1"/>
-          </p:cNvSpPr>
-          <p:nvPr>
-            <p:ph type="title"/>
-          </p:nvPr>
-        </p:nvSpPr>
-        <p:spPr>
-          <a:xfrm>
-            <a:off x="562708" y="0"/>
-            <a:ext cx="10484703" cy="1478570"/>
-          </a:xfrm>
-        </p:spPr>
-        <p:txBody>
-          <a:bodyPr/>
-          <a:lstStyle/>
-          <a:p>
-            <a:r>
-              <a:rPr lang="en-US" b="1" dirty="0"/>
-              <a:t>Software quality recommendations cont’d</a:t>
-            </a:r>
-            <a:endParaRPr lang="en-AG" b="1" dirty="0"/>
-          </a:p>
-        </p:txBody>
-      </p:sp>
-      <p:sp>
-        <p:nvSpPr>
-          <p:cNvPr id="3" name="Content Placeholder 2">
-            <a:extLst>
-              <a:ext uri="{FF2B5EF4-FFF2-40B4-BE49-F238E27FC236}">
-                <a16:creationId xmlns:a16="http://schemas.microsoft.com/office/drawing/2014/main" id="{E99F5A44-6FC7-43FA-BA9A-E85E12D9A94C}"/>
-              </a:ext>
-            </a:extLst>
-          </p:cNvPr>
-          <p:cNvSpPr>
-            <a:spLocks noGrp="1"/>
-          </p:cNvSpPr>
-          <p:nvPr>
-            <p:ph idx="1"/>
-          </p:nvPr>
-        </p:nvSpPr>
-        <p:spPr>
-          <a:xfrm>
-            <a:off x="1141412" y="1478570"/>
-            <a:ext cx="9905999" cy="5062907"/>
-          </a:xfrm>
-        </p:spPr>
-        <p:txBody>
-          <a:bodyPr/>
-          <a:lstStyle/>
-          <a:p>
-            <a:r>
-              <a:rPr lang="en-US" dirty="0"/>
-              <a:t>Improved Reviews and Audits  would also improve the software quality approach for the organization. Reviews would determine the adequacy of plans and help keep track of progress. Audits carried out by 3</a:t>
-            </a:r>
-            <a:r>
-              <a:rPr lang="en-US" baseline="30000" dirty="0"/>
-              <a:t>rd</a:t>
-            </a:r>
-            <a:r>
-              <a:rPr lang="en-US" dirty="0"/>
-              <a:t> parties would give an unbiased look at new builds to check non-conformance levels and produce reports detailing corrective action.</a:t>
-            </a:r>
-          </a:p>
-          <a:p>
-            <a:r>
-              <a:rPr lang="en-US" dirty="0"/>
-              <a:t>Lastly the organization can improve their approach to software quality by developing a healthy culture which encourages a commitment to quality. If engineers and developers have a focus on quality as they develop, the end product will meet a greater standard. Therefore the developers should follow the code of ethics and professional practice created regulatory bodies such as the IEEE.</a:t>
-            </a:r>
-            <a:endParaRPr lang="en-AG" dirty="0"/>
-          </a:p>
-        </p:txBody>
-      </p:sp>
-    </p:spTree>
-    <p:extLst>
-      <p:ext uri="{BB962C8B-B14F-4D97-AF65-F5344CB8AC3E}">
-        <p14:creationId xmlns:p14="http://schemas.microsoft.com/office/powerpoint/2010/main" val="2305471762"/>
-      </p:ext>
-    </p:extLst>
-  </p:cSld>
-  <p:clrMapOvr>
-    <a:masterClrMapping/>
-  </p:clrMapOvr>
-</p:sld>
-</file>
-
-<file path=ppt/slides/slide23.xml><?xml version="1.0" encoding="utf-8"?>
-<p:sld xmlns:a="http://schemas.openxmlformats.org/drawingml/2006/main" xmlns:r="http://schemas.openxmlformats.org/officeDocument/2006/relationships" xmlns:p="http://schemas.openxmlformats.org/presentationml/2006/main">
-  <p:cSld>
-    <p:spTree>
-      <p:nvGrpSpPr>
-        <p:cNvPr id="1" name=""/>
-        <p:cNvGrpSpPr/>
-        <p:nvPr/>
-      </p:nvGrpSpPr>
-      <p:grpSpPr>
-        <a:xfrm>
-          <a:off x="0" y="0"/>
-          <a:ext cx="0" cy="0"/>
-          <a:chOff x="0" y="0"/>
-          <a:chExt cx="0" cy="0"/>
-        </a:xfrm>
-      </p:grpSpPr>
-      <p:sp>
-        <p:nvSpPr>
-          <p:cNvPr id="2" name="Title 1">
-            <a:extLst>
-              <a:ext uri="{FF2B5EF4-FFF2-40B4-BE49-F238E27FC236}">
-                <a16:creationId xmlns:a16="http://schemas.microsoft.com/office/drawing/2014/main" id="{5A1EB668-A371-4651-B47E-567E1803E36C}"/>
-              </a:ext>
-            </a:extLst>
-          </p:cNvPr>
-          <p:cNvSpPr>
-            <a:spLocks noGrp="1"/>
-          </p:cNvSpPr>
-          <p:nvPr>
-            <p:ph type="title"/>
-          </p:nvPr>
-        </p:nvSpPr>
-        <p:spPr/>
-        <p:txBody>
-          <a:bodyPr/>
-          <a:lstStyle/>
-          <a:p>
-            <a:r>
-              <a:rPr lang="en-US" b="1" dirty="0"/>
-              <a:t>conclusion</a:t>
-            </a:r>
-            <a:endParaRPr lang="en-AG" b="1" dirty="0"/>
-          </a:p>
-        </p:txBody>
-      </p:sp>
-      <p:sp>
-        <p:nvSpPr>
-          <p:cNvPr id="3" name="Content Placeholder 2">
-            <a:extLst>
-              <a:ext uri="{FF2B5EF4-FFF2-40B4-BE49-F238E27FC236}">
-                <a16:creationId xmlns:a16="http://schemas.microsoft.com/office/drawing/2014/main" id="{6C914028-E4ED-48DA-B760-D845A9CDD037}"/>
-              </a:ext>
-            </a:extLst>
-          </p:cNvPr>
-          <p:cNvSpPr>
-            <a:spLocks noGrp="1"/>
-          </p:cNvSpPr>
-          <p:nvPr>
-            <p:ph idx="1"/>
-          </p:nvPr>
-        </p:nvSpPr>
-        <p:spPr/>
-        <p:txBody>
-          <a:bodyPr/>
-          <a:lstStyle/>
-          <a:p>
-            <a:endParaRPr lang="en-AG"/>
-          </a:p>
-        </p:txBody>
-      </p:sp>
-    </p:spTree>
-    <p:extLst>
-      <p:ext uri="{BB962C8B-B14F-4D97-AF65-F5344CB8AC3E}">
-        <p14:creationId xmlns:p14="http://schemas.microsoft.com/office/powerpoint/2010/main" val="3435500814"/>
-      </p:ext>
-    </p:extLst>
-  </p:cSld>
-  <p:clrMapOvr>
-    <a:masterClrMapping/>
-  </p:clrMapOvr>
-</p:sld>
-</file>
-
-<file path=ppt/slides/slide3.xml><?xml version="1.0" encoding="utf-8"?>
-<p:sld xmlns:a="http://schemas.openxmlformats.org/drawingml/2006/main" xmlns:r="http://schemas.openxmlformats.org/officeDocument/2006/relationships" xmlns:p="http://schemas.openxmlformats.org/presentationml/2006/main">
-  <p:cSld>
-    <p:spTree>
-      <p:nvGrpSpPr>
-        <p:cNvPr id="1" name=""/>
-        <p:cNvGrpSpPr/>
-        <p:nvPr/>
-      </p:nvGrpSpPr>
-      <p:grpSpPr>
-        <a:xfrm>
-          <a:off x="0" y="0"/>
-          <a:ext cx="0" cy="0"/>
-          <a:chOff x="0" y="0"/>
-          <a:chExt cx="0" cy="0"/>
-        </a:xfrm>
-      </p:grpSpPr>
-      <p:sp>
-        <p:nvSpPr>
-          <p:cNvPr id="2" name="Title 1">
-            <a:extLst>
-              <a:ext uri="{FF2B5EF4-FFF2-40B4-BE49-F238E27FC236}">
-                <a16:creationId xmlns:a16="http://schemas.microsoft.com/office/drawing/2014/main" id="{8F9146A7-DDE7-4E78-9AC9-91D04D071F01}"/>
-              </a:ext>
-            </a:extLst>
-          </p:cNvPr>
-          <p:cNvSpPr>
-            <a:spLocks noGrp="1"/>
-          </p:cNvSpPr>
-          <p:nvPr>
-            <p:ph type="title"/>
-          </p:nvPr>
-        </p:nvSpPr>
-        <p:spPr>
-          <a:xfrm>
-            <a:off x="1097280" y="286603"/>
-            <a:ext cx="10058400" cy="885705"/>
-          </a:xfrm>
-        </p:spPr>
-        <p:txBody>
-          <a:bodyPr>
-            <a:normAutofit/>
-          </a:bodyPr>
-          <a:lstStyle/>
-          <a:p>
-            <a:r>
-              <a:rPr lang="en-US" b="1" dirty="0"/>
-              <a:t>Introduction</a:t>
-            </a:r>
-            <a:endParaRPr lang="en-AG" b="1" dirty="0"/>
-          </a:p>
-        </p:txBody>
-      </p:sp>
-      <p:sp>
-        <p:nvSpPr>
-          <p:cNvPr id="3" name="Content Placeholder 2">
-            <a:extLst>
-              <a:ext uri="{FF2B5EF4-FFF2-40B4-BE49-F238E27FC236}">
-                <a16:creationId xmlns:a16="http://schemas.microsoft.com/office/drawing/2014/main" id="{605F46F7-3530-43DC-BE29-7F986283E4D0}"/>
-              </a:ext>
-            </a:extLst>
-          </p:cNvPr>
-          <p:cNvSpPr>
-            <a:spLocks noGrp="1"/>
-          </p:cNvSpPr>
-          <p:nvPr>
-            <p:ph idx="1"/>
-          </p:nvPr>
-        </p:nvSpPr>
-        <p:spPr>
-          <a:xfrm>
-            <a:off x="1097280" y="1236134"/>
-            <a:ext cx="10058400" cy="5070881"/>
-          </a:xfrm>
-        </p:spPr>
-        <p:txBody>
-          <a:bodyPr/>
-          <a:lstStyle/>
-          <a:p>
-            <a:endParaRPr lang="en-AG" dirty="0"/>
-          </a:p>
-        </p:txBody>
-      </p:sp>
-    </p:spTree>
-    <p:extLst>
-      <p:ext uri="{BB962C8B-B14F-4D97-AF65-F5344CB8AC3E}">
-        <p14:creationId xmlns:p14="http://schemas.microsoft.com/office/powerpoint/2010/main" val="2625953170"/>
+        <p14:creationId xmlns:p14="http://schemas.microsoft.com/office/powerpoint/2010/main" val="3274715582"/>
       </p:ext>
     </p:extLst>
   </p:cSld>
@@ -14486,6 +17037,685 @@
   <p:clrMapOvr>
     <a:masterClrMapping/>
   </p:clrMapOvr>
+  <p:timing>
+    <p:tnLst>
+      <p:par>
+        <p:cTn id="1" dur="indefinite" restart="never" nodeType="tmRoot"/>
+      </p:par>
+    </p:tnLst>
+  </p:timing>
+</p:sld>
+</file>
+
+<file path=ppt/slides/slide40.xml><?xml version="1.0" encoding="utf-8"?>
+<p:sld xmlns:a="http://schemas.openxmlformats.org/drawingml/2006/main" xmlns:r="http://schemas.openxmlformats.org/officeDocument/2006/relationships" xmlns:p="http://schemas.openxmlformats.org/presentationml/2006/main">
+  <p:cSld>
+    <p:spTree>
+      <p:nvGrpSpPr>
+        <p:cNvPr id="1" name=""/>
+        <p:cNvGrpSpPr/>
+        <p:nvPr/>
+      </p:nvGrpSpPr>
+      <p:grpSpPr>
+        <a:xfrm>
+          <a:off x="0" y="0"/>
+          <a:ext cx="0" cy="0"/>
+          <a:chOff x="0" y="0"/>
+          <a:chExt cx="0" cy="0"/>
+        </a:xfrm>
+      </p:grpSpPr>
+      <p:sp>
+        <p:nvSpPr>
+          <p:cNvPr id="2" name="Title 1">
+            <a:extLst>
+              <a:ext uri="{FF2B5EF4-FFF2-40B4-BE49-F238E27FC236}">
+                <a16:creationId xmlns:a16="http://schemas.microsoft.com/office/drawing/2014/main" id="{81305665-984E-49A3-93E7-FD430C95A8DE}"/>
+              </a:ext>
+            </a:extLst>
+          </p:cNvPr>
+          <p:cNvSpPr>
+            <a:spLocks noGrp="1"/>
+          </p:cNvSpPr>
+          <p:nvPr>
+            <p:ph type="title"/>
+          </p:nvPr>
+        </p:nvSpPr>
+        <p:spPr>
+          <a:xfrm>
+            <a:off x="1141413" y="0"/>
+            <a:ext cx="9905998" cy="1478570"/>
+          </a:xfrm>
+        </p:spPr>
+        <p:txBody>
+          <a:bodyPr/>
+          <a:lstStyle/>
+          <a:p>
+            <a:r>
+              <a:rPr lang="en-US" b="1" dirty="0"/>
+              <a:t>RAD Development phases </a:t>
+            </a:r>
+            <a:r>
+              <a:rPr lang="en-US" b="1" dirty="0" err="1"/>
+              <a:t>CONt’d</a:t>
+            </a:r>
+            <a:endParaRPr lang="en-AG" b="1" dirty="0"/>
+          </a:p>
+        </p:txBody>
+      </p:sp>
+      <p:sp>
+        <p:nvSpPr>
+          <p:cNvPr id="3" name="Content Placeholder 2">
+            <a:extLst>
+              <a:ext uri="{FF2B5EF4-FFF2-40B4-BE49-F238E27FC236}">
+                <a16:creationId xmlns:a16="http://schemas.microsoft.com/office/drawing/2014/main" id="{09675C3E-EBA3-4064-B9E8-A2BAC721E1E1}"/>
+              </a:ext>
+            </a:extLst>
+          </p:cNvPr>
+          <p:cNvSpPr>
+            <a:spLocks noGrp="1"/>
+          </p:cNvSpPr>
+          <p:nvPr>
+            <p:ph idx="1"/>
+          </p:nvPr>
+        </p:nvSpPr>
+        <p:spPr>
+          <a:xfrm>
+            <a:off x="1141412" y="1478570"/>
+            <a:ext cx="9905999" cy="5086353"/>
+          </a:xfrm>
+        </p:spPr>
+        <p:txBody>
+          <a:bodyPr/>
+          <a:lstStyle/>
+          <a:p>
+            <a:r>
+              <a:rPr lang="en-US" b="1" dirty="0"/>
+              <a:t>Rapid Construction (Development Stage): </a:t>
+            </a:r>
+            <a:r>
+              <a:rPr lang="en-US" dirty="0"/>
+              <a:t>This stage had the team take the web app prototype and transform it into a working model. Although at this stage changes were still possible, the iterative design phase made it possible to quickly and smoothly finalize the development of this application. This is the phase where testing took place.</a:t>
+            </a:r>
+          </a:p>
+          <a:p>
+            <a:r>
+              <a:rPr lang="en-US" b="1" dirty="0"/>
+              <a:t>Implementation (Deployment Stage</a:t>
+            </a:r>
+            <a:r>
+              <a:rPr lang="en-US" dirty="0"/>
+              <a:t>): The final tests and checks were done to confirm full functionality before launching the web application fully. Upon completion we had a fully functional application that could use node.js to satisfy the requirements of the assignment.</a:t>
+            </a:r>
+          </a:p>
+          <a:p>
+            <a:pPr marL="0" indent="0">
+              <a:buNone/>
+            </a:pPr>
+            <a:endParaRPr lang="en-AG" dirty="0"/>
+          </a:p>
+        </p:txBody>
+      </p:sp>
+    </p:spTree>
+    <p:extLst>
+      <p:ext uri="{BB962C8B-B14F-4D97-AF65-F5344CB8AC3E}">
+        <p14:creationId xmlns:p14="http://schemas.microsoft.com/office/powerpoint/2010/main" val="627253"/>
+      </p:ext>
+    </p:extLst>
+  </p:cSld>
+  <p:clrMapOvr>
+    <a:masterClrMapping/>
+  </p:clrMapOvr>
+</p:sld>
+</file>
+
+<file path=ppt/slides/slide41.xml><?xml version="1.0" encoding="utf-8"?>
+<p:sld xmlns:a="http://schemas.openxmlformats.org/drawingml/2006/main" xmlns:r="http://schemas.openxmlformats.org/officeDocument/2006/relationships" xmlns:p="http://schemas.openxmlformats.org/presentationml/2006/main">
+  <p:cSld>
+    <p:spTree>
+      <p:nvGrpSpPr>
+        <p:cNvPr id="1" name=""/>
+        <p:cNvGrpSpPr/>
+        <p:nvPr/>
+      </p:nvGrpSpPr>
+      <p:grpSpPr>
+        <a:xfrm>
+          <a:off x="0" y="0"/>
+          <a:ext cx="0" cy="0"/>
+          <a:chOff x="0" y="0"/>
+          <a:chExt cx="0" cy="0"/>
+        </a:xfrm>
+      </p:grpSpPr>
+      <p:sp>
+        <p:nvSpPr>
+          <p:cNvPr id="2" name="Title 1">
+            <a:extLst>
+              <a:ext uri="{FF2B5EF4-FFF2-40B4-BE49-F238E27FC236}">
+                <a16:creationId xmlns:a16="http://schemas.microsoft.com/office/drawing/2014/main" id="{52D1DAA7-73D9-40A9-BD19-E25714E7CB7D}"/>
+              </a:ext>
+            </a:extLst>
+          </p:cNvPr>
+          <p:cNvSpPr>
+            <a:spLocks noGrp="1"/>
+          </p:cNvSpPr>
+          <p:nvPr>
+            <p:ph type="title"/>
+          </p:nvPr>
+        </p:nvSpPr>
+        <p:spPr>
+          <a:xfrm>
+            <a:off x="1141413" y="0"/>
+            <a:ext cx="9905998" cy="1478570"/>
+          </a:xfrm>
+        </p:spPr>
+        <p:txBody>
+          <a:bodyPr/>
+          <a:lstStyle/>
+          <a:p>
+            <a:r>
+              <a:rPr lang="en-US" b="1" dirty="0"/>
+              <a:t>Maintenance</a:t>
+            </a:r>
+            <a:r>
+              <a:rPr lang="en-US" dirty="0"/>
+              <a:t> </a:t>
+            </a:r>
+            <a:endParaRPr lang="en-AG" dirty="0"/>
+          </a:p>
+        </p:txBody>
+      </p:sp>
+      <p:sp>
+        <p:nvSpPr>
+          <p:cNvPr id="3" name="Content Placeholder 2">
+            <a:extLst>
+              <a:ext uri="{FF2B5EF4-FFF2-40B4-BE49-F238E27FC236}">
+                <a16:creationId xmlns:a16="http://schemas.microsoft.com/office/drawing/2014/main" id="{7C1CD4D6-D333-4BE1-A30F-D3D1D654C14F}"/>
+              </a:ext>
+            </a:extLst>
+          </p:cNvPr>
+          <p:cNvSpPr>
+            <a:spLocks noGrp="1"/>
+          </p:cNvSpPr>
+          <p:nvPr>
+            <p:ph idx="1"/>
+          </p:nvPr>
+        </p:nvSpPr>
+        <p:spPr>
+          <a:xfrm>
+            <a:off x="1141412" y="1478570"/>
+            <a:ext cx="9905999" cy="5062907"/>
+          </a:xfrm>
+        </p:spPr>
+        <p:txBody>
+          <a:bodyPr>
+            <a:normAutofit lnSpcReduction="10000"/>
+          </a:bodyPr>
+          <a:lstStyle/>
+          <a:p>
+            <a:r>
+              <a:rPr lang="en-US" dirty="0"/>
+              <a:t>One the main concerns of the development team after the application is fully launched is the subject of maintaining the application. In this case, maintenance would be keeping the application up to date and tuned to the ever changing world of technology and environment it is operating in.</a:t>
+            </a:r>
+          </a:p>
+          <a:p>
+            <a:r>
+              <a:rPr lang="en-US" dirty="0"/>
+              <a:t>We are concerning ourselves with Adaptive Maintenance of the application to allow it to adapt to the web application landscape which is in a constant state of flux.  We will be taking the proper measures to ensure it goes as smoothly as possible.</a:t>
+            </a:r>
+          </a:p>
+          <a:p>
+            <a:r>
+              <a:rPr lang="en-US" dirty="0"/>
+              <a:t>A likely cause of maintenance would be future versions of web browsers which may prove incompatible with our application. The app would have to be modified to work with these new web browsers BEFORE they are released.</a:t>
+            </a:r>
+            <a:endParaRPr lang="en-AG" dirty="0"/>
+          </a:p>
+        </p:txBody>
+      </p:sp>
+    </p:spTree>
+    <p:extLst>
+      <p:ext uri="{BB962C8B-B14F-4D97-AF65-F5344CB8AC3E}">
+        <p14:creationId xmlns:p14="http://schemas.microsoft.com/office/powerpoint/2010/main" val="1674456262"/>
+      </p:ext>
+    </p:extLst>
+  </p:cSld>
+  <p:clrMapOvr>
+    <a:masterClrMapping/>
+  </p:clrMapOvr>
+</p:sld>
+</file>
+
+<file path=ppt/slides/slide42.xml><?xml version="1.0" encoding="utf-8"?>
+<p:sld xmlns:a="http://schemas.openxmlformats.org/drawingml/2006/main" xmlns:r="http://schemas.openxmlformats.org/officeDocument/2006/relationships" xmlns:p="http://schemas.openxmlformats.org/presentationml/2006/main">
+  <p:cSld>
+    <p:spTree>
+      <p:nvGrpSpPr>
+        <p:cNvPr id="1" name=""/>
+        <p:cNvGrpSpPr/>
+        <p:nvPr/>
+      </p:nvGrpSpPr>
+      <p:grpSpPr>
+        <a:xfrm>
+          <a:off x="0" y="0"/>
+          <a:ext cx="0" cy="0"/>
+          <a:chOff x="0" y="0"/>
+          <a:chExt cx="0" cy="0"/>
+        </a:xfrm>
+      </p:grpSpPr>
+      <p:sp>
+        <p:nvSpPr>
+          <p:cNvPr id="2" name="Title 1">
+            <a:extLst>
+              <a:ext uri="{FF2B5EF4-FFF2-40B4-BE49-F238E27FC236}">
+                <a16:creationId xmlns:a16="http://schemas.microsoft.com/office/drawing/2014/main" id="{E729E739-738A-410B-A2DD-2260C1E2128F}"/>
+              </a:ext>
+            </a:extLst>
+          </p:cNvPr>
+          <p:cNvSpPr>
+            <a:spLocks noGrp="1"/>
+          </p:cNvSpPr>
+          <p:nvPr>
+            <p:ph type="title"/>
+          </p:nvPr>
+        </p:nvSpPr>
+        <p:spPr>
+          <a:xfrm>
+            <a:off x="1141413" y="0"/>
+            <a:ext cx="9905998" cy="1478570"/>
+          </a:xfrm>
+        </p:spPr>
+        <p:txBody>
+          <a:bodyPr/>
+          <a:lstStyle/>
+          <a:p>
+            <a:r>
+              <a:rPr lang="en-US" b="1" dirty="0"/>
+              <a:t>Software quality recommendations</a:t>
+            </a:r>
+            <a:endParaRPr lang="en-AG" b="1" dirty="0"/>
+          </a:p>
+        </p:txBody>
+      </p:sp>
+      <p:sp>
+        <p:nvSpPr>
+          <p:cNvPr id="3" name="Content Placeholder 2">
+            <a:extLst>
+              <a:ext uri="{FF2B5EF4-FFF2-40B4-BE49-F238E27FC236}">
+                <a16:creationId xmlns:a16="http://schemas.microsoft.com/office/drawing/2014/main" id="{E99F5A44-6FC7-43FA-BA9A-E85E12D9A94C}"/>
+              </a:ext>
+            </a:extLst>
+          </p:cNvPr>
+          <p:cNvSpPr>
+            <a:spLocks noGrp="1"/>
+          </p:cNvSpPr>
+          <p:nvPr>
+            <p:ph idx="1"/>
+          </p:nvPr>
+        </p:nvSpPr>
+        <p:spPr>
+          <a:xfrm>
+            <a:off x="1141412" y="1478570"/>
+            <a:ext cx="9905999" cy="5062907"/>
+          </a:xfrm>
+        </p:spPr>
+        <p:txBody>
+          <a:bodyPr/>
+          <a:lstStyle/>
+          <a:p>
+            <a:r>
+              <a:rPr lang="en-US" dirty="0"/>
+              <a:t>Software Quality is an extremely important principle whose processes must be applied at many stages during the development cycle, including maintenance.</a:t>
+            </a:r>
+          </a:p>
+          <a:p>
+            <a:r>
+              <a:rPr lang="en-US" dirty="0"/>
+              <a:t>Software Quality Management (SQM) processes serve the role of ensuring quality by having many different processes, some of which will directly find defects while others show where further evaluation may be needed. </a:t>
+            </a:r>
+          </a:p>
+          <a:p>
+            <a:r>
+              <a:rPr lang="en-US" dirty="0"/>
+              <a:t>SQM processes include those for quality assurance, verification, validation, reviews and auditing.</a:t>
+            </a:r>
+          </a:p>
+          <a:p>
+            <a:endParaRPr lang="en-AG" dirty="0"/>
+          </a:p>
+        </p:txBody>
+      </p:sp>
+    </p:spTree>
+    <p:extLst>
+      <p:ext uri="{BB962C8B-B14F-4D97-AF65-F5344CB8AC3E}">
+        <p14:creationId xmlns:p14="http://schemas.microsoft.com/office/powerpoint/2010/main" val="766595211"/>
+      </p:ext>
+    </p:extLst>
+  </p:cSld>
+  <p:clrMapOvr>
+    <a:masterClrMapping/>
+  </p:clrMapOvr>
+</p:sld>
+</file>
+
+<file path=ppt/slides/slide43.xml><?xml version="1.0" encoding="utf-8"?>
+<p:sld xmlns:a="http://schemas.openxmlformats.org/drawingml/2006/main" xmlns:r="http://schemas.openxmlformats.org/officeDocument/2006/relationships" xmlns:p="http://schemas.openxmlformats.org/presentationml/2006/main">
+  <p:cSld>
+    <p:spTree>
+      <p:nvGrpSpPr>
+        <p:cNvPr id="1" name=""/>
+        <p:cNvGrpSpPr/>
+        <p:nvPr/>
+      </p:nvGrpSpPr>
+      <p:grpSpPr>
+        <a:xfrm>
+          <a:off x="0" y="0"/>
+          <a:ext cx="0" cy="0"/>
+          <a:chOff x="0" y="0"/>
+          <a:chExt cx="0" cy="0"/>
+        </a:xfrm>
+      </p:grpSpPr>
+      <p:sp>
+        <p:nvSpPr>
+          <p:cNvPr id="2" name="Title 1">
+            <a:extLst>
+              <a:ext uri="{FF2B5EF4-FFF2-40B4-BE49-F238E27FC236}">
+                <a16:creationId xmlns:a16="http://schemas.microsoft.com/office/drawing/2014/main" id="{E729E739-738A-410B-A2DD-2260C1E2128F}"/>
+              </a:ext>
+            </a:extLst>
+          </p:cNvPr>
+          <p:cNvSpPr>
+            <a:spLocks noGrp="1"/>
+          </p:cNvSpPr>
+          <p:nvPr>
+            <p:ph type="title"/>
+          </p:nvPr>
+        </p:nvSpPr>
+        <p:spPr>
+          <a:xfrm>
+            <a:off x="562708" y="0"/>
+            <a:ext cx="10484703" cy="1478570"/>
+          </a:xfrm>
+        </p:spPr>
+        <p:txBody>
+          <a:bodyPr/>
+          <a:lstStyle/>
+          <a:p>
+            <a:r>
+              <a:rPr lang="en-US" b="1" dirty="0"/>
+              <a:t>Software quality recommendations cont’d</a:t>
+            </a:r>
+            <a:endParaRPr lang="en-AG" b="1" dirty="0"/>
+          </a:p>
+        </p:txBody>
+      </p:sp>
+      <p:sp>
+        <p:nvSpPr>
+          <p:cNvPr id="3" name="Content Placeholder 2">
+            <a:extLst>
+              <a:ext uri="{FF2B5EF4-FFF2-40B4-BE49-F238E27FC236}">
+                <a16:creationId xmlns:a16="http://schemas.microsoft.com/office/drawing/2014/main" id="{E99F5A44-6FC7-43FA-BA9A-E85E12D9A94C}"/>
+              </a:ext>
+            </a:extLst>
+          </p:cNvPr>
+          <p:cNvSpPr>
+            <a:spLocks noGrp="1"/>
+          </p:cNvSpPr>
+          <p:nvPr>
+            <p:ph idx="1"/>
+          </p:nvPr>
+        </p:nvSpPr>
+        <p:spPr>
+          <a:xfrm>
+            <a:off x="1141412" y="1478570"/>
+            <a:ext cx="9905999" cy="5062907"/>
+          </a:xfrm>
+        </p:spPr>
+        <p:txBody>
+          <a:bodyPr/>
+          <a:lstStyle/>
+          <a:p>
+            <a:r>
+              <a:rPr lang="en-US" dirty="0"/>
+              <a:t>The 1</a:t>
+            </a:r>
+            <a:r>
+              <a:rPr lang="en-US" baseline="30000" dirty="0"/>
+              <a:t>st</a:t>
+            </a:r>
+            <a:r>
+              <a:rPr lang="en-US" dirty="0"/>
+              <a:t> SQM is the quality assurance process. This process creates a plan which details the quality requirements and specific techniques that will be used to achieve them such as cost and resource management, scheduling and overall management.</a:t>
+            </a:r>
+          </a:p>
+          <a:p>
+            <a:r>
+              <a:rPr lang="en-US" dirty="0"/>
+              <a:t>The 2</a:t>
+            </a:r>
+            <a:r>
+              <a:rPr lang="en-US" baseline="30000" dirty="0"/>
+              <a:t>nd</a:t>
+            </a:r>
+            <a:r>
+              <a:rPr lang="en-US" dirty="0"/>
+              <a:t> SQM is Verification and Validation (V&amp;V). These include activities which address the software product quality directly and uses testing techniques to flush out any defects that need to be addressed. </a:t>
+            </a:r>
+            <a:r>
+              <a:rPr lang="en-GB" dirty="0"/>
+              <a:t>They are methods to ensure the software product meets the requirements created (verification) and checks to see whether the product built to match these requirements actually fulfils its intended purpose (validation). </a:t>
+            </a:r>
+            <a:endParaRPr lang="en-US" dirty="0"/>
+          </a:p>
+          <a:p>
+            <a:endParaRPr lang="en-AG" dirty="0"/>
+          </a:p>
+        </p:txBody>
+      </p:sp>
+    </p:spTree>
+    <p:extLst>
+      <p:ext uri="{BB962C8B-B14F-4D97-AF65-F5344CB8AC3E}">
+        <p14:creationId xmlns:p14="http://schemas.microsoft.com/office/powerpoint/2010/main" val="695502553"/>
+      </p:ext>
+    </p:extLst>
+  </p:cSld>
+  <p:clrMapOvr>
+    <a:masterClrMapping/>
+  </p:clrMapOvr>
+</p:sld>
+</file>
+
+<file path=ppt/slides/slide44.xml><?xml version="1.0" encoding="utf-8"?>
+<p:sld xmlns:a="http://schemas.openxmlformats.org/drawingml/2006/main" xmlns:r="http://schemas.openxmlformats.org/officeDocument/2006/relationships" xmlns:p="http://schemas.openxmlformats.org/presentationml/2006/main">
+  <p:cSld>
+    <p:spTree>
+      <p:nvGrpSpPr>
+        <p:cNvPr id="1" name=""/>
+        <p:cNvGrpSpPr/>
+        <p:nvPr/>
+      </p:nvGrpSpPr>
+      <p:grpSpPr>
+        <a:xfrm>
+          <a:off x="0" y="0"/>
+          <a:ext cx="0" cy="0"/>
+          <a:chOff x="0" y="0"/>
+          <a:chExt cx="0" cy="0"/>
+        </a:xfrm>
+      </p:grpSpPr>
+      <p:sp>
+        <p:nvSpPr>
+          <p:cNvPr id="2" name="Title 1">
+            <a:extLst>
+              <a:ext uri="{FF2B5EF4-FFF2-40B4-BE49-F238E27FC236}">
+                <a16:creationId xmlns:a16="http://schemas.microsoft.com/office/drawing/2014/main" id="{E729E739-738A-410B-A2DD-2260C1E2128F}"/>
+              </a:ext>
+            </a:extLst>
+          </p:cNvPr>
+          <p:cNvSpPr>
+            <a:spLocks noGrp="1"/>
+          </p:cNvSpPr>
+          <p:nvPr>
+            <p:ph type="title"/>
+          </p:nvPr>
+        </p:nvSpPr>
+        <p:spPr>
+          <a:xfrm>
+            <a:off x="562708" y="0"/>
+            <a:ext cx="10484703" cy="1478570"/>
+          </a:xfrm>
+        </p:spPr>
+        <p:txBody>
+          <a:bodyPr/>
+          <a:lstStyle/>
+          <a:p>
+            <a:r>
+              <a:rPr lang="en-US" b="1" dirty="0"/>
+              <a:t>Software quality recommendations cont’d</a:t>
+            </a:r>
+            <a:endParaRPr lang="en-AG" b="1" dirty="0"/>
+          </a:p>
+        </p:txBody>
+      </p:sp>
+      <p:sp>
+        <p:nvSpPr>
+          <p:cNvPr id="3" name="Content Placeholder 2">
+            <a:extLst>
+              <a:ext uri="{FF2B5EF4-FFF2-40B4-BE49-F238E27FC236}">
+                <a16:creationId xmlns:a16="http://schemas.microsoft.com/office/drawing/2014/main" id="{E99F5A44-6FC7-43FA-BA9A-E85E12D9A94C}"/>
+              </a:ext>
+            </a:extLst>
+          </p:cNvPr>
+          <p:cNvSpPr>
+            <a:spLocks noGrp="1"/>
+          </p:cNvSpPr>
+          <p:nvPr>
+            <p:ph idx="1"/>
+          </p:nvPr>
+        </p:nvSpPr>
+        <p:spPr>
+          <a:xfrm>
+            <a:off x="1141412" y="1478570"/>
+            <a:ext cx="9905999" cy="5062907"/>
+          </a:xfrm>
+        </p:spPr>
+        <p:txBody>
+          <a:bodyPr/>
+          <a:lstStyle/>
+          <a:p>
+            <a:r>
+              <a:rPr lang="en-US" dirty="0"/>
+              <a:t>Improved Reviews and Audits  would also improve the software quality approach for the organization. Reviews would determine the adequacy of plans and help keep track of progress. Audits carried out by 3</a:t>
+            </a:r>
+            <a:r>
+              <a:rPr lang="en-US" baseline="30000" dirty="0"/>
+              <a:t>rd</a:t>
+            </a:r>
+            <a:r>
+              <a:rPr lang="en-US" dirty="0"/>
+              <a:t> parties would give an unbiased look at new builds to check non-conformance levels and produce reports detailing corrective action.</a:t>
+            </a:r>
+          </a:p>
+          <a:p>
+            <a:r>
+              <a:rPr lang="en-US" dirty="0"/>
+              <a:t>Lastly the organization can improve their approach to software quality by developing a healthy culture which encourages a commitment to quality. If engineers and developers have a focus on quality as they develop, the end product will meet a greater standard. Therefore the developers should follow the code of ethics and professional practice created regulatory bodies such as the IEEE.</a:t>
+            </a:r>
+            <a:endParaRPr lang="en-AG" dirty="0"/>
+          </a:p>
+        </p:txBody>
+      </p:sp>
+    </p:spTree>
+    <p:extLst>
+      <p:ext uri="{BB962C8B-B14F-4D97-AF65-F5344CB8AC3E}">
+        <p14:creationId xmlns:p14="http://schemas.microsoft.com/office/powerpoint/2010/main" val="2305471762"/>
+      </p:ext>
+    </p:extLst>
+  </p:cSld>
+  <p:clrMapOvr>
+    <a:masterClrMapping/>
+  </p:clrMapOvr>
+</p:sld>
+</file>
+
+<file path=ppt/slides/slide45.xml><?xml version="1.0" encoding="utf-8"?>
+<p:sld xmlns:a="http://schemas.openxmlformats.org/drawingml/2006/main" xmlns:r="http://schemas.openxmlformats.org/officeDocument/2006/relationships" xmlns:p="http://schemas.openxmlformats.org/presentationml/2006/main">
+  <p:cSld>
+    <p:spTree>
+      <p:nvGrpSpPr>
+        <p:cNvPr id="1" name=""/>
+        <p:cNvGrpSpPr/>
+        <p:nvPr/>
+      </p:nvGrpSpPr>
+      <p:grpSpPr>
+        <a:xfrm>
+          <a:off x="0" y="0"/>
+          <a:ext cx="0" cy="0"/>
+          <a:chOff x="0" y="0"/>
+          <a:chExt cx="0" cy="0"/>
+        </a:xfrm>
+      </p:grpSpPr>
+      <p:sp>
+        <p:nvSpPr>
+          <p:cNvPr id="2" name="Title 1">
+            <a:extLst>
+              <a:ext uri="{FF2B5EF4-FFF2-40B4-BE49-F238E27FC236}">
+                <a16:creationId xmlns:a16="http://schemas.microsoft.com/office/drawing/2014/main" id="{5A1EB668-A371-4651-B47E-567E1803E36C}"/>
+              </a:ext>
+            </a:extLst>
+          </p:cNvPr>
+          <p:cNvSpPr>
+            <a:spLocks noGrp="1"/>
+          </p:cNvSpPr>
+          <p:nvPr>
+            <p:ph type="title"/>
+          </p:nvPr>
+        </p:nvSpPr>
+        <p:spPr/>
+        <p:txBody>
+          <a:bodyPr/>
+          <a:lstStyle/>
+          <a:p>
+            <a:r>
+              <a:rPr lang="en-US" b="1" dirty="0"/>
+              <a:t>conclusion</a:t>
+            </a:r>
+            <a:endParaRPr lang="en-AG" b="1" dirty="0"/>
+          </a:p>
+        </p:txBody>
+      </p:sp>
+      <p:sp>
+        <p:nvSpPr>
+          <p:cNvPr id="3" name="Content Placeholder 2">
+            <a:extLst>
+              <a:ext uri="{FF2B5EF4-FFF2-40B4-BE49-F238E27FC236}">
+                <a16:creationId xmlns:a16="http://schemas.microsoft.com/office/drawing/2014/main" id="{6C914028-E4ED-48DA-B760-D845A9CDD037}"/>
+              </a:ext>
+            </a:extLst>
+          </p:cNvPr>
+          <p:cNvSpPr>
+            <a:spLocks noGrp="1"/>
+          </p:cNvSpPr>
+          <p:nvPr>
+            <p:ph idx="1"/>
+          </p:nvPr>
+        </p:nvSpPr>
+        <p:spPr/>
+        <p:txBody>
+          <a:bodyPr/>
+          <a:lstStyle/>
+          <a:p>
+            <a:endParaRPr lang="en-AG"/>
+          </a:p>
+        </p:txBody>
+      </p:sp>
+    </p:spTree>
+    <p:extLst>
+      <p:ext uri="{BB962C8B-B14F-4D97-AF65-F5344CB8AC3E}">
+        <p14:creationId xmlns:p14="http://schemas.microsoft.com/office/powerpoint/2010/main" val="3435500814"/>
+      </p:ext>
+    </p:extLst>
+  </p:cSld>
+  <p:clrMapOvr>
+    <a:masterClrMapping/>
+  </p:clrMapOvr>
 </p:sld>
 </file>
 
@@ -14574,14 +17804,27 @@
           <a:p>
             <a:r>
               <a:rPr lang="en-US" dirty="0"/>
-              <a:t>These series of tests were used to test the unit function that stores the Guest and Child Name of a Guest User. Both ECP and BVA were test various data lengths entered into text boxes.</a:t>
-            </a:r>
+              <a:t>These series of tests were used to test the unit function that stores the Guest and Child Name of a Guest User. Both ECP and BVA were test various data lengths entered into text boxes</a:t>
+            </a:r>
+            <a:r>
+              <a:rPr lang="en-US" dirty="0" smtClean="0"/>
+              <a:t>.</a:t>
+            </a:r>
+            <a:endParaRPr lang="en-US" dirty="0"/>
           </a:p>
           <a:p>
             <a:pPr lvl="1"/>
             <a:r>
               <a:rPr lang="en-US" dirty="0"/>
-              <a:t>Scenario 1-1 was to confirm the unit function would store strings as long as one character. The function executed successfully with string that were 3-4 characters in length.</a:t>
+              <a:t>Scenario 1-1 was to confirm the unit function would store strings as long as one character. The function executed successfully with </a:t>
+            </a:r>
+            <a:r>
+              <a:rPr lang="en-US" dirty="0" smtClean="0"/>
+              <a:t>strings </a:t>
+            </a:r>
+            <a:r>
+              <a:rPr lang="en-US" dirty="0"/>
+              <a:t>that were 3-4 characters in length.</a:t>
             </a:r>
           </a:p>
           <a:p>
@@ -14610,6 +17853,13 @@
   <p:clrMapOvr>
     <a:masterClrMapping/>
   </p:clrMapOvr>
+  <p:timing>
+    <p:tnLst>
+      <p:par>
+        <p:cTn id="1" dur="indefinite" restart="never" nodeType="tmRoot"/>
+      </p:par>
+    </p:tnLst>
+  </p:timing>
 </p:sld>
 </file>
 
@@ -14658,7 +17908,15 @@
           <a:p>
             <a:r>
               <a:rPr lang="en-US" b="1" dirty="0"/>
-              <a:t>Unit Testing Case cont’d</a:t>
+              <a:t>Unit Testing </a:t>
+            </a:r>
+            <a:r>
+              <a:rPr lang="en-US" b="1" dirty="0" smtClean="0"/>
+              <a:t>Cases </a:t>
+            </a:r>
+            <a:r>
+              <a:rPr lang="en-US" b="1" dirty="0"/>
+              <a:t>cont’d</a:t>
             </a:r>
             <a:endParaRPr lang="en-AG" b="1" dirty="0"/>
           </a:p>
@@ -14742,6 +18000,13 @@
   <p:clrMapOvr>
     <a:masterClrMapping/>
   </p:clrMapOvr>
+  <p:timing>
+    <p:tnLst>
+      <p:par>
+        <p:cTn id="1" dur="indefinite" restart="never" nodeType="tmRoot"/>
+      </p:par>
+    </p:tnLst>
+  </p:timing>
 </p:sld>
 </file>
 
@@ -14767,7 +18032,7 @@
           <p:cNvPr id="2" name="Title 1">
             <a:extLst>
               <a:ext uri="{FF2B5EF4-FFF2-40B4-BE49-F238E27FC236}">
-                <a16:creationId xmlns:a16="http://schemas.microsoft.com/office/drawing/2014/main" id="{7B3113F1-D987-49EB-AA12-15592D4489D6}"/>
+                <a16:creationId xmlns:a16="http://schemas.microsoft.com/office/drawing/2014/main" id="{C0FE1455-275F-4991-8CA8-03B2A744C941}"/>
               </a:ext>
             </a:extLst>
           </p:cNvPr>
@@ -14790,7 +18055,11 @@
           <a:p>
             <a:r>
               <a:rPr lang="en-US" b="1" dirty="0"/>
-              <a:t>Unit Testing Case cont’d</a:t>
+              <a:t>Unit testing </a:t>
+            </a:r>
+            <a:r>
+              <a:rPr lang="en-US" b="1" dirty="0" smtClean="0"/>
+              <a:t>Cases CONT’D</a:t>
             </a:r>
             <a:endParaRPr lang="en-AG" b="1" dirty="0"/>
           </a:p>
@@ -14798,10 +18067,10 @@
       </p:sp>
       <p:sp>
         <p:nvSpPr>
-          <p:cNvPr id="5" name="Content Placeholder 4">
+          <p:cNvPr id="3" name="Content Placeholder 2">
             <a:extLst>
               <a:ext uri="{FF2B5EF4-FFF2-40B4-BE49-F238E27FC236}">
-                <a16:creationId xmlns:a16="http://schemas.microsoft.com/office/drawing/2014/main" id="{E010789A-025A-4A46-840A-0008B0871DF4}"/>
+                <a16:creationId xmlns:a16="http://schemas.microsoft.com/office/drawing/2014/main" id="{82DD6939-EFDC-4BC4-A07A-4EEF62D7EAFD}"/>
               </a:ext>
             </a:extLst>
           </p:cNvPr>
@@ -14814,8 +18083,8 @@
         </p:nvSpPr>
         <p:spPr>
           <a:xfrm>
-            <a:off x="1141412" y="1478570"/>
-            <a:ext cx="9905999" cy="5156692"/>
+            <a:off x="1141412" y="1219200"/>
+            <a:ext cx="9905999" cy="5322277"/>
           </a:xfrm>
         </p:spPr>
         <p:txBody>
@@ -14823,43 +18092,106 @@
           <a:lstStyle/>
           <a:p>
             <a:r>
-              <a:rPr lang="en-US" dirty="0"/>
-              <a:t>Test Scenario 2</a:t>
-            </a:r>
-          </a:p>
-          <a:p>
-            <a:r>
-              <a:rPr lang="en-US" dirty="0"/>
-              <a:t>This scenario consisted of a series of test cases to confirm that the unit function would only allow a successful login when receiving valid credentials for Admin Name and Password. ECP were used to derive test cases as BVA would not be suitable for Boolean expressions.</a:t>
-            </a:r>
-          </a:p>
-          <a:p>
-            <a:pPr lvl="1"/>
-            <a:r>
-              <a:rPr lang="en-US" dirty="0"/>
-              <a:t>Scenario 2-1 was to confirm the functionality that would allow successful access after receiving a valid Admin Name and Password. After the data was entered, the function successfully executed to completion.</a:t>
-            </a:r>
-          </a:p>
-          <a:p>
-            <a:pPr lvl="1"/>
-            <a:r>
-              <a:rPr lang="en-US" dirty="0"/>
-              <a:t>Scenario 2-2 was to confirm the functionality that would not allow successful access after receiving an invalid Admin Name and Password. After the data was entered, the function did not allow access to the Admin side of the system.</a:t>
-            </a:r>
-            <a:endParaRPr lang="en-AG" dirty="0"/>
+              <a:rPr lang="en-US" b="1" dirty="0"/>
+              <a:t>Test Scenario </a:t>
+            </a:r>
+            <a:r>
+              <a:rPr lang="en-US" b="1" dirty="0" smtClean="0"/>
+              <a:t>1</a:t>
+            </a:r>
+            <a:endParaRPr lang="en-US" b="1" dirty="0"/>
+          </a:p>
+          <a:p>
+            <a:endParaRPr lang="en-029" i="1" dirty="0" smtClean="0"/>
+          </a:p>
+          <a:p>
+            <a:pPr marL="0" indent="0">
+              <a:buNone/>
+            </a:pPr>
+            <a:r>
+              <a:rPr lang="en-029" i="1" dirty="0" smtClean="0"/>
+              <a:t>	Let </a:t>
+            </a:r>
+            <a:r>
+              <a:rPr lang="en-029" i="1" dirty="0"/>
+              <a:t>Guest Name = G and Child Name = C</a:t>
+            </a:r>
+            <a:endParaRPr lang="en-GB" dirty="0"/>
+          </a:p>
+          <a:p>
+            <a:pPr marL="0" indent="0">
+              <a:buNone/>
+            </a:pPr>
+            <a:r>
+              <a:rPr lang="en-029" dirty="0"/>
+              <a:t> </a:t>
+            </a:r>
+            <a:endParaRPr lang="en-GB" dirty="0"/>
+          </a:p>
+          <a:p>
+            <a:r>
+              <a:rPr lang="en-029" b="1" u="sng" dirty="0"/>
+              <a:t>Equivalence Class Partitioning (Test Scenario 1-1 to 1-2)                                          </a:t>
+            </a:r>
+            <a:endParaRPr lang="en-GB" b="1" dirty="0"/>
+          </a:p>
+          <a:p>
+            <a:pPr marL="0" indent="0">
+              <a:buNone/>
+            </a:pPr>
+            <a:r>
+              <a:rPr lang="en-029" dirty="0"/>
+              <a:t> </a:t>
+            </a:r>
+            <a:endParaRPr lang="en-GB" dirty="0"/>
+          </a:p>
+          <a:p>
+            <a:pPr marL="0" indent="0">
+              <a:buNone/>
+            </a:pPr>
+            <a:r>
+              <a:rPr lang="en-029" dirty="0" smtClean="0"/>
+              <a:t>	G </a:t>
+            </a:r>
+            <a:r>
+              <a:rPr lang="en-029" dirty="0"/>
+              <a:t>= 0, C = 0 satisfies G &lt; 1 and C &lt; 1</a:t>
+            </a:r>
+            <a:endParaRPr lang="en-GB" dirty="0"/>
+          </a:p>
+          <a:p>
+            <a:pPr marL="0" indent="0">
+              <a:buNone/>
+            </a:pPr>
+            <a:r>
+              <a:rPr lang="en-029" dirty="0" smtClean="0"/>
+              <a:t>	G </a:t>
+            </a:r>
+            <a:r>
+              <a:rPr lang="en-029" dirty="0"/>
+              <a:t>= 3, C = 3 satisfies G &gt;= 1 and C &gt;= 1</a:t>
+            </a:r>
+            <a:endParaRPr lang="en-GB" dirty="0"/>
           </a:p>
         </p:txBody>
       </p:sp>
     </p:spTree>
     <p:extLst>
       <p:ext uri="{BB962C8B-B14F-4D97-AF65-F5344CB8AC3E}">
-        <p14:creationId xmlns:p14="http://schemas.microsoft.com/office/powerpoint/2010/main" val="1858301655"/>
+        <p14:creationId xmlns:p14="http://schemas.microsoft.com/office/powerpoint/2010/main" val="2930873707"/>
       </p:ext>
     </p:extLst>
   </p:cSld>
   <p:clrMapOvr>
     <a:masterClrMapping/>
   </p:clrMapOvr>
+  <p:timing>
+    <p:tnLst>
+      <p:par>
+        <p:cTn id="1" dur="indefinite" restart="never" nodeType="tmRoot"/>
+      </p:par>
+    </p:tnLst>
+  </p:timing>
 </p:sld>
 </file>
 
@@ -14908,76 +18240,59 @@
           <a:p>
             <a:r>
               <a:rPr lang="en-US" b="1" dirty="0"/>
-              <a:t>Unit Testing Case cont’d</a:t>
+              <a:t>Unit Testing </a:t>
+            </a:r>
+            <a:r>
+              <a:rPr lang="en-US" b="1" dirty="0" smtClean="0"/>
+              <a:t>Cases cont’d - ECP</a:t>
             </a:r>
             <a:endParaRPr lang="en-AG" b="1" dirty="0"/>
           </a:p>
         </p:txBody>
       </p:sp>
-      <p:sp>
-        <p:nvSpPr>
-          <p:cNvPr id="5" name="Content Placeholder 4">
-            <a:extLst>
-              <a:ext uri="{FF2B5EF4-FFF2-40B4-BE49-F238E27FC236}">
-                <a16:creationId xmlns:a16="http://schemas.microsoft.com/office/drawing/2014/main" id="{E010789A-025A-4A46-840A-0008B0871DF4}"/>
-              </a:ext>
-            </a:extLst>
-          </p:cNvPr>
-          <p:cNvSpPr>
-            <a:spLocks noGrp="1"/>
-          </p:cNvSpPr>
+      <p:pic>
+        <p:nvPicPr>
+          <p:cNvPr id="4" name="Content Placeholder 3"/>
+          <p:cNvPicPr>
+            <a:picLocks noGrp="1" noChangeAspect="1"/>
+          </p:cNvPicPr>
           <p:nvPr>
             <p:ph idx="1"/>
           </p:nvPr>
-        </p:nvSpPr>
+        </p:nvPicPr>
+        <p:blipFill>
+          <a:blip r:embed="rId2"/>
+          <a:stretch>
+            <a:fillRect/>
+          </a:stretch>
+        </p:blipFill>
         <p:spPr>
           <a:xfrm>
-            <a:off x="1141412" y="1478570"/>
-            <a:ext cx="9905999" cy="5156692"/>
+            <a:off x="1355725" y="1478570"/>
+            <a:ext cx="8629495" cy="4070892"/>
           </a:xfrm>
+          <a:prstGeom prst="rect">
+            <a:avLst/>
+          </a:prstGeom>
         </p:spPr>
-        <p:txBody>
-          <a:bodyPr/>
-          <a:lstStyle/>
-          <a:p>
-            <a:r>
-              <a:rPr lang="en-US" dirty="0"/>
-              <a:t>Test Scenario 3</a:t>
-            </a:r>
-          </a:p>
-          <a:p>
-            <a:r>
-              <a:rPr lang="en-US" dirty="0"/>
-              <a:t>This scenario consisted of a series of test cases to confirm that the unit function would only allow a successful login when receiving valid credentials for Guest ID and Password. ECP were used to derive test cases as BVA would not be suitable for Boolean expressions.</a:t>
-            </a:r>
-          </a:p>
-          <a:p>
-            <a:pPr lvl="1"/>
-            <a:r>
-              <a:rPr lang="en-US" dirty="0"/>
-              <a:t>Scenario 3-1 was to confirm the functionality that would allow successful access after receiving a valid Guest ID and Password. After the data was entered, the function successfully executed to completion.</a:t>
-            </a:r>
-          </a:p>
-          <a:p>
-            <a:pPr lvl="1"/>
-            <a:r>
-              <a:rPr lang="en-US" dirty="0"/>
-              <a:t>Scenario 3-2 was to confirm the functionality that would not allow successful access after receiving an invalid Guest ID and Password. After the data was entered, the function did not allow access to the Admin side of the system.</a:t>
-            </a:r>
-            <a:endParaRPr lang="en-AG" dirty="0"/>
-          </a:p>
-        </p:txBody>
-      </p:sp>
+      </p:pic>
     </p:spTree>
     <p:extLst>
       <p:ext uri="{BB962C8B-B14F-4D97-AF65-F5344CB8AC3E}">
-        <p14:creationId xmlns:p14="http://schemas.microsoft.com/office/powerpoint/2010/main" val="2214475552"/>
+        <p14:creationId xmlns:p14="http://schemas.microsoft.com/office/powerpoint/2010/main" val="540783867"/>
       </p:ext>
     </p:extLst>
   </p:cSld>
   <p:clrMapOvr>
     <a:masterClrMapping/>
   </p:clrMapOvr>
+  <p:timing>
+    <p:tnLst>
+      <p:par>
+        <p:cTn id="1" dur="indefinite" restart="never" nodeType="tmRoot"/>
+      </p:par>
+    </p:tnLst>
+  </p:timing>
 </p:sld>
 </file>
 
@@ -15003,7 +18318,7 @@
           <p:cNvPr id="2" name="Title 1">
             <a:extLst>
               <a:ext uri="{FF2B5EF4-FFF2-40B4-BE49-F238E27FC236}">
-                <a16:creationId xmlns:a16="http://schemas.microsoft.com/office/drawing/2014/main" id="{7B3113F1-D987-49EB-AA12-15592D4489D6}"/>
+                <a16:creationId xmlns:a16="http://schemas.microsoft.com/office/drawing/2014/main" id="{C0FE1455-275F-4991-8CA8-03B2A744C941}"/>
               </a:ext>
             </a:extLst>
           </p:cNvPr>
@@ -15026,7 +18341,11 @@
           <a:p>
             <a:r>
               <a:rPr lang="en-US" b="1" dirty="0"/>
-              <a:t>Unit Testing Case cont’d</a:t>
+              <a:t>Unit testing </a:t>
+            </a:r>
+            <a:r>
+              <a:rPr lang="en-US" b="1" dirty="0" smtClean="0"/>
+              <a:t>Cases CONT’D</a:t>
             </a:r>
             <a:endParaRPr lang="en-AG" b="1" dirty="0"/>
           </a:p>
@@ -15034,10 +18353,10 @@
       </p:sp>
       <p:sp>
         <p:nvSpPr>
-          <p:cNvPr id="5" name="Content Placeholder 4">
+          <p:cNvPr id="3" name="Content Placeholder 2">
             <a:extLst>
               <a:ext uri="{FF2B5EF4-FFF2-40B4-BE49-F238E27FC236}">
-                <a16:creationId xmlns:a16="http://schemas.microsoft.com/office/drawing/2014/main" id="{E010789A-025A-4A46-840A-0008B0871DF4}"/>
+                <a16:creationId xmlns:a16="http://schemas.microsoft.com/office/drawing/2014/main" id="{82DD6939-EFDC-4BC4-A07A-4EEF62D7EAFD}"/>
               </a:ext>
             </a:extLst>
           </p:cNvPr>
@@ -15050,63 +18369,174 @@
         </p:nvSpPr>
         <p:spPr>
           <a:xfrm>
-            <a:off x="1141412" y="1478570"/>
-            <a:ext cx="9905999" cy="5156692"/>
+            <a:off x="1141412" y="1219200"/>
+            <a:ext cx="9905999" cy="5322277"/>
           </a:xfrm>
         </p:spPr>
         <p:txBody>
-          <a:bodyPr/>
+          <a:bodyPr>
+            <a:normAutofit fontScale="92500" lnSpcReduction="20000"/>
+          </a:bodyPr>
           <a:lstStyle/>
           <a:p>
             <a:r>
-              <a:rPr lang="en-US" dirty="0"/>
-              <a:t>Test Scenario 4</a:t>
-            </a:r>
-          </a:p>
-          <a:p>
-            <a:r>
-              <a:rPr lang="en-US" dirty="0"/>
-              <a:t>This scenario consisted of a series of test cases to confirm that the unit function that checks if a MySQL database has been created or not. In case there is not one, it is then created. ECP was used to derive the following test cases.</a:t>
-            </a:r>
-          </a:p>
-          <a:p>
-            <a:pPr lvl="1"/>
-            <a:r>
-              <a:rPr lang="en-US" dirty="0"/>
-              <a:t>Scenario 4-1 was to confirm that the unit function would recognize that a database had already been created. No message displayed so the database was already in place.</a:t>
-            </a:r>
-          </a:p>
-          <a:p>
-            <a:pPr lvl="1"/>
-            <a:r>
-              <a:rPr lang="en-US" dirty="0"/>
-              <a:t>Scenario 4-2 was to confirm that the unit function would recognize the lack of a database and then create one. The function notified that a database was created, thus the test was successful.</a:t>
-            </a:r>
-          </a:p>
-          <a:p>
-            <a:pPr marL="457200" lvl="1" indent="0">
+              <a:rPr lang="en-US" b="1" dirty="0"/>
+              <a:t>Test Scenario </a:t>
+            </a:r>
+            <a:r>
+              <a:rPr lang="en-US" b="1" dirty="0" smtClean="0"/>
+              <a:t>1</a:t>
+            </a:r>
+            <a:endParaRPr lang="en-US" b="1" dirty="0"/>
+          </a:p>
+          <a:p>
+            <a:pPr marL="0" indent="0">
               <a:buNone/>
             </a:pPr>
-            <a:endParaRPr lang="en-US" dirty="0"/>
+            <a:r>
+              <a:rPr lang="en-029" i="1" dirty="0" smtClean="0"/>
+              <a:t>	</a:t>
+            </a:r>
           </a:p>
           <a:p>
             <a:pPr marL="0" indent="0">
               <a:buNone/>
             </a:pPr>
-            <a:endParaRPr lang="en-AG" dirty="0"/>
+            <a:r>
+              <a:rPr lang="en-029" i="1" dirty="0"/>
+              <a:t>	</a:t>
+            </a:r>
+            <a:r>
+              <a:rPr lang="en-029" i="1" dirty="0" smtClean="0"/>
+              <a:t>Let </a:t>
+            </a:r>
+            <a:r>
+              <a:rPr lang="en-029" i="1" dirty="0"/>
+              <a:t>Guest Name = G and Child Name = </a:t>
+            </a:r>
+            <a:r>
+              <a:rPr lang="en-029" i="1" dirty="0" smtClean="0"/>
+              <a:t>C</a:t>
+            </a:r>
+          </a:p>
+          <a:p>
+            <a:pPr marL="0" indent="0">
+              <a:buNone/>
+            </a:pPr>
+            <a:endParaRPr lang="en-029" i="1" dirty="0"/>
+          </a:p>
+          <a:p>
+            <a:r>
+              <a:rPr lang="en-029" b="1" u="sng" dirty="0"/>
+              <a:t>Boundary Value Analysis (Test Scenario 1-3 to 1-7)</a:t>
+            </a:r>
+            <a:endParaRPr lang="en-GB" b="1" dirty="0"/>
+          </a:p>
+          <a:p>
+            <a:pPr marL="0" indent="0">
+              <a:buNone/>
+            </a:pPr>
+            <a:r>
+              <a:rPr lang="en-029" dirty="0"/>
+              <a:t> </a:t>
+            </a:r>
+            <a:endParaRPr lang="en-GB" dirty="0"/>
+          </a:p>
+          <a:p>
+            <a:pPr marL="0" indent="0">
+              <a:buNone/>
+            </a:pPr>
+            <a:r>
+              <a:rPr lang="en-029" dirty="0" smtClean="0"/>
+              <a:t>	G </a:t>
+            </a:r>
+            <a:r>
+              <a:rPr lang="en-029" dirty="0"/>
+              <a:t>= 10, C = 10 satisfies nominal values for G and C</a:t>
+            </a:r>
+            <a:endParaRPr lang="en-GB" dirty="0"/>
+          </a:p>
+          <a:p>
+            <a:pPr marL="0" indent="0">
+              <a:buNone/>
+            </a:pPr>
+            <a:r>
+              <a:rPr lang="en-029" dirty="0" smtClean="0"/>
+              <a:t>	G </a:t>
+            </a:r>
+            <a:r>
+              <a:rPr lang="en-029" dirty="0"/>
+              <a:t>= 1, C =1 satisfies minimum for G and C</a:t>
+            </a:r>
+            <a:endParaRPr lang="en-GB" dirty="0"/>
+          </a:p>
+          <a:p>
+            <a:pPr marL="0" indent="0">
+              <a:buNone/>
+            </a:pPr>
+            <a:r>
+              <a:rPr lang="en-029" dirty="0" smtClean="0"/>
+              <a:t>	G </a:t>
+            </a:r>
+            <a:r>
+              <a:rPr lang="en-029" dirty="0"/>
+              <a:t>= 2, C = 2 satisfies just above minimum for G and C</a:t>
+            </a:r>
+            <a:endParaRPr lang="en-GB" dirty="0"/>
+          </a:p>
+          <a:p>
+            <a:pPr marL="0" indent="0">
+              <a:buNone/>
+            </a:pPr>
+            <a:r>
+              <a:rPr lang="en-029" dirty="0" smtClean="0"/>
+              <a:t>	G </a:t>
+            </a:r>
+            <a:r>
+              <a:rPr lang="en-029" dirty="0"/>
+              <a:t>= 20, C = 20 satisfies maximum for G and C</a:t>
+            </a:r>
+            <a:endParaRPr lang="en-GB" dirty="0"/>
+          </a:p>
+          <a:p>
+            <a:pPr marL="0" indent="0">
+              <a:buNone/>
+            </a:pPr>
+            <a:r>
+              <a:rPr lang="en-029" dirty="0" smtClean="0"/>
+              <a:t>	G </a:t>
+            </a:r>
+            <a:r>
+              <a:rPr lang="en-029" dirty="0"/>
+              <a:t>= 19, C = 19 satisfies just below maximum for G and C</a:t>
+            </a:r>
+            <a:endParaRPr lang="en-GB" dirty="0"/>
+          </a:p>
+          <a:p>
+            <a:pPr marL="0" indent="0">
+              <a:buNone/>
+            </a:pPr>
+            <a:endParaRPr lang="en-GB" dirty="0"/>
           </a:p>
         </p:txBody>
       </p:sp>
     </p:spTree>
     <p:extLst>
       <p:ext uri="{BB962C8B-B14F-4D97-AF65-F5344CB8AC3E}">
-        <p14:creationId xmlns:p14="http://schemas.microsoft.com/office/powerpoint/2010/main" val="2161752337"/>
+        <p14:creationId xmlns:p14="http://schemas.microsoft.com/office/powerpoint/2010/main" val="3305442305"/>
       </p:ext>
     </p:extLst>
   </p:cSld>
   <p:clrMapOvr>
     <a:masterClrMapping/>
   </p:clrMapOvr>
+  <p:timing>
+    <p:tnLst>
+      <p:par>
+        <p:cTn id="1" dur="indefinite" restart="never" nodeType="tmRoot"/>
+      </p:par>
+    </p:tnLst>
+  </p:timing>
 </p:sld>
 </file>
 

--- a/Documentation/Group Presentation.pptx
+++ b/Documentation/Group Presentation.pptx
@@ -50,6 +50,12 @@
     <p:sldId id="276" r:id="rId44"/>
     <p:sldId id="277" r:id="rId45"/>
     <p:sldId id="278" r:id="rId46"/>
+    <p:sldId id="301" r:id="rId47"/>
+    <p:sldId id="302" r:id="rId48"/>
+    <p:sldId id="303" r:id="rId49"/>
+    <p:sldId id="304" r:id="rId50"/>
+    <p:sldId id="306" r:id="rId51"/>
+    <p:sldId id="305" r:id="rId52"/>
   </p:sldIdLst>
   <p:sldSz cx="12192000" cy="6858000"/>
   <p:notesSz cx="6858000" cy="9144000"/>
@@ -17632,6 +17638,13 @@
   <p:clrMapOvr>
     <a:masterClrMapping/>
   </p:clrMapOvr>
+  <p:timing>
+    <p:tnLst>
+      <p:par>
+        <p:cTn id="1" dur="indefinite" restart="never" nodeType="tmRoot"/>
+      </p:par>
+    </p:tnLst>
+  </p:timing>
 </p:sld>
 </file>
 
@@ -17699,10 +17712,30 @@
         </p:nvSpPr>
         <p:spPr/>
         <p:txBody>
-          <a:bodyPr/>
+          <a:bodyPr>
+            <a:normAutofit/>
+          </a:bodyPr>
           <a:lstStyle/>
           <a:p>
-            <a:endParaRPr lang="en-AG"/>
+            <a:r>
+              <a:rPr lang="en-029" dirty="0"/>
+              <a:t>Upon completion of this project, our team was able to provide a functioning web application that could be used by Accident &amp; Emergency attendees. Our flexible design would allow any attendee to use our application with any type device sufficiently. </a:t>
+            </a:r>
+            <a:endParaRPr lang="en-029" dirty="0" smtClean="0"/>
+          </a:p>
+          <a:p>
+            <a:r>
+              <a:rPr lang="en-029" dirty="0" smtClean="0"/>
+              <a:t>No </a:t>
+            </a:r>
+            <a:r>
+              <a:rPr lang="en-029" dirty="0"/>
+              <a:t>longer will attendees entering the Accident &amp; Emergency department be left in the dark. Now there is simple program that can guide them from the moment of entry up to their temporary stay at ServeYou Hospital. </a:t>
+            </a:r>
+            <a:endParaRPr lang="en-GB" dirty="0"/>
+          </a:p>
+          <a:p>
+            <a:endParaRPr lang="en-AG" dirty="0"/>
           </a:p>
         </p:txBody>
       </p:sp>
@@ -17716,6 +17749,480 @@
   <p:clrMapOvr>
     <a:masterClrMapping/>
   </p:clrMapOvr>
+  <p:timing>
+    <p:tnLst>
+      <p:par>
+        <p:cTn id="1" dur="indefinite" restart="never" nodeType="tmRoot"/>
+      </p:par>
+    </p:tnLst>
+  </p:timing>
+</p:sld>
+</file>
+
+<file path=ppt/slides/slide46.xml><?xml version="1.0" encoding="utf-8"?>
+<p:sld xmlns:a="http://schemas.openxmlformats.org/drawingml/2006/main" xmlns:r="http://schemas.openxmlformats.org/officeDocument/2006/relationships" xmlns:p="http://schemas.openxmlformats.org/presentationml/2006/main">
+  <p:cSld>
+    <p:spTree>
+      <p:nvGrpSpPr>
+        <p:cNvPr id="1" name=""/>
+        <p:cNvGrpSpPr/>
+        <p:nvPr/>
+      </p:nvGrpSpPr>
+      <p:grpSpPr>
+        <a:xfrm>
+          <a:off x="0" y="0"/>
+          <a:ext cx="0" cy="0"/>
+          <a:chOff x="0" y="0"/>
+          <a:chExt cx="0" cy="0"/>
+        </a:xfrm>
+      </p:grpSpPr>
+      <p:sp>
+        <p:nvSpPr>
+          <p:cNvPr id="2" name="Title 1">
+            <a:extLst>
+              <a:ext uri="{FF2B5EF4-FFF2-40B4-BE49-F238E27FC236}">
+                <a16:creationId xmlns:a16="http://schemas.microsoft.com/office/drawing/2014/main" id="{5A1EB668-A371-4651-B47E-567E1803E36C}"/>
+              </a:ext>
+            </a:extLst>
+          </p:cNvPr>
+          <p:cNvSpPr>
+            <a:spLocks noGrp="1"/>
+          </p:cNvSpPr>
+          <p:nvPr>
+            <p:ph type="title"/>
+          </p:nvPr>
+        </p:nvSpPr>
+        <p:spPr/>
+        <p:txBody>
+          <a:bodyPr/>
+          <a:lstStyle/>
+          <a:p>
+            <a:r>
+              <a:rPr lang="en-US" b="1" dirty="0" smtClean="0"/>
+              <a:t>Conclusion CONT’D</a:t>
+            </a:r>
+            <a:endParaRPr lang="en-AG" b="1" dirty="0"/>
+          </a:p>
+        </p:txBody>
+      </p:sp>
+      <p:sp>
+        <p:nvSpPr>
+          <p:cNvPr id="3" name="Content Placeholder 2">
+            <a:extLst>
+              <a:ext uri="{FF2B5EF4-FFF2-40B4-BE49-F238E27FC236}">
+                <a16:creationId xmlns:a16="http://schemas.microsoft.com/office/drawing/2014/main" id="{6C914028-E4ED-48DA-B760-D845A9CDD037}"/>
+              </a:ext>
+            </a:extLst>
+          </p:cNvPr>
+          <p:cNvSpPr>
+            <a:spLocks noGrp="1"/>
+          </p:cNvSpPr>
+          <p:nvPr>
+            <p:ph idx="1"/>
+          </p:nvPr>
+        </p:nvSpPr>
+        <p:spPr/>
+        <p:txBody>
+          <a:bodyPr>
+            <a:normAutofit/>
+          </a:bodyPr>
+          <a:lstStyle/>
+          <a:p>
+            <a:r>
+              <a:rPr lang="en-029" dirty="0"/>
+              <a:t>Having used the Rapid Application Development Model, we were able to design and build a functioning application in reasonable time with minimum faults. It is because of the repetitive upgrade to the prototype in each stage that our program increased closer and closer towards perfection, allowing for easier testing with each cycle. </a:t>
+            </a:r>
+            <a:endParaRPr lang="en-029" dirty="0" smtClean="0"/>
+          </a:p>
+          <a:p>
+            <a:r>
+              <a:rPr lang="en-029" dirty="0" smtClean="0"/>
+              <a:t>Our </a:t>
+            </a:r>
+            <a:r>
+              <a:rPr lang="en-029" dirty="0"/>
+              <a:t>focus </a:t>
+            </a:r>
+            <a:r>
+              <a:rPr lang="en-029" dirty="0" smtClean="0"/>
+              <a:t>was more </a:t>
+            </a:r>
+            <a:r>
+              <a:rPr lang="en-029" dirty="0"/>
+              <a:t>on </a:t>
+            </a:r>
+            <a:r>
+              <a:rPr lang="en-029" dirty="0" smtClean="0"/>
+              <a:t>functionality than imagery &amp; style</a:t>
+            </a:r>
+            <a:r>
+              <a:rPr lang="en-029" dirty="0"/>
+              <a:t>. </a:t>
+            </a:r>
+            <a:endParaRPr lang="en-AG" dirty="0"/>
+          </a:p>
+        </p:txBody>
+      </p:sp>
+    </p:spTree>
+    <p:extLst>
+      <p:ext uri="{BB962C8B-B14F-4D97-AF65-F5344CB8AC3E}">
+        <p14:creationId xmlns:p14="http://schemas.microsoft.com/office/powerpoint/2010/main" val="3089076067"/>
+      </p:ext>
+    </p:extLst>
+  </p:cSld>
+  <p:clrMapOvr>
+    <a:masterClrMapping/>
+  </p:clrMapOvr>
+  <p:timing>
+    <p:tnLst>
+      <p:par>
+        <p:cTn id="1" dur="indefinite" restart="never" nodeType="tmRoot"/>
+      </p:par>
+    </p:tnLst>
+  </p:timing>
+</p:sld>
+</file>
+
+<file path=ppt/slides/slide47.xml><?xml version="1.0" encoding="utf-8"?>
+<p:sld xmlns:a="http://schemas.openxmlformats.org/drawingml/2006/main" xmlns:r="http://schemas.openxmlformats.org/officeDocument/2006/relationships" xmlns:p="http://schemas.openxmlformats.org/presentationml/2006/main">
+  <p:cSld>
+    <p:spTree>
+      <p:nvGrpSpPr>
+        <p:cNvPr id="1" name=""/>
+        <p:cNvGrpSpPr/>
+        <p:nvPr/>
+      </p:nvGrpSpPr>
+      <p:grpSpPr>
+        <a:xfrm>
+          <a:off x="0" y="0"/>
+          <a:ext cx="0" cy="0"/>
+          <a:chOff x="0" y="0"/>
+          <a:chExt cx="0" cy="0"/>
+        </a:xfrm>
+      </p:grpSpPr>
+      <p:sp>
+        <p:nvSpPr>
+          <p:cNvPr id="2" name="Title 1">
+            <a:extLst>
+              <a:ext uri="{FF2B5EF4-FFF2-40B4-BE49-F238E27FC236}">
+                <a16:creationId xmlns:a16="http://schemas.microsoft.com/office/drawing/2014/main" id="{5A1EB668-A371-4651-B47E-567E1803E36C}"/>
+              </a:ext>
+            </a:extLst>
+          </p:cNvPr>
+          <p:cNvSpPr>
+            <a:spLocks noGrp="1"/>
+          </p:cNvSpPr>
+          <p:nvPr>
+            <p:ph type="title"/>
+          </p:nvPr>
+        </p:nvSpPr>
+        <p:spPr/>
+        <p:txBody>
+          <a:bodyPr/>
+          <a:lstStyle/>
+          <a:p>
+            <a:r>
+              <a:rPr lang="en-US" b="1" dirty="0" smtClean="0"/>
+              <a:t>Conclusion CONT’D</a:t>
+            </a:r>
+            <a:endParaRPr lang="en-AG" b="1" dirty="0"/>
+          </a:p>
+        </p:txBody>
+      </p:sp>
+      <p:sp>
+        <p:nvSpPr>
+          <p:cNvPr id="3" name="Content Placeholder 2">
+            <a:extLst>
+              <a:ext uri="{FF2B5EF4-FFF2-40B4-BE49-F238E27FC236}">
+                <a16:creationId xmlns:a16="http://schemas.microsoft.com/office/drawing/2014/main" id="{6C914028-E4ED-48DA-B760-D845A9CDD037}"/>
+              </a:ext>
+            </a:extLst>
+          </p:cNvPr>
+          <p:cNvSpPr>
+            <a:spLocks noGrp="1"/>
+          </p:cNvSpPr>
+          <p:nvPr>
+            <p:ph idx="1"/>
+          </p:nvPr>
+        </p:nvSpPr>
+        <p:spPr/>
+        <p:txBody>
+          <a:bodyPr>
+            <a:normAutofit/>
+          </a:bodyPr>
+          <a:lstStyle/>
+          <a:p>
+            <a:r>
+              <a:rPr lang="en-029" dirty="0"/>
+              <a:t>Maintenance is just as important as Design and Implementation. We offered our perspective on the best path and importance of adaptive maintenance. It would be pivotal to be able to continual update and maintain a program of this importance. </a:t>
+            </a:r>
+            <a:endParaRPr lang="en-029" dirty="0" smtClean="0"/>
+          </a:p>
+          <a:p>
+            <a:r>
+              <a:rPr lang="en-029" dirty="0" smtClean="0"/>
+              <a:t>The </a:t>
+            </a:r>
+            <a:r>
+              <a:rPr lang="en-029" dirty="0"/>
+              <a:t>medical industry is always updating and improving, which requires that doctors and nurses continue to educate and keep themselves update. Shouldn’t this also apply to our application? </a:t>
+            </a:r>
+            <a:endParaRPr lang="en-GB" dirty="0"/>
+          </a:p>
+        </p:txBody>
+      </p:sp>
+    </p:spTree>
+    <p:extLst>
+      <p:ext uri="{BB962C8B-B14F-4D97-AF65-F5344CB8AC3E}">
+        <p14:creationId xmlns:p14="http://schemas.microsoft.com/office/powerpoint/2010/main" val="3229762359"/>
+      </p:ext>
+    </p:extLst>
+  </p:cSld>
+  <p:clrMapOvr>
+    <a:masterClrMapping/>
+  </p:clrMapOvr>
+  <p:timing>
+    <p:tnLst>
+      <p:par>
+        <p:cTn id="1" dur="indefinite" restart="never" nodeType="tmRoot"/>
+      </p:par>
+    </p:tnLst>
+  </p:timing>
+</p:sld>
+</file>
+
+<file path=ppt/slides/slide48.xml><?xml version="1.0" encoding="utf-8"?>
+<p:sld xmlns:a="http://schemas.openxmlformats.org/drawingml/2006/main" xmlns:r="http://schemas.openxmlformats.org/officeDocument/2006/relationships" xmlns:p="http://schemas.openxmlformats.org/presentationml/2006/main">
+  <p:cSld>
+    <p:spTree>
+      <p:nvGrpSpPr>
+        <p:cNvPr id="1" name=""/>
+        <p:cNvGrpSpPr/>
+        <p:nvPr/>
+      </p:nvGrpSpPr>
+      <p:grpSpPr>
+        <a:xfrm>
+          <a:off x="0" y="0"/>
+          <a:ext cx="0" cy="0"/>
+          <a:chOff x="0" y="0"/>
+          <a:chExt cx="0" cy="0"/>
+        </a:xfrm>
+      </p:grpSpPr>
+      <p:sp>
+        <p:nvSpPr>
+          <p:cNvPr id="2" name="Title 1">
+            <a:extLst>
+              <a:ext uri="{FF2B5EF4-FFF2-40B4-BE49-F238E27FC236}">
+                <a16:creationId xmlns:a16="http://schemas.microsoft.com/office/drawing/2014/main" id="{5A1EB668-A371-4651-B47E-567E1803E36C}"/>
+              </a:ext>
+            </a:extLst>
+          </p:cNvPr>
+          <p:cNvSpPr>
+            <a:spLocks noGrp="1"/>
+          </p:cNvSpPr>
+          <p:nvPr>
+            <p:ph type="title"/>
+          </p:nvPr>
+        </p:nvSpPr>
+        <p:spPr/>
+        <p:txBody>
+          <a:bodyPr/>
+          <a:lstStyle/>
+          <a:p>
+            <a:r>
+              <a:rPr lang="en-US" b="1" dirty="0" smtClean="0"/>
+              <a:t>Conclusion CONT’D</a:t>
+            </a:r>
+            <a:endParaRPr lang="en-AG" b="1" dirty="0"/>
+          </a:p>
+        </p:txBody>
+      </p:sp>
+      <p:sp>
+        <p:nvSpPr>
+          <p:cNvPr id="3" name="Content Placeholder 2">
+            <a:extLst>
+              <a:ext uri="{FF2B5EF4-FFF2-40B4-BE49-F238E27FC236}">
+                <a16:creationId xmlns:a16="http://schemas.microsoft.com/office/drawing/2014/main" id="{6C914028-E4ED-48DA-B760-D845A9CDD037}"/>
+              </a:ext>
+            </a:extLst>
+          </p:cNvPr>
+          <p:cNvSpPr>
+            <a:spLocks noGrp="1"/>
+          </p:cNvSpPr>
+          <p:nvPr>
+            <p:ph idx="1"/>
+          </p:nvPr>
+        </p:nvSpPr>
+        <p:spPr/>
+        <p:txBody>
+          <a:bodyPr>
+            <a:normAutofit fontScale="92500"/>
+          </a:bodyPr>
+          <a:lstStyle/>
+          <a:p>
+            <a:r>
+              <a:rPr lang="en-029" dirty="0"/>
+              <a:t>We also looked at the perspective of another organization and used our research and experience to better advise them on their software quality approaches. Learning from experience is key, but it is also just as important to learn from others’ experience so as not to follow along the same incorrect path. </a:t>
+            </a:r>
+            <a:endParaRPr lang="en-029" dirty="0" smtClean="0"/>
+          </a:p>
+          <a:p>
+            <a:r>
+              <a:rPr lang="en-029" dirty="0" smtClean="0"/>
+              <a:t>This </a:t>
+            </a:r>
+            <a:r>
+              <a:rPr lang="en-029" dirty="0"/>
+              <a:t>kind of questioning allowed us to view our own product from a third person perspective which allowed us to not only see our program as a potential user but a potential investor. If we were investors, how would we want our clients to maintain their product?</a:t>
+            </a:r>
+            <a:endParaRPr lang="en-GB" dirty="0"/>
+          </a:p>
+        </p:txBody>
+      </p:sp>
+    </p:spTree>
+    <p:extLst>
+      <p:ext uri="{BB962C8B-B14F-4D97-AF65-F5344CB8AC3E}">
+        <p14:creationId xmlns:p14="http://schemas.microsoft.com/office/powerpoint/2010/main" val="965578710"/>
+      </p:ext>
+    </p:extLst>
+  </p:cSld>
+  <p:clrMapOvr>
+    <a:masterClrMapping/>
+  </p:clrMapOvr>
+  <p:timing>
+    <p:tnLst>
+      <p:par>
+        <p:cTn id="1" dur="indefinite" restart="never" nodeType="tmRoot"/>
+      </p:par>
+    </p:tnLst>
+  </p:timing>
+</p:sld>
+</file>
+
+<file path=ppt/slides/slide49.xml><?xml version="1.0" encoding="utf-8"?>
+<p:sld xmlns:a="http://schemas.openxmlformats.org/drawingml/2006/main" xmlns:r="http://schemas.openxmlformats.org/officeDocument/2006/relationships" xmlns:p="http://schemas.openxmlformats.org/presentationml/2006/main">
+  <p:cSld>
+    <p:spTree>
+      <p:nvGrpSpPr>
+        <p:cNvPr id="1" name=""/>
+        <p:cNvGrpSpPr/>
+        <p:nvPr/>
+      </p:nvGrpSpPr>
+      <p:grpSpPr>
+        <a:xfrm>
+          <a:off x="0" y="0"/>
+          <a:ext cx="0" cy="0"/>
+          <a:chOff x="0" y="0"/>
+          <a:chExt cx="0" cy="0"/>
+        </a:xfrm>
+      </p:grpSpPr>
+      <p:sp>
+        <p:nvSpPr>
+          <p:cNvPr id="2" name="Title 1">
+            <a:extLst>
+              <a:ext uri="{FF2B5EF4-FFF2-40B4-BE49-F238E27FC236}">
+                <a16:creationId xmlns:a16="http://schemas.microsoft.com/office/drawing/2014/main" id="{5A1EB668-A371-4651-B47E-567E1803E36C}"/>
+              </a:ext>
+            </a:extLst>
+          </p:cNvPr>
+          <p:cNvSpPr>
+            <a:spLocks noGrp="1"/>
+          </p:cNvSpPr>
+          <p:nvPr>
+            <p:ph type="title"/>
+          </p:nvPr>
+        </p:nvSpPr>
+        <p:spPr/>
+        <p:txBody>
+          <a:bodyPr/>
+          <a:lstStyle/>
+          <a:p>
+            <a:r>
+              <a:rPr lang="en-US" b="1" dirty="0" smtClean="0"/>
+              <a:t>Conclusion CONT’D</a:t>
+            </a:r>
+            <a:endParaRPr lang="en-AG" b="1" dirty="0"/>
+          </a:p>
+        </p:txBody>
+      </p:sp>
+      <p:sp>
+        <p:nvSpPr>
+          <p:cNvPr id="3" name="Content Placeholder 2">
+            <a:extLst>
+              <a:ext uri="{FF2B5EF4-FFF2-40B4-BE49-F238E27FC236}">
+                <a16:creationId xmlns:a16="http://schemas.microsoft.com/office/drawing/2014/main" id="{6C914028-E4ED-48DA-B760-D845A9CDD037}"/>
+              </a:ext>
+            </a:extLst>
+          </p:cNvPr>
+          <p:cNvSpPr>
+            <a:spLocks noGrp="1"/>
+          </p:cNvSpPr>
+          <p:nvPr>
+            <p:ph idx="1"/>
+          </p:nvPr>
+        </p:nvSpPr>
+        <p:spPr/>
+        <p:txBody>
+          <a:bodyPr>
+            <a:normAutofit lnSpcReduction="10000"/>
+          </a:bodyPr>
+          <a:lstStyle/>
+          <a:p>
+            <a:r>
+              <a:rPr lang="en-029" dirty="0" smtClean="0"/>
+              <a:t>Our </a:t>
+            </a:r>
+            <a:r>
+              <a:rPr lang="en-029" dirty="0"/>
+              <a:t>rigorous testing of each unit, functionality and the complete system can give our future users confidence that they will be using a simple, user-friendly, robust web application. </a:t>
+            </a:r>
+            <a:endParaRPr lang="en-029" dirty="0" smtClean="0"/>
+          </a:p>
+          <a:p>
+            <a:r>
+              <a:rPr lang="en-029" dirty="0" smtClean="0"/>
+              <a:t>Although </a:t>
+            </a:r>
+            <a:r>
+              <a:rPr lang="en-029" b="1" dirty="0"/>
+              <a:t>Unit testing </a:t>
+            </a:r>
+            <a:r>
+              <a:rPr lang="en-029" dirty="0"/>
+              <a:t>was the most numerous, it was arguably the </a:t>
+            </a:r>
+            <a:r>
+              <a:rPr lang="en-029" dirty="0" smtClean="0"/>
+              <a:t>most important</a:t>
+            </a:r>
+            <a:r>
+              <a:rPr lang="en-029" dirty="0"/>
+              <a:t>. If the unit fails then the function fails. If the function fails then the system fail. If the system fails then we fail. We took the most important unit functions and rigorously tested them with a fine toothed comb until they were working flawlessly</a:t>
+            </a:r>
+            <a:r>
+              <a:rPr lang="en-029" dirty="0" smtClean="0"/>
+              <a:t>.</a:t>
+            </a:r>
+          </a:p>
+        </p:txBody>
+      </p:sp>
+    </p:spTree>
+    <p:extLst>
+      <p:ext uri="{BB962C8B-B14F-4D97-AF65-F5344CB8AC3E}">
+        <p14:creationId xmlns:p14="http://schemas.microsoft.com/office/powerpoint/2010/main" val="3717028354"/>
+      </p:ext>
+    </p:extLst>
+  </p:cSld>
+  <p:clrMapOvr>
+    <a:masterClrMapping/>
+  </p:clrMapOvr>
+  <p:timing>
+    <p:tnLst>
+      <p:par>
+        <p:cTn id="1" dur="indefinite" restart="never" nodeType="tmRoot"/>
+      </p:par>
+    </p:tnLst>
+  </p:timing>
 </p:sld>
 </file>
 
@@ -17847,6 +18354,238 @@
     <p:extLst>
       <p:ext uri="{BB962C8B-B14F-4D97-AF65-F5344CB8AC3E}">
         <p14:creationId xmlns:p14="http://schemas.microsoft.com/office/powerpoint/2010/main" val="1613446803"/>
+      </p:ext>
+    </p:extLst>
+  </p:cSld>
+  <p:clrMapOvr>
+    <a:masterClrMapping/>
+  </p:clrMapOvr>
+  <p:timing>
+    <p:tnLst>
+      <p:par>
+        <p:cTn id="1" dur="indefinite" restart="never" nodeType="tmRoot"/>
+      </p:par>
+    </p:tnLst>
+  </p:timing>
+</p:sld>
+</file>
+
+<file path=ppt/slides/slide50.xml><?xml version="1.0" encoding="utf-8"?>
+<p:sld xmlns:a="http://schemas.openxmlformats.org/drawingml/2006/main" xmlns:r="http://schemas.openxmlformats.org/officeDocument/2006/relationships" xmlns:p="http://schemas.openxmlformats.org/presentationml/2006/main">
+  <p:cSld>
+    <p:spTree>
+      <p:nvGrpSpPr>
+        <p:cNvPr id="1" name=""/>
+        <p:cNvGrpSpPr/>
+        <p:nvPr/>
+      </p:nvGrpSpPr>
+      <p:grpSpPr>
+        <a:xfrm>
+          <a:off x="0" y="0"/>
+          <a:ext cx="0" cy="0"/>
+          <a:chOff x="0" y="0"/>
+          <a:chExt cx="0" cy="0"/>
+        </a:xfrm>
+      </p:grpSpPr>
+      <p:sp>
+        <p:nvSpPr>
+          <p:cNvPr id="2" name="Title 1">
+            <a:extLst>
+              <a:ext uri="{FF2B5EF4-FFF2-40B4-BE49-F238E27FC236}">
+                <a16:creationId xmlns:a16="http://schemas.microsoft.com/office/drawing/2014/main" id="{5A1EB668-A371-4651-B47E-567E1803E36C}"/>
+              </a:ext>
+            </a:extLst>
+          </p:cNvPr>
+          <p:cNvSpPr>
+            <a:spLocks noGrp="1"/>
+          </p:cNvSpPr>
+          <p:nvPr>
+            <p:ph type="title"/>
+          </p:nvPr>
+        </p:nvSpPr>
+        <p:spPr/>
+        <p:txBody>
+          <a:bodyPr/>
+          <a:lstStyle/>
+          <a:p>
+            <a:r>
+              <a:rPr lang="en-US" b="1" dirty="0" smtClean="0"/>
+              <a:t>Conclusion CONT’D</a:t>
+            </a:r>
+            <a:endParaRPr lang="en-AG" b="1" dirty="0"/>
+          </a:p>
+        </p:txBody>
+      </p:sp>
+      <p:sp>
+        <p:nvSpPr>
+          <p:cNvPr id="3" name="Content Placeholder 2">
+            <a:extLst>
+              <a:ext uri="{FF2B5EF4-FFF2-40B4-BE49-F238E27FC236}">
+                <a16:creationId xmlns:a16="http://schemas.microsoft.com/office/drawing/2014/main" id="{6C914028-E4ED-48DA-B760-D845A9CDD037}"/>
+              </a:ext>
+            </a:extLst>
+          </p:cNvPr>
+          <p:cNvSpPr>
+            <a:spLocks noGrp="1"/>
+          </p:cNvSpPr>
+          <p:nvPr>
+            <p:ph idx="1"/>
+          </p:nvPr>
+        </p:nvSpPr>
+        <p:spPr/>
+        <p:txBody>
+          <a:bodyPr>
+            <a:normAutofit lnSpcReduction="10000"/>
+          </a:bodyPr>
+          <a:lstStyle/>
+          <a:p>
+            <a:r>
+              <a:rPr lang="en-029" b="1" dirty="0"/>
+              <a:t>Integration testing </a:t>
+            </a:r>
+            <a:r>
+              <a:rPr lang="en-029" dirty="0"/>
+              <a:t>was important since working random functions can only take us so far. From here, we were able to integrate the associative units together to result in a working function. We needed to be sure that these units would work well with each other and provide the functionality that was requested. </a:t>
+            </a:r>
+            <a:endParaRPr lang="en-029" dirty="0" smtClean="0"/>
+          </a:p>
+          <a:p>
+            <a:r>
+              <a:rPr lang="en-029" dirty="0" smtClean="0"/>
+              <a:t>Our </a:t>
+            </a:r>
+            <a:r>
+              <a:rPr lang="en-029" dirty="0"/>
+              <a:t>guided </a:t>
+            </a:r>
+            <a:r>
+              <a:rPr lang="en-029" b="1" dirty="0"/>
+              <a:t>Alpha testing </a:t>
+            </a:r>
+            <a:r>
+              <a:rPr lang="en-029" dirty="0"/>
+              <a:t>allowed us to observe how the entire program would function while implementing the instructions outlined in the Alpha testing directions in the assignment. </a:t>
+            </a:r>
+            <a:endParaRPr lang="en-GB" dirty="0"/>
+          </a:p>
+        </p:txBody>
+      </p:sp>
+    </p:spTree>
+    <p:extLst>
+      <p:ext uri="{BB962C8B-B14F-4D97-AF65-F5344CB8AC3E}">
+        <p14:creationId xmlns:p14="http://schemas.microsoft.com/office/powerpoint/2010/main" val="730519996"/>
+      </p:ext>
+    </p:extLst>
+  </p:cSld>
+  <p:clrMapOvr>
+    <a:masterClrMapping/>
+  </p:clrMapOvr>
+  <p:timing>
+    <p:tnLst>
+      <p:par>
+        <p:cTn id="1" dur="indefinite" restart="never" nodeType="tmRoot"/>
+      </p:par>
+    </p:tnLst>
+  </p:timing>
+</p:sld>
+</file>
+
+<file path=ppt/slides/slide51.xml><?xml version="1.0" encoding="utf-8"?>
+<p:sld xmlns:a="http://schemas.openxmlformats.org/drawingml/2006/main" xmlns:r="http://schemas.openxmlformats.org/officeDocument/2006/relationships" xmlns:p="http://schemas.openxmlformats.org/presentationml/2006/main">
+  <p:cSld>
+    <p:spTree>
+      <p:nvGrpSpPr>
+        <p:cNvPr id="1" name=""/>
+        <p:cNvGrpSpPr/>
+        <p:nvPr/>
+      </p:nvGrpSpPr>
+      <p:grpSpPr>
+        <a:xfrm>
+          <a:off x="0" y="0"/>
+          <a:ext cx="0" cy="0"/>
+          <a:chOff x="0" y="0"/>
+          <a:chExt cx="0" cy="0"/>
+        </a:xfrm>
+      </p:grpSpPr>
+      <p:sp>
+        <p:nvSpPr>
+          <p:cNvPr id="2" name="Title 1">
+            <a:extLst>
+              <a:ext uri="{FF2B5EF4-FFF2-40B4-BE49-F238E27FC236}">
+                <a16:creationId xmlns:a16="http://schemas.microsoft.com/office/drawing/2014/main" id="{5A1EB668-A371-4651-B47E-567E1803E36C}"/>
+              </a:ext>
+            </a:extLst>
+          </p:cNvPr>
+          <p:cNvSpPr>
+            <a:spLocks noGrp="1"/>
+          </p:cNvSpPr>
+          <p:nvPr>
+            <p:ph type="title"/>
+          </p:nvPr>
+        </p:nvSpPr>
+        <p:spPr/>
+        <p:txBody>
+          <a:bodyPr/>
+          <a:lstStyle/>
+          <a:p>
+            <a:r>
+              <a:rPr lang="en-US" b="1" dirty="0" smtClean="0"/>
+              <a:t>Conclusion CONT’D</a:t>
+            </a:r>
+            <a:endParaRPr lang="en-AG" b="1" dirty="0"/>
+          </a:p>
+        </p:txBody>
+      </p:sp>
+      <p:sp>
+        <p:nvSpPr>
+          <p:cNvPr id="3" name="Content Placeholder 2">
+            <a:extLst>
+              <a:ext uri="{FF2B5EF4-FFF2-40B4-BE49-F238E27FC236}">
+                <a16:creationId xmlns:a16="http://schemas.microsoft.com/office/drawing/2014/main" id="{6C914028-E4ED-48DA-B760-D845A9CDD037}"/>
+              </a:ext>
+            </a:extLst>
+          </p:cNvPr>
+          <p:cNvSpPr>
+            <a:spLocks noGrp="1"/>
+          </p:cNvSpPr>
+          <p:nvPr>
+            <p:ph idx="1"/>
+          </p:nvPr>
+        </p:nvSpPr>
+        <p:spPr/>
+        <p:txBody>
+          <a:bodyPr>
+            <a:normAutofit/>
+          </a:bodyPr>
+          <a:lstStyle/>
+          <a:p>
+            <a:r>
+              <a:rPr lang="en-029" dirty="0"/>
+              <a:t>In conclusion, this experience this experience has allowed us to see software development from a better perspective. Having been involved in the design, implementation, testing and observing maintenance of our program, we were able to see the importance of each stage</a:t>
+            </a:r>
+            <a:r>
+              <a:rPr lang="en-029"/>
+              <a:t>. </a:t>
+            </a:r>
+            <a:endParaRPr lang="en-029" smtClean="0"/>
+          </a:p>
+          <a:p>
+            <a:r>
+              <a:rPr lang="en-029" smtClean="0"/>
+              <a:t>One </a:t>
+            </a:r>
+            <a:r>
+              <a:rPr lang="en-029" dirty="0"/>
+              <a:t>thing that stands out to us mostly is that without proper testing, no development stage will ever function properly. There is testing at every stage, whether it be in design, implementation or even maintenance. </a:t>
+            </a:r>
+            <a:endParaRPr lang="en-GB" dirty="0"/>
+          </a:p>
+        </p:txBody>
+      </p:sp>
+    </p:spTree>
+    <p:extLst>
+      <p:ext uri="{BB962C8B-B14F-4D97-AF65-F5344CB8AC3E}">
+        <p14:creationId xmlns:p14="http://schemas.microsoft.com/office/powerpoint/2010/main" val="844075396"/>
       </p:ext>
     </p:extLst>
   </p:cSld>

--- a/Documentation/Group Presentation.pptx
+++ b/Documentation/Group Presentation.pptx
@@ -8,54 +8,56 @@
     <p:sldId id="256" r:id="rId2"/>
     <p:sldId id="257" r:id="rId3"/>
     <p:sldId id="258" r:id="rId4"/>
-    <p:sldId id="259" r:id="rId5"/>
-    <p:sldId id="260" r:id="rId6"/>
-    <p:sldId id="261" r:id="rId7"/>
-    <p:sldId id="294" r:id="rId8"/>
-    <p:sldId id="286" r:id="rId9"/>
-    <p:sldId id="295" r:id="rId10"/>
-    <p:sldId id="287" r:id="rId11"/>
-    <p:sldId id="288" r:id="rId12"/>
-    <p:sldId id="262" r:id="rId13"/>
-    <p:sldId id="296" r:id="rId14"/>
-    <p:sldId id="289" r:id="rId15"/>
-    <p:sldId id="263" r:id="rId16"/>
-    <p:sldId id="297" r:id="rId17"/>
-    <p:sldId id="290" r:id="rId18"/>
-    <p:sldId id="264" r:id="rId19"/>
-    <p:sldId id="298" r:id="rId20"/>
-    <p:sldId id="291" r:id="rId21"/>
-    <p:sldId id="265" r:id="rId22"/>
-    <p:sldId id="299" r:id="rId23"/>
-    <p:sldId id="292" r:id="rId24"/>
-    <p:sldId id="267" r:id="rId25"/>
-    <p:sldId id="300" r:id="rId26"/>
-    <p:sldId id="293" r:id="rId27"/>
-    <p:sldId id="266" r:id="rId28"/>
-    <p:sldId id="268" r:id="rId29"/>
-    <p:sldId id="279" r:id="rId30"/>
-    <p:sldId id="280" r:id="rId31"/>
-    <p:sldId id="281" r:id="rId32"/>
-    <p:sldId id="282" r:id="rId33"/>
-    <p:sldId id="269" r:id="rId34"/>
-    <p:sldId id="283" r:id="rId35"/>
-    <p:sldId id="284" r:id="rId36"/>
-    <p:sldId id="285" r:id="rId37"/>
-    <p:sldId id="270" r:id="rId38"/>
-    <p:sldId id="271" r:id="rId39"/>
-    <p:sldId id="272" r:id="rId40"/>
-    <p:sldId id="273" r:id="rId41"/>
-    <p:sldId id="274" r:id="rId42"/>
-    <p:sldId id="275" r:id="rId43"/>
-    <p:sldId id="276" r:id="rId44"/>
-    <p:sldId id="277" r:id="rId45"/>
-    <p:sldId id="278" r:id="rId46"/>
-    <p:sldId id="301" r:id="rId47"/>
-    <p:sldId id="302" r:id="rId48"/>
-    <p:sldId id="303" r:id="rId49"/>
-    <p:sldId id="304" r:id="rId50"/>
-    <p:sldId id="306" r:id="rId51"/>
-    <p:sldId id="305" r:id="rId52"/>
+    <p:sldId id="307" r:id="rId5"/>
+    <p:sldId id="308" r:id="rId6"/>
+    <p:sldId id="259" r:id="rId7"/>
+    <p:sldId id="260" r:id="rId8"/>
+    <p:sldId id="261" r:id="rId9"/>
+    <p:sldId id="294" r:id="rId10"/>
+    <p:sldId id="286" r:id="rId11"/>
+    <p:sldId id="295" r:id="rId12"/>
+    <p:sldId id="287" r:id="rId13"/>
+    <p:sldId id="288" r:id="rId14"/>
+    <p:sldId id="262" r:id="rId15"/>
+    <p:sldId id="296" r:id="rId16"/>
+    <p:sldId id="289" r:id="rId17"/>
+    <p:sldId id="263" r:id="rId18"/>
+    <p:sldId id="297" r:id="rId19"/>
+    <p:sldId id="290" r:id="rId20"/>
+    <p:sldId id="264" r:id="rId21"/>
+    <p:sldId id="298" r:id="rId22"/>
+    <p:sldId id="291" r:id="rId23"/>
+    <p:sldId id="265" r:id="rId24"/>
+    <p:sldId id="299" r:id="rId25"/>
+    <p:sldId id="292" r:id="rId26"/>
+    <p:sldId id="267" r:id="rId27"/>
+    <p:sldId id="300" r:id="rId28"/>
+    <p:sldId id="293" r:id="rId29"/>
+    <p:sldId id="266" r:id="rId30"/>
+    <p:sldId id="268" r:id="rId31"/>
+    <p:sldId id="279" r:id="rId32"/>
+    <p:sldId id="280" r:id="rId33"/>
+    <p:sldId id="281" r:id="rId34"/>
+    <p:sldId id="282" r:id="rId35"/>
+    <p:sldId id="269" r:id="rId36"/>
+    <p:sldId id="283" r:id="rId37"/>
+    <p:sldId id="284" r:id="rId38"/>
+    <p:sldId id="285" r:id="rId39"/>
+    <p:sldId id="270" r:id="rId40"/>
+    <p:sldId id="271" r:id="rId41"/>
+    <p:sldId id="272" r:id="rId42"/>
+    <p:sldId id="273" r:id="rId43"/>
+    <p:sldId id="274" r:id="rId44"/>
+    <p:sldId id="275" r:id="rId45"/>
+    <p:sldId id="276" r:id="rId46"/>
+    <p:sldId id="277" r:id="rId47"/>
+    <p:sldId id="278" r:id="rId48"/>
+    <p:sldId id="301" r:id="rId49"/>
+    <p:sldId id="302" r:id="rId50"/>
+    <p:sldId id="303" r:id="rId51"/>
+    <p:sldId id="304" r:id="rId52"/>
+    <p:sldId id="306" r:id="rId53"/>
+    <p:sldId id="305" r:id="rId54"/>
   </p:sldIdLst>
   <p:sldSz cx="12192000" cy="6858000"/>
   <p:notesSz cx="6858000" cy="9144000"/>
@@ -12611,6 +12613,351 @@
             </a:r>
             <a:r>
               <a:rPr lang="en-US" b="1" dirty="0" smtClean="0"/>
+              <a:t>Cases cont’d - ECP</a:t>
+            </a:r>
+            <a:endParaRPr lang="en-AG" b="1" dirty="0"/>
+          </a:p>
+        </p:txBody>
+      </p:sp>
+      <p:pic>
+        <p:nvPicPr>
+          <p:cNvPr id="4" name="Content Placeholder 3"/>
+          <p:cNvPicPr>
+            <a:picLocks noGrp="1" noChangeAspect="1"/>
+          </p:cNvPicPr>
+          <p:nvPr>
+            <p:ph idx="1"/>
+          </p:nvPr>
+        </p:nvPicPr>
+        <p:blipFill>
+          <a:blip r:embed="rId2"/>
+          <a:stretch>
+            <a:fillRect/>
+          </a:stretch>
+        </p:blipFill>
+        <p:spPr>
+          <a:xfrm>
+            <a:off x="1355725" y="1478570"/>
+            <a:ext cx="8629495" cy="4070892"/>
+          </a:xfrm>
+          <a:prstGeom prst="rect">
+            <a:avLst/>
+          </a:prstGeom>
+        </p:spPr>
+      </p:pic>
+    </p:spTree>
+    <p:extLst>
+      <p:ext uri="{BB962C8B-B14F-4D97-AF65-F5344CB8AC3E}">
+        <p14:creationId xmlns:p14="http://schemas.microsoft.com/office/powerpoint/2010/main" val="540783867"/>
+      </p:ext>
+    </p:extLst>
+  </p:cSld>
+  <p:clrMapOvr>
+    <a:masterClrMapping/>
+  </p:clrMapOvr>
+  <p:timing>
+    <p:tnLst>
+      <p:par>
+        <p:cTn id="1" dur="indefinite" restart="never" nodeType="tmRoot"/>
+      </p:par>
+    </p:tnLst>
+  </p:timing>
+</p:sld>
+</file>
+
+<file path=ppt/slides/slide11.xml><?xml version="1.0" encoding="utf-8"?>
+<p:sld xmlns:a="http://schemas.openxmlformats.org/drawingml/2006/main" xmlns:r="http://schemas.openxmlformats.org/officeDocument/2006/relationships" xmlns:p="http://schemas.openxmlformats.org/presentationml/2006/main">
+  <p:cSld>
+    <p:spTree>
+      <p:nvGrpSpPr>
+        <p:cNvPr id="1" name=""/>
+        <p:cNvGrpSpPr/>
+        <p:nvPr/>
+      </p:nvGrpSpPr>
+      <p:grpSpPr>
+        <a:xfrm>
+          <a:off x="0" y="0"/>
+          <a:ext cx="0" cy="0"/>
+          <a:chOff x="0" y="0"/>
+          <a:chExt cx="0" cy="0"/>
+        </a:xfrm>
+      </p:grpSpPr>
+      <p:sp>
+        <p:nvSpPr>
+          <p:cNvPr id="2" name="Title 1">
+            <a:extLst>
+              <a:ext uri="{FF2B5EF4-FFF2-40B4-BE49-F238E27FC236}">
+                <a16:creationId xmlns:a16="http://schemas.microsoft.com/office/drawing/2014/main" id="{C0FE1455-275F-4991-8CA8-03B2A744C941}"/>
+              </a:ext>
+            </a:extLst>
+          </p:cNvPr>
+          <p:cNvSpPr>
+            <a:spLocks noGrp="1"/>
+          </p:cNvSpPr>
+          <p:nvPr>
+            <p:ph type="title"/>
+          </p:nvPr>
+        </p:nvSpPr>
+        <p:spPr>
+          <a:xfrm>
+            <a:off x="1141413" y="0"/>
+            <a:ext cx="9905998" cy="1478570"/>
+          </a:xfrm>
+        </p:spPr>
+        <p:txBody>
+          <a:bodyPr/>
+          <a:lstStyle/>
+          <a:p>
+            <a:r>
+              <a:rPr lang="en-US" b="1" dirty="0"/>
+              <a:t>Unit testing </a:t>
+            </a:r>
+            <a:r>
+              <a:rPr lang="en-US" b="1" dirty="0" smtClean="0"/>
+              <a:t>Cases CONT’D</a:t>
+            </a:r>
+            <a:endParaRPr lang="en-AG" b="1" dirty="0"/>
+          </a:p>
+        </p:txBody>
+      </p:sp>
+      <p:sp>
+        <p:nvSpPr>
+          <p:cNvPr id="3" name="Content Placeholder 2">
+            <a:extLst>
+              <a:ext uri="{FF2B5EF4-FFF2-40B4-BE49-F238E27FC236}">
+                <a16:creationId xmlns:a16="http://schemas.microsoft.com/office/drawing/2014/main" id="{82DD6939-EFDC-4BC4-A07A-4EEF62D7EAFD}"/>
+              </a:ext>
+            </a:extLst>
+          </p:cNvPr>
+          <p:cNvSpPr>
+            <a:spLocks noGrp="1"/>
+          </p:cNvSpPr>
+          <p:nvPr>
+            <p:ph idx="1"/>
+          </p:nvPr>
+        </p:nvSpPr>
+        <p:spPr>
+          <a:xfrm>
+            <a:off x="1141412" y="1219200"/>
+            <a:ext cx="9905999" cy="5322277"/>
+          </a:xfrm>
+        </p:spPr>
+        <p:txBody>
+          <a:bodyPr>
+            <a:normAutofit fontScale="92500" lnSpcReduction="20000"/>
+          </a:bodyPr>
+          <a:lstStyle/>
+          <a:p>
+            <a:r>
+              <a:rPr lang="en-US" b="1" dirty="0"/>
+              <a:t>Test Scenario </a:t>
+            </a:r>
+            <a:r>
+              <a:rPr lang="en-US" b="1" dirty="0" smtClean="0"/>
+              <a:t>1</a:t>
+            </a:r>
+            <a:endParaRPr lang="en-US" b="1" dirty="0"/>
+          </a:p>
+          <a:p>
+            <a:pPr marL="0" indent="0">
+              <a:buNone/>
+            </a:pPr>
+            <a:r>
+              <a:rPr lang="en-029" i="1" dirty="0" smtClean="0"/>
+              <a:t>	</a:t>
+            </a:r>
+          </a:p>
+          <a:p>
+            <a:pPr marL="0" indent="0">
+              <a:buNone/>
+            </a:pPr>
+            <a:r>
+              <a:rPr lang="en-029" i="1" dirty="0"/>
+              <a:t>	</a:t>
+            </a:r>
+            <a:r>
+              <a:rPr lang="en-029" i="1" dirty="0" smtClean="0"/>
+              <a:t>Let </a:t>
+            </a:r>
+            <a:r>
+              <a:rPr lang="en-029" i="1" dirty="0"/>
+              <a:t>Guest Name = G and Child Name = </a:t>
+            </a:r>
+            <a:r>
+              <a:rPr lang="en-029" i="1" dirty="0" smtClean="0"/>
+              <a:t>C</a:t>
+            </a:r>
+          </a:p>
+          <a:p>
+            <a:pPr marL="0" indent="0">
+              <a:buNone/>
+            </a:pPr>
+            <a:endParaRPr lang="en-029" i="1" dirty="0"/>
+          </a:p>
+          <a:p>
+            <a:r>
+              <a:rPr lang="en-029" b="1" u="sng" dirty="0"/>
+              <a:t>Boundary Value Analysis (Test Scenario 1-3 to 1-7)</a:t>
+            </a:r>
+            <a:endParaRPr lang="en-GB" b="1" dirty="0"/>
+          </a:p>
+          <a:p>
+            <a:pPr marL="0" indent="0">
+              <a:buNone/>
+            </a:pPr>
+            <a:r>
+              <a:rPr lang="en-029" dirty="0"/>
+              <a:t> </a:t>
+            </a:r>
+            <a:endParaRPr lang="en-GB" dirty="0"/>
+          </a:p>
+          <a:p>
+            <a:pPr marL="0" indent="0">
+              <a:buNone/>
+            </a:pPr>
+            <a:r>
+              <a:rPr lang="en-029" dirty="0" smtClean="0"/>
+              <a:t>	G </a:t>
+            </a:r>
+            <a:r>
+              <a:rPr lang="en-029" dirty="0"/>
+              <a:t>= 10, C = 10 satisfies nominal values for G and C</a:t>
+            </a:r>
+            <a:endParaRPr lang="en-GB" dirty="0"/>
+          </a:p>
+          <a:p>
+            <a:pPr marL="0" indent="0">
+              <a:buNone/>
+            </a:pPr>
+            <a:r>
+              <a:rPr lang="en-029" dirty="0" smtClean="0"/>
+              <a:t>	G </a:t>
+            </a:r>
+            <a:r>
+              <a:rPr lang="en-029" dirty="0"/>
+              <a:t>= 1, C =1 satisfies minimum for G and C</a:t>
+            </a:r>
+            <a:endParaRPr lang="en-GB" dirty="0"/>
+          </a:p>
+          <a:p>
+            <a:pPr marL="0" indent="0">
+              <a:buNone/>
+            </a:pPr>
+            <a:r>
+              <a:rPr lang="en-029" dirty="0" smtClean="0"/>
+              <a:t>	G </a:t>
+            </a:r>
+            <a:r>
+              <a:rPr lang="en-029" dirty="0"/>
+              <a:t>= 2, C = 2 satisfies just above minimum for G and C</a:t>
+            </a:r>
+            <a:endParaRPr lang="en-GB" dirty="0"/>
+          </a:p>
+          <a:p>
+            <a:pPr marL="0" indent="0">
+              <a:buNone/>
+            </a:pPr>
+            <a:r>
+              <a:rPr lang="en-029" dirty="0" smtClean="0"/>
+              <a:t>	G </a:t>
+            </a:r>
+            <a:r>
+              <a:rPr lang="en-029" dirty="0"/>
+              <a:t>= 20, C = 20 satisfies maximum for G and C</a:t>
+            </a:r>
+            <a:endParaRPr lang="en-GB" dirty="0"/>
+          </a:p>
+          <a:p>
+            <a:pPr marL="0" indent="0">
+              <a:buNone/>
+            </a:pPr>
+            <a:r>
+              <a:rPr lang="en-029" dirty="0" smtClean="0"/>
+              <a:t>	G </a:t>
+            </a:r>
+            <a:r>
+              <a:rPr lang="en-029" dirty="0"/>
+              <a:t>= 19, C = 19 satisfies just below maximum for G and C</a:t>
+            </a:r>
+            <a:endParaRPr lang="en-GB" dirty="0"/>
+          </a:p>
+          <a:p>
+            <a:pPr marL="0" indent="0">
+              <a:buNone/>
+            </a:pPr>
+            <a:endParaRPr lang="en-GB" dirty="0"/>
+          </a:p>
+        </p:txBody>
+      </p:sp>
+    </p:spTree>
+    <p:extLst>
+      <p:ext uri="{BB962C8B-B14F-4D97-AF65-F5344CB8AC3E}">
+        <p14:creationId xmlns:p14="http://schemas.microsoft.com/office/powerpoint/2010/main" val="3305442305"/>
+      </p:ext>
+    </p:extLst>
+  </p:cSld>
+  <p:clrMapOvr>
+    <a:masterClrMapping/>
+  </p:clrMapOvr>
+  <p:timing>
+    <p:tnLst>
+      <p:par>
+        <p:cTn id="1" dur="indefinite" restart="never" nodeType="tmRoot"/>
+      </p:par>
+    </p:tnLst>
+  </p:timing>
+</p:sld>
+</file>
+
+<file path=ppt/slides/slide12.xml><?xml version="1.0" encoding="utf-8"?>
+<p:sld xmlns:a="http://schemas.openxmlformats.org/drawingml/2006/main" xmlns:r="http://schemas.openxmlformats.org/officeDocument/2006/relationships" xmlns:p="http://schemas.openxmlformats.org/presentationml/2006/main">
+  <p:cSld>
+    <p:spTree>
+      <p:nvGrpSpPr>
+        <p:cNvPr id="1" name=""/>
+        <p:cNvGrpSpPr/>
+        <p:nvPr/>
+      </p:nvGrpSpPr>
+      <p:grpSpPr>
+        <a:xfrm>
+          <a:off x="0" y="0"/>
+          <a:ext cx="0" cy="0"/>
+          <a:chOff x="0" y="0"/>
+          <a:chExt cx="0" cy="0"/>
+        </a:xfrm>
+      </p:grpSpPr>
+      <p:sp>
+        <p:nvSpPr>
+          <p:cNvPr id="2" name="Title 1">
+            <a:extLst>
+              <a:ext uri="{FF2B5EF4-FFF2-40B4-BE49-F238E27FC236}">
+                <a16:creationId xmlns:a16="http://schemas.microsoft.com/office/drawing/2014/main" id="{7B3113F1-D987-49EB-AA12-15592D4489D6}"/>
+              </a:ext>
+            </a:extLst>
+          </p:cNvPr>
+          <p:cNvSpPr>
+            <a:spLocks noGrp="1"/>
+          </p:cNvSpPr>
+          <p:nvPr>
+            <p:ph type="title"/>
+          </p:nvPr>
+        </p:nvSpPr>
+        <p:spPr>
+          <a:xfrm>
+            <a:off x="1141413" y="0"/>
+            <a:ext cx="9905998" cy="1478570"/>
+          </a:xfrm>
+        </p:spPr>
+        <p:txBody>
+          <a:bodyPr/>
+          <a:lstStyle/>
+          <a:p>
+            <a:r>
+              <a:rPr lang="en-US" b="1" dirty="0"/>
+              <a:t>Unit Testing </a:t>
+            </a:r>
+            <a:r>
+              <a:rPr lang="en-US" b="1" dirty="0" smtClean="0"/>
               <a:t>Cases cont’d - BVA</a:t>
             </a:r>
             <a:endParaRPr lang="en-AG" b="1" dirty="0"/>
@@ -12661,7 +13008,7 @@
 </p:sld>
 </file>
 
-<file path=ppt/slides/slide11.xml><?xml version="1.0" encoding="utf-8"?>
+<file path=ppt/slides/slide13.xml><?xml version="1.0" encoding="utf-8"?>
 <p:sld xmlns:a="http://schemas.openxmlformats.org/drawingml/2006/main" xmlns:r="http://schemas.openxmlformats.org/officeDocument/2006/relationships" xmlns:p="http://schemas.openxmlformats.org/presentationml/2006/main">
   <p:cSld>
     <p:spTree>
@@ -12760,7 +13107,7 @@
 </p:sld>
 </file>
 
-<file path=ppt/slides/slide12.xml><?xml version="1.0" encoding="utf-8"?>
+<file path=ppt/slides/slide14.xml><?xml version="1.0" encoding="utf-8"?>
 <p:sld xmlns:a="http://schemas.openxmlformats.org/drawingml/2006/main" xmlns:r="http://schemas.openxmlformats.org/officeDocument/2006/relationships" xmlns:p="http://schemas.openxmlformats.org/presentationml/2006/main">
   <p:cSld>
     <p:spTree>
@@ -12893,7 +13240,7 @@
 </p:sld>
 </file>
 
-<file path=ppt/slides/slide13.xml><?xml version="1.0" encoding="utf-8"?>
+<file path=ppt/slides/slide15.xml><?xml version="1.0" encoding="utf-8"?>
 <p:sld xmlns:a="http://schemas.openxmlformats.org/drawingml/2006/main" xmlns:r="http://schemas.openxmlformats.org/officeDocument/2006/relationships" xmlns:p="http://schemas.openxmlformats.org/presentationml/2006/main">
   <p:cSld>
     <p:spTree>
@@ -13078,7 +13425,7 @@
 </p:sld>
 </file>
 
-<file path=ppt/slides/slide14.xml><?xml version="1.0" encoding="utf-8"?>
+<file path=ppt/slides/slide16.xml><?xml version="1.0" encoding="utf-8"?>
 <p:sld xmlns:a="http://schemas.openxmlformats.org/drawingml/2006/main" xmlns:r="http://schemas.openxmlformats.org/officeDocument/2006/relationships" xmlns:p="http://schemas.openxmlformats.org/presentationml/2006/main">
   <p:cSld>
     <p:spTree>
@@ -13177,7 +13524,7 @@
 </p:sld>
 </file>
 
-<file path=ppt/slides/slide15.xml><?xml version="1.0" encoding="utf-8"?>
+<file path=ppt/slides/slide17.xml><?xml version="1.0" encoding="utf-8"?>
 <p:sld xmlns:a="http://schemas.openxmlformats.org/drawingml/2006/main" xmlns:r="http://schemas.openxmlformats.org/officeDocument/2006/relationships" xmlns:p="http://schemas.openxmlformats.org/presentationml/2006/main">
   <p:cSld>
     <p:spTree>
@@ -13310,7 +13657,7 @@
 </p:sld>
 </file>
 
-<file path=ppt/slides/slide16.xml><?xml version="1.0" encoding="utf-8"?>
+<file path=ppt/slides/slide18.xml><?xml version="1.0" encoding="utf-8"?>
 <p:sld xmlns:a="http://schemas.openxmlformats.org/drawingml/2006/main" xmlns:r="http://schemas.openxmlformats.org/officeDocument/2006/relationships" xmlns:p="http://schemas.openxmlformats.org/presentationml/2006/main">
   <p:cSld>
     <p:spTree>
@@ -13503,7 +13850,7 @@
 </p:sld>
 </file>
 
-<file path=ppt/slides/slide17.xml><?xml version="1.0" encoding="utf-8"?>
+<file path=ppt/slides/slide19.xml><?xml version="1.0" encoding="utf-8"?>
 <p:sld xmlns:a="http://schemas.openxmlformats.org/drawingml/2006/main" xmlns:r="http://schemas.openxmlformats.org/officeDocument/2006/relationships" xmlns:p="http://schemas.openxmlformats.org/presentationml/2006/main">
   <p:cSld>
     <p:spTree>
@@ -13602,7 +13949,7 @@
 </p:sld>
 </file>
 
-<file path=ppt/slides/slide18.xml><?xml version="1.0" encoding="utf-8"?>
+<file path=ppt/slides/slide2.xml><?xml version="1.0" encoding="utf-8"?>
 <p:sld xmlns:a="http://schemas.openxmlformats.org/drawingml/2006/main" xmlns:r="http://schemas.openxmlformats.org/officeDocument/2006/relationships" xmlns:p="http://schemas.openxmlformats.org/presentationml/2006/main">
   <p:cSld>
     <p:spTree>
@@ -13624,6 +13971,132 @@
           <p:cNvPr id="2" name="Title 1">
             <a:extLst>
               <a:ext uri="{FF2B5EF4-FFF2-40B4-BE49-F238E27FC236}">
+                <a16:creationId xmlns:a16="http://schemas.microsoft.com/office/drawing/2014/main" id="{F155582D-CE7F-42EF-96A3-C48EAD3FAEB6}"/>
+              </a:ext>
+            </a:extLst>
+          </p:cNvPr>
+          <p:cNvSpPr>
+            <a:spLocks noGrp="1"/>
+          </p:cNvSpPr>
+          <p:nvPr>
+            <p:ph type="title"/>
+          </p:nvPr>
+        </p:nvSpPr>
+        <p:spPr/>
+        <p:txBody>
+          <a:bodyPr>
+            <a:normAutofit/>
+          </a:bodyPr>
+          <a:lstStyle/>
+          <a:p>
+            <a:r>
+              <a:rPr lang="en-US" b="1" dirty="0"/>
+              <a:t>Group Members / Development Team</a:t>
+            </a:r>
+            <a:endParaRPr lang="en-AG" b="1" dirty="0"/>
+          </a:p>
+        </p:txBody>
+      </p:sp>
+      <p:sp>
+        <p:nvSpPr>
+          <p:cNvPr id="3" name="Content Placeholder 2">
+            <a:extLst>
+              <a:ext uri="{FF2B5EF4-FFF2-40B4-BE49-F238E27FC236}">
+                <a16:creationId xmlns:a16="http://schemas.microsoft.com/office/drawing/2014/main" id="{CF3C68EF-39F8-42BD-9D3A-345D48259E9D}"/>
+              </a:ext>
+            </a:extLst>
+          </p:cNvPr>
+          <p:cNvSpPr>
+            <a:spLocks noGrp="1"/>
+          </p:cNvSpPr>
+          <p:nvPr>
+            <p:ph idx="1"/>
+          </p:nvPr>
+        </p:nvSpPr>
+        <p:spPr/>
+        <p:txBody>
+          <a:bodyPr/>
+          <a:lstStyle/>
+          <a:p>
+            <a:r>
+              <a:rPr lang="en-029" dirty="0" smtClean="0"/>
+              <a:t>Beaumont Hackett – </a:t>
+            </a:r>
+            <a:r>
+              <a:rPr lang="en-029" dirty="0" smtClean="0"/>
+              <a:t>Team Leader / </a:t>
+            </a:r>
+            <a:r>
+              <a:rPr lang="en-029" dirty="0" smtClean="0"/>
+              <a:t>Front-end Developer</a:t>
+            </a:r>
+          </a:p>
+          <a:p>
+            <a:r>
+              <a:rPr lang="en-029" dirty="0" smtClean="0"/>
+              <a:t>Tabari Rudder-Fields – Lead Backend Developer</a:t>
+            </a:r>
+          </a:p>
+          <a:p>
+            <a:r>
+              <a:rPr lang="en-029" dirty="0" smtClean="0"/>
+              <a:t>Daniel Braithwait</a:t>
+            </a:r>
+            <a:r>
+              <a:rPr lang="en-029" dirty="0" smtClean="0"/>
+              <a:t>e – Tester / Backend Developer</a:t>
+            </a:r>
+          </a:p>
+          <a:p>
+            <a:r>
+              <a:rPr lang="en-029" dirty="0" smtClean="0"/>
+              <a:t>William Brace – Researcher / Documenter</a:t>
+            </a:r>
+          </a:p>
+          <a:p>
+            <a:r>
+              <a:rPr lang="en-029" dirty="0" smtClean="0"/>
+              <a:t>Bradley Harris – Researcher / Documenter</a:t>
+            </a:r>
+            <a:endParaRPr lang="en-AG" dirty="0"/>
+          </a:p>
+        </p:txBody>
+      </p:sp>
+    </p:spTree>
+    <p:extLst>
+      <p:ext uri="{BB962C8B-B14F-4D97-AF65-F5344CB8AC3E}">
+        <p14:creationId xmlns:p14="http://schemas.microsoft.com/office/powerpoint/2010/main" val="589152783"/>
+      </p:ext>
+    </p:extLst>
+  </p:cSld>
+  <p:clrMapOvr>
+    <a:masterClrMapping/>
+  </p:clrMapOvr>
+</p:sld>
+</file>
+
+<file path=ppt/slides/slide20.xml><?xml version="1.0" encoding="utf-8"?>
+<p:sld xmlns:a="http://schemas.openxmlformats.org/drawingml/2006/main" xmlns:r="http://schemas.openxmlformats.org/officeDocument/2006/relationships" xmlns:p="http://schemas.openxmlformats.org/presentationml/2006/main">
+  <p:cSld>
+    <p:spTree>
+      <p:nvGrpSpPr>
+        <p:cNvPr id="1" name=""/>
+        <p:cNvGrpSpPr/>
+        <p:nvPr/>
+      </p:nvGrpSpPr>
+      <p:grpSpPr>
+        <a:xfrm>
+          <a:off x="0" y="0"/>
+          <a:ext cx="0" cy="0"/>
+          <a:chOff x="0" y="0"/>
+          <a:chExt cx="0" cy="0"/>
+        </a:xfrm>
+      </p:grpSpPr>
+      <p:sp>
+        <p:nvSpPr>
+          <p:cNvPr id="2" name="Title 1">
+            <a:extLst>
+              <a:ext uri="{FF2B5EF4-FFF2-40B4-BE49-F238E27FC236}">
                 <a16:creationId xmlns:a16="http://schemas.microsoft.com/office/drawing/2014/main" id="{7B3113F1-D987-49EB-AA12-15592D4489D6}"/>
               </a:ext>
             </a:extLst>
@@ -13739,7 +14212,7 @@
 </p:sld>
 </file>
 
-<file path=ppt/slides/slide19.xml><?xml version="1.0" encoding="utf-8"?>
+<file path=ppt/slides/slide21.xml><?xml version="1.0" encoding="utf-8"?>
 <p:sld xmlns:a="http://schemas.openxmlformats.org/drawingml/2006/main" xmlns:r="http://schemas.openxmlformats.org/officeDocument/2006/relationships" xmlns:p="http://schemas.openxmlformats.org/presentationml/2006/main">
   <p:cSld>
     <p:spTree>
@@ -13924,133 +14397,7 @@
 </p:sld>
 </file>
 
-<file path=ppt/slides/slide2.xml><?xml version="1.0" encoding="utf-8"?>
-<p:sld xmlns:a="http://schemas.openxmlformats.org/drawingml/2006/main" xmlns:r="http://schemas.openxmlformats.org/officeDocument/2006/relationships" xmlns:p="http://schemas.openxmlformats.org/presentationml/2006/main">
-  <p:cSld>
-    <p:spTree>
-      <p:nvGrpSpPr>
-        <p:cNvPr id="1" name=""/>
-        <p:cNvGrpSpPr/>
-        <p:nvPr/>
-      </p:nvGrpSpPr>
-      <p:grpSpPr>
-        <a:xfrm>
-          <a:off x="0" y="0"/>
-          <a:ext cx="0" cy="0"/>
-          <a:chOff x="0" y="0"/>
-          <a:chExt cx="0" cy="0"/>
-        </a:xfrm>
-      </p:grpSpPr>
-      <p:sp>
-        <p:nvSpPr>
-          <p:cNvPr id="2" name="Title 1">
-            <a:extLst>
-              <a:ext uri="{FF2B5EF4-FFF2-40B4-BE49-F238E27FC236}">
-                <a16:creationId xmlns:a16="http://schemas.microsoft.com/office/drawing/2014/main" id="{F155582D-CE7F-42EF-96A3-C48EAD3FAEB6}"/>
-              </a:ext>
-            </a:extLst>
-          </p:cNvPr>
-          <p:cNvSpPr>
-            <a:spLocks noGrp="1"/>
-          </p:cNvSpPr>
-          <p:nvPr>
-            <p:ph type="title"/>
-          </p:nvPr>
-        </p:nvSpPr>
-        <p:spPr/>
-        <p:txBody>
-          <a:bodyPr>
-            <a:normAutofit/>
-          </a:bodyPr>
-          <a:lstStyle/>
-          <a:p>
-            <a:r>
-              <a:rPr lang="en-US" b="1" dirty="0"/>
-              <a:t>Group Members / Development Team</a:t>
-            </a:r>
-            <a:endParaRPr lang="en-AG" b="1" dirty="0"/>
-          </a:p>
-        </p:txBody>
-      </p:sp>
-      <p:sp>
-        <p:nvSpPr>
-          <p:cNvPr id="3" name="Content Placeholder 2">
-            <a:extLst>
-              <a:ext uri="{FF2B5EF4-FFF2-40B4-BE49-F238E27FC236}">
-                <a16:creationId xmlns:a16="http://schemas.microsoft.com/office/drawing/2014/main" id="{CF3C68EF-39F8-42BD-9D3A-345D48259E9D}"/>
-              </a:ext>
-            </a:extLst>
-          </p:cNvPr>
-          <p:cNvSpPr>
-            <a:spLocks noGrp="1"/>
-          </p:cNvSpPr>
-          <p:nvPr>
-            <p:ph idx="1"/>
-          </p:nvPr>
-        </p:nvSpPr>
-        <p:spPr/>
-        <p:txBody>
-          <a:bodyPr/>
-          <a:lstStyle/>
-          <a:p>
-            <a:r>
-              <a:rPr lang="en-029" dirty="0" smtClean="0"/>
-              <a:t>Beaumont Hackett – </a:t>
-            </a:r>
-            <a:r>
-              <a:rPr lang="en-029" dirty="0" smtClean="0"/>
-              <a:t>Team Leader / </a:t>
-            </a:r>
-            <a:r>
-              <a:rPr lang="en-029" dirty="0" smtClean="0"/>
-              <a:t>Front-end Developer</a:t>
-            </a:r>
-          </a:p>
-          <a:p>
-            <a:r>
-              <a:rPr lang="en-029" dirty="0" smtClean="0"/>
-              <a:t>Tabari Rudder-Fields – Lead Backend Developer</a:t>
-            </a:r>
-          </a:p>
-          <a:p>
-            <a:r>
-              <a:rPr lang="en-029" dirty="0" smtClean="0"/>
-              <a:t>Daniel Braithwait</a:t>
-            </a:r>
-            <a:r>
-              <a:rPr lang="en-029" dirty="0" smtClean="0"/>
-              <a:t>e – Tester / Backend Developer</a:t>
-            </a:r>
-          </a:p>
-          <a:p>
-            <a:r>
-              <a:rPr lang="en-029" dirty="0" smtClean="0"/>
-              <a:t>William Brace – Researcher / Documenter</a:t>
-            </a:r>
-          </a:p>
-          <a:p>
-            <a:r>
-              <a:rPr lang="en-029" dirty="0" smtClean="0"/>
-              <a:t>Bradley Harris – Researcher / Documenter</a:t>
-            </a:r>
-            <a:endParaRPr lang="en-AG" dirty="0"/>
-          </a:p>
-        </p:txBody>
-      </p:sp>
-    </p:spTree>
-    <p:extLst>
-      <p:ext uri="{BB962C8B-B14F-4D97-AF65-F5344CB8AC3E}">
-        <p14:creationId xmlns:p14="http://schemas.microsoft.com/office/powerpoint/2010/main" val="589152783"/>
-      </p:ext>
-    </p:extLst>
-  </p:cSld>
-  <p:clrMapOvr>
-    <a:masterClrMapping/>
-  </p:clrMapOvr>
-</p:sld>
-</file>
-
-<file path=ppt/slides/slide20.xml><?xml version="1.0" encoding="utf-8"?>
+<file path=ppt/slides/slide22.xml><?xml version="1.0" encoding="utf-8"?>
 <p:sld xmlns:a="http://schemas.openxmlformats.org/drawingml/2006/main" xmlns:r="http://schemas.openxmlformats.org/officeDocument/2006/relationships" xmlns:p="http://schemas.openxmlformats.org/presentationml/2006/main">
   <p:cSld>
     <p:spTree>
@@ -14149,7 +14496,7 @@
 </p:sld>
 </file>
 
-<file path=ppt/slides/slide21.xml><?xml version="1.0" encoding="utf-8"?>
+<file path=ppt/slides/slide23.xml><?xml version="1.0" encoding="utf-8"?>
 <p:sld xmlns:a="http://schemas.openxmlformats.org/drawingml/2006/main" xmlns:r="http://schemas.openxmlformats.org/officeDocument/2006/relationships" xmlns:p="http://schemas.openxmlformats.org/presentationml/2006/main">
   <p:cSld>
     <p:spTree>
@@ -14286,7 +14633,7 @@
 </p:sld>
 </file>
 
-<file path=ppt/slides/slide22.xml><?xml version="1.0" encoding="utf-8"?>
+<file path=ppt/slides/slide24.xml><?xml version="1.0" encoding="utf-8"?>
 <p:sld xmlns:a="http://schemas.openxmlformats.org/drawingml/2006/main" xmlns:r="http://schemas.openxmlformats.org/officeDocument/2006/relationships" xmlns:p="http://schemas.openxmlformats.org/presentationml/2006/main">
   <p:cSld>
     <p:spTree>
@@ -14497,7 +14844,7 @@
 </p:sld>
 </file>
 
-<file path=ppt/slides/slide23.xml><?xml version="1.0" encoding="utf-8"?>
+<file path=ppt/slides/slide25.xml><?xml version="1.0" encoding="utf-8"?>
 <p:sld xmlns:a="http://schemas.openxmlformats.org/drawingml/2006/main" xmlns:r="http://schemas.openxmlformats.org/officeDocument/2006/relationships" xmlns:p="http://schemas.openxmlformats.org/presentationml/2006/main">
   <p:cSld>
     <p:spTree>
@@ -14596,7 +14943,7 @@
 </p:sld>
 </file>
 
-<file path=ppt/slides/slide24.xml><?xml version="1.0" encoding="utf-8"?>
+<file path=ppt/slides/slide26.xml><?xml version="1.0" encoding="utf-8"?>
 <p:sld xmlns:a="http://schemas.openxmlformats.org/drawingml/2006/main" xmlns:r="http://schemas.openxmlformats.org/officeDocument/2006/relationships" xmlns:p="http://schemas.openxmlformats.org/presentationml/2006/main">
   <p:cSld>
     <p:spTree>
@@ -14740,7 +15087,7 @@
 </p:sld>
 </file>
 
-<file path=ppt/slides/slide25.xml><?xml version="1.0" encoding="utf-8"?>
+<file path=ppt/slides/slide27.xml><?xml version="1.0" encoding="utf-8"?>
 <p:sld xmlns:a="http://schemas.openxmlformats.org/drawingml/2006/main" xmlns:r="http://schemas.openxmlformats.org/officeDocument/2006/relationships" xmlns:p="http://schemas.openxmlformats.org/presentationml/2006/main">
   <p:cSld>
     <p:spTree>
@@ -14925,7 +15272,7 @@
 </p:sld>
 </file>
 
-<file path=ppt/slides/slide26.xml><?xml version="1.0" encoding="utf-8"?>
+<file path=ppt/slides/slide28.xml><?xml version="1.0" encoding="utf-8"?>
 <p:sld xmlns:a="http://schemas.openxmlformats.org/drawingml/2006/main" xmlns:r="http://schemas.openxmlformats.org/officeDocument/2006/relationships" xmlns:p="http://schemas.openxmlformats.org/presentationml/2006/main">
   <p:cSld>
     <p:spTree>
@@ -15024,7 +15371,7 @@
 </p:sld>
 </file>
 
-<file path=ppt/slides/slide27.xml><?xml version="1.0" encoding="utf-8"?>
+<file path=ppt/slides/slide29.xml><?xml version="1.0" encoding="utf-8"?>
 <p:sld xmlns:a="http://schemas.openxmlformats.org/drawingml/2006/main" xmlns:r="http://schemas.openxmlformats.org/officeDocument/2006/relationships" xmlns:p="http://schemas.openxmlformats.org/presentationml/2006/main">
   <p:cSld>
     <p:spTree>
@@ -15150,7 +15497,129 @@
 </p:sld>
 </file>
 
-<file path=ppt/slides/slide28.xml><?xml version="1.0" encoding="utf-8"?>
+<file path=ppt/slides/slide3.xml><?xml version="1.0" encoding="utf-8"?>
+<p:sld xmlns:a="http://schemas.openxmlformats.org/drawingml/2006/main" xmlns:r="http://schemas.openxmlformats.org/officeDocument/2006/relationships" xmlns:p="http://schemas.openxmlformats.org/presentationml/2006/main">
+  <p:cSld>
+    <p:spTree>
+      <p:nvGrpSpPr>
+        <p:cNvPr id="1" name=""/>
+        <p:cNvGrpSpPr/>
+        <p:nvPr/>
+      </p:nvGrpSpPr>
+      <p:grpSpPr>
+        <a:xfrm>
+          <a:off x="0" y="0"/>
+          <a:ext cx="0" cy="0"/>
+          <a:chOff x="0" y="0"/>
+          <a:chExt cx="0" cy="0"/>
+        </a:xfrm>
+      </p:grpSpPr>
+      <p:sp>
+        <p:nvSpPr>
+          <p:cNvPr id="2" name="Title 1">
+            <a:extLst>
+              <a:ext uri="{FF2B5EF4-FFF2-40B4-BE49-F238E27FC236}">
+                <a16:creationId xmlns:a16="http://schemas.microsoft.com/office/drawing/2014/main" id="{8F9146A7-DDE7-4E78-9AC9-91D04D071F01}"/>
+              </a:ext>
+            </a:extLst>
+          </p:cNvPr>
+          <p:cNvSpPr>
+            <a:spLocks noGrp="1"/>
+          </p:cNvSpPr>
+          <p:nvPr>
+            <p:ph type="title"/>
+          </p:nvPr>
+        </p:nvSpPr>
+        <p:spPr>
+          <a:xfrm>
+            <a:off x="1097280" y="286603"/>
+            <a:ext cx="10058400" cy="885705"/>
+          </a:xfrm>
+        </p:spPr>
+        <p:txBody>
+          <a:bodyPr>
+            <a:normAutofit/>
+          </a:bodyPr>
+          <a:lstStyle/>
+          <a:p>
+            <a:r>
+              <a:rPr lang="en-US" b="1" dirty="0"/>
+              <a:t>Introduction</a:t>
+            </a:r>
+            <a:endParaRPr lang="en-AG" b="1" dirty="0"/>
+          </a:p>
+        </p:txBody>
+      </p:sp>
+      <p:sp>
+        <p:nvSpPr>
+          <p:cNvPr id="3" name="Content Placeholder 2">
+            <a:extLst>
+              <a:ext uri="{FF2B5EF4-FFF2-40B4-BE49-F238E27FC236}">
+                <a16:creationId xmlns:a16="http://schemas.microsoft.com/office/drawing/2014/main" id="{605F46F7-3530-43DC-BE29-7F986283E4D0}"/>
+              </a:ext>
+            </a:extLst>
+          </p:cNvPr>
+          <p:cNvSpPr>
+            <a:spLocks noGrp="1"/>
+          </p:cNvSpPr>
+          <p:nvPr>
+            <p:ph idx="1"/>
+          </p:nvPr>
+        </p:nvSpPr>
+        <p:spPr>
+          <a:xfrm>
+            <a:off x="1097280" y="1236134"/>
+            <a:ext cx="10058400" cy="5070881"/>
+          </a:xfrm>
+        </p:spPr>
+        <p:txBody>
+          <a:bodyPr/>
+          <a:lstStyle/>
+          <a:p>
+            <a:r>
+              <a:rPr lang="en-029" dirty="0"/>
+              <a:t> </a:t>
+            </a:r>
+            <a:r>
+              <a:rPr lang="en-029" dirty="0" smtClean="0"/>
+              <a:t>Healthcare </a:t>
+            </a:r>
+            <a:r>
+              <a:rPr lang="en-029" dirty="0"/>
+              <a:t>is an integral part of every society, with hospitals being the centre of such activity. Thus, it is imperative that the healthcare process of a hospital is as nice an experience as possible for everyone involved. As a result, our team was tasked with enhancing the healthcare experience for patients attending the hospital by improving how they familiarise themselves with the department and/or ward which they are being seen or are staying in. </a:t>
+            </a:r>
+            <a:endParaRPr lang="en-029" dirty="0" smtClean="0"/>
+          </a:p>
+          <a:p>
+            <a:r>
+              <a:rPr lang="en-029" dirty="0" smtClean="0"/>
+              <a:t>This </a:t>
+            </a:r>
+            <a:r>
+              <a:rPr lang="en-029" dirty="0"/>
+              <a:t>solution took the form of software through an interactive website which provides all the information a patient moving from the accident and emergency department to a ward in the hospital would need. </a:t>
+            </a:r>
+            <a:endParaRPr lang="en-GB" dirty="0"/>
+          </a:p>
+          <a:p>
+            <a:endParaRPr lang="en-AG" dirty="0"/>
+          </a:p>
+        </p:txBody>
+      </p:sp>
+    </p:spTree>
+    <p:extLst>
+      <p:ext uri="{BB962C8B-B14F-4D97-AF65-F5344CB8AC3E}">
+        <p14:creationId xmlns:p14="http://schemas.microsoft.com/office/powerpoint/2010/main" val="2625953170"/>
+      </p:ext>
+    </p:extLst>
+  </p:cSld>
+  <p:clrMapOvr>
+    <a:masterClrMapping/>
+  </p:clrMapOvr>
+</p:sld>
+</file>
+
+<file path=ppt/slides/slide30.xml><?xml version="1.0" encoding="utf-8"?>
 <p:sld xmlns:a="http://schemas.openxmlformats.org/drawingml/2006/main" xmlns:r="http://schemas.openxmlformats.org/officeDocument/2006/relationships" xmlns:p="http://schemas.openxmlformats.org/presentationml/2006/main">
   <p:cSld>
     <p:spTree>
@@ -15286,7 +15755,7 @@
 </p:sld>
 </file>
 
-<file path=ppt/slides/slide29.xml><?xml version="1.0" encoding="utf-8"?>
+<file path=ppt/slides/slide31.xml><?xml version="1.0" encoding="utf-8"?>
 <p:sld xmlns:a="http://schemas.openxmlformats.org/drawingml/2006/main" xmlns:r="http://schemas.openxmlformats.org/officeDocument/2006/relationships" xmlns:p="http://schemas.openxmlformats.org/presentationml/2006/main">
   <p:cSld>
     <p:spTree>
@@ -15436,103 +15905,7 @@
 </p:sld>
 </file>
 
-<file path=ppt/slides/slide3.xml><?xml version="1.0" encoding="utf-8"?>
-<p:sld xmlns:a="http://schemas.openxmlformats.org/drawingml/2006/main" xmlns:r="http://schemas.openxmlformats.org/officeDocument/2006/relationships" xmlns:p="http://schemas.openxmlformats.org/presentationml/2006/main">
-  <p:cSld>
-    <p:spTree>
-      <p:nvGrpSpPr>
-        <p:cNvPr id="1" name=""/>
-        <p:cNvGrpSpPr/>
-        <p:nvPr/>
-      </p:nvGrpSpPr>
-      <p:grpSpPr>
-        <a:xfrm>
-          <a:off x="0" y="0"/>
-          <a:ext cx="0" cy="0"/>
-          <a:chOff x="0" y="0"/>
-          <a:chExt cx="0" cy="0"/>
-        </a:xfrm>
-      </p:grpSpPr>
-      <p:sp>
-        <p:nvSpPr>
-          <p:cNvPr id="2" name="Title 1">
-            <a:extLst>
-              <a:ext uri="{FF2B5EF4-FFF2-40B4-BE49-F238E27FC236}">
-                <a16:creationId xmlns:a16="http://schemas.microsoft.com/office/drawing/2014/main" id="{8F9146A7-DDE7-4E78-9AC9-91D04D071F01}"/>
-              </a:ext>
-            </a:extLst>
-          </p:cNvPr>
-          <p:cNvSpPr>
-            <a:spLocks noGrp="1"/>
-          </p:cNvSpPr>
-          <p:nvPr>
-            <p:ph type="title"/>
-          </p:nvPr>
-        </p:nvSpPr>
-        <p:spPr>
-          <a:xfrm>
-            <a:off x="1097280" y="286603"/>
-            <a:ext cx="10058400" cy="885705"/>
-          </a:xfrm>
-        </p:spPr>
-        <p:txBody>
-          <a:bodyPr>
-            <a:normAutofit/>
-          </a:bodyPr>
-          <a:lstStyle/>
-          <a:p>
-            <a:r>
-              <a:rPr lang="en-US" b="1" dirty="0"/>
-              <a:t>Introduction</a:t>
-            </a:r>
-            <a:endParaRPr lang="en-AG" b="1" dirty="0"/>
-          </a:p>
-        </p:txBody>
-      </p:sp>
-      <p:sp>
-        <p:nvSpPr>
-          <p:cNvPr id="3" name="Content Placeholder 2">
-            <a:extLst>
-              <a:ext uri="{FF2B5EF4-FFF2-40B4-BE49-F238E27FC236}">
-                <a16:creationId xmlns:a16="http://schemas.microsoft.com/office/drawing/2014/main" id="{605F46F7-3530-43DC-BE29-7F986283E4D0}"/>
-              </a:ext>
-            </a:extLst>
-          </p:cNvPr>
-          <p:cNvSpPr>
-            <a:spLocks noGrp="1"/>
-          </p:cNvSpPr>
-          <p:nvPr>
-            <p:ph idx="1"/>
-          </p:nvPr>
-        </p:nvSpPr>
-        <p:spPr>
-          <a:xfrm>
-            <a:off x="1097280" y="1236134"/>
-            <a:ext cx="10058400" cy="5070881"/>
-          </a:xfrm>
-        </p:spPr>
-        <p:txBody>
-          <a:bodyPr/>
-          <a:lstStyle/>
-          <a:p>
-            <a:endParaRPr lang="en-AG" dirty="0"/>
-          </a:p>
-        </p:txBody>
-      </p:sp>
-    </p:spTree>
-    <p:extLst>
-      <p:ext uri="{BB962C8B-B14F-4D97-AF65-F5344CB8AC3E}">
-        <p14:creationId xmlns:p14="http://schemas.microsoft.com/office/powerpoint/2010/main" val="2625953170"/>
-      </p:ext>
-    </p:extLst>
-  </p:cSld>
-  <p:clrMapOvr>
-    <a:masterClrMapping/>
-  </p:clrMapOvr>
-</p:sld>
-</file>
-
-<file path=ppt/slides/slide30.xml><?xml version="1.0" encoding="utf-8"?>
+<file path=ppt/slides/slide32.xml><?xml version="1.0" encoding="utf-8"?>
 <p:sld xmlns:a="http://schemas.openxmlformats.org/drawingml/2006/main" xmlns:r="http://schemas.openxmlformats.org/officeDocument/2006/relationships" xmlns:p="http://schemas.openxmlformats.org/presentationml/2006/main">
   <p:cSld>
     <p:spTree>
@@ -15682,7 +16055,7 @@
 </p:sld>
 </file>
 
-<file path=ppt/slides/slide31.xml><?xml version="1.0" encoding="utf-8"?>
+<file path=ppt/slides/slide33.xml><?xml version="1.0" encoding="utf-8"?>
 <p:sld xmlns:a="http://schemas.openxmlformats.org/drawingml/2006/main" xmlns:r="http://schemas.openxmlformats.org/officeDocument/2006/relationships" xmlns:p="http://schemas.openxmlformats.org/presentationml/2006/main">
   <p:cSld>
     <p:spTree>
@@ -15832,7 +16205,7 @@
 </p:sld>
 </file>
 
-<file path=ppt/slides/slide32.xml><?xml version="1.0" encoding="utf-8"?>
+<file path=ppt/slides/slide34.xml><?xml version="1.0" encoding="utf-8"?>
 <p:sld xmlns:a="http://schemas.openxmlformats.org/drawingml/2006/main" xmlns:r="http://schemas.openxmlformats.org/officeDocument/2006/relationships" xmlns:p="http://schemas.openxmlformats.org/presentationml/2006/main">
   <p:cSld>
     <p:spTree>
@@ -15982,7 +16355,7 @@
 </p:sld>
 </file>
 
-<file path=ppt/slides/slide33.xml><?xml version="1.0" encoding="utf-8"?>
+<file path=ppt/slides/slide35.xml><?xml version="1.0" encoding="utf-8"?>
 <p:sld xmlns:a="http://schemas.openxmlformats.org/drawingml/2006/main" xmlns:r="http://schemas.openxmlformats.org/officeDocument/2006/relationships" xmlns:p="http://schemas.openxmlformats.org/presentationml/2006/main">
   <p:cSld>
     <p:spTree>
@@ -16134,7 +16507,7 @@
 </p:sld>
 </file>
 
-<file path=ppt/slides/slide34.xml><?xml version="1.0" encoding="utf-8"?>
+<file path=ppt/slides/slide36.xml><?xml version="1.0" encoding="utf-8"?>
 <p:sld xmlns:a="http://schemas.openxmlformats.org/drawingml/2006/main" xmlns:r="http://schemas.openxmlformats.org/officeDocument/2006/relationships" xmlns:p="http://schemas.openxmlformats.org/presentationml/2006/main">
   <p:cSld>
     <p:spTree>
@@ -16276,7 +16649,7 @@
 </p:sld>
 </file>
 
-<file path=ppt/slides/slide35.xml><?xml version="1.0" encoding="utf-8"?>
+<file path=ppt/slides/slide37.xml><?xml version="1.0" encoding="utf-8"?>
 <p:sld xmlns:a="http://schemas.openxmlformats.org/drawingml/2006/main" xmlns:r="http://schemas.openxmlformats.org/officeDocument/2006/relationships" xmlns:p="http://schemas.openxmlformats.org/presentationml/2006/main">
   <p:cSld>
     <p:spTree>
@@ -16418,7 +16791,7 @@
 </p:sld>
 </file>
 
-<file path=ppt/slides/slide36.xml><?xml version="1.0" encoding="utf-8"?>
+<file path=ppt/slides/slide38.xml><?xml version="1.0" encoding="utf-8"?>
 <p:sld xmlns:a="http://schemas.openxmlformats.org/drawingml/2006/main" xmlns:r="http://schemas.openxmlformats.org/officeDocument/2006/relationships" xmlns:p="http://schemas.openxmlformats.org/presentationml/2006/main">
   <p:cSld>
     <p:spTree>
@@ -16584,7 +16957,7 @@
 </p:sld>
 </file>
 
-<file path=ppt/slides/slide37.xml><?xml version="1.0" encoding="utf-8"?>
+<file path=ppt/slides/slide39.xml><?xml version="1.0" encoding="utf-8"?>
 <p:sld xmlns:a="http://schemas.openxmlformats.org/drawingml/2006/main" xmlns:r="http://schemas.openxmlformats.org/officeDocument/2006/relationships" xmlns:p="http://schemas.openxmlformats.org/presentationml/2006/main">
   <p:cSld>
     <p:spTree>
@@ -16694,223 +17067,6 @@
 </p:sld>
 </file>
 
-<file path=ppt/slides/slide38.xml><?xml version="1.0" encoding="utf-8"?>
-<p:sld xmlns:a="http://schemas.openxmlformats.org/drawingml/2006/main" xmlns:r="http://schemas.openxmlformats.org/officeDocument/2006/relationships" xmlns:p="http://schemas.openxmlformats.org/presentationml/2006/main">
-  <p:cSld>
-    <p:spTree>
-      <p:nvGrpSpPr>
-        <p:cNvPr id="1" name=""/>
-        <p:cNvGrpSpPr/>
-        <p:nvPr/>
-      </p:nvGrpSpPr>
-      <p:grpSpPr>
-        <a:xfrm>
-          <a:off x="0" y="0"/>
-          <a:ext cx="0" cy="0"/>
-          <a:chOff x="0" y="0"/>
-          <a:chExt cx="0" cy="0"/>
-        </a:xfrm>
-      </p:grpSpPr>
-      <p:sp>
-        <p:nvSpPr>
-          <p:cNvPr id="2" name="Title 1">
-            <a:extLst>
-              <a:ext uri="{FF2B5EF4-FFF2-40B4-BE49-F238E27FC236}">
-                <a16:creationId xmlns:a16="http://schemas.microsoft.com/office/drawing/2014/main" id="{81305665-984E-49A3-93E7-FD430C95A8DE}"/>
-              </a:ext>
-            </a:extLst>
-          </p:cNvPr>
-          <p:cNvSpPr>
-            <a:spLocks noGrp="1"/>
-          </p:cNvSpPr>
-          <p:nvPr>
-            <p:ph type="title"/>
-          </p:nvPr>
-        </p:nvSpPr>
-        <p:spPr>
-          <a:xfrm>
-            <a:off x="1141413" y="0"/>
-            <a:ext cx="9905998" cy="1478570"/>
-          </a:xfrm>
-        </p:spPr>
-        <p:txBody>
-          <a:bodyPr/>
-          <a:lstStyle/>
-          <a:p>
-            <a:r>
-              <a:rPr lang="en-US" b="1" dirty="0"/>
-              <a:t>Development process model CONT’D</a:t>
-            </a:r>
-            <a:endParaRPr lang="en-AG" b="1" dirty="0"/>
-          </a:p>
-        </p:txBody>
-      </p:sp>
-      <p:sp>
-        <p:nvSpPr>
-          <p:cNvPr id="3" name="Content Placeholder 2">
-            <a:extLst>
-              <a:ext uri="{FF2B5EF4-FFF2-40B4-BE49-F238E27FC236}">
-                <a16:creationId xmlns:a16="http://schemas.microsoft.com/office/drawing/2014/main" id="{09675C3E-EBA3-4064-B9E8-A2BAC721E1E1}"/>
-              </a:ext>
-            </a:extLst>
-          </p:cNvPr>
-          <p:cNvSpPr>
-            <a:spLocks noGrp="1"/>
-          </p:cNvSpPr>
-          <p:nvPr>
-            <p:ph idx="1"/>
-          </p:nvPr>
-        </p:nvSpPr>
-        <p:spPr>
-          <a:xfrm>
-            <a:off x="1141412" y="1478570"/>
-            <a:ext cx="9905999" cy="5086353"/>
-          </a:xfrm>
-        </p:spPr>
-        <p:txBody>
-          <a:bodyPr/>
-          <a:lstStyle/>
-          <a:p>
-            <a:r>
-              <a:rPr lang="en-US" dirty="0"/>
-              <a:t>Since this project was on a short deadline RAD was an even more attractive choice. Without the restrictions of the Spiral Model we had a prototype up and working within a few days and we were able to introduce more features and increase the user friendliness with each major update.</a:t>
-            </a:r>
-            <a:endParaRPr lang="en-AG" dirty="0"/>
-          </a:p>
-          <a:p>
-            <a:r>
-              <a:rPr lang="en-US" dirty="0"/>
-              <a:t>Another reason we chose RAD was it allowed us to easily and quickly have a visual aspect of the requirements needed. This visualization allowed us to identify flaws easier, resulting in less flaws that needed to be addressed with each prototype cycle.</a:t>
-            </a:r>
-            <a:endParaRPr lang="en-AG" dirty="0"/>
-          </a:p>
-        </p:txBody>
-      </p:sp>
-    </p:spTree>
-    <p:extLst>
-      <p:ext uri="{BB962C8B-B14F-4D97-AF65-F5344CB8AC3E}">
-        <p14:creationId xmlns:p14="http://schemas.microsoft.com/office/powerpoint/2010/main" val="655366433"/>
-      </p:ext>
-    </p:extLst>
-  </p:cSld>
-  <p:clrMapOvr>
-    <a:masterClrMapping/>
-  </p:clrMapOvr>
-</p:sld>
-</file>
-
-<file path=ppt/slides/slide39.xml><?xml version="1.0" encoding="utf-8"?>
-<p:sld xmlns:a="http://schemas.openxmlformats.org/drawingml/2006/main" xmlns:r="http://schemas.openxmlformats.org/officeDocument/2006/relationships" xmlns:p="http://schemas.openxmlformats.org/presentationml/2006/main">
-  <p:cSld>
-    <p:spTree>
-      <p:nvGrpSpPr>
-        <p:cNvPr id="1" name=""/>
-        <p:cNvGrpSpPr/>
-        <p:nvPr/>
-      </p:nvGrpSpPr>
-      <p:grpSpPr>
-        <a:xfrm>
-          <a:off x="0" y="0"/>
-          <a:ext cx="0" cy="0"/>
-          <a:chOff x="0" y="0"/>
-          <a:chExt cx="0" cy="0"/>
-        </a:xfrm>
-      </p:grpSpPr>
-      <p:sp>
-        <p:nvSpPr>
-          <p:cNvPr id="2" name="Title 1">
-            <a:extLst>
-              <a:ext uri="{FF2B5EF4-FFF2-40B4-BE49-F238E27FC236}">
-                <a16:creationId xmlns:a16="http://schemas.microsoft.com/office/drawing/2014/main" id="{81305665-984E-49A3-93E7-FD430C95A8DE}"/>
-              </a:ext>
-            </a:extLst>
-          </p:cNvPr>
-          <p:cNvSpPr>
-            <a:spLocks noGrp="1"/>
-          </p:cNvSpPr>
-          <p:nvPr>
-            <p:ph type="title"/>
-          </p:nvPr>
-        </p:nvSpPr>
-        <p:spPr>
-          <a:xfrm>
-            <a:off x="1141413" y="0"/>
-            <a:ext cx="9905998" cy="1478570"/>
-          </a:xfrm>
-        </p:spPr>
-        <p:txBody>
-          <a:bodyPr/>
-          <a:lstStyle/>
-          <a:p>
-            <a:r>
-              <a:rPr lang="en-US" b="1" dirty="0"/>
-              <a:t>RAD Development phases</a:t>
-            </a:r>
-            <a:endParaRPr lang="en-AG" b="1" dirty="0"/>
-          </a:p>
-        </p:txBody>
-      </p:sp>
-      <p:sp>
-        <p:nvSpPr>
-          <p:cNvPr id="3" name="Content Placeholder 2">
-            <a:extLst>
-              <a:ext uri="{FF2B5EF4-FFF2-40B4-BE49-F238E27FC236}">
-                <a16:creationId xmlns:a16="http://schemas.microsoft.com/office/drawing/2014/main" id="{09675C3E-EBA3-4064-B9E8-A2BAC721E1E1}"/>
-              </a:ext>
-            </a:extLst>
-          </p:cNvPr>
-          <p:cNvSpPr>
-            <a:spLocks noGrp="1"/>
-          </p:cNvSpPr>
-          <p:nvPr>
-            <p:ph idx="1"/>
-          </p:nvPr>
-        </p:nvSpPr>
-        <p:spPr>
-          <a:xfrm>
-            <a:off x="1141412" y="1478570"/>
-            <a:ext cx="9905999" cy="5086353"/>
-          </a:xfrm>
-        </p:spPr>
-        <p:txBody>
-          <a:bodyPr/>
-          <a:lstStyle/>
-          <a:p>
-            <a:r>
-              <a:rPr lang="en-US" b="1" dirty="0"/>
-              <a:t>Requirements Planning (Definition Stage): </a:t>
-            </a:r>
-            <a:r>
-              <a:rPr lang="en-US" dirty="0"/>
-              <a:t>The first task was to analyze the requirements and develop a business model for this project. We identified what was vital and necessary information and put heavy focus on that. We continued to analyze the other requirements, ensuring every member of the team had a clear understanding of them.</a:t>
-            </a:r>
-          </a:p>
-          <a:p>
-            <a:r>
-              <a:rPr lang="en-US" b="1" dirty="0"/>
-              <a:t>User Design (Design Stage</a:t>
-            </a:r>
-            <a:r>
-              <a:rPr lang="en-US" dirty="0"/>
-              <a:t>): This stage had the team taking the defined requirements and transforming them into a visual display. Since realistically we were not able to meet with clients for this project, we all at some stage took on the roll as a client by sharing ideas and insights about ways to continuously improve the design. The main focus was on usability, mobile responsiveness and accuracy to requirements.</a:t>
-            </a:r>
-            <a:endParaRPr lang="en-AG" dirty="0"/>
-          </a:p>
-        </p:txBody>
-      </p:sp>
-    </p:spTree>
-    <p:extLst>
-      <p:ext uri="{BB962C8B-B14F-4D97-AF65-F5344CB8AC3E}">
-        <p14:creationId xmlns:p14="http://schemas.microsoft.com/office/powerpoint/2010/main" val="3274715582"/>
-      </p:ext>
-    </p:extLst>
-  </p:cSld>
-  <p:clrMapOvr>
-    <a:masterClrMapping/>
-  </p:clrMapOvr>
-</p:sld>
-</file>
-
 <file path=ppt/slides/slide4.xml><?xml version="1.0" encoding="utf-8"?>
 <p:sld xmlns:a="http://schemas.openxmlformats.org/drawingml/2006/main" xmlns:r="http://schemas.openxmlformats.org/officeDocument/2006/relationships" xmlns:p="http://schemas.openxmlformats.org/presentationml/2006/main">
   <p:cSld>
@@ -16933,7 +17089,7 @@
           <p:cNvPr id="2" name="Title 1">
             <a:extLst>
               <a:ext uri="{FF2B5EF4-FFF2-40B4-BE49-F238E27FC236}">
-                <a16:creationId xmlns:a16="http://schemas.microsoft.com/office/drawing/2014/main" id="{E00920D7-A8A6-48EB-AE9C-DCDE6E6E93A4}"/>
+                <a16:creationId xmlns:a16="http://schemas.microsoft.com/office/drawing/2014/main" id="{8F9146A7-DDE7-4E78-9AC9-91D04D071F01}"/>
               </a:ext>
             </a:extLst>
           </p:cNvPr>
@@ -16946,17 +17102,19 @@
         </p:nvSpPr>
         <p:spPr>
           <a:xfrm>
-            <a:off x="1141413" y="618518"/>
-            <a:ext cx="9905998" cy="741359"/>
+            <a:off x="1097280" y="286603"/>
+            <a:ext cx="10058400" cy="885705"/>
           </a:xfrm>
         </p:spPr>
         <p:txBody>
-          <a:bodyPr/>
+          <a:bodyPr>
+            <a:normAutofit/>
+          </a:bodyPr>
           <a:lstStyle/>
           <a:p>
             <a:r>
-              <a:rPr lang="en-US" b="1" dirty="0"/>
-              <a:t>Testing</a:t>
+              <a:rPr lang="en-US" b="1" dirty="0" smtClean="0"/>
+              <a:t>Introduction CONT’D</a:t>
             </a:r>
             <a:endParaRPr lang="en-AG" b="1" dirty="0"/>
           </a:p>
@@ -16967,7 +17125,7 @@
           <p:cNvPr id="3" name="Content Placeholder 2">
             <a:extLst>
               <a:ext uri="{FF2B5EF4-FFF2-40B4-BE49-F238E27FC236}">
-                <a16:creationId xmlns:a16="http://schemas.microsoft.com/office/drawing/2014/main" id="{E12AD9C3-A634-4841-A919-646E8321103E}"/>
+                <a16:creationId xmlns:a16="http://schemas.microsoft.com/office/drawing/2014/main" id="{605F46F7-3530-43DC-BE29-7F986283E4D0}"/>
               </a:ext>
             </a:extLst>
           </p:cNvPr>
@@ -16980,8 +17138,8 @@
         </p:nvSpPr>
         <p:spPr>
           <a:xfrm>
-            <a:off x="1141413" y="1405426"/>
-            <a:ext cx="9905999" cy="4834056"/>
+            <a:off x="1097280" y="1236134"/>
+            <a:ext cx="10058400" cy="5070881"/>
           </a:xfrm>
         </p:spPr>
         <p:txBody>
@@ -16989,45 +17147,19 @@
           <a:lstStyle/>
           <a:p>
             <a:r>
-              <a:rPr lang="en-US" dirty="0"/>
-              <a:t>To fully test the entirety of the application, both frontend and backend, it was decided to test the application on three (3) distinct levels.</a:t>
-            </a:r>
-          </a:p>
-          <a:p>
-            <a:pPr lvl="1"/>
-            <a:endParaRPr lang="en-US" dirty="0"/>
-          </a:p>
-          <a:p>
-            <a:pPr lvl="1"/>
-            <a:r>
-              <a:rPr lang="en-US" b="1" dirty="0"/>
-              <a:t>Unit Testing </a:t>
-            </a:r>
-            <a:r>
-              <a:rPr lang="en-US" dirty="0"/>
-              <a:t>using Boundary Value Analysis (BVA) and Equivalence Class Partitioning (ECP) to ensure that software pieces in isolation function properly.</a:t>
-            </a:r>
-          </a:p>
-          <a:p>
-            <a:pPr lvl="1"/>
-            <a:r>
-              <a:rPr lang="en-US" b="1" dirty="0"/>
-              <a:t>Integration Testing </a:t>
-            </a:r>
-            <a:r>
-              <a:rPr lang="en-US" dirty="0"/>
-              <a:t>to check the interactions between software components to reveal any functional errors.</a:t>
-            </a:r>
-          </a:p>
-          <a:p>
-            <a:pPr lvl="1"/>
-            <a:r>
-              <a:rPr lang="en-US" b="1" dirty="0"/>
-              <a:t>Alpha Testing </a:t>
-            </a:r>
-            <a:r>
-              <a:rPr lang="en-US" dirty="0"/>
-              <a:t>to simulate the regular operation of the system to ensure that it could execute uninterrupted successfully to achieve all goals outlined.</a:t>
+              <a:rPr lang="en-029" dirty="0"/>
+              <a:t>Our team used the rapid application development model in order to develop this application in order to provide for measurable progress of development and easy modification through compartmentalisation of system components. We created a user-friendly interface by keeping the end user in mind every step of the way. As far as the content of the site, it contains general information about the department/ward to anyone after they login with a guest ID and password. </a:t>
+            </a:r>
+            <a:endParaRPr lang="en-029" dirty="0" smtClean="0"/>
+          </a:p>
+          <a:p>
+            <a:r>
+              <a:rPr lang="en-029" dirty="0" smtClean="0"/>
+              <a:t>On </a:t>
+            </a:r>
+            <a:r>
+              <a:rPr lang="en-029" dirty="0"/>
+              <a:t>the administrative side, administrative personnel can long on through entering their admin ID and password which must be approved before they can view the system. While logged in, they can manipulate certain information that is contained on the site such as updating the frequently asked question page by asking new questions.</a:t>
             </a:r>
             <a:endParaRPr lang="en-AG" dirty="0"/>
           </a:p>
@@ -17036,20 +17168,13 @@
     </p:spTree>
     <p:extLst>
       <p:ext uri="{BB962C8B-B14F-4D97-AF65-F5344CB8AC3E}">
-        <p14:creationId xmlns:p14="http://schemas.microsoft.com/office/powerpoint/2010/main" val="20411672"/>
+        <p14:creationId xmlns:p14="http://schemas.microsoft.com/office/powerpoint/2010/main" val="1570500379"/>
       </p:ext>
     </p:extLst>
   </p:cSld>
   <p:clrMapOvr>
     <a:masterClrMapping/>
   </p:clrMapOvr>
-  <p:timing>
-    <p:tnLst>
-      <p:par>
-        <p:cTn id="1" dur="indefinite" restart="never" nodeType="tmRoot"/>
-      </p:par>
-    </p:tnLst>
-  </p:timing>
 </p:sld>
 </file>
 
@@ -17098,11 +17223,7 @@
           <a:p>
             <a:r>
               <a:rPr lang="en-US" b="1" dirty="0"/>
-              <a:t>RAD Development phases </a:t>
-            </a:r>
-            <a:r>
-              <a:rPr lang="en-US" b="1" dirty="0" err="1"/>
-              <a:t>CONt’d</a:t>
+              <a:t>Development process model CONT’D</a:t>
             </a:r>
             <a:endParaRPr lang="en-AG" b="1" dirty="0"/>
           </a:p>
@@ -17135,28 +17256,16 @@
           <a:lstStyle/>
           <a:p>
             <a:r>
-              <a:rPr lang="en-US" b="1" dirty="0"/>
-              <a:t>Rapid Construction (Development Stage): </a:t>
-            </a:r>
-            <a:r>
               <a:rPr lang="en-US" dirty="0"/>
-              <a:t>This stage had the team take the web app prototype and transform it into a working model. Although at this stage changes were still possible, the iterative design phase made it possible to quickly and smoothly finalize the development of this application. This is the phase where testing took place.</a:t>
-            </a:r>
-          </a:p>
-          <a:p>
-            <a:r>
-              <a:rPr lang="en-US" b="1" dirty="0"/>
-              <a:t>Implementation (Deployment Stage</a:t>
-            </a:r>
+              <a:t>Since this project was on a short deadline RAD was an even more attractive choice. Without the restrictions of the Spiral Model we had a prototype up and working within a few days and we were able to introduce more features and increase the user friendliness with each major update.</a:t>
+            </a:r>
+            <a:endParaRPr lang="en-AG" dirty="0"/>
+          </a:p>
+          <a:p>
             <a:r>
               <a:rPr lang="en-US" dirty="0"/>
-              <a:t>): The final tests and checks were done to confirm full functionality before launching the web application fully. Upon completion we had a fully functional application that could use node.js to satisfy the requirements of the assignment.</a:t>
-            </a:r>
-          </a:p>
-          <a:p>
-            <a:pPr marL="0" indent="0">
-              <a:buNone/>
-            </a:pPr>
+              <a:t>Another reason we chose RAD was it allowed us to easily and quickly have a visual aspect of the requirements needed. This visualization allowed us to identify flaws easier, resulting in less flaws that needed to be addressed with each prototype cycle.</a:t>
+            </a:r>
             <a:endParaRPr lang="en-AG" dirty="0"/>
           </a:p>
         </p:txBody>
@@ -17164,7 +17273,7 @@
     </p:spTree>
     <p:extLst>
       <p:ext uri="{BB962C8B-B14F-4D97-AF65-F5344CB8AC3E}">
-        <p14:creationId xmlns:p14="http://schemas.microsoft.com/office/powerpoint/2010/main" val="627253"/>
+        <p14:creationId xmlns:p14="http://schemas.microsoft.com/office/powerpoint/2010/main" val="655366433"/>
       </p:ext>
     </p:extLst>
   </p:cSld>
@@ -17196,7 +17305,7 @@
           <p:cNvPr id="2" name="Title 1">
             <a:extLst>
               <a:ext uri="{FF2B5EF4-FFF2-40B4-BE49-F238E27FC236}">
-                <a16:creationId xmlns:a16="http://schemas.microsoft.com/office/drawing/2014/main" id="{52D1DAA7-73D9-40A9-BD19-E25714E7CB7D}"/>
+                <a16:creationId xmlns:a16="http://schemas.microsoft.com/office/drawing/2014/main" id="{81305665-984E-49A3-93E7-FD430C95A8DE}"/>
               </a:ext>
             </a:extLst>
           </p:cNvPr>
@@ -17219,13 +17328,9 @@
           <a:p>
             <a:r>
               <a:rPr lang="en-US" b="1" dirty="0"/>
-              <a:t>Maintenance</a:t>
-            </a:r>
-            <a:r>
-              <a:rPr lang="en-US" dirty="0"/>
-              <a:t> </a:t>
-            </a:r>
-            <a:endParaRPr lang="en-AG" dirty="0"/>
+              <a:t>RAD Development phases</a:t>
+            </a:r>
+            <a:endParaRPr lang="en-AG" b="1" dirty="0"/>
           </a:p>
         </p:txBody>
       </p:sp>
@@ -17234,7 +17339,7 @@
           <p:cNvPr id="3" name="Content Placeholder 2">
             <a:extLst>
               <a:ext uri="{FF2B5EF4-FFF2-40B4-BE49-F238E27FC236}">
-                <a16:creationId xmlns:a16="http://schemas.microsoft.com/office/drawing/2014/main" id="{7C1CD4D6-D333-4BE1-A30F-D3D1D654C14F}"/>
+                <a16:creationId xmlns:a16="http://schemas.microsoft.com/office/drawing/2014/main" id="{09675C3E-EBA3-4064-B9E8-A2BAC721E1E1}"/>
               </a:ext>
             </a:extLst>
           </p:cNvPr>
@@ -17248,30 +17353,30 @@
         <p:spPr>
           <a:xfrm>
             <a:off x="1141412" y="1478570"/>
-            <a:ext cx="9905999" cy="5062907"/>
+            <a:ext cx="9905999" cy="5086353"/>
           </a:xfrm>
         </p:spPr>
         <p:txBody>
-          <a:bodyPr>
-            <a:normAutofit lnSpcReduction="10000"/>
-          </a:bodyPr>
+          <a:bodyPr/>
           <a:lstStyle/>
           <a:p>
             <a:r>
+              <a:rPr lang="en-US" b="1" dirty="0"/>
+              <a:t>Requirements Planning (Definition Stage): </a:t>
+            </a:r>
+            <a:r>
               <a:rPr lang="en-US" dirty="0"/>
-              <a:t>One the main concerns of the development team after the application is fully launched is the subject of maintaining the application. In this case, maintenance would be keeping the application up to date and tuned to the ever changing world of technology and environment it is operating in.</a:t>
-            </a:r>
-          </a:p>
-          <a:p>
+              <a:t>The first task was to analyze the requirements and develop a business model for this project. We identified what was vital and necessary information and put heavy focus on that. We continued to analyze the other requirements, ensuring every member of the team had a clear understanding of them.</a:t>
+            </a:r>
+          </a:p>
+          <a:p>
+            <a:r>
+              <a:rPr lang="en-US" b="1" dirty="0"/>
+              <a:t>User Design (Design Stage</a:t>
+            </a:r>
             <a:r>
               <a:rPr lang="en-US" dirty="0"/>
-              <a:t>We are concerning ourselves with Adaptive Maintenance of the application to allow it to adapt to the web application landscape which is in a constant state of flux.  We will be taking the proper measures to ensure it goes as smoothly as possible.</a:t>
-            </a:r>
-          </a:p>
-          <a:p>
-            <a:r>
-              <a:rPr lang="en-US" dirty="0"/>
-              <a:t>A likely cause of maintenance would be future versions of web browsers which may prove incompatible with our application. The app would have to be modified to work with these new web browsers BEFORE they are released.</a:t>
+              <a:t>): This stage had the team taking the defined requirements and transforming them into a visual display. Since realistically we were not able to meet with clients for this project, we all at some stage took on the roll as a client by sharing ideas and insights about ways to continuously improve the design. The main focus was on usability, mobile responsiveness and accuracy to requirements.</a:t>
             </a:r>
             <a:endParaRPr lang="en-AG" dirty="0"/>
           </a:p>
@@ -17280,7 +17385,7 @@
     </p:spTree>
     <p:extLst>
       <p:ext uri="{BB962C8B-B14F-4D97-AF65-F5344CB8AC3E}">
-        <p14:creationId xmlns:p14="http://schemas.microsoft.com/office/powerpoint/2010/main" val="1674456262"/>
+        <p14:creationId xmlns:p14="http://schemas.microsoft.com/office/powerpoint/2010/main" val="3274715582"/>
       </p:ext>
     </p:extLst>
   </p:cSld>
@@ -17312,7 +17417,7 @@
           <p:cNvPr id="2" name="Title 1">
             <a:extLst>
               <a:ext uri="{FF2B5EF4-FFF2-40B4-BE49-F238E27FC236}">
-                <a16:creationId xmlns:a16="http://schemas.microsoft.com/office/drawing/2014/main" id="{E729E739-738A-410B-A2DD-2260C1E2128F}"/>
+                <a16:creationId xmlns:a16="http://schemas.microsoft.com/office/drawing/2014/main" id="{81305665-984E-49A3-93E7-FD430C95A8DE}"/>
               </a:ext>
             </a:extLst>
           </p:cNvPr>
@@ -17335,7 +17440,11 @@
           <a:p>
             <a:r>
               <a:rPr lang="en-US" b="1" dirty="0"/>
-              <a:t>Software quality recommendations</a:t>
+              <a:t>RAD Development phases </a:t>
+            </a:r>
+            <a:r>
+              <a:rPr lang="en-US" b="1" dirty="0" err="1"/>
+              <a:t>CONt’d</a:t>
             </a:r>
             <a:endParaRPr lang="en-AG" b="1" dirty="0"/>
           </a:p>
@@ -17346,7 +17455,7 @@
           <p:cNvPr id="3" name="Content Placeholder 2">
             <a:extLst>
               <a:ext uri="{FF2B5EF4-FFF2-40B4-BE49-F238E27FC236}">
-                <a16:creationId xmlns:a16="http://schemas.microsoft.com/office/drawing/2014/main" id="{E99F5A44-6FC7-43FA-BA9A-E85E12D9A94C}"/>
+                <a16:creationId xmlns:a16="http://schemas.microsoft.com/office/drawing/2014/main" id="{09675C3E-EBA3-4064-B9E8-A2BAC721E1E1}"/>
               </a:ext>
             </a:extLst>
           </p:cNvPr>
@@ -17360,7 +17469,7 @@
         <p:spPr>
           <a:xfrm>
             <a:off x="1141412" y="1478570"/>
-            <a:ext cx="9905999" cy="5062907"/>
+            <a:ext cx="9905999" cy="5086353"/>
           </a:xfrm>
         </p:spPr>
         <p:txBody>
@@ -17368,23 +17477,28 @@
           <a:lstStyle/>
           <a:p>
             <a:r>
+              <a:rPr lang="en-US" b="1" dirty="0"/>
+              <a:t>Rapid Construction (Development Stage): </a:t>
+            </a:r>
+            <a:r>
               <a:rPr lang="en-US" dirty="0"/>
-              <a:t>Software Quality is an extremely important principle whose processes must be applied at many stages during the development cycle, including maintenance.</a:t>
-            </a:r>
-          </a:p>
-          <a:p>
+              <a:t>This stage had the team take the web app prototype and transform it into a working model. Although at this stage changes were still possible, the iterative design phase made it possible to quickly and smoothly finalize the development of this application. This is the phase where testing took place.</a:t>
+            </a:r>
+          </a:p>
+          <a:p>
+            <a:r>
+              <a:rPr lang="en-US" b="1" dirty="0"/>
+              <a:t>Implementation (Deployment Stage</a:t>
+            </a:r>
             <a:r>
               <a:rPr lang="en-US" dirty="0"/>
-              <a:t>Software Quality Management (SQM) processes serve the role of ensuring quality by having many different processes, some of which will directly find defects while others show where further evaluation may be needed. </a:t>
-            </a:r>
-          </a:p>
-          <a:p>
-            <a:r>
-              <a:rPr lang="en-US" dirty="0"/>
-              <a:t>SQM processes include those for quality assurance, verification, validation, reviews and auditing.</a:t>
-            </a:r>
-          </a:p>
-          <a:p>
+              <a:t>): The final tests and checks were done to confirm full functionality before launching the web application fully. Upon completion we had a fully functional application that could use node.js to satisfy the requirements of the assignment.</a:t>
+            </a:r>
+          </a:p>
+          <a:p>
+            <a:pPr marL="0" indent="0">
+              <a:buNone/>
+            </a:pPr>
             <a:endParaRPr lang="en-AG" dirty="0"/>
           </a:p>
         </p:txBody>
@@ -17392,7 +17506,7 @@
     </p:spTree>
     <p:extLst>
       <p:ext uri="{BB962C8B-B14F-4D97-AF65-F5344CB8AC3E}">
-        <p14:creationId xmlns:p14="http://schemas.microsoft.com/office/powerpoint/2010/main" val="766595211"/>
+        <p14:creationId xmlns:p14="http://schemas.microsoft.com/office/powerpoint/2010/main" val="627253"/>
       </p:ext>
     </p:extLst>
   </p:cSld>
@@ -17424,7 +17538,7 @@
           <p:cNvPr id="2" name="Title 1">
             <a:extLst>
               <a:ext uri="{FF2B5EF4-FFF2-40B4-BE49-F238E27FC236}">
-                <a16:creationId xmlns:a16="http://schemas.microsoft.com/office/drawing/2014/main" id="{E729E739-738A-410B-A2DD-2260C1E2128F}"/>
+                <a16:creationId xmlns:a16="http://schemas.microsoft.com/office/drawing/2014/main" id="{52D1DAA7-73D9-40A9-BD19-E25714E7CB7D}"/>
               </a:ext>
             </a:extLst>
           </p:cNvPr>
@@ -17437,8 +17551,8 @@
         </p:nvSpPr>
         <p:spPr>
           <a:xfrm>
-            <a:off x="562708" y="0"/>
-            <a:ext cx="10484703" cy="1478570"/>
+            <a:off x="1141413" y="0"/>
+            <a:ext cx="9905998" cy="1478570"/>
           </a:xfrm>
         </p:spPr>
         <p:txBody>
@@ -17447,9 +17561,13 @@
           <a:p>
             <a:r>
               <a:rPr lang="en-US" b="1" dirty="0"/>
-              <a:t>Software quality recommendations cont’d</a:t>
-            </a:r>
-            <a:endParaRPr lang="en-AG" b="1" dirty="0"/>
+              <a:t>Maintenance</a:t>
+            </a:r>
+            <a:r>
+              <a:rPr lang="en-US" dirty="0"/>
+              <a:t> </a:t>
+            </a:r>
+            <a:endParaRPr lang="en-AG" dirty="0"/>
           </a:p>
         </p:txBody>
       </p:sp>
@@ -17458,7 +17576,7 @@
           <p:cNvPr id="3" name="Content Placeholder 2">
             <a:extLst>
               <a:ext uri="{FF2B5EF4-FFF2-40B4-BE49-F238E27FC236}">
-                <a16:creationId xmlns:a16="http://schemas.microsoft.com/office/drawing/2014/main" id="{E99F5A44-6FC7-43FA-BA9A-E85E12D9A94C}"/>
+                <a16:creationId xmlns:a16="http://schemas.microsoft.com/office/drawing/2014/main" id="{7C1CD4D6-D333-4BE1-A30F-D3D1D654C14F}"/>
               </a:ext>
             </a:extLst>
           </p:cNvPr>
@@ -17476,42 +17594,27 @@
           </a:xfrm>
         </p:spPr>
         <p:txBody>
-          <a:bodyPr/>
+          <a:bodyPr>
+            <a:normAutofit lnSpcReduction="10000"/>
+          </a:bodyPr>
           <a:lstStyle/>
           <a:p>
             <a:r>
               <a:rPr lang="en-US" dirty="0"/>
-              <a:t>The 1</a:t>
-            </a:r>
-            <a:r>
-              <a:rPr lang="en-US" baseline="30000" dirty="0"/>
-              <a:t>st</a:t>
-            </a:r>
+              <a:t>One the main concerns of the development team after the application is fully launched is the subject of maintaining the application. In this case, maintenance would be keeping the application up to date and tuned to the ever changing world of technology and environment it is operating in.</a:t>
+            </a:r>
+          </a:p>
+          <a:p>
             <a:r>
               <a:rPr lang="en-US" dirty="0"/>
-              <a:t> SQM is the quality assurance process. This process creates a plan which details the quality requirements and specific techniques that will be used to achieve them such as cost and resource management, scheduling and overall management.</a:t>
+              <a:t>We are concerning ourselves with Adaptive Maintenance of the application to allow it to adapt to the web application landscape which is in a constant state of flux.  We will be taking the proper measures to ensure it goes as smoothly as possible.</a:t>
             </a:r>
           </a:p>
           <a:p>
             <a:r>
               <a:rPr lang="en-US" dirty="0"/>
-              <a:t>The 2</a:t>
-            </a:r>
-            <a:r>
-              <a:rPr lang="en-US" baseline="30000" dirty="0"/>
-              <a:t>nd</a:t>
-            </a:r>
-            <a:r>
-              <a:rPr lang="en-US" dirty="0"/>
-              <a:t> SQM is Verification and Validation (V&amp;V). These include activities which address the software product quality directly and uses testing techniques to flush out any defects that need to be addressed. </a:t>
-            </a:r>
-            <a:r>
-              <a:rPr lang="en-GB" dirty="0"/>
-              <a:t>They are methods to ensure the software product meets the requirements created (verification) and checks to see whether the product built to match these requirements actually fulfils its intended purpose (validation). </a:t>
-            </a:r>
-            <a:endParaRPr lang="en-US" dirty="0"/>
-          </a:p>
-          <a:p>
+              <a:t>A likely cause of maintenance would be future versions of web browsers which may prove incompatible with our application. The app would have to be modified to work with these new web browsers BEFORE they are released.</a:t>
+            </a:r>
             <a:endParaRPr lang="en-AG" dirty="0"/>
           </a:p>
         </p:txBody>
@@ -17519,7 +17622,7 @@
     </p:spTree>
     <p:extLst>
       <p:ext uri="{BB962C8B-B14F-4D97-AF65-F5344CB8AC3E}">
-        <p14:creationId xmlns:p14="http://schemas.microsoft.com/office/powerpoint/2010/main" val="695502553"/>
+        <p14:creationId xmlns:p14="http://schemas.microsoft.com/office/powerpoint/2010/main" val="1674456262"/>
       </p:ext>
     </p:extLst>
   </p:cSld>
@@ -17564,8 +17667,8 @@
         </p:nvSpPr>
         <p:spPr>
           <a:xfrm>
-            <a:off x="562708" y="0"/>
-            <a:ext cx="10484703" cy="1478570"/>
+            <a:off x="1141413" y="0"/>
+            <a:ext cx="9905998" cy="1478570"/>
           </a:xfrm>
         </p:spPr>
         <p:txBody>
@@ -17574,7 +17677,7 @@
           <a:p>
             <a:r>
               <a:rPr lang="en-US" b="1" dirty="0"/>
-              <a:t>Software quality recommendations cont’d</a:t>
+              <a:t>Software quality recommendations</a:t>
             </a:r>
             <a:endParaRPr lang="en-AG" b="1" dirty="0"/>
           </a:p>
@@ -17608,22 +17711,22 @@
           <a:p>
             <a:r>
               <a:rPr lang="en-US" dirty="0"/>
-              <a:t>Improved Reviews and Audits  would also improve the software quality approach for the organization. Reviews would determine the adequacy of plans and help keep track of progress. Audits carried out by 3</a:t>
-            </a:r>
-            <a:r>
-              <a:rPr lang="en-US" baseline="30000" dirty="0"/>
-              <a:t>rd</a:t>
-            </a:r>
+              <a:t>Software Quality is an extremely important principle whose processes must be applied at many stages during the development cycle, including maintenance.</a:t>
+            </a:r>
+          </a:p>
+          <a:p>
             <a:r>
               <a:rPr lang="en-US" dirty="0"/>
-              <a:t> parties would give an unbiased look at new builds to check non-conformance levels and produce reports detailing corrective action.</a:t>
+              <a:t>Software Quality Management (SQM) processes serve the role of ensuring quality by having many different processes, some of which will directly find defects while others show where further evaluation may be needed. </a:t>
             </a:r>
           </a:p>
           <a:p>
             <a:r>
               <a:rPr lang="en-US" dirty="0"/>
-              <a:t>Lastly the organization can improve their approach to software quality by developing a healthy culture which encourages a commitment to quality. If engineers and developers have a focus on quality as they develop, the end product will meet a greater standard. Therefore the developers should follow the code of ethics and professional practice created regulatory bodies such as the IEEE.</a:t>
-            </a:r>
+              <a:t>SQM processes include those for quality assurance, verification, validation, reviews and auditing.</a:t>
+            </a:r>
+          </a:p>
+          <a:p>
             <a:endParaRPr lang="en-AG" dirty="0"/>
           </a:p>
         </p:txBody>
@@ -17631,20 +17734,13 @@
     </p:spTree>
     <p:extLst>
       <p:ext uri="{BB962C8B-B14F-4D97-AF65-F5344CB8AC3E}">
-        <p14:creationId xmlns:p14="http://schemas.microsoft.com/office/powerpoint/2010/main" val="2305471762"/>
+        <p14:creationId xmlns:p14="http://schemas.microsoft.com/office/powerpoint/2010/main" val="766595211"/>
       </p:ext>
     </p:extLst>
   </p:cSld>
   <p:clrMapOvr>
     <a:masterClrMapping/>
   </p:clrMapOvr>
-  <p:timing>
-    <p:tnLst>
-      <p:par>
-        <p:cTn id="1" dur="indefinite" restart="never" nodeType="tmRoot"/>
-      </p:par>
-    </p:tnLst>
-  </p:timing>
 </p:sld>
 </file>
 
@@ -17670,7 +17766,7 @@
           <p:cNvPr id="2" name="Title 1">
             <a:extLst>
               <a:ext uri="{FF2B5EF4-FFF2-40B4-BE49-F238E27FC236}">
-                <a16:creationId xmlns:a16="http://schemas.microsoft.com/office/drawing/2014/main" id="{5A1EB668-A371-4651-B47E-567E1803E36C}"/>
+                <a16:creationId xmlns:a16="http://schemas.microsoft.com/office/drawing/2014/main" id="{E729E739-738A-410B-A2DD-2260C1E2128F}"/>
               </a:ext>
             </a:extLst>
           </p:cNvPr>
@@ -17681,14 +17777,19 @@
             <p:ph type="title"/>
           </p:nvPr>
         </p:nvSpPr>
-        <p:spPr/>
+        <p:spPr>
+          <a:xfrm>
+            <a:off x="562708" y="0"/>
+            <a:ext cx="10484703" cy="1478570"/>
+          </a:xfrm>
+        </p:spPr>
         <p:txBody>
           <a:bodyPr/>
           <a:lstStyle/>
           <a:p>
             <a:r>
               <a:rPr lang="en-US" b="1" dirty="0"/>
-              <a:t>conclusion</a:t>
+              <a:t>Software quality recommendations cont’d</a:t>
             </a:r>
             <a:endParaRPr lang="en-AG" b="1" dirty="0"/>
           </a:p>
@@ -17699,7 +17800,7 @@
           <p:cNvPr id="3" name="Content Placeholder 2">
             <a:extLst>
               <a:ext uri="{FF2B5EF4-FFF2-40B4-BE49-F238E27FC236}">
-                <a16:creationId xmlns:a16="http://schemas.microsoft.com/office/drawing/2014/main" id="{6C914028-E4ED-48DA-B760-D845A9CDD037}"/>
+                <a16:creationId xmlns:a16="http://schemas.microsoft.com/office/drawing/2014/main" id="{E99F5A44-6FC7-43FA-BA9A-E85E12D9A94C}"/>
               </a:ext>
             </a:extLst>
           </p:cNvPr>
@@ -17710,29 +17811,47 @@
             <p:ph idx="1"/>
           </p:nvPr>
         </p:nvSpPr>
-        <p:spPr/>
-        <p:txBody>
-          <a:bodyPr>
-            <a:normAutofit/>
-          </a:bodyPr>
+        <p:spPr>
+          <a:xfrm>
+            <a:off x="1141412" y="1478570"/>
+            <a:ext cx="9905999" cy="5062907"/>
+          </a:xfrm>
+        </p:spPr>
+        <p:txBody>
+          <a:bodyPr/>
           <a:lstStyle/>
           <a:p>
             <a:r>
-              <a:rPr lang="en-029" dirty="0"/>
-              <a:t>Upon completion of this project, our team was able to provide a functioning web application that could be used by Accident &amp; Emergency attendees. Our flexible design would allow any attendee to use our application with any type device sufficiently. </a:t>
-            </a:r>
-            <a:endParaRPr lang="en-029" dirty="0" smtClean="0"/>
-          </a:p>
-          <a:p>
-            <a:r>
-              <a:rPr lang="en-029" dirty="0" smtClean="0"/>
-              <a:t>No </a:t>
-            </a:r>
-            <a:r>
-              <a:rPr lang="en-029" dirty="0"/>
-              <a:t>longer will attendees entering the Accident &amp; Emergency department be left in the dark. Now there is simple program that can guide them from the moment of entry up to their temporary stay at ServeYou Hospital. </a:t>
-            </a:r>
-            <a:endParaRPr lang="en-GB" dirty="0"/>
+              <a:rPr lang="en-US" dirty="0"/>
+              <a:t>The 1</a:t>
+            </a:r>
+            <a:r>
+              <a:rPr lang="en-US" baseline="30000" dirty="0"/>
+              <a:t>st</a:t>
+            </a:r>
+            <a:r>
+              <a:rPr lang="en-US" dirty="0"/>
+              <a:t> SQM is the quality assurance process. This process creates a plan which details the quality requirements and specific techniques that will be used to achieve them such as cost and resource management, scheduling and overall management.</a:t>
+            </a:r>
+          </a:p>
+          <a:p>
+            <a:r>
+              <a:rPr lang="en-US" dirty="0"/>
+              <a:t>The 2</a:t>
+            </a:r>
+            <a:r>
+              <a:rPr lang="en-US" baseline="30000" dirty="0"/>
+              <a:t>nd</a:t>
+            </a:r>
+            <a:r>
+              <a:rPr lang="en-US" dirty="0"/>
+              <a:t> SQM is Verification and Validation (V&amp;V). These include activities which address the software product quality directly and uses testing techniques to flush out any defects that need to be addressed. </a:t>
+            </a:r>
+            <a:r>
+              <a:rPr lang="en-GB" dirty="0"/>
+              <a:t>They are methods to ensure the software product meets the requirements created (verification) and checks to see whether the product built to match these requirements actually fulfils its intended purpose (validation). </a:t>
+            </a:r>
+            <a:endParaRPr lang="en-US" dirty="0"/>
           </a:p>
           <a:p>
             <a:endParaRPr lang="en-AG" dirty="0"/>
@@ -17742,20 +17861,13 @@
     </p:spTree>
     <p:extLst>
       <p:ext uri="{BB962C8B-B14F-4D97-AF65-F5344CB8AC3E}">
-        <p14:creationId xmlns:p14="http://schemas.microsoft.com/office/powerpoint/2010/main" val="3435500814"/>
+        <p14:creationId xmlns:p14="http://schemas.microsoft.com/office/powerpoint/2010/main" val="695502553"/>
       </p:ext>
     </p:extLst>
   </p:cSld>
   <p:clrMapOvr>
     <a:masterClrMapping/>
   </p:clrMapOvr>
-  <p:timing>
-    <p:tnLst>
-      <p:par>
-        <p:cTn id="1" dur="indefinite" restart="never" nodeType="tmRoot"/>
-      </p:par>
-    </p:tnLst>
-  </p:timing>
 </p:sld>
 </file>
 
@@ -17781,7 +17893,7 @@
           <p:cNvPr id="2" name="Title 1">
             <a:extLst>
               <a:ext uri="{FF2B5EF4-FFF2-40B4-BE49-F238E27FC236}">
-                <a16:creationId xmlns:a16="http://schemas.microsoft.com/office/drawing/2014/main" id="{5A1EB668-A371-4651-B47E-567E1803E36C}"/>
+                <a16:creationId xmlns:a16="http://schemas.microsoft.com/office/drawing/2014/main" id="{E729E739-738A-410B-A2DD-2260C1E2128F}"/>
               </a:ext>
             </a:extLst>
           </p:cNvPr>
@@ -17792,14 +17904,19 @@
             <p:ph type="title"/>
           </p:nvPr>
         </p:nvSpPr>
-        <p:spPr/>
+        <p:spPr>
+          <a:xfrm>
+            <a:off x="562708" y="0"/>
+            <a:ext cx="10484703" cy="1478570"/>
+          </a:xfrm>
+        </p:spPr>
         <p:txBody>
           <a:bodyPr/>
           <a:lstStyle/>
           <a:p>
             <a:r>
-              <a:rPr lang="en-US" b="1" dirty="0" smtClean="0"/>
-              <a:t>Conclusion CONT’D</a:t>
+              <a:rPr lang="en-US" b="1" dirty="0"/>
+              <a:t>Software quality recommendations cont’d</a:t>
             </a:r>
             <a:endParaRPr lang="en-AG" b="1" dirty="0"/>
           </a:p>
@@ -17810,7 +17927,7 @@
           <p:cNvPr id="3" name="Content Placeholder 2">
             <a:extLst>
               <a:ext uri="{FF2B5EF4-FFF2-40B4-BE49-F238E27FC236}">
-                <a16:creationId xmlns:a16="http://schemas.microsoft.com/office/drawing/2014/main" id="{6C914028-E4ED-48DA-B760-D845A9CDD037}"/>
+                <a16:creationId xmlns:a16="http://schemas.microsoft.com/office/drawing/2014/main" id="{E99F5A44-6FC7-43FA-BA9A-E85E12D9A94C}"/>
               </a:ext>
             </a:extLst>
           </p:cNvPr>
@@ -17821,43 +17938,33 @@
             <p:ph idx="1"/>
           </p:nvPr>
         </p:nvSpPr>
-        <p:spPr/>
-        <p:txBody>
-          <a:bodyPr>
-            <a:normAutofit/>
-          </a:bodyPr>
+        <p:spPr>
+          <a:xfrm>
+            <a:off x="1141412" y="1478570"/>
+            <a:ext cx="9905999" cy="5062907"/>
+          </a:xfrm>
+        </p:spPr>
+        <p:txBody>
+          <a:bodyPr/>
           <a:lstStyle/>
           <a:p>
             <a:r>
-              <a:rPr lang="en-029" dirty="0"/>
-              <a:t>Having used the Rapid Application Development Model, we were able to design and build a functioning application in reasonable time with minimum faults. It is because of the repetitive upgrade to the prototype in each stage that our program increased closer and closer towards perfection, allowing for easier testing with each cycle. </a:t>
-            </a:r>
-            <a:endParaRPr lang="en-029" dirty="0" smtClean="0"/>
-          </a:p>
-          <a:p>
-            <a:r>
-              <a:rPr lang="en-029" dirty="0" smtClean="0"/>
-              <a:t>Our </a:t>
-            </a:r>
-            <a:r>
-              <a:rPr lang="en-029" dirty="0"/>
-              <a:t>focus </a:t>
-            </a:r>
-            <a:r>
-              <a:rPr lang="en-029" dirty="0" smtClean="0"/>
-              <a:t>was more </a:t>
-            </a:r>
-            <a:r>
-              <a:rPr lang="en-029" dirty="0"/>
-              <a:t>on </a:t>
-            </a:r>
-            <a:r>
-              <a:rPr lang="en-029" dirty="0" smtClean="0"/>
-              <a:t>functionality than imagery &amp; style</a:t>
-            </a:r>
-            <a:r>
-              <a:rPr lang="en-029" dirty="0"/>
-              <a:t>. </a:t>
+              <a:rPr lang="en-US" dirty="0"/>
+              <a:t>Improved Reviews and Audits  would also improve the software quality approach for the organization. Reviews would determine the adequacy of plans and help keep track of progress. Audits carried out by 3</a:t>
+            </a:r>
+            <a:r>
+              <a:rPr lang="en-US" baseline="30000" dirty="0"/>
+              <a:t>rd</a:t>
+            </a:r>
+            <a:r>
+              <a:rPr lang="en-US" dirty="0"/>
+              <a:t> parties would give an unbiased look at new builds to check non-conformance levels and produce reports detailing corrective action.</a:t>
+            </a:r>
+          </a:p>
+          <a:p>
+            <a:r>
+              <a:rPr lang="en-US" dirty="0"/>
+              <a:t>Lastly the organization can improve their approach to software quality by developing a healthy culture which encourages a commitment to quality. If engineers and developers have a focus on quality as they develop, the end product will meet a greater standard. Therefore the developers should follow the code of ethics and professional practice created regulatory bodies such as the IEEE.</a:t>
             </a:r>
             <a:endParaRPr lang="en-AG" dirty="0"/>
           </a:p>
@@ -17866,7 +17973,7 @@
     </p:spTree>
     <p:extLst>
       <p:ext uri="{BB962C8B-B14F-4D97-AF65-F5344CB8AC3E}">
-        <p14:creationId xmlns:p14="http://schemas.microsoft.com/office/powerpoint/2010/main" val="3089076067"/>
+        <p14:creationId xmlns:p14="http://schemas.microsoft.com/office/powerpoint/2010/main" val="2305471762"/>
       </p:ext>
     </p:extLst>
   </p:cSld>
@@ -17922,8 +18029,8 @@
           <a:lstStyle/>
           <a:p>
             <a:r>
-              <a:rPr lang="en-US" b="1" dirty="0" smtClean="0"/>
-              <a:t>Conclusion CONT’D</a:t>
+              <a:rPr lang="en-US" b="1" dirty="0"/>
+              <a:t>conclusion</a:t>
             </a:r>
             <a:endParaRPr lang="en-AG" b="1" dirty="0"/>
           </a:p>
@@ -17954,27 +18061,30 @@
           <a:p>
             <a:r>
               <a:rPr lang="en-029" dirty="0"/>
-              <a:t>Maintenance is just as important as Design and Implementation. We offered our perspective on the best path and importance of adaptive maintenance. It would be pivotal to be able to continual update and maintain a program of this importance. </a:t>
+              <a:t>Upon completion of this project, our team was able to provide a functioning web application that could be used by Accident &amp; Emergency attendees. Our flexible design would allow any attendee to use our application with any type device sufficiently. </a:t>
             </a:r>
             <a:endParaRPr lang="en-029" dirty="0" smtClean="0"/>
           </a:p>
           <a:p>
             <a:r>
               <a:rPr lang="en-029" dirty="0" smtClean="0"/>
-              <a:t>The </a:t>
+              <a:t>No </a:t>
             </a:r>
             <a:r>
               <a:rPr lang="en-029" dirty="0"/>
-              <a:t>medical industry is always updating and improving, which requires that doctors and nurses continue to educate and keep themselves update. Shouldn’t this also apply to our application? </a:t>
+              <a:t>longer will attendees entering the Accident &amp; Emergency department be left in the dark. Now there is simple program that can guide them from the moment of entry up to their temporary stay at ServeYou Hospital. </a:t>
             </a:r>
             <a:endParaRPr lang="en-GB" dirty="0"/>
+          </a:p>
+          <a:p>
+            <a:endParaRPr lang="en-AG" dirty="0"/>
           </a:p>
         </p:txBody>
       </p:sp>
     </p:spTree>
     <p:extLst>
       <p:ext uri="{BB962C8B-B14F-4D97-AF65-F5344CB8AC3E}">
-        <p14:creationId xmlns:p14="http://schemas.microsoft.com/office/powerpoint/2010/main" val="3229762359"/>
+        <p14:creationId xmlns:p14="http://schemas.microsoft.com/office/powerpoint/2010/main" val="3435500814"/>
       </p:ext>
     </p:extLst>
   </p:cSld>
@@ -18056,33 +18166,49 @@
         <p:spPr/>
         <p:txBody>
           <a:bodyPr>
-            <a:normAutofit fontScale="92500"/>
+            <a:normAutofit/>
           </a:bodyPr>
           <a:lstStyle/>
           <a:p>
             <a:r>
               <a:rPr lang="en-029" dirty="0"/>
-              <a:t>We also looked at the perspective of another organization and used our research and experience to better advise them on their software quality approaches. Learning from experience is key, but it is also just as important to learn from others’ experience so as not to follow along the same incorrect path. </a:t>
+              <a:t>Having used the Rapid Application Development Model, we were able to design and build a functioning application in reasonable time with minimum faults. It is because of the repetitive upgrade to the prototype in each stage that our program increased closer and closer towards perfection, allowing for easier testing with each cycle. </a:t>
             </a:r>
             <a:endParaRPr lang="en-029" dirty="0" smtClean="0"/>
           </a:p>
           <a:p>
             <a:r>
               <a:rPr lang="en-029" dirty="0" smtClean="0"/>
-              <a:t>This </a:t>
+              <a:t>Our </a:t>
             </a:r>
             <a:r>
               <a:rPr lang="en-029" dirty="0"/>
-              <a:t>kind of questioning allowed us to view our own product from a third person perspective which allowed us to not only see our program as a potential user but a potential investor. If we were investors, how would we want our clients to maintain their product?</a:t>
-            </a:r>
-            <a:endParaRPr lang="en-GB" dirty="0"/>
+              <a:t>focus </a:t>
+            </a:r>
+            <a:r>
+              <a:rPr lang="en-029" dirty="0" smtClean="0"/>
+              <a:t>was more </a:t>
+            </a:r>
+            <a:r>
+              <a:rPr lang="en-029" dirty="0"/>
+              <a:t>on </a:t>
+            </a:r>
+            <a:r>
+              <a:rPr lang="en-029" dirty="0" smtClean="0"/>
+              <a:t>functionality than imagery &amp; style</a:t>
+            </a:r>
+            <a:r>
+              <a:rPr lang="en-029" dirty="0"/>
+              <a:t>. </a:t>
+            </a:r>
+            <a:endParaRPr lang="en-AG" dirty="0"/>
           </a:p>
         </p:txBody>
       </p:sp>
     </p:spTree>
     <p:extLst>
       <p:ext uri="{BB962C8B-B14F-4D97-AF65-F5344CB8AC3E}">
-        <p14:creationId xmlns:p14="http://schemas.microsoft.com/office/powerpoint/2010/main" val="965578710"/>
+        <p14:creationId xmlns:p14="http://schemas.microsoft.com/office/powerpoint/2010/main" val="3089076067"/>
       </p:ext>
     </p:extLst>
   </p:cSld>
@@ -18164,52 +18290,33 @@
         <p:spPr/>
         <p:txBody>
           <a:bodyPr>
-            <a:normAutofit lnSpcReduction="10000"/>
+            <a:normAutofit/>
           </a:bodyPr>
           <a:lstStyle/>
           <a:p>
             <a:r>
+              <a:rPr lang="en-029" dirty="0"/>
+              <a:t>Maintenance is just as important as Design and Implementation. We offered our perspective on the best path and importance of adaptive maintenance. It would be pivotal to be able to continual update and maintain a program of this importance. </a:t>
+            </a:r>
+            <a:endParaRPr lang="en-029" dirty="0" smtClean="0"/>
+          </a:p>
+          <a:p>
+            <a:r>
               <a:rPr lang="en-029" dirty="0" smtClean="0"/>
-              <a:t>Our </a:t>
+              <a:t>The </a:t>
             </a:r>
             <a:r>
               <a:rPr lang="en-029" dirty="0"/>
-              <a:t>rigorous testing of each unit, functionality and the complete system can give our future users confidence that they will be using a simple, user-friendly, robust web application. </a:t>
-            </a:r>
-            <a:endParaRPr lang="en-029" dirty="0" smtClean="0"/>
-          </a:p>
-          <a:p>
-            <a:r>
-              <a:rPr lang="en-029" dirty="0" smtClean="0"/>
-              <a:t>Although </a:t>
-            </a:r>
-            <a:r>
-              <a:rPr lang="en-029" b="1" dirty="0"/>
-              <a:t>Unit testing </a:t>
-            </a:r>
-            <a:r>
-              <a:rPr lang="en-029" dirty="0"/>
-              <a:t>was the most numerous, it was arguably the </a:t>
-            </a:r>
-            <a:r>
-              <a:rPr lang="en-029" dirty="0" smtClean="0"/>
-              <a:t>most important</a:t>
-            </a:r>
-            <a:r>
-              <a:rPr lang="en-029" dirty="0"/>
-              <a:t>. If the unit fails then the function fails. If the function fails then the system fail. If the system fails then we fail. We took the most important unit functions and rigorously tested them with a fine toothed comb until they were working flawlessly</a:t>
-            </a:r>
-            <a:r>
-              <a:rPr lang="en-029" dirty="0" smtClean="0"/>
-              <a:t>.</a:t>
-            </a:r>
+              <a:t>medical industry is always updating and improving, which requires that doctors and nurses continue to educate and keep themselves update. Shouldn’t this also apply to our application? </a:t>
+            </a:r>
+            <a:endParaRPr lang="en-GB" dirty="0"/>
           </a:p>
         </p:txBody>
       </p:sp>
     </p:spTree>
     <p:extLst>
       <p:ext uri="{BB962C8B-B14F-4D97-AF65-F5344CB8AC3E}">
-        <p14:creationId xmlns:p14="http://schemas.microsoft.com/office/powerpoint/2010/main" val="3717028354"/>
+        <p14:creationId xmlns:p14="http://schemas.microsoft.com/office/powerpoint/2010/main" val="3229762359"/>
       </p:ext>
     </p:extLst>
   </p:cSld>
@@ -18248,7 +18355,7 @@
           <p:cNvPr id="2" name="Title 1">
             <a:extLst>
               <a:ext uri="{FF2B5EF4-FFF2-40B4-BE49-F238E27FC236}">
-                <a16:creationId xmlns:a16="http://schemas.microsoft.com/office/drawing/2014/main" id="{C0FE1455-275F-4991-8CA8-03B2A744C941}"/>
+                <a16:creationId xmlns:a16="http://schemas.microsoft.com/office/drawing/2014/main" id="{8F9146A7-DDE7-4E78-9AC9-91D04D071F01}"/>
               </a:ext>
             </a:extLst>
           </p:cNvPr>
@@ -18261,17 +18368,19 @@
         </p:nvSpPr>
         <p:spPr>
           <a:xfrm>
-            <a:off x="1141413" y="0"/>
-            <a:ext cx="9905998" cy="1478570"/>
+            <a:off x="1097280" y="286603"/>
+            <a:ext cx="10058400" cy="885705"/>
           </a:xfrm>
         </p:spPr>
         <p:txBody>
-          <a:bodyPr/>
+          <a:bodyPr>
+            <a:normAutofit/>
+          </a:bodyPr>
           <a:lstStyle/>
           <a:p>
             <a:r>
-              <a:rPr lang="en-US" b="1" dirty="0"/>
-              <a:t>Unit testing Cases</a:t>
+              <a:rPr lang="en-US" b="1" smtClean="0"/>
+              <a:t>Introduction CONT’DW</a:t>
             </a:r>
             <a:endParaRPr lang="en-AG" b="1" dirty="0"/>
           </a:p>
@@ -18282,7 +18391,7 @@
           <p:cNvPr id="3" name="Content Placeholder 2">
             <a:extLst>
               <a:ext uri="{FF2B5EF4-FFF2-40B4-BE49-F238E27FC236}">
-                <a16:creationId xmlns:a16="http://schemas.microsoft.com/office/drawing/2014/main" id="{82DD6939-EFDC-4BC4-A07A-4EEF62D7EAFD}"/>
+                <a16:creationId xmlns:a16="http://schemas.microsoft.com/office/drawing/2014/main" id="{605F46F7-3530-43DC-BE29-7F986283E4D0}"/>
               </a:ext>
             </a:extLst>
           </p:cNvPr>
@@ -18295,8 +18404,8 @@
         </p:nvSpPr>
         <p:spPr>
           <a:xfrm>
-            <a:off x="1141412" y="1219200"/>
-            <a:ext cx="9905999" cy="5322277"/>
+            <a:off x="1097280" y="1236134"/>
+            <a:ext cx="10058400" cy="5070881"/>
           </a:xfrm>
         </p:spPr>
         <p:txBody>
@@ -18304,69 +18413,34 @@
           <a:lstStyle/>
           <a:p>
             <a:r>
-              <a:rPr lang="en-US" b="1" dirty="0"/>
-              <a:t>Test Scenario 1</a:t>
-            </a:r>
-          </a:p>
-          <a:p>
-            <a:r>
-              <a:rPr lang="en-US" dirty="0"/>
-              <a:t>These series of tests were used to test the unit function that stores the Guest and Child Name of a Guest User. Both ECP and BVA were test various data lengths entered into text boxes</a:t>
-            </a:r>
-            <a:r>
-              <a:rPr lang="en-US" dirty="0" smtClean="0"/>
-              <a:t>.</a:t>
-            </a:r>
-            <a:endParaRPr lang="en-US" dirty="0"/>
-          </a:p>
-          <a:p>
-            <a:pPr lvl="1"/>
-            <a:r>
-              <a:rPr lang="en-US" dirty="0"/>
-              <a:t>Scenario 1-1 was to confirm the unit function would store strings as long as one character. The function executed successfully with </a:t>
-            </a:r>
-            <a:r>
-              <a:rPr lang="en-US" dirty="0" smtClean="0"/>
-              <a:t>strings </a:t>
-            </a:r>
-            <a:r>
-              <a:rPr lang="en-US" dirty="0"/>
-              <a:t>that were 3-4 characters in length.</a:t>
-            </a:r>
-          </a:p>
-          <a:p>
-            <a:pPr lvl="1"/>
-            <a:r>
-              <a:rPr lang="en-US" dirty="0"/>
-              <a:t> Scenario 1-2 was to confirm if the unit function would not allow empty fields. The function refused to accept empty fields, prompting the user to enter values.</a:t>
-            </a:r>
-          </a:p>
-          <a:p>
-            <a:pPr lvl="1"/>
-            <a:r>
-              <a:rPr lang="en-US" dirty="0"/>
-              <a:t>Scenario 1-3 was to confirm a valid amount for both fields. The minimum and maximum values for both fields is 1 and 20 respectively. Both fields were filled with 10 characters which were accepted.</a:t>
-            </a:r>
+              <a:rPr lang="en-029" dirty="0"/>
+              <a:t>One of the main areas our team focussed on was the quality of the application, and thus thorough testing played a large role in the development process. We utilised unit, integration and alpha testing to test the application as thoroughly as possible in order to detect faults which were rectified in the next software build. </a:t>
+            </a:r>
+            <a:endParaRPr lang="en-GB" dirty="0"/>
+          </a:p>
+          <a:p>
+            <a:r>
+              <a:rPr lang="en-029" dirty="0" smtClean="0"/>
+              <a:t>In </a:t>
+            </a:r>
+            <a:r>
+              <a:rPr lang="en-029" dirty="0"/>
+              <a:t>summation, given the importance of healthcare and its requirement for excellence we were tasked with this project and have done everything in our power to ensure it functions as it is supposed to and meets the needs of the patients.</a:t>
+            </a:r>
+            <a:endParaRPr lang="en-AG" dirty="0"/>
           </a:p>
         </p:txBody>
       </p:sp>
     </p:spTree>
     <p:extLst>
       <p:ext uri="{BB962C8B-B14F-4D97-AF65-F5344CB8AC3E}">
-        <p14:creationId xmlns:p14="http://schemas.microsoft.com/office/powerpoint/2010/main" val="1613446803"/>
+        <p14:creationId xmlns:p14="http://schemas.microsoft.com/office/powerpoint/2010/main" val="1921496512"/>
       </p:ext>
     </p:extLst>
   </p:cSld>
   <p:clrMapOvr>
     <a:masterClrMapping/>
   </p:clrMapOvr>
-  <p:timing>
-    <p:tnLst>
-      <p:par>
-        <p:cTn id="1" dur="indefinite" restart="never" nodeType="tmRoot"/>
-      </p:par>
-    </p:tnLst>
-  </p:timing>
 </p:sld>
 </file>
 
@@ -18435,36 +18509,24 @@
         <p:spPr/>
         <p:txBody>
           <a:bodyPr>
-            <a:normAutofit lnSpcReduction="10000"/>
+            <a:normAutofit fontScale="92500"/>
           </a:bodyPr>
           <a:lstStyle/>
           <a:p>
             <a:r>
-              <a:rPr lang="en-029" b="1" dirty="0"/>
-              <a:t>Integration testing </a:t>
-            </a:r>
-            <a:r>
               <a:rPr lang="en-029" dirty="0"/>
-              <a:t>was important since working random functions can only take us so far. From here, we were able to integrate the associative units together to result in a working function. We needed to be sure that these units would work well with each other and provide the functionality that was requested. </a:t>
+              <a:t>We also looked at the perspective of another organization and used our research and experience to better advise them on their software quality approaches. Learning from experience is key, but it is also just as important to learn from others’ experience so as not to follow along the same incorrect path. </a:t>
             </a:r>
             <a:endParaRPr lang="en-029" dirty="0" smtClean="0"/>
           </a:p>
           <a:p>
             <a:r>
               <a:rPr lang="en-029" dirty="0" smtClean="0"/>
-              <a:t>Our </a:t>
+              <a:t>This </a:t>
             </a:r>
             <a:r>
               <a:rPr lang="en-029" dirty="0"/>
-              <a:t>guided </a:t>
-            </a:r>
-            <a:r>
-              <a:rPr lang="en-029" b="1" dirty="0"/>
-              <a:t>Alpha testing </a:t>
-            </a:r>
-            <a:r>
-              <a:rPr lang="en-029" dirty="0"/>
-              <a:t>allowed us to observe how the entire program would function while implementing the instructions outlined in the Alpha testing directions in the assignment. </a:t>
+              <a:t>kind of questioning allowed us to view our own product from a third person perspective which allowed us to not only see our program as a potential user but a potential investor. If we were investors, how would we want our clients to maintain their product?</a:t>
             </a:r>
             <a:endParaRPr lang="en-GB" dirty="0"/>
           </a:p>
@@ -18473,7 +18535,7 @@
     </p:spTree>
     <p:extLst>
       <p:ext uri="{BB962C8B-B14F-4D97-AF65-F5344CB8AC3E}">
-        <p14:creationId xmlns:p14="http://schemas.microsoft.com/office/powerpoint/2010/main" val="730519996"/>
+        <p14:creationId xmlns:p14="http://schemas.microsoft.com/office/powerpoint/2010/main" val="965578710"/>
       </p:ext>
     </p:extLst>
   </p:cSld>
@@ -18555,23 +18617,266 @@
         <p:spPr/>
         <p:txBody>
           <a:bodyPr>
+            <a:normAutofit lnSpcReduction="10000"/>
+          </a:bodyPr>
+          <a:lstStyle/>
+          <a:p>
+            <a:r>
+              <a:rPr lang="en-029" dirty="0" smtClean="0"/>
+              <a:t>Our </a:t>
+            </a:r>
+            <a:r>
+              <a:rPr lang="en-029" dirty="0"/>
+              <a:t>rigorous testing of each unit, functionality and the complete system can give our future users confidence that they will be using a simple, user-friendly, robust web application. </a:t>
+            </a:r>
+            <a:endParaRPr lang="en-029" dirty="0" smtClean="0"/>
+          </a:p>
+          <a:p>
+            <a:r>
+              <a:rPr lang="en-029" dirty="0" smtClean="0"/>
+              <a:t>Although </a:t>
+            </a:r>
+            <a:r>
+              <a:rPr lang="en-029" b="1" dirty="0"/>
+              <a:t>Unit testing </a:t>
+            </a:r>
+            <a:r>
+              <a:rPr lang="en-029" dirty="0"/>
+              <a:t>was the most numerous, it was arguably the </a:t>
+            </a:r>
+            <a:r>
+              <a:rPr lang="en-029" dirty="0" smtClean="0"/>
+              <a:t>most important</a:t>
+            </a:r>
+            <a:r>
+              <a:rPr lang="en-029" dirty="0"/>
+              <a:t>. If the unit fails then the function fails. If the function fails then the system fail. If the system fails then we fail. We took the most important unit functions and rigorously tested them with a fine toothed comb until they were working flawlessly</a:t>
+            </a:r>
+            <a:r>
+              <a:rPr lang="en-029" dirty="0" smtClean="0"/>
+              <a:t>.</a:t>
+            </a:r>
+          </a:p>
+        </p:txBody>
+      </p:sp>
+    </p:spTree>
+    <p:extLst>
+      <p:ext uri="{BB962C8B-B14F-4D97-AF65-F5344CB8AC3E}">
+        <p14:creationId xmlns:p14="http://schemas.microsoft.com/office/powerpoint/2010/main" val="3717028354"/>
+      </p:ext>
+    </p:extLst>
+  </p:cSld>
+  <p:clrMapOvr>
+    <a:masterClrMapping/>
+  </p:clrMapOvr>
+  <p:timing>
+    <p:tnLst>
+      <p:par>
+        <p:cTn id="1" dur="indefinite" restart="never" nodeType="tmRoot"/>
+      </p:par>
+    </p:tnLst>
+  </p:timing>
+</p:sld>
+</file>
+
+<file path=ppt/slides/slide52.xml><?xml version="1.0" encoding="utf-8"?>
+<p:sld xmlns:a="http://schemas.openxmlformats.org/drawingml/2006/main" xmlns:r="http://schemas.openxmlformats.org/officeDocument/2006/relationships" xmlns:p="http://schemas.openxmlformats.org/presentationml/2006/main">
+  <p:cSld>
+    <p:spTree>
+      <p:nvGrpSpPr>
+        <p:cNvPr id="1" name=""/>
+        <p:cNvGrpSpPr/>
+        <p:nvPr/>
+      </p:nvGrpSpPr>
+      <p:grpSpPr>
+        <a:xfrm>
+          <a:off x="0" y="0"/>
+          <a:ext cx="0" cy="0"/>
+          <a:chOff x="0" y="0"/>
+          <a:chExt cx="0" cy="0"/>
+        </a:xfrm>
+      </p:grpSpPr>
+      <p:sp>
+        <p:nvSpPr>
+          <p:cNvPr id="2" name="Title 1">
+            <a:extLst>
+              <a:ext uri="{FF2B5EF4-FFF2-40B4-BE49-F238E27FC236}">
+                <a16:creationId xmlns:a16="http://schemas.microsoft.com/office/drawing/2014/main" id="{5A1EB668-A371-4651-B47E-567E1803E36C}"/>
+              </a:ext>
+            </a:extLst>
+          </p:cNvPr>
+          <p:cNvSpPr>
+            <a:spLocks noGrp="1"/>
+          </p:cNvSpPr>
+          <p:nvPr>
+            <p:ph type="title"/>
+          </p:nvPr>
+        </p:nvSpPr>
+        <p:spPr/>
+        <p:txBody>
+          <a:bodyPr/>
+          <a:lstStyle/>
+          <a:p>
+            <a:r>
+              <a:rPr lang="en-US" b="1" dirty="0" smtClean="0"/>
+              <a:t>Conclusion CONT’D</a:t>
+            </a:r>
+            <a:endParaRPr lang="en-AG" b="1" dirty="0"/>
+          </a:p>
+        </p:txBody>
+      </p:sp>
+      <p:sp>
+        <p:nvSpPr>
+          <p:cNvPr id="3" name="Content Placeholder 2">
+            <a:extLst>
+              <a:ext uri="{FF2B5EF4-FFF2-40B4-BE49-F238E27FC236}">
+                <a16:creationId xmlns:a16="http://schemas.microsoft.com/office/drawing/2014/main" id="{6C914028-E4ED-48DA-B760-D845A9CDD037}"/>
+              </a:ext>
+            </a:extLst>
+          </p:cNvPr>
+          <p:cNvSpPr>
+            <a:spLocks noGrp="1"/>
+          </p:cNvSpPr>
+          <p:nvPr>
+            <p:ph idx="1"/>
+          </p:nvPr>
+        </p:nvSpPr>
+        <p:spPr/>
+        <p:txBody>
+          <a:bodyPr>
+            <a:normAutofit lnSpcReduction="10000"/>
+          </a:bodyPr>
+          <a:lstStyle/>
+          <a:p>
+            <a:r>
+              <a:rPr lang="en-029" b="1" dirty="0"/>
+              <a:t>Integration testing </a:t>
+            </a:r>
+            <a:r>
+              <a:rPr lang="en-029" dirty="0"/>
+              <a:t>was important since working random functions can only take us so far. From here, we were able to integrate the associative units together to result in a working function. We needed to be sure that these units would work well with each other and provide the functionality that was requested. </a:t>
+            </a:r>
+            <a:endParaRPr lang="en-029" dirty="0" smtClean="0"/>
+          </a:p>
+          <a:p>
+            <a:r>
+              <a:rPr lang="en-029" dirty="0" smtClean="0"/>
+              <a:t>Our </a:t>
+            </a:r>
+            <a:r>
+              <a:rPr lang="en-029" dirty="0"/>
+              <a:t>guided </a:t>
+            </a:r>
+            <a:r>
+              <a:rPr lang="en-029" b="1" dirty="0"/>
+              <a:t>Alpha testing </a:t>
+            </a:r>
+            <a:r>
+              <a:rPr lang="en-029" dirty="0"/>
+              <a:t>allowed us to observe how the entire program would function while implementing the instructions outlined in the Alpha testing directions in the assignment. </a:t>
+            </a:r>
+            <a:endParaRPr lang="en-GB" dirty="0"/>
+          </a:p>
+        </p:txBody>
+      </p:sp>
+    </p:spTree>
+    <p:extLst>
+      <p:ext uri="{BB962C8B-B14F-4D97-AF65-F5344CB8AC3E}">
+        <p14:creationId xmlns:p14="http://schemas.microsoft.com/office/powerpoint/2010/main" val="730519996"/>
+      </p:ext>
+    </p:extLst>
+  </p:cSld>
+  <p:clrMapOvr>
+    <a:masterClrMapping/>
+  </p:clrMapOvr>
+  <p:timing>
+    <p:tnLst>
+      <p:par>
+        <p:cTn id="1" dur="indefinite" restart="never" nodeType="tmRoot"/>
+      </p:par>
+    </p:tnLst>
+  </p:timing>
+</p:sld>
+</file>
+
+<file path=ppt/slides/slide53.xml><?xml version="1.0" encoding="utf-8"?>
+<p:sld xmlns:a="http://schemas.openxmlformats.org/drawingml/2006/main" xmlns:r="http://schemas.openxmlformats.org/officeDocument/2006/relationships" xmlns:p="http://schemas.openxmlformats.org/presentationml/2006/main">
+  <p:cSld>
+    <p:spTree>
+      <p:nvGrpSpPr>
+        <p:cNvPr id="1" name=""/>
+        <p:cNvGrpSpPr/>
+        <p:nvPr/>
+      </p:nvGrpSpPr>
+      <p:grpSpPr>
+        <a:xfrm>
+          <a:off x="0" y="0"/>
+          <a:ext cx="0" cy="0"/>
+          <a:chOff x="0" y="0"/>
+          <a:chExt cx="0" cy="0"/>
+        </a:xfrm>
+      </p:grpSpPr>
+      <p:sp>
+        <p:nvSpPr>
+          <p:cNvPr id="2" name="Title 1">
+            <a:extLst>
+              <a:ext uri="{FF2B5EF4-FFF2-40B4-BE49-F238E27FC236}">
+                <a16:creationId xmlns:a16="http://schemas.microsoft.com/office/drawing/2014/main" id="{5A1EB668-A371-4651-B47E-567E1803E36C}"/>
+              </a:ext>
+            </a:extLst>
+          </p:cNvPr>
+          <p:cNvSpPr>
+            <a:spLocks noGrp="1"/>
+          </p:cNvSpPr>
+          <p:nvPr>
+            <p:ph type="title"/>
+          </p:nvPr>
+        </p:nvSpPr>
+        <p:spPr/>
+        <p:txBody>
+          <a:bodyPr/>
+          <a:lstStyle/>
+          <a:p>
+            <a:r>
+              <a:rPr lang="en-US" b="1" dirty="0" smtClean="0"/>
+              <a:t>Conclusion CONT’D</a:t>
+            </a:r>
+            <a:endParaRPr lang="en-AG" b="1" dirty="0"/>
+          </a:p>
+        </p:txBody>
+      </p:sp>
+      <p:sp>
+        <p:nvSpPr>
+          <p:cNvPr id="3" name="Content Placeholder 2">
+            <a:extLst>
+              <a:ext uri="{FF2B5EF4-FFF2-40B4-BE49-F238E27FC236}">
+                <a16:creationId xmlns:a16="http://schemas.microsoft.com/office/drawing/2014/main" id="{6C914028-E4ED-48DA-B760-D845A9CDD037}"/>
+              </a:ext>
+            </a:extLst>
+          </p:cNvPr>
+          <p:cNvSpPr>
+            <a:spLocks noGrp="1"/>
+          </p:cNvSpPr>
+          <p:nvPr>
+            <p:ph idx="1"/>
+          </p:nvPr>
+        </p:nvSpPr>
+        <p:spPr/>
+        <p:txBody>
+          <a:bodyPr>
             <a:normAutofit/>
           </a:bodyPr>
           <a:lstStyle/>
           <a:p>
             <a:r>
               <a:rPr lang="en-029" dirty="0"/>
-              <a:t>In conclusion, this experience this experience has allowed us to see software development from a better perspective. Having been involved in the design, implementation, testing and observing maintenance of our program, we were able to see the importance of each stage</a:t>
-            </a:r>
-            <a:r>
-              <a:rPr lang="en-029"/>
-              <a:t>. </a:t>
-            </a:r>
-            <a:endParaRPr lang="en-029" smtClean="0"/>
-          </a:p>
-          <a:p>
-            <a:r>
-              <a:rPr lang="en-029" smtClean="0"/>
+              <a:t>In conclusion, this experience this experience has allowed us to see software development from a better perspective. Having been involved in the design, implementation, testing and observing maintenance of our program, we were able to see the importance of each stage. </a:t>
+            </a:r>
+            <a:endParaRPr lang="en-029" dirty="0" smtClean="0"/>
+          </a:p>
+          <a:p>
+            <a:r>
+              <a:rPr lang="en-029" dirty="0" smtClean="0"/>
               <a:t>One </a:t>
             </a:r>
             <a:r>
@@ -18624,7 +18929,7 @@
           <p:cNvPr id="2" name="Title 1">
             <a:extLst>
               <a:ext uri="{FF2B5EF4-FFF2-40B4-BE49-F238E27FC236}">
-                <a16:creationId xmlns:a16="http://schemas.microsoft.com/office/drawing/2014/main" id="{7B3113F1-D987-49EB-AA12-15592D4489D6}"/>
+                <a16:creationId xmlns:a16="http://schemas.microsoft.com/office/drawing/2014/main" id="{E00920D7-A8A6-48EB-AE9C-DCDE6E6E93A4}"/>
               </a:ext>
             </a:extLst>
           </p:cNvPr>
@@ -18637,8 +18942,8 @@
         </p:nvSpPr>
         <p:spPr>
           <a:xfrm>
-            <a:off x="1141413" y="0"/>
-            <a:ext cx="9905998" cy="1478570"/>
+            <a:off x="1141413" y="618518"/>
+            <a:ext cx="9905998" cy="741359"/>
           </a:xfrm>
         </p:spPr>
         <p:txBody>
@@ -18647,15 +18952,7 @@
           <a:p>
             <a:r>
               <a:rPr lang="en-US" b="1" dirty="0"/>
-              <a:t>Unit Testing </a:t>
-            </a:r>
-            <a:r>
-              <a:rPr lang="en-US" b="1" dirty="0" smtClean="0"/>
-              <a:t>Cases </a:t>
-            </a:r>
-            <a:r>
-              <a:rPr lang="en-US" b="1" dirty="0"/>
-              <a:t>cont’d</a:t>
+              <a:t>Testing</a:t>
             </a:r>
             <a:endParaRPr lang="en-AG" b="1" dirty="0"/>
           </a:p>
@@ -18666,7 +18963,7 @@
           <p:cNvPr id="3" name="Content Placeholder 2">
             <a:extLst>
               <a:ext uri="{FF2B5EF4-FFF2-40B4-BE49-F238E27FC236}">
-                <a16:creationId xmlns:a16="http://schemas.microsoft.com/office/drawing/2014/main" id="{EB5C3AB9-1754-47DC-BB81-0761F384C88D}"/>
+                <a16:creationId xmlns:a16="http://schemas.microsoft.com/office/drawing/2014/main" id="{E12AD9C3-A634-4841-A919-646E8321103E}"/>
               </a:ext>
             </a:extLst>
           </p:cNvPr>
@@ -18679,39 +18976,17 @@
         </p:nvSpPr>
         <p:spPr>
           <a:xfrm>
-            <a:off x="1141412" y="1478570"/>
-            <a:ext cx="9905999" cy="5203584"/>
+            <a:off x="1141413" y="1405426"/>
+            <a:ext cx="9905999" cy="4834056"/>
           </a:xfrm>
         </p:spPr>
         <p:txBody>
           <a:bodyPr/>
           <a:lstStyle/>
           <a:p>
-            <a:pPr lvl="1"/>
             <a:r>
               <a:rPr lang="en-US" dirty="0"/>
-              <a:t>Scenario 1-4 was to confirm that 1 character was a valid amount for both fields. The function executed successfully.</a:t>
-            </a:r>
-          </a:p>
-          <a:p>
-            <a:pPr lvl="1"/>
-            <a:r>
-              <a:rPr lang="en-US" dirty="0"/>
-              <a:t>Scenario 1- 5 was to confirm that 2 characters was a valid amount for both fields. The function executed successfully.</a:t>
-            </a:r>
-          </a:p>
-          <a:p>
-            <a:pPr lvl="1"/>
-            <a:r>
-              <a:rPr lang="en-US" dirty="0"/>
-              <a:t>Scenario 1- 6 was to confirm that the limit of 20 characters is a valid amount for both fields. The function executed successfully.</a:t>
-            </a:r>
-          </a:p>
-          <a:p>
-            <a:pPr lvl="1"/>
-            <a:r>
-              <a:rPr lang="en-US" dirty="0"/>
-              <a:t>Scenario 1 – 7 was to confirm that 19 characters, just below the limit is a valid amount for both fields. The function  executed successfully.</a:t>
+              <a:t>To fully test the entirety of the application, both frontend and backend, it was decided to test the application on three (3) distinct levels.</a:t>
             </a:r>
           </a:p>
           <a:p>
@@ -18719,20 +18994,45 @@
             <a:endParaRPr lang="en-US" dirty="0"/>
           </a:p>
           <a:p>
-            <a:pPr marL="457200" lvl="1" indent="0">
-              <a:buNone/>
-            </a:pPr>
-            <a:r>
-              <a:rPr lang="en-US" sz="2400" dirty="0"/>
-              <a:t>These test cases had a high adequacy since they were able to satisfy BVA conditions in just five test cases.</a:t>
-            </a:r>
+            <a:pPr lvl="1"/>
+            <a:r>
+              <a:rPr lang="en-US" b="1" dirty="0"/>
+              <a:t>Unit Testing </a:t>
+            </a:r>
+            <a:r>
+              <a:rPr lang="en-US" dirty="0"/>
+              <a:t>using Boundary Value Analysis (BVA) and Equivalence Class Partitioning (ECP) to ensure that software pieces in isolation function properly.</a:t>
+            </a:r>
+          </a:p>
+          <a:p>
+            <a:pPr lvl="1"/>
+            <a:r>
+              <a:rPr lang="en-US" b="1" dirty="0"/>
+              <a:t>Integration Testing </a:t>
+            </a:r>
+            <a:r>
+              <a:rPr lang="en-US" dirty="0"/>
+              <a:t>to check the interactions between software components to reveal any functional errors.</a:t>
+            </a:r>
+          </a:p>
+          <a:p>
+            <a:pPr lvl="1"/>
+            <a:r>
+              <a:rPr lang="en-US" b="1" dirty="0"/>
+              <a:t>Alpha Testing </a:t>
+            </a:r>
+            <a:r>
+              <a:rPr lang="en-US" dirty="0"/>
+              <a:t>to simulate the regular operation of the system to ensure that it could execute uninterrupted successfully to achieve all goals outlined.</a:t>
+            </a:r>
+            <a:endParaRPr lang="en-AG" dirty="0"/>
           </a:p>
         </p:txBody>
       </p:sp>
     </p:spTree>
     <p:extLst>
       <p:ext uri="{BB962C8B-B14F-4D97-AF65-F5344CB8AC3E}">
-        <p14:creationId xmlns:p14="http://schemas.microsoft.com/office/powerpoint/2010/main" val="2025893077"/>
+        <p14:creationId xmlns:p14="http://schemas.microsoft.com/office/powerpoint/2010/main" val="20411672"/>
       </p:ext>
     </p:extLst>
   </p:cSld>
@@ -18794,11 +19094,7 @@
           <a:p>
             <a:r>
               <a:rPr lang="en-US" b="1" dirty="0"/>
-              <a:t>Unit testing </a:t>
-            </a:r>
-            <a:r>
-              <a:rPr lang="en-US" b="1" dirty="0" smtClean="0"/>
-              <a:t>Cases CONT’D</a:t>
+              <a:t>Unit testing Cases</a:t>
             </a:r>
             <a:endParaRPr lang="en-AG" b="1" dirty="0"/>
           </a:p>
@@ -18832,92 +19128,55 @@
           <a:p>
             <a:r>
               <a:rPr lang="en-US" b="1" dirty="0"/>
-              <a:t>Test Scenario </a:t>
-            </a:r>
-            <a:r>
-              <a:rPr lang="en-US" b="1" dirty="0" smtClean="0"/>
-              <a:t>1</a:t>
-            </a:r>
-            <a:endParaRPr lang="en-US" b="1" dirty="0"/>
-          </a:p>
-          <a:p>
-            <a:endParaRPr lang="en-029" i="1" dirty="0" smtClean="0"/>
-          </a:p>
-          <a:p>
-            <a:pPr marL="0" indent="0">
-              <a:buNone/>
-            </a:pPr>
-            <a:r>
-              <a:rPr lang="en-029" i="1" dirty="0" smtClean="0"/>
-              <a:t>	Let </a:t>
-            </a:r>
-            <a:r>
-              <a:rPr lang="en-029" i="1" dirty="0"/>
-              <a:t>Guest Name = G and Child Name = C</a:t>
-            </a:r>
-            <a:endParaRPr lang="en-GB" dirty="0"/>
-          </a:p>
-          <a:p>
-            <a:pPr marL="0" indent="0">
-              <a:buNone/>
-            </a:pPr>
-            <a:r>
-              <a:rPr lang="en-029" dirty="0"/>
-              <a:t> </a:t>
-            </a:r>
-            <a:endParaRPr lang="en-GB" dirty="0"/>
-          </a:p>
-          <a:p>
-            <a:r>
-              <a:rPr lang="en-029" b="1" u="sng" dirty="0"/>
-              <a:t>Equivalence Class Partitioning (Test Scenario 1-1 to 1-2)                                          </a:t>
-            </a:r>
-            <a:endParaRPr lang="en-GB" b="1" dirty="0"/>
-          </a:p>
-          <a:p>
-            <a:pPr marL="0" indent="0">
-              <a:buNone/>
-            </a:pPr>
-            <a:r>
-              <a:rPr lang="en-029" dirty="0"/>
-              <a:t> </a:t>
-            </a:r>
-            <a:endParaRPr lang="en-GB" dirty="0"/>
-          </a:p>
-          <a:p>
-            <a:pPr marL="0" indent="0">
-              <a:buNone/>
-            </a:pPr>
-            <a:r>
-              <a:rPr lang="en-029" dirty="0" smtClean="0"/>
-              <a:t>	G </a:t>
-            </a:r>
-            <a:r>
-              <a:rPr lang="en-029" dirty="0"/>
-              <a:t>= 0, C = 0 satisfies G &lt; 1 and C &lt; 1</a:t>
-            </a:r>
-            <a:endParaRPr lang="en-GB" dirty="0"/>
-          </a:p>
-          <a:p>
-            <a:pPr marL="0" indent="0">
-              <a:buNone/>
-            </a:pPr>
-            <a:r>
-              <a:rPr lang="en-029" dirty="0" smtClean="0"/>
-              <a:t>	G </a:t>
-            </a:r>
-            <a:r>
-              <a:rPr lang="en-029" dirty="0"/>
-              <a:t>= 3, C = 3 satisfies G &gt;= 1 and C &gt;= 1</a:t>
-            </a:r>
-            <a:endParaRPr lang="en-GB" dirty="0"/>
+              <a:t>Test Scenario 1</a:t>
+            </a:r>
+          </a:p>
+          <a:p>
+            <a:r>
+              <a:rPr lang="en-US" dirty="0"/>
+              <a:t>These series of tests were used to test the unit function that stores the Guest and Child Name of a Guest User. Both ECP and BVA were test various data lengths entered into text boxes</a:t>
+            </a:r>
+            <a:r>
+              <a:rPr lang="en-US" dirty="0" smtClean="0"/>
+              <a:t>.</a:t>
+            </a:r>
+            <a:endParaRPr lang="en-US" dirty="0"/>
+          </a:p>
+          <a:p>
+            <a:pPr lvl="1"/>
+            <a:r>
+              <a:rPr lang="en-US" dirty="0"/>
+              <a:t>Scenario 1-1 was to confirm the unit function would store strings as long as one character. The function executed successfully with </a:t>
+            </a:r>
+            <a:r>
+              <a:rPr lang="en-US" dirty="0" smtClean="0"/>
+              <a:t>strings </a:t>
+            </a:r>
+            <a:r>
+              <a:rPr lang="en-US" dirty="0"/>
+              <a:t>that were 3-4 characters in length.</a:t>
+            </a:r>
+          </a:p>
+          <a:p>
+            <a:pPr lvl="1"/>
+            <a:r>
+              <a:rPr lang="en-US" dirty="0"/>
+              <a:t> Scenario 1-2 was to confirm if the unit function would not allow empty fields. The function refused to accept empty fields, prompting the user to enter values.</a:t>
+            </a:r>
+          </a:p>
+          <a:p>
+            <a:pPr lvl="1"/>
+            <a:r>
+              <a:rPr lang="en-US" dirty="0"/>
+              <a:t>Scenario 1-3 was to confirm a valid amount for both fields. The minimum and maximum values for both fields is 1 and 20 respectively. Both fields were filled with 10 characters which were accepted.</a:t>
+            </a:r>
           </a:p>
         </p:txBody>
       </p:sp>
     </p:spTree>
     <p:extLst>
       <p:ext uri="{BB962C8B-B14F-4D97-AF65-F5344CB8AC3E}">
-        <p14:creationId xmlns:p14="http://schemas.microsoft.com/office/powerpoint/2010/main" val="2930873707"/>
+        <p14:creationId xmlns:p14="http://schemas.microsoft.com/office/powerpoint/2010/main" val="1613446803"/>
       </p:ext>
     </p:extLst>
   </p:cSld>
@@ -18983,42 +19242,88 @@
             </a:r>
             <a:r>
               <a:rPr lang="en-US" b="1" dirty="0" smtClean="0"/>
-              <a:t>Cases cont’d - ECP</a:t>
+              <a:t>Cases </a:t>
+            </a:r>
+            <a:r>
+              <a:rPr lang="en-US" b="1" dirty="0"/>
+              <a:t>cont’d</a:t>
             </a:r>
             <a:endParaRPr lang="en-AG" b="1" dirty="0"/>
           </a:p>
         </p:txBody>
       </p:sp>
-      <p:pic>
-        <p:nvPicPr>
-          <p:cNvPr id="4" name="Content Placeholder 3"/>
-          <p:cNvPicPr>
-            <a:picLocks noGrp="1" noChangeAspect="1"/>
-          </p:cNvPicPr>
+      <p:sp>
+        <p:nvSpPr>
+          <p:cNvPr id="3" name="Content Placeholder 2">
+            <a:extLst>
+              <a:ext uri="{FF2B5EF4-FFF2-40B4-BE49-F238E27FC236}">
+                <a16:creationId xmlns:a16="http://schemas.microsoft.com/office/drawing/2014/main" id="{EB5C3AB9-1754-47DC-BB81-0761F384C88D}"/>
+              </a:ext>
+            </a:extLst>
+          </p:cNvPr>
+          <p:cNvSpPr>
+            <a:spLocks noGrp="1"/>
+          </p:cNvSpPr>
           <p:nvPr>
             <p:ph idx="1"/>
           </p:nvPr>
-        </p:nvPicPr>
-        <p:blipFill>
-          <a:blip r:embed="rId2"/>
-          <a:stretch>
-            <a:fillRect/>
-          </a:stretch>
-        </p:blipFill>
+        </p:nvSpPr>
         <p:spPr>
           <a:xfrm>
-            <a:off x="1355725" y="1478570"/>
-            <a:ext cx="8629495" cy="4070892"/>
+            <a:off x="1141412" y="1478570"/>
+            <a:ext cx="9905999" cy="5203584"/>
           </a:xfrm>
-          <a:prstGeom prst="rect">
-            <a:avLst/>
-          </a:prstGeom>
         </p:spPr>
-      </p:pic>
+        <p:txBody>
+          <a:bodyPr/>
+          <a:lstStyle/>
+          <a:p>
+            <a:pPr lvl="1"/>
+            <a:r>
+              <a:rPr lang="en-US" dirty="0"/>
+              <a:t>Scenario 1-4 was to confirm that 1 character was a valid amount for both fields. The function executed successfully.</a:t>
+            </a:r>
+          </a:p>
+          <a:p>
+            <a:pPr lvl="1"/>
+            <a:r>
+              <a:rPr lang="en-US" dirty="0"/>
+              <a:t>Scenario 1- 5 was to confirm that 2 characters was a valid amount for both fields. The function executed successfully.</a:t>
+            </a:r>
+          </a:p>
+          <a:p>
+            <a:pPr lvl="1"/>
+            <a:r>
+              <a:rPr lang="en-US" dirty="0"/>
+              <a:t>Scenario 1- 6 was to confirm that the limit of 20 characters is a valid amount for both fields. The function executed successfully.</a:t>
+            </a:r>
+          </a:p>
+          <a:p>
+            <a:pPr lvl="1"/>
+            <a:r>
+              <a:rPr lang="en-US" dirty="0"/>
+              <a:t>Scenario 1 – 7 was to confirm that 19 characters, just below the limit is a valid amount for both fields. The function  executed successfully.</a:t>
+            </a:r>
+          </a:p>
+          <a:p>
+            <a:pPr lvl="1"/>
+            <a:endParaRPr lang="en-US" dirty="0"/>
+          </a:p>
+          <a:p>
+            <a:pPr marL="457200" lvl="1" indent="0">
+              <a:buNone/>
+            </a:pPr>
+            <a:r>
+              <a:rPr lang="en-US" sz="2400" dirty="0"/>
+              <a:t>These test cases had a high adequacy since they were able to satisfy BVA conditions in just five test cases.</a:t>
+            </a:r>
+          </a:p>
+        </p:txBody>
+      </p:sp>
     </p:spTree>
     <p:extLst>
       <p:ext uri="{BB962C8B-B14F-4D97-AF65-F5344CB8AC3E}">
-        <p14:creationId xmlns:p14="http://schemas.microsoft.com/office/powerpoint/2010/main" val="540783867"/>
+        <p14:creationId xmlns:p14="http://schemas.microsoft.com/office/powerpoint/2010/main" val="2025893077"/>
       </p:ext>
     </p:extLst>
   </p:cSld>
@@ -19113,9 +19418,7 @@
           </a:xfrm>
         </p:spPr>
         <p:txBody>
-          <a:bodyPr>
-            <a:normAutofit fontScale="92500" lnSpcReduction="20000"/>
-          </a:bodyPr>
+          <a:bodyPr/>
           <a:lstStyle/>
           <a:p>
             <a:r>
@@ -19129,47 +19432,21 @@
             <a:endParaRPr lang="en-US" b="1" dirty="0"/>
           </a:p>
           <a:p>
+            <a:endParaRPr lang="en-029" i="1" dirty="0" smtClean="0"/>
+          </a:p>
+          <a:p>
             <a:pPr marL="0" indent="0">
               <a:buNone/>
             </a:pPr>
             <a:r>
               <a:rPr lang="en-029" i="1" dirty="0" smtClean="0"/>
-              <a:t>	</a:t>
-            </a:r>
-          </a:p>
-          <a:p>
-            <a:pPr marL="0" indent="0">
-              <a:buNone/>
-            </a:pPr>
+              <a:t>	Let </a:t>
+            </a:r>
             <a:r>
               <a:rPr lang="en-029" i="1" dirty="0"/>
-              <a:t>	</a:t>
-            </a:r>
-            <a:r>
-              <a:rPr lang="en-029" i="1" dirty="0" smtClean="0"/>
-              <a:t>Let </a:t>
-            </a:r>
-            <a:r>
-              <a:rPr lang="en-029" i="1" dirty="0"/>
-              <a:t>Guest Name = G and Child Name = </a:t>
-            </a:r>
-            <a:r>
-              <a:rPr lang="en-029" i="1" dirty="0" smtClean="0"/>
-              <a:t>C</a:t>
-            </a:r>
-          </a:p>
-          <a:p>
-            <a:pPr marL="0" indent="0">
-              <a:buNone/>
-            </a:pPr>
-            <a:endParaRPr lang="en-029" i="1" dirty="0"/>
-          </a:p>
-          <a:p>
-            <a:r>
-              <a:rPr lang="en-029" b="1" u="sng" dirty="0"/>
-              <a:t>Boundary Value Analysis (Test Scenario 1-3 to 1-7)</a:t>
-            </a:r>
-            <a:endParaRPr lang="en-GB" b="1" dirty="0"/>
+              <a:t>Guest Name = G and Child Name = C</a:t>
+            </a:r>
+            <a:endParaRPr lang="en-GB" dirty="0"/>
           </a:p>
           <a:p>
             <a:pPr marL="0" indent="0">
@@ -19182,6 +19459,23 @@
             <a:endParaRPr lang="en-GB" dirty="0"/>
           </a:p>
           <a:p>
+            <a:r>
+              <a:rPr lang="en-029" b="1" u="sng" dirty="0"/>
+              <a:t>Equivalence Class Partitioning (Test Scenario 1-1 to 1-2)                                          </a:t>
+            </a:r>
+            <a:endParaRPr lang="en-GB" b="1" dirty="0"/>
+          </a:p>
+          <a:p>
+            <a:pPr marL="0" indent="0">
+              <a:buNone/>
+            </a:pPr>
+            <a:r>
+              <a:rPr lang="en-029" dirty="0"/>
+              <a:t> </a:t>
+            </a:r>
+            <a:endParaRPr lang="en-GB" dirty="0"/>
+          </a:p>
+          <a:p>
             <a:pPr marL="0" indent="0">
               <a:buNone/>
             </a:pPr>
@@ -19191,7 +19485,7 @@
             </a:r>
             <a:r>
               <a:rPr lang="en-029" dirty="0"/>
-              <a:t>= 10, C = 10 satisfies nominal values for G and C</a:t>
+              <a:t>= 0, C = 0 satisfies G &lt; 1 and C &lt; 1</a:t>
             </a:r>
             <a:endParaRPr lang="en-GB" dirty="0"/>
           </a:p>
@@ -19205,56 +19499,8 @@
             </a:r>
             <a:r>
               <a:rPr lang="en-029" dirty="0"/>
-              <a:t>= 1, C =1 satisfies minimum for G and C</a:t>
-            </a:r>
-            <a:endParaRPr lang="en-GB" dirty="0"/>
-          </a:p>
-          <a:p>
-            <a:pPr marL="0" indent="0">
-              <a:buNone/>
-            </a:pPr>
-            <a:r>
-              <a:rPr lang="en-029" dirty="0" smtClean="0"/>
-              <a:t>	G </a:t>
-            </a:r>
-            <a:r>
-              <a:rPr lang="en-029" dirty="0"/>
-              <a:t>= 2, C = 2 satisfies just above minimum for G and C</a:t>
-            </a:r>
-            <a:endParaRPr lang="en-GB" dirty="0"/>
-          </a:p>
-          <a:p>
-            <a:pPr marL="0" indent="0">
-              <a:buNone/>
-            </a:pPr>
-            <a:r>
-              <a:rPr lang="en-029" dirty="0" smtClean="0"/>
-              <a:t>	G </a:t>
-            </a:r>
-            <a:r>
-              <a:rPr lang="en-029" dirty="0"/>
-              <a:t>= 20, C = 20 satisfies maximum for G and C</a:t>
-            </a:r>
-            <a:endParaRPr lang="en-GB" dirty="0"/>
-          </a:p>
-          <a:p>
-            <a:pPr marL="0" indent="0">
-              <a:buNone/>
-            </a:pPr>
-            <a:r>
-              <a:rPr lang="en-029" dirty="0" smtClean="0"/>
-              <a:t>	G </a:t>
-            </a:r>
-            <a:r>
-              <a:rPr lang="en-029" dirty="0"/>
-              <a:t>= 19, C = 19 satisfies just below maximum for G and C</a:t>
-            </a:r>
-            <a:endParaRPr lang="en-GB" dirty="0"/>
-          </a:p>
-          <a:p>
-            <a:pPr marL="0" indent="0">
-              <a:buNone/>
-            </a:pPr>
+              <a:t>= 3, C = 3 satisfies G &gt;= 1 and C &gt;= 1</a:t>
+            </a:r>
             <a:endParaRPr lang="en-GB" dirty="0"/>
           </a:p>
         </p:txBody>
@@ -19262,7 +19508,7 @@
     </p:spTree>
     <p:extLst>
       <p:ext uri="{BB962C8B-B14F-4D97-AF65-F5344CB8AC3E}">
-        <p14:creationId xmlns:p14="http://schemas.microsoft.com/office/powerpoint/2010/main" val="3305442305"/>
+        <p14:creationId xmlns:p14="http://schemas.microsoft.com/office/powerpoint/2010/main" val="2930873707"/>
       </p:ext>
     </p:extLst>
   </p:cSld>

--- a/Documentation/Group Presentation.pptx
+++ b/Documentation/Group Presentation.pptx
@@ -18380,7 +18380,7 @@
           <a:p>
             <a:r>
               <a:rPr lang="en-US" b="1" smtClean="0"/>
-              <a:t>Introduction CONT’DW</a:t>
+              <a:t>Introduction CONT’D</a:t>
             </a:r>
             <a:endParaRPr lang="en-AG" b="1" dirty="0"/>
           </a:p>
